--- a/10005.pptx
+++ b/10005.pptx
@@ -5,7 +5,7 @@
     <p:sldMasterId id="2147483648" r:id="rId1"/>
   </p:sldMasterIdLst>
   <p:notesMasterIdLst>
-    <p:notesMasterId r:id="rId42"/>
+    <p:notesMasterId r:id="rId46"/>
   </p:notesMasterIdLst>
   <p:sldIdLst>
     <p:sldId id="256" r:id="rId2"/>
@@ -23,31 +23,35 @@
     <p:sldId id="270" r:id="rId14"/>
     <p:sldId id="271" r:id="rId15"/>
     <p:sldId id="272" r:id="rId16"/>
-    <p:sldId id="273" r:id="rId17"/>
-    <p:sldId id="274" r:id="rId18"/>
-    <p:sldId id="275" r:id="rId19"/>
-    <p:sldId id="276" r:id="rId20"/>
-    <p:sldId id="277" r:id="rId21"/>
-    <p:sldId id="278" r:id="rId22"/>
-    <p:sldId id="280" r:id="rId23"/>
-    <p:sldId id="281" r:id="rId24"/>
-    <p:sldId id="282" r:id="rId25"/>
-    <p:sldId id="283" r:id="rId26"/>
-    <p:sldId id="284" r:id="rId27"/>
-    <p:sldId id="285" r:id="rId28"/>
-    <p:sldId id="286" r:id="rId29"/>
-    <p:sldId id="287" r:id="rId30"/>
-    <p:sldId id="288" r:id="rId31"/>
-    <p:sldId id="289" r:id="rId32"/>
-    <p:sldId id="290" r:id="rId33"/>
-    <p:sldId id="291" r:id="rId34"/>
-    <p:sldId id="292" r:id="rId35"/>
-    <p:sldId id="293" r:id="rId36"/>
-    <p:sldId id="294" r:id="rId37"/>
-    <p:sldId id="295" r:id="rId38"/>
-    <p:sldId id="296" r:id="rId39"/>
-    <p:sldId id="264" r:id="rId40"/>
-    <p:sldId id="279" r:id="rId41"/>
+    <p:sldId id="297" r:id="rId17"/>
+    <p:sldId id="298" r:id="rId18"/>
+    <p:sldId id="299" r:id="rId19"/>
+    <p:sldId id="300" r:id="rId20"/>
+    <p:sldId id="273" r:id="rId21"/>
+    <p:sldId id="274" r:id="rId22"/>
+    <p:sldId id="275" r:id="rId23"/>
+    <p:sldId id="276" r:id="rId24"/>
+    <p:sldId id="277" r:id="rId25"/>
+    <p:sldId id="278" r:id="rId26"/>
+    <p:sldId id="280" r:id="rId27"/>
+    <p:sldId id="281" r:id="rId28"/>
+    <p:sldId id="282" r:id="rId29"/>
+    <p:sldId id="283" r:id="rId30"/>
+    <p:sldId id="284" r:id="rId31"/>
+    <p:sldId id="285" r:id="rId32"/>
+    <p:sldId id="286" r:id="rId33"/>
+    <p:sldId id="287" r:id="rId34"/>
+    <p:sldId id="288" r:id="rId35"/>
+    <p:sldId id="289" r:id="rId36"/>
+    <p:sldId id="290" r:id="rId37"/>
+    <p:sldId id="291" r:id="rId38"/>
+    <p:sldId id="292" r:id="rId39"/>
+    <p:sldId id="293" r:id="rId40"/>
+    <p:sldId id="294" r:id="rId41"/>
+    <p:sldId id="295" r:id="rId42"/>
+    <p:sldId id="296" r:id="rId43"/>
+    <p:sldId id="264" r:id="rId44"/>
+    <p:sldId id="279" r:id="rId45"/>
   </p:sldIdLst>
   <p:sldSz cx="12192000" cy="6858000"/>
   <p:notesSz cx="6858000" cy="9144000"/>
@@ -146,6 +150,11 @@
       </a:defRPr>
     </a:lvl9pPr>
   </p:defaultTextStyle>
+  <p:extLst>
+    <p:ext uri="{EFAFB233-063F-42B5-8137-9DF3F51BA10A}">
+      <p15:sldGuideLst xmlns:p15="http://schemas.microsoft.com/office/powerpoint/2012/main"/>
+    </p:ext>
+  </p:extLst>
 </p:presentation>
 </file>
 
@@ -231,7 +240,7 @@
           <a:p>
             <a:fld id="{E9FE6BBB-D5A5-7141-AEBA-8CEA87D4F5EF}" type="datetimeFigureOut">
               <a:rPr lang="en-CN" smtClean="0"/>
-              <a:t>2022/3/30</a:t>
+              <a:t>2022/3/31</a:t>
             </a:fld>
             <a:endParaRPr lang="en-CN"/>
           </a:p>
@@ -564,7 +573,7 @@
           <a:p>
             <a:fld id="{556B9C3A-BF8B-9848-B244-0FCC3C7F68A3}" type="slidenum">
               <a:rPr lang="en-CN" smtClean="0"/>
-              <a:t>22</a:t>
+              <a:t>26</a:t>
             </a:fld>
             <a:endParaRPr lang="en-CN"/>
           </a:p>
@@ -648,7 +657,7 @@
           <a:p>
             <a:fld id="{556B9C3A-BF8B-9848-B244-0FCC3C7F68A3}" type="slidenum">
               <a:rPr lang="en-CN" smtClean="0"/>
-              <a:t>31</a:t>
+              <a:t>35</a:t>
             </a:fld>
             <a:endParaRPr lang="en-CN"/>
           </a:p>
@@ -732,7 +741,7 @@
           <a:p>
             <a:fld id="{556B9C3A-BF8B-9848-B244-0FCC3C7F68A3}" type="slidenum">
               <a:rPr lang="en-CN" smtClean="0"/>
-              <a:t>32</a:t>
+              <a:t>36</a:t>
             </a:fld>
             <a:endParaRPr lang="en-CN"/>
           </a:p>
@@ -816,7 +825,7 @@
           <a:p>
             <a:fld id="{556B9C3A-BF8B-9848-B244-0FCC3C7F68A3}" type="slidenum">
               <a:rPr lang="en-CN" smtClean="0"/>
-              <a:t>33</a:t>
+              <a:t>37</a:t>
             </a:fld>
             <a:endParaRPr lang="en-CN"/>
           </a:p>
@@ -900,7 +909,7 @@
           <a:p>
             <a:fld id="{556B9C3A-BF8B-9848-B244-0FCC3C7F68A3}" type="slidenum">
               <a:rPr lang="en-CN" smtClean="0"/>
-              <a:t>34</a:t>
+              <a:t>38</a:t>
             </a:fld>
             <a:endParaRPr lang="en-CN"/>
           </a:p>
@@ -984,7 +993,7 @@
           <a:p>
             <a:fld id="{556B9C3A-BF8B-9848-B244-0FCC3C7F68A3}" type="slidenum">
               <a:rPr lang="en-CN" smtClean="0"/>
-              <a:t>35</a:t>
+              <a:t>39</a:t>
             </a:fld>
             <a:endParaRPr lang="en-CN"/>
           </a:p>
@@ -1068,7 +1077,7 @@
           <a:p>
             <a:fld id="{556B9C3A-BF8B-9848-B244-0FCC3C7F68A3}" type="slidenum">
               <a:rPr lang="en-CN" smtClean="0"/>
-              <a:t>36</a:t>
+              <a:t>40</a:t>
             </a:fld>
             <a:endParaRPr lang="en-CN"/>
           </a:p>
@@ -1152,7 +1161,7 @@
           <a:p>
             <a:fld id="{556B9C3A-BF8B-9848-B244-0FCC3C7F68A3}" type="slidenum">
               <a:rPr lang="en-CN" smtClean="0"/>
-              <a:t>37</a:t>
+              <a:t>41</a:t>
             </a:fld>
             <a:endParaRPr lang="en-CN"/>
           </a:p>
@@ -1236,7 +1245,7 @@
           <a:p>
             <a:fld id="{556B9C3A-BF8B-9848-B244-0FCC3C7F68A3}" type="slidenum">
               <a:rPr lang="en-CN" smtClean="0"/>
-              <a:t>38</a:t>
+              <a:t>42</a:t>
             </a:fld>
             <a:endParaRPr lang="en-CN"/>
           </a:p>
@@ -1320,7 +1329,7 @@
           <a:p>
             <a:fld id="{556B9C3A-BF8B-9848-B244-0FCC3C7F68A3}" type="slidenum">
               <a:rPr lang="en-CN" smtClean="0"/>
-              <a:t>23</a:t>
+              <a:t>27</a:t>
             </a:fld>
             <a:endParaRPr lang="en-CN"/>
           </a:p>
@@ -1404,7 +1413,7 @@
           <a:p>
             <a:fld id="{556B9C3A-BF8B-9848-B244-0FCC3C7F68A3}" type="slidenum">
               <a:rPr lang="en-CN" smtClean="0"/>
-              <a:t>24</a:t>
+              <a:t>28</a:t>
             </a:fld>
             <a:endParaRPr lang="en-CN"/>
           </a:p>
@@ -1488,7 +1497,7 @@
           <a:p>
             <a:fld id="{556B9C3A-BF8B-9848-B244-0FCC3C7F68A3}" type="slidenum">
               <a:rPr lang="en-CN" smtClean="0"/>
-              <a:t>25</a:t>
+              <a:t>29</a:t>
             </a:fld>
             <a:endParaRPr lang="en-CN"/>
           </a:p>
@@ -1572,7 +1581,7 @@
           <a:p>
             <a:fld id="{556B9C3A-BF8B-9848-B244-0FCC3C7F68A3}" type="slidenum">
               <a:rPr lang="en-CN" smtClean="0"/>
-              <a:t>26</a:t>
+              <a:t>30</a:t>
             </a:fld>
             <a:endParaRPr lang="en-CN"/>
           </a:p>
@@ -1656,7 +1665,7 @@
           <a:p>
             <a:fld id="{556B9C3A-BF8B-9848-B244-0FCC3C7F68A3}" type="slidenum">
               <a:rPr lang="en-CN" smtClean="0"/>
-              <a:t>27</a:t>
+              <a:t>31</a:t>
             </a:fld>
             <a:endParaRPr lang="en-CN"/>
           </a:p>
@@ -1740,7 +1749,7 @@
           <a:p>
             <a:fld id="{556B9C3A-BF8B-9848-B244-0FCC3C7F68A3}" type="slidenum">
               <a:rPr lang="en-CN" smtClean="0"/>
-              <a:t>28</a:t>
+              <a:t>32</a:t>
             </a:fld>
             <a:endParaRPr lang="en-CN"/>
           </a:p>
@@ -1824,7 +1833,7 @@
           <a:p>
             <a:fld id="{556B9C3A-BF8B-9848-B244-0FCC3C7F68A3}" type="slidenum">
               <a:rPr lang="en-CN" smtClean="0"/>
-              <a:t>29</a:t>
+              <a:t>33</a:t>
             </a:fld>
             <a:endParaRPr lang="en-CN"/>
           </a:p>
@@ -1908,7 +1917,7 @@
           <a:p>
             <a:fld id="{556B9C3A-BF8B-9848-B244-0FCC3C7F68A3}" type="slidenum">
               <a:rPr lang="en-CN" smtClean="0"/>
-              <a:t>30</a:t>
+              <a:t>34</a:t>
             </a:fld>
             <a:endParaRPr lang="en-CN"/>
           </a:p>
@@ -2076,7 +2085,7 @@
           <a:p>
             <a:fld id="{D0EB0D52-F4E5-E14B-B6C0-2CA121D04724}" type="datetimeFigureOut">
               <a:rPr lang="en-CN" smtClean="0"/>
-              <a:t>2022/3/30</a:t>
+              <a:t>2022/3/31</a:t>
             </a:fld>
             <a:endParaRPr lang="en-CN"/>
           </a:p>
@@ -2276,7 +2285,7 @@
           <a:p>
             <a:fld id="{D0EB0D52-F4E5-E14B-B6C0-2CA121D04724}" type="datetimeFigureOut">
               <a:rPr lang="en-CN" smtClean="0"/>
-              <a:t>2022/3/30</a:t>
+              <a:t>2022/3/31</a:t>
             </a:fld>
             <a:endParaRPr lang="en-CN"/>
           </a:p>
@@ -2486,7 +2495,7 @@
           <a:p>
             <a:fld id="{D0EB0D52-F4E5-E14B-B6C0-2CA121D04724}" type="datetimeFigureOut">
               <a:rPr lang="en-CN" smtClean="0"/>
-              <a:t>2022/3/30</a:t>
+              <a:t>2022/3/31</a:t>
             </a:fld>
             <a:endParaRPr lang="en-CN"/>
           </a:p>
@@ -2686,7 +2695,7 @@
           <a:p>
             <a:fld id="{D0EB0D52-F4E5-E14B-B6C0-2CA121D04724}" type="datetimeFigureOut">
               <a:rPr lang="en-CN" smtClean="0"/>
-              <a:t>2022/3/30</a:t>
+              <a:t>2022/3/31</a:t>
             </a:fld>
             <a:endParaRPr lang="en-CN"/>
           </a:p>
@@ -2962,7 +2971,7 @@
           <a:p>
             <a:fld id="{D0EB0D52-F4E5-E14B-B6C0-2CA121D04724}" type="datetimeFigureOut">
               <a:rPr lang="en-CN" smtClean="0"/>
-              <a:t>2022/3/30</a:t>
+              <a:t>2022/3/31</a:t>
             </a:fld>
             <a:endParaRPr lang="en-CN"/>
           </a:p>
@@ -3230,7 +3239,7 @@
           <a:p>
             <a:fld id="{D0EB0D52-F4E5-E14B-B6C0-2CA121D04724}" type="datetimeFigureOut">
               <a:rPr lang="en-CN" smtClean="0"/>
-              <a:t>2022/3/30</a:t>
+              <a:t>2022/3/31</a:t>
             </a:fld>
             <a:endParaRPr lang="en-CN"/>
           </a:p>
@@ -3645,7 +3654,7 @@
           <a:p>
             <a:fld id="{D0EB0D52-F4E5-E14B-B6C0-2CA121D04724}" type="datetimeFigureOut">
               <a:rPr lang="en-CN" smtClean="0"/>
-              <a:t>2022/3/30</a:t>
+              <a:t>2022/3/31</a:t>
             </a:fld>
             <a:endParaRPr lang="en-CN"/>
           </a:p>
@@ -3787,7 +3796,7 @@
           <a:p>
             <a:fld id="{D0EB0D52-F4E5-E14B-B6C0-2CA121D04724}" type="datetimeFigureOut">
               <a:rPr lang="en-CN" smtClean="0"/>
-              <a:t>2022/3/30</a:t>
+              <a:t>2022/3/31</a:t>
             </a:fld>
             <a:endParaRPr lang="en-CN"/>
           </a:p>
@@ -3900,7 +3909,7 @@
           <a:p>
             <a:fld id="{D0EB0D52-F4E5-E14B-B6C0-2CA121D04724}" type="datetimeFigureOut">
               <a:rPr lang="en-CN" smtClean="0"/>
-              <a:t>2022/3/30</a:t>
+              <a:t>2022/3/31</a:t>
             </a:fld>
             <a:endParaRPr lang="en-CN"/>
           </a:p>
@@ -4213,7 +4222,7 @@
           <a:p>
             <a:fld id="{D0EB0D52-F4E5-E14B-B6C0-2CA121D04724}" type="datetimeFigureOut">
               <a:rPr lang="en-CN" smtClean="0"/>
-              <a:t>2022/3/30</a:t>
+              <a:t>2022/3/31</a:t>
             </a:fld>
             <a:endParaRPr lang="en-CN"/>
           </a:p>
@@ -4502,7 +4511,7 @@
           <a:p>
             <a:fld id="{D0EB0D52-F4E5-E14B-B6C0-2CA121D04724}" type="datetimeFigureOut">
               <a:rPr lang="en-CN" smtClean="0"/>
-              <a:t>2022/3/30</a:t>
+              <a:t>2022/3/31</a:t>
             </a:fld>
             <a:endParaRPr lang="en-CN"/>
           </a:p>
@@ -4745,7 +4754,7 @@
           <a:p>
             <a:fld id="{D0EB0D52-F4E5-E14B-B6C0-2CA121D04724}" type="datetimeFigureOut">
               <a:rPr lang="en-CN" smtClean="0"/>
-              <a:t>2022/3/30</a:t>
+              <a:t>2022/3/31</a:t>
             </a:fld>
             <a:endParaRPr lang="en-CN"/>
           </a:p>
@@ -5362,13 +5371,13 @@
   <p:clrMapOvr>
     <a:masterClrMapping/>
   </p:clrMapOvr>
-  <mc:AlternateContent xmlns:mc="http://schemas.openxmlformats.org/markup-compatibility/2006">
-    <mc:Choice xmlns:p14="http://schemas.microsoft.com/office/powerpoint/2010/main" Requires="p14">
+  <mc:AlternateContent xmlns:mc="http://schemas.openxmlformats.org/markup-compatibility/2006" xmlns:p14="http://schemas.microsoft.com/office/powerpoint/2010/main">
+    <mc:Choice Requires="p14">
       <p:transition spd="med" p14:dur="700">
         <p:fade/>
       </p:transition>
     </mc:Choice>
-    <mc:Fallback>
+    <mc:Fallback xmlns="">
       <p:transition spd="med">
         <p:fade/>
       </p:transition>
@@ -5598,13 +5607,13 @@
   <p:clrMapOvr>
     <a:masterClrMapping/>
   </p:clrMapOvr>
-  <mc:AlternateContent xmlns:mc="http://schemas.openxmlformats.org/markup-compatibility/2006">
-    <mc:Choice xmlns:p14="http://schemas.microsoft.com/office/powerpoint/2010/main" Requires="p14">
+  <mc:AlternateContent xmlns:mc="http://schemas.openxmlformats.org/markup-compatibility/2006" xmlns:p14="http://schemas.microsoft.com/office/powerpoint/2010/main">
+    <mc:Choice Requires="p14">
       <p:transition spd="med" p14:dur="700">
         <p:fade/>
       </p:transition>
     </mc:Choice>
-    <mc:Fallback>
+    <mc:Fallback xmlns="">
       <p:transition spd="med">
         <p:fade/>
       </p:transition>
@@ -6057,13 +6066,13 @@
   <p:clrMapOvr>
     <a:masterClrMapping/>
   </p:clrMapOvr>
-  <mc:AlternateContent xmlns:mc="http://schemas.openxmlformats.org/markup-compatibility/2006">
-    <mc:Choice xmlns:p14="http://schemas.microsoft.com/office/powerpoint/2010/main" Requires="p14">
+  <mc:AlternateContent xmlns:mc="http://schemas.openxmlformats.org/markup-compatibility/2006" xmlns:p14="http://schemas.microsoft.com/office/powerpoint/2010/main">
+    <mc:Choice Requires="p14">
       <p:transition spd="med" p14:dur="700">
         <p:fade/>
       </p:transition>
     </mc:Choice>
-    <mc:Fallback>
+    <mc:Fallback xmlns="">
       <p:transition spd="med">
         <p:fade/>
       </p:transition>
@@ -6750,13 +6759,13 @@
   <p:clrMapOvr>
     <a:masterClrMapping/>
   </p:clrMapOvr>
-  <mc:AlternateContent xmlns:mc="http://schemas.openxmlformats.org/markup-compatibility/2006">
-    <mc:Choice xmlns:p14="http://schemas.microsoft.com/office/powerpoint/2010/main" Requires="p14">
+  <mc:AlternateContent xmlns:mc="http://schemas.openxmlformats.org/markup-compatibility/2006" xmlns:p14="http://schemas.microsoft.com/office/powerpoint/2010/main">
+    <mc:Choice Requires="p14">
       <p:transition spd="med" p14:dur="700">
         <p:fade/>
       </p:transition>
     </mc:Choice>
-    <mc:Fallback>
+    <mc:Fallback xmlns="">
       <p:transition spd="med">
         <p:fade/>
       </p:transition>
@@ -7405,13 +7414,13 @@
   <p:clrMapOvr>
     <a:masterClrMapping/>
   </p:clrMapOvr>
-  <mc:AlternateContent xmlns:mc="http://schemas.openxmlformats.org/markup-compatibility/2006">
-    <mc:Choice xmlns:p14="http://schemas.microsoft.com/office/powerpoint/2010/main" Requires="p14">
+  <mc:AlternateContent xmlns:mc="http://schemas.openxmlformats.org/markup-compatibility/2006" xmlns:p14="http://schemas.microsoft.com/office/powerpoint/2010/main">
+    <mc:Choice Requires="p14">
       <p:transition spd="med" p14:dur="700">
         <p:fade/>
       </p:transition>
     </mc:Choice>
-    <mc:Fallback>
+    <mc:Fallback xmlns="">
       <p:transition spd="med">
         <p:fade/>
       </p:transition>
@@ -7963,13 +7972,13 @@
   <p:clrMapOvr>
     <a:masterClrMapping/>
   </p:clrMapOvr>
-  <mc:AlternateContent xmlns:mc="http://schemas.openxmlformats.org/markup-compatibility/2006">
-    <mc:Choice xmlns:p14="http://schemas.microsoft.com/office/powerpoint/2010/main" Requires="p14">
+  <mc:AlternateContent xmlns:mc="http://schemas.openxmlformats.org/markup-compatibility/2006" xmlns:p14="http://schemas.microsoft.com/office/powerpoint/2010/main">
+    <mc:Choice Requires="p14">
       <p:transition spd="med" p14:dur="700">
         <p:fade/>
       </p:transition>
     </mc:Choice>
-    <mc:Fallback>
+    <mc:Fallback xmlns="">
       <p:transition spd="med">
         <p:fade/>
       </p:transition>
@@ -8235,8 +8244,37 @@
                 <a:ea typeface="Songti TC" panose="02010600040101010101" pitchFamily="2" charset="-120"/>
                 <a:cs typeface="Times New Roman" panose="02020603050405020304" pitchFamily="18" charset="0"/>
               </a:rPr>
-              <a:t>灰色预测模型</a:t>
-            </a:r>
+              <a:t>Gray Box Model</a:t>
+            </a:r>
+            <a:r>
+              <a:rPr lang="zh-CN" altLang="en-US" dirty="0">
+                <a:latin typeface="Times New Roman" panose="02020603050405020304" pitchFamily="18" charset="0"/>
+                <a:ea typeface="Songti TC" panose="02010600040101010101" pitchFamily="2" charset="-120"/>
+                <a:cs typeface="Times New Roman" panose="02020603050405020304" pitchFamily="18" charset="0"/>
+              </a:rPr>
+              <a:t> </a:t>
+            </a:r>
+            <a:r>
+              <a:rPr lang="en-US" altLang="zh-CN" dirty="0">
+                <a:latin typeface="Times New Roman" panose="02020603050405020304" pitchFamily="18" charset="0"/>
+                <a:ea typeface="Songti TC" panose="02010600040101010101" pitchFamily="2" charset="-120"/>
+                <a:cs typeface="Times New Roman" panose="02020603050405020304" pitchFamily="18" charset="0"/>
+              </a:rPr>
+              <a:t>– </a:t>
+            </a:r>
+            <a:r>
+              <a:rPr lang="en-US" altLang="zh-CN" dirty="0" err="1">
+                <a:latin typeface="Times New Roman" panose="02020603050405020304" pitchFamily="18" charset="0"/>
+                <a:ea typeface="Songti TC" panose="02010600040101010101" pitchFamily="2" charset="-120"/>
+                <a:cs typeface="Times New Roman" panose="02020603050405020304" pitchFamily="18" charset="0"/>
+              </a:rPr>
+              <a:t>CrisperDong</a:t>
+            </a:r>
+            <a:endParaRPr lang="en-CN" dirty="0">
+              <a:latin typeface="Times New Roman" panose="02020603050405020304" pitchFamily="18" charset="0"/>
+              <a:ea typeface="Songti TC" panose="02010600040101010101" pitchFamily="2" charset="-120"/>
+              <a:cs typeface="Times New Roman" panose="02020603050405020304" pitchFamily="18" charset="0"/>
+            </a:endParaRPr>
           </a:p>
         </p:txBody>
       </p:sp>
@@ -8261,7 +8299,95 @@
           <a:bodyPr/>
           <a:lstStyle/>
           <a:p>
-            <a:endParaRPr lang="en-CN" dirty="0"/>
+            <a:r>
+              <a:rPr lang="en-CN" dirty="0">
+                <a:latin typeface="Times New Roman" panose="02020603050405020304" pitchFamily="18" charset="0"/>
+                <a:cs typeface="Times New Roman" panose="02020603050405020304" pitchFamily="18" charset="0"/>
+              </a:rPr>
+              <a:t>Reasons why Logistic Regression is not Scientific:</a:t>
+            </a:r>
+          </a:p>
+          <a:p>
+            <a:pPr lvl="1"/>
+            <a:r>
+              <a:rPr lang="en-CN" dirty="0">
+                <a:latin typeface="Times New Roman" panose="02020603050405020304" pitchFamily="18" charset="0"/>
+                <a:cs typeface="Times New Roman" panose="02020603050405020304" pitchFamily="18" charset="0"/>
+              </a:rPr>
+              <a:t>The Maximum of Energy Consumption is not Obvious</a:t>
+            </a:r>
+          </a:p>
+          <a:p>
+            <a:pPr lvl="1"/>
+            <a:r>
+              <a:rPr lang="en-CN" dirty="0">
+                <a:latin typeface="Times New Roman" panose="02020603050405020304" pitchFamily="18" charset="0"/>
+                <a:cs typeface="Times New Roman" panose="02020603050405020304" pitchFamily="18" charset="0"/>
+              </a:rPr>
+              <a:t>The production of Electricity will increase as Technology develops through time</a:t>
+            </a:r>
+          </a:p>
+          <a:p>
+            <a:r>
+              <a:rPr lang="en-CN" dirty="0">
+                <a:latin typeface="Times New Roman" panose="02020603050405020304" pitchFamily="18" charset="0"/>
+                <a:cs typeface="Times New Roman" panose="02020603050405020304" pitchFamily="18" charset="0"/>
+              </a:rPr>
+              <a:t>What is </a:t>
+            </a:r>
+            <a:r>
+              <a:rPr lang="en-CN" b="1" dirty="0">
+                <a:latin typeface="Times New Roman" panose="02020603050405020304" pitchFamily="18" charset="0"/>
+                <a:cs typeface="Times New Roman" panose="02020603050405020304" pitchFamily="18" charset="0"/>
+              </a:rPr>
+              <a:t>Gray Box Model</a:t>
+            </a:r>
+            <a:r>
+              <a:rPr lang="en-CN" dirty="0">
+                <a:latin typeface="Times New Roman" panose="02020603050405020304" pitchFamily="18" charset="0"/>
+                <a:cs typeface="Times New Roman" panose="02020603050405020304" pitchFamily="18" charset="0"/>
+              </a:rPr>
+              <a:t>?</a:t>
+            </a:r>
+          </a:p>
+          <a:p>
+            <a:pPr lvl="1"/>
+            <a:r>
+              <a:rPr lang="en-CN" dirty="0">
+                <a:latin typeface="Times New Roman" panose="02020603050405020304" pitchFamily="18" charset="0"/>
+                <a:cs typeface="Times New Roman" panose="02020603050405020304" pitchFamily="18" charset="0"/>
+              </a:rPr>
+              <a:t>A prediction method</a:t>
+            </a:r>
+          </a:p>
+          <a:p>
+            <a:pPr lvl="1"/>
+            <a:r>
+              <a:rPr lang="en-CN" dirty="0">
+                <a:latin typeface="Times New Roman" panose="02020603050405020304" pitchFamily="18" charset="0"/>
+                <a:cs typeface="Times New Roman" panose="02020603050405020304" pitchFamily="18" charset="0"/>
+              </a:rPr>
+              <a:t>Mathematical Basis: Differential Equation</a:t>
+            </a:r>
+          </a:p>
+          <a:p>
+            <a:pPr lvl="1"/>
+            <a:r>
+              <a:rPr lang="en-CN" dirty="0">
+                <a:latin typeface="Times New Roman" panose="02020603050405020304" pitchFamily="18" charset="0"/>
+                <a:cs typeface="Times New Roman" panose="02020603050405020304" pitchFamily="18" charset="0"/>
+              </a:rPr>
+              <a:t>A long-term description of a Development Trend</a:t>
+            </a:r>
+          </a:p>
+          <a:p>
+            <a:r>
+              <a:rPr lang="en-CN" dirty="0">
+                <a:latin typeface="Times New Roman" panose="02020603050405020304" pitchFamily="18" charset="0"/>
+                <a:cs typeface="Times New Roman" panose="02020603050405020304" pitchFamily="18" charset="0"/>
+              </a:rPr>
+              <a:t>Mathematical Derivation Process is tedious</a:t>
+            </a:r>
           </a:p>
         </p:txBody>
       </p:sp>
@@ -8333,22 +8459,4447 @@
   <p:clrMapOvr>
     <a:masterClrMapping/>
   </p:clrMapOvr>
-  <mc:AlternateContent xmlns:mc="http://schemas.openxmlformats.org/markup-compatibility/2006">
-    <mc:Choice xmlns:p14="http://schemas.microsoft.com/office/powerpoint/2010/main" Requires="p14">
+  <mc:AlternateContent xmlns:mc="http://schemas.openxmlformats.org/markup-compatibility/2006" xmlns:p14="http://schemas.microsoft.com/office/powerpoint/2010/main">
+    <mc:Choice Requires="p14">
       <p:transition spd="med" p14:dur="700">
         <p:fade/>
       </p:transition>
     </mc:Choice>
-    <mc:Fallback>
+    <mc:Fallback xmlns="">
       <p:transition spd="med">
         <p:fade/>
       </p:transition>
     </mc:Fallback>
   </mc:AlternateContent>
+  <p:timing>
+    <p:tnLst>
+      <p:par>
+        <p:cTn id="1" dur="indefinite" restart="never" nodeType="tmRoot">
+          <p:childTnLst>
+            <p:seq concurrent="1" nextAc="seek">
+              <p:cTn id="2" dur="indefinite" nodeType="mainSeq">
+                <p:childTnLst>
+                  <p:par>
+                    <p:cTn id="3" fill="hold">
+                      <p:stCondLst>
+                        <p:cond delay="indefinite"/>
+                      </p:stCondLst>
+                      <p:childTnLst>
+                        <p:par>
+                          <p:cTn id="4" fill="hold">
+                            <p:stCondLst>
+                              <p:cond delay="0"/>
+                            </p:stCondLst>
+                            <p:childTnLst>
+                              <p:par>
+                                <p:cTn id="5" presetID="9" presetClass="entr" presetSubtype="0" fill="hold" nodeType="clickEffect">
+                                  <p:stCondLst>
+                                    <p:cond delay="0"/>
+                                  </p:stCondLst>
+                                  <p:childTnLst>
+                                    <p:set>
+                                      <p:cBhvr>
+                                        <p:cTn id="6" dur="1" fill="hold">
+                                          <p:stCondLst>
+                                            <p:cond delay="0"/>
+                                          </p:stCondLst>
+                                        </p:cTn>
+                                        <p:tgtEl>
+                                          <p:spTgt spid="3">
+                                            <p:txEl>
+                                              <p:pRg st="0" end="0"/>
+                                            </p:txEl>
+                                          </p:spTgt>
+                                        </p:tgtEl>
+                                        <p:attrNameLst>
+                                          <p:attrName>style.visibility</p:attrName>
+                                        </p:attrNameLst>
+                                      </p:cBhvr>
+                                      <p:to>
+                                        <p:strVal val="visible"/>
+                                      </p:to>
+                                    </p:set>
+                                    <p:animEffect transition="in" filter="dissolve">
+                                      <p:cBhvr>
+                                        <p:cTn id="7" dur="500"/>
+                                        <p:tgtEl>
+                                          <p:spTgt spid="3">
+                                            <p:txEl>
+                                              <p:pRg st="0" end="0"/>
+                                            </p:txEl>
+                                          </p:spTgt>
+                                        </p:tgtEl>
+                                      </p:cBhvr>
+                                    </p:animEffect>
+                                  </p:childTnLst>
+                                </p:cTn>
+                              </p:par>
+                            </p:childTnLst>
+                          </p:cTn>
+                        </p:par>
+                      </p:childTnLst>
+                    </p:cTn>
+                  </p:par>
+                  <p:par>
+                    <p:cTn id="8" fill="hold">
+                      <p:stCondLst>
+                        <p:cond delay="indefinite"/>
+                      </p:stCondLst>
+                      <p:childTnLst>
+                        <p:par>
+                          <p:cTn id="9" fill="hold">
+                            <p:stCondLst>
+                              <p:cond delay="0"/>
+                            </p:stCondLst>
+                            <p:childTnLst>
+                              <p:par>
+                                <p:cTn id="10" presetID="9" presetClass="entr" presetSubtype="0" fill="hold" nodeType="clickEffect">
+                                  <p:stCondLst>
+                                    <p:cond delay="0"/>
+                                  </p:stCondLst>
+                                  <p:childTnLst>
+                                    <p:set>
+                                      <p:cBhvr>
+                                        <p:cTn id="11" dur="1" fill="hold">
+                                          <p:stCondLst>
+                                            <p:cond delay="0"/>
+                                          </p:stCondLst>
+                                        </p:cTn>
+                                        <p:tgtEl>
+                                          <p:spTgt spid="3">
+                                            <p:txEl>
+                                              <p:pRg st="1" end="1"/>
+                                            </p:txEl>
+                                          </p:spTgt>
+                                        </p:tgtEl>
+                                        <p:attrNameLst>
+                                          <p:attrName>style.visibility</p:attrName>
+                                        </p:attrNameLst>
+                                      </p:cBhvr>
+                                      <p:to>
+                                        <p:strVal val="visible"/>
+                                      </p:to>
+                                    </p:set>
+                                    <p:animEffect transition="in" filter="dissolve">
+                                      <p:cBhvr>
+                                        <p:cTn id="12" dur="500"/>
+                                        <p:tgtEl>
+                                          <p:spTgt spid="3">
+                                            <p:txEl>
+                                              <p:pRg st="1" end="1"/>
+                                            </p:txEl>
+                                          </p:spTgt>
+                                        </p:tgtEl>
+                                      </p:cBhvr>
+                                    </p:animEffect>
+                                  </p:childTnLst>
+                                </p:cTn>
+                              </p:par>
+                            </p:childTnLst>
+                          </p:cTn>
+                        </p:par>
+                      </p:childTnLst>
+                    </p:cTn>
+                  </p:par>
+                  <p:par>
+                    <p:cTn id="13" fill="hold">
+                      <p:stCondLst>
+                        <p:cond delay="indefinite"/>
+                      </p:stCondLst>
+                      <p:childTnLst>
+                        <p:par>
+                          <p:cTn id="14" fill="hold">
+                            <p:stCondLst>
+                              <p:cond delay="0"/>
+                            </p:stCondLst>
+                            <p:childTnLst>
+                              <p:par>
+                                <p:cTn id="15" presetID="9" presetClass="entr" presetSubtype="0" fill="hold" nodeType="clickEffect">
+                                  <p:stCondLst>
+                                    <p:cond delay="0"/>
+                                  </p:stCondLst>
+                                  <p:childTnLst>
+                                    <p:set>
+                                      <p:cBhvr>
+                                        <p:cTn id="16" dur="1" fill="hold">
+                                          <p:stCondLst>
+                                            <p:cond delay="0"/>
+                                          </p:stCondLst>
+                                        </p:cTn>
+                                        <p:tgtEl>
+                                          <p:spTgt spid="3">
+                                            <p:txEl>
+                                              <p:pRg st="2" end="2"/>
+                                            </p:txEl>
+                                          </p:spTgt>
+                                        </p:tgtEl>
+                                        <p:attrNameLst>
+                                          <p:attrName>style.visibility</p:attrName>
+                                        </p:attrNameLst>
+                                      </p:cBhvr>
+                                      <p:to>
+                                        <p:strVal val="visible"/>
+                                      </p:to>
+                                    </p:set>
+                                    <p:animEffect transition="in" filter="dissolve">
+                                      <p:cBhvr>
+                                        <p:cTn id="17" dur="500"/>
+                                        <p:tgtEl>
+                                          <p:spTgt spid="3">
+                                            <p:txEl>
+                                              <p:pRg st="2" end="2"/>
+                                            </p:txEl>
+                                          </p:spTgt>
+                                        </p:tgtEl>
+                                      </p:cBhvr>
+                                    </p:animEffect>
+                                  </p:childTnLst>
+                                </p:cTn>
+                              </p:par>
+                            </p:childTnLst>
+                          </p:cTn>
+                        </p:par>
+                      </p:childTnLst>
+                    </p:cTn>
+                  </p:par>
+                  <p:par>
+                    <p:cTn id="18" fill="hold">
+                      <p:stCondLst>
+                        <p:cond delay="indefinite"/>
+                      </p:stCondLst>
+                      <p:childTnLst>
+                        <p:par>
+                          <p:cTn id="19" fill="hold">
+                            <p:stCondLst>
+                              <p:cond delay="0"/>
+                            </p:stCondLst>
+                            <p:childTnLst>
+                              <p:par>
+                                <p:cTn id="20" presetID="9" presetClass="entr" presetSubtype="0" fill="hold" nodeType="clickEffect">
+                                  <p:stCondLst>
+                                    <p:cond delay="0"/>
+                                  </p:stCondLst>
+                                  <p:childTnLst>
+                                    <p:set>
+                                      <p:cBhvr>
+                                        <p:cTn id="21" dur="1" fill="hold">
+                                          <p:stCondLst>
+                                            <p:cond delay="0"/>
+                                          </p:stCondLst>
+                                        </p:cTn>
+                                        <p:tgtEl>
+                                          <p:spTgt spid="3">
+                                            <p:txEl>
+                                              <p:pRg st="3" end="3"/>
+                                            </p:txEl>
+                                          </p:spTgt>
+                                        </p:tgtEl>
+                                        <p:attrNameLst>
+                                          <p:attrName>style.visibility</p:attrName>
+                                        </p:attrNameLst>
+                                      </p:cBhvr>
+                                      <p:to>
+                                        <p:strVal val="visible"/>
+                                      </p:to>
+                                    </p:set>
+                                    <p:animEffect transition="in" filter="dissolve">
+                                      <p:cBhvr>
+                                        <p:cTn id="22" dur="500"/>
+                                        <p:tgtEl>
+                                          <p:spTgt spid="3">
+                                            <p:txEl>
+                                              <p:pRg st="3" end="3"/>
+                                            </p:txEl>
+                                          </p:spTgt>
+                                        </p:tgtEl>
+                                      </p:cBhvr>
+                                    </p:animEffect>
+                                  </p:childTnLst>
+                                </p:cTn>
+                              </p:par>
+                            </p:childTnLst>
+                          </p:cTn>
+                        </p:par>
+                      </p:childTnLst>
+                    </p:cTn>
+                  </p:par>
+                  <p:par>
+                    <p:cTn id="23" fill="hold">
+                      <p:stCondLst>
+                        <p:cond delay="indefinite"/>
+                      </p:stCondLst>
+                      <p:childTnLst>
+                        <p:par>
+                          <p:cTn id="24" fill="hold">
+                            <p:stCondLst>
+                              <p:cond delay="0"/>
+                            </p:stCondLst>
+                            <p:childTnLst>
+                              <p:par>
+                                <p:cTn id="25" presetID="9" presetClass="entr" presetSubtype="0" fill="hold" nodeType="clickEffect">
+                                  <p:stCondLst>
+                                    <p:cond delay="0"/>
+                                  </p:stCondLst>
+                                  <p:childTnLst>
+                                    <p:set>
+                                      <p:cBhvr>
+                                        <p:cTn id="26" dur="1" fill="hold">
+                                          <p:stCondLst>
+                                            <p:cond delay="0"/>
+                                          </p:stCondLst>
+                                        </p:cTn>
+                                        <p:tgtEl>
+                                          <p:spTgt spid="3">
+                                            <p:txEl>
+                                              <p:pRg st="4" end="4"/>
+                                            </p:txEl>
+                                          </p:spTgt>
+                                        </p:tgtEl>
+                                        <p:attrNameLst>
+                                          <p:attrName>style.visibility</p:attrName>
+                                        </p:attrNameLst>
+                                      </p:cBhvr>
+                                      <p:to>
+                                        <p:strVal val="visible"/>
+                                      </p:to>
+                                    </p:set>
+                                    <p:animEffect transition="in" filter="dissolve">
+                                      <p:cBhvr>
+                                        <p:cTn id="27" dur="500"/>
+                                        <p:tgtEl>
+                                          <p:spTgt spid="3">
+                                            <p:txEl>
+                                              <p:pRg st="4" end="4"/>
+                                            </p:txEl>
+                                          </p:spTgt>
+                                        </p:tgtEl>
+                                      </p:cBhvr>
+                                    </p:animEffect>
+                                  </p:childTnLst>
+                                </p:cTn>
+                              </p:par>
+                            </p:childTnLst>
+                          </p:cTn>
+                        </p:par>
+                      </p:childTnLst>
+                    </p:cTn>
+                  </p:par>
+                  <p:par>
+                    <p:cTn id="28" fill="hold">
+                      <p:stCondLst>
+                        <p:cond delay="indefinite"/>
+                      </p:stCondLst>
+                      <p:childTnLst>
+                        <p:par>
+                          <p:cTn id="29" fill="hold">
+                            <p:stCondLst>
+                              <p:cond delay="0"/>
+                            </p:stCondLst>
+                            <p:childTnLst>
+                              <p:par>
+                                <p:cTn id="30" presetID="9" presetClass="entr" presetSubtype="0" fill="hold" nodeType="clickEffect">
+                                  <p:stCondLst>
+                                    <p:cond delay="0"/>
+                                  </p:stCondLst>
+                                  <p:childTnLst>
+                                    <p:set>
+                                      <p:cBhvr>
+                                        <p:cTn id="31" dur="1" fill="hold">
+                                          <p:stCondLst>
+                                            <p:cond delay="0"/>
+                                          </p:stCondLst>
+                                        </p:cTn>
+                                        <p:tgtEl>
+                                          <p:spTgt spid="3">
+                                            <p:txEl>
+                                              <p:pRg st="5" end="5"/>
+                                            </p:txEl>
+                                          </p:spTgt>
+                                        </p:tgtEl>
+                                        <p:attrNameLst>
+                                          <p:attrName>style.visibility</p:attrName>
+                                        </p:attrNameLst>
+                                      </p:cBhvr>
+                                      <p:to>
+                                        <p:strVal val="visible"/>
+                                      </p:to>
+                                    </p:set>
+                                    <p:animEffect transition="in" filter="dissolve">
+                                      <p:cBhvr>
+                                        <p:cTn id="32" dur="500"/>
+                                        <p:tgtEl>
+                                          <p:spTgt spid="3">
+                                            <p:txEl>
+                                              <p:pRg st="5" end="5"/>
+                                            </p:txEl>
+                                          </p:spTgt>
+                                        </p:tgtEl>
+                                      </p:cBhvr>
+                                    </p:animEffect>
+                                  </p:childTnLst>
+                                </p:cTn>
+                              </p:par>
+                            </p:childTnLst>
+                          </p:cTn>
+                        </p:par>
+                      </p:childTnLst>
+                    </p:cTn>
+                  </p:par>
+                  <p:par>
+                    <p:cTn id="33" fill="hold">
+                      <p:stCondLst>
+                        <p:cond delay="indefinite"/>
+                      </p:stCondLst>
+                      <p:childTnLst>
+                        <p:par>
+                          <p:cTn id="34" fill="hold">
+                            <p:stCondLst>
+                              <p:cond delay="0"/>
+                            </p:stCondLst>
+                            <p:childTnLst>
+                              <p:par>
+                                <p:cTn id="35" presetID="9" presetClass="entr" presetSubtype="0" fill="hold" nodeType="clickEffect">
+                                  <p:stCondLst>
+                                    <p:cond delay="0"/>
+                                  </p:stCondLst>
+                                  <p:childTnLst>
+                                    <p:set>
+                                      <p:cBhvr>
+                                        <p:cTn id="36" dur="1" fill="hold">
+                                          <p:stCondLst>
+                                            <p:cond delay="0"/>
+                                          </p:stCondLst>
+                                        </p:cTn>
+                                        <p:tgtEl>
+                                          <p:spTgt spid="3">
+                                            <p:txEl>
+                                              <p:pRg st="6" end="6"/>
+                                            </p:txEl>
+                                          </p:spTgt>
+                                        </p:tgtEl>
+                                        <p:attrNameLst>
+                                          <p:attrName>style.visibility</p:attrName>
+                                        </p:attrNameLst>
+                                      </p:cBhvr>
+                                      <p:to>
+                                        <p:strVal val="visible"/>
+                                      </p:to>
+                                    </p:set>
+                                    <p:animEffect transition="in" filter="dissolve">
+                                      <p:cBhvr>
+                                        <p:cTn id="37" dur="500"/>
+                                        <p:tgtEl>
+                                          <p:spTgt spid="3">
+                                            <p:txEl>
+                                              <p:pRg st="6" end="6"/>
+                                            </p:txEl>
+                                          </p:spTgt>
+                                        </p:tgtEl>
+                                      </p:cBhvr>
+                                    </p:animEffect>
+                                  </p:childTnLst>
+                                </p:cTn>
+                              </p:par>
+                            </p:childTnLst>
+                          </p:cTn>
+                        </p:par>
+                      </p:childTnLst>
+                    </p:cTn>
+                  </p:par>
+                  <p:par>
+                    <p:cTn id="38" fill="hold">
+                      <p:stCondLst>
+                        <p:cond delay="indefinite"/>
+                      </p:stCondLst>
+                      <p:childTnLst>
+                        <p:par>
+                          <p:cTn id="39" fill="hold">
+                            <p:stCondLst>
+                              <p:cond delay="0"/>
+                            </p:stCondLst>
+                            <p:childTnLst>
+                              <p:par>
+                                <p:cTn id="40" presetID="9" presetClass="entr" presetSubtype="0" fill="hold" nodeType="clickEffect">
+                                  <p:stCondLst>
+                                    <p:cond delay="0"/>
+                                  </p:stCondLst>
+                                  <p:childTnLst>
+                                    <p:set>
+                                      <p:cBhvr>
+                                        <p:cTn id="41" dur="1" fill="hold">
+                                          <p:stCondLst>
+                                            <p:cond delay="0"/>
+                                          </p:stCondLst>
+                                        </p:cTn>
+                                        <p:tgtEl>
+                                          <p:spTgt spid="3">
+                                            <p:txEl>
+                                              <p:pRg st="7" end="7"/>
+                                            </p:txEl>
+                                          </p:spTgt>
+                                        </p:tgtEl>
+                                        <p:attrNameLst>
+                                          <p:attrName>style.visibility</p:attrName>
+                                        </p:attrNameLst>
+                                      </p:cBhvr>
+                                      <p:to>
+                                        <p:strVal val="visible"/>
+                                      </p:to>
+                                    </p:set>
+                                    <p:animEffect transition="in" filter="dissolve">
+                                      <p:cBhvr>
+                                        <p:cTn id="42" dur="500"/>
+                                        <p:tgtEl>
+                                          <p:spTgt spid="3">
+                                            <p:txEl>
+                                              <p:pRg st="7" end="7"/>
+                                            </p:txEl>
+                                          </p:spTgt>
+                                        </p:tgtEl>
+                                      </p:cBhvr>
+                                    </p:animEffect>
+                                  </p:childTnLst>
+                                </p:cTn>
+                              </p:par>
+                            </p:childTnLst>
+                          </p:cTn>
+                        </p:par>
+                      </p:childTnLst>
+                    </p:cTn>
+                  </p:par>
+                </p:childTnLst>
+              </p:cTn>
+              <p:prevCondLst>
+                <p:cond evt="onPrev" delay="0">
+                  <p:tgtEl>
+                    <p:sldTgt/>
+                  </p:tgtEl>
+                </p:cond>
+              </p:prevCondLst>
+              <p:nextCondLst>
+                <p:cond evt="onNext" delay="0">
+                  <p:tgtEl>
+                    <p:sldTgt/>
+                  </p:tgtEl>
+                </p:cond>
+              </p:nextCondLst>
+            </p:seq>
+          </p:childTnLst>
+        </p:cTn>
+      </p:par>
+    </p:tnLst>
+  </p:timing>
 </p:sld>
 </file>
 
 <file path=ppt/slides/slide16.xml><?xml version="1.0" encoding="utf-8"?>
+<p:sld xmlns:a="http://schemas.openxmlformats.org/drawingml/2006/main" xmlns:r="http://schemas.openxmlformats.org/officeDocument/2006/relationships" xmlns:p="http://schemas.openxmlformats.org/presentationml/2006/main">
+  <p:cSld>
+    <p:spTree>
+      <p:nvGrpSpPr>
+        <p:cNvPr id="1" name=""/>
+        <p:cNvGrpSpPr/>
+        <p:nvPr/>
+      </p:nvGrpSpPr>
+      <p:grpSpPr>
+        <a:xfrm>
+          <a:off x="0" y="0"/>
+          <a:ext cx="0" cy="0"/>
+          <a:chOff x="0" y="0"/>
+          <a:chExt cx="0" cy="0"/>
+        </a:xfrm>
+      </p:grpSpPr>
+      <p:sp>
+        <p:nvSpPr>
+          <p:cNvPr id="2" name="Title 1">
+            <a:extLst>
+              <a:ext uri="{FF2B5EF4-FFF2-40B4-BE49-F238E27FC236}">
+                <a16:creationId xmlns:a16="http://schemas.microsoft.com/office/drawing/2014/main" id="{C91301E0-FE01-AC48-A6E6-F097952D91EC}"/>
+              </a:ext>
+            </a:extLst>
+          </p:cNvPr>
+          <p:cNvSpPr>
+            <a:spLocks noGrp="1"/>
+          </p:cNvSpPr>
+          <p:nvPr>
+            <p:ph type="title"/>
+          </p:nvPr>
+        </p:nvSpPr>
+        <p:spPr/>
+        <p:txBody>
+          <a:bodyPr/>
+          <a:lstStyle/>
+          <a:p>
+            <a:r>
+              <a:rPr lang="en-CN" dirty="0">
+                <a:latin typeface="Times New Roman" panose="02020603050405020304" pitchFamily="18" charset="0"/>
+                <a:ea typeface="Songti TC" panose="02010600040101010101" pitchFamily="2" charset="-120"/>
+                <a:cs typeface="Times New Roman" panose="02020603050405020304" pitchFamily="18" charset="0"/>
+              </a:rPr>
+              <a:t>Gray Box Model</a:t>
+            </a:r>
+            <a:r>
+              <a:rPr lang="zh-CN" altLang="en-US" dirty="0">
+                <a:latin typeface="Times New Roman" panose="02020603050405020304" pitchFamily="18" charset="0"/>
+                <a:ea typeface="Songti TC" panose="02010600040101010101" pitchFamily="2" charset="-120"/>
+                <a:cs typeface="Times New Roman" panose="02020603050405020304" pitchFamily="18" charset="0"/>
+              </a:rPr>
+              <a:t> </a:t>
+            </a:r>
+            <a:r>
+              <a:rPr lang="en-US" altLang="zh-CN" dirty="0">
+                <a:latin typeface="Times New Roman" panose="02020603050405020304" pitchFamily="18" charset="0"/>
+                <a:ea typeface="Songti TC" panose="02010600040101010101" pitchFamily="2" charset="-120"/>
+                <a:cs typeface="Times New Roman" panose="02020603050405020304" pitchFamily="18" charset="0"/>
+              </a:rPr>
+              <a:t>– </a:t>
+            </a:r>
+            <a:r>
+              <a:rPr lang="en-US" altLang="zh-CN" dirty="0" err="1">
+                <a:latin typeface="Times New Roman" panose="02020603050405020304" pitchFamily="18" charset="0"/>
+                <a:ea typeface="Songti TC" panose="02010600040101010101" pitchFamily="2" charset="-120"/>
+                <a:cs typeface="Times New Roman" panose="02020603050405020304" pitchFamily="18" charset="0"/>
+              </a:rPr>
+              <a:t>CrisperDong</a:t>
+            </a:r>
+            <a:endParaRPr lang="en-CN" dirty="0">
+              <a:latin typeface="Times New Roman" panose="02020603050405020304" pitchFamily="18" charset="0"/>
+              <a:ea typeface="Songti TC" panose="02010600040101010101" pitchFamily="2" charset="-120"/>
+              <a:cs typeface="Times New Roman" panose="02020603050405020304" pitchFamily="18" charset="0"/>
+            </a:endParaRPr>
+          </a:p>
+        </p:txBody>
+      </p:sp>
+      <mc:AlternateContent xmlns:mc="http://schemas.openxmlformats.org/markup-compatibility/2006">
+        <mc:Choice xmlns:a14="http://schemas.microsoft.com/office/drawing/2010/main" Requires="a14">
+          <p:sp>
+            <p:nvSpPr>
+              <p:cNvPr id="3" name="Content Placeholder 2">
+                <a:extLst>
+                  <a:ext uri="{FF2B5EF4-FFF2-40B4-BE49-F238E27FC236}">
+                    <a16:creationId xmlns:a16="http://schemas.microsoft.com/office/drawing/2014/main" id="{34252F14-9A4A-6A46-B00A-DCDBC337298D}"/>
+                  </a:ext>
+                </a:extLst>
+              </p:cNvPr>
+              <p:cNvSpPr>
+                <a:spLocks noGrp="1"/>
+              </p:cNvSpPr>
+              <p:nvPr>
+                <p:ph idx="1"/>
+              </p:nvPr>
+            </p:nvSpPr>
+            <p:spPr/>
+            <p:txBody>
+              <a:bodyPr/>
+              <a:lstStyle/>
+              <a:p>
+                <a14:m>
+                  <m:oMath xmlns:m="http://schemas.openxmlformats.org/officeDocument/2006/math">
+                    <m:r>
+                      <m:rPr>
+                        <m:sty m:val="p"/>
+                      </m:rPr>
+                      <a:rPr lang="en-US" b="0" i="0" smtClean="0">
+                        <a:latin typeface="Cambria Math" panose="02040503050406030204" pitchFamily="18" charset="0"/>
+                        <a:cs typeface="Times New Roman" panose="02020603050405020304" pitchFamily="18" charset="0"/>
+                      </a:rPr>
+                      <m:t>GM</m:t>
+                    </m:r>
+                    <m:r>
+                      <a:rPr lang="en-US" b="0" i="0" smtClean="0">
+                        <a:latin typeface="Cambria Math" panose="02040503050406030204" pitchFamily="18" charset="0"/>
+                        <a:cs typeface="Times New Roman" panose="02020603050405020304" pitchFamily="18" charset="0"/>
+                      </a:rPr>
+                      <m:t>(1, 1)</m:t>
+                    </m:r>
+                  </m:oMath>
+                </a14:m>
+                <a:r>
+                  <a:rPr lang="en-CN" dirty="0">
+                    <a:latin typeface="Times New Roman" panose="02020603050405020304" pitchFamily="18" charset="0"/>
+                    <a:cs typeface="Times New Roman" panose="02020603050405020304" pitchFamily="18" charset="0"/>
+                  </a:rPr>
+                  <a:t> will be employed</a:t>
+                </a:r>
+                <a:r>
+                  <a:rPr lang="en-US" altLang="zh-CN" dirty="0">
+                    <a:latin typeface="Times New Roman" panose="02020603050405020304" pitchFamily="18" charset="0"/>
+                    <a:cs typeface="Times New Roman" panose="02020603050405020304" pitchFamily="18" charset="0"/>
+                  </a:rPr>
+                  <a:t>. Define:</a:t>
+                </a:r>
+              </a:p>
+              <a:p>
+                <a:endParaRPr lang="en-US" altLang="zh-CN" dirty="0">
+                  <a:latin typeface="Times New Roman" panose="02020603050405020304" pitchFamily="18" charset="0"/>
+                  <a:cs typeface="Times New Roman" panose="02020603050405020304" pitchFamily="18" charset="0"/>
+                </a:endParaRPr>
+              </a:p>
+              <a:p>
+                <a:r>
+                  <a:rPr lang="en-US" altLang="zh-CN" dirty="0">
+                    <a:latin typeface="Times New Roman" panose="02020603050405020304" pitchFamily="18" charset="0"/>
+                    <a:cs typeface="Times New Roman" panose="02020603050405020304" pitchFamily="18" charset="0"/>
+                  </a:rPr>
+                  <a:t>And Generate a New Sequence (accumulate):</a:t>
+                </a:r>
+              </a:p>
+              <a:p>
+                <a:endParaRPr lang="en-US" altLang="zh-CN" dirty="0">
+                  <a:latin typeface="Times New Roman" panose="02020603050405020304" pitchFamily="18" charset="0"/>
+                  <a:cs typeface="Times New Roman" panose="02020603050405020304" pitchFamily="18" charset="0"/>
+                </a:endParaRPr>
+              </a:p>
+              <a:p>
+                <a:r>
+                  <a:rPr lang="en-US" altLang="zh-CN" dirty="0">
+                    <a:latin typeface="Times New Roman" panose="02020603050405020304" pitchFamily="18" charset="0"/>
+                    <a:cs typeface="Times New Roman" panose="02020603050405020304" pitchFamily="18" charset="0"/>
+                  </a:rPr>
+                  <a:t>And define:</a:t>
+                </a:r>
+              </a:p>
+              <a:p>
+                <a:endParaRPr lang="en-US" altLang="zh-CN" dirty="0">
+                  <a:latin typeface="Times New Roman" panose="02020603050405020304" pitchFamily="18" charset="0"/>
+                  <a:cs typeface="Times New Roman" panose="02020603050405020304" pitchFamily="18" charset="0"/>
+                </a:endParaRPr>
+              </a:p>
+              <a:p>
+                <a:endParaRPr lang="en-US" altLang="zh-CN" dirty="0">
+                  <a:latin typeface="Times New Roman" panose="02020603050405020304" pitchFamily="18" charset="0"/>
+                  <a:cs typeface="Times New Roman" panose="02020603050405020304" pitchFamily="18" charset="0"/>
+                </a:endParaRPr>
+              </a:p>
+              <a:p>
+                <a:endParaRPr lang="en-CN" dirty="0">
+                  <a:latin typeface="Times New Roman" panose="02020603050405020304" pitchFamily="18" charset="0"/>
+                  <a:cs typeface="Times New Roman" panose="02020603050405020304" pitchFamily="18" charset="0"/>
+                </a:endParaRPr>
+              </a:p>
+            </p:txBody>
+          </p:sp>
+        </mc:Choice>
+        <mc:Fallback>
+          <p:sp>
+            <p:nvSpPr>
+              <p:cNvPr id="3" name="Content Placeholder 2">
+                <a:extLst>
+                  <a:ext uri="{FF2B5EF4-FFF2-40B4-BE49-F238E27FC236}">
+                    <a16:creationId xmlns:a16="http://schemas.microsoft.com/office/drawing/2014/main" id="{34252F14-9A4A-6A46-B00A-DCDBC337298D}"/>
+                  </a:ext>
+                </a:extLst>
+              </p:cNvPr>
+              <p:cNvSpPr>
+                <a:spLocks noGrp="1" noRot="1" noChangeAspect="1" noMove="1" noResize="1" noEditPoints="1" noAdjustHandles="1" noChangeArrowheads="1" noChangeShapeType="1" noTextEdit="1"/>
+              </p:cNvSpPr>
+              <p:nvPr>
+                <p:ph idx="1"/>
+              </p:nvPr>
+            </p:nvSpPr>
+            <p:spPr>
+              <a:blipFill>
+                <a:blip r:embed="rId3"/>
+                <a:stretch>
+                  <a:fillRect l="-1086" t="-2326"/>
+                </a:stretch>
+              </a:blipFill>
+            </p:spPr>
+            <p:txBody>
+              <a:bodyPr/>
+              <a:lstStyle/>
+              <a:p>
+                <a:r>
+                  <a:rPr lang="en-CN">
+                    <a:noFill/>
+                  </a:rPr>
+                  <a:t> </a:t>
+                </a:r>
+              </a:p>
+            </p:txBody>
+          </p:sp>
+        </mc:Fallback>
+      </mc:AlternateContent>
+      <p:pic>
+        <p:nvPicPr>
+          <p:cNvPr id="4" name="Picture 3" descr="Qr code&#10;&#10;Description automatically generated">
+            <a:extLst>
+              <a:ext uri="{FF2B5EF4-FFF2-40B4-BE49-F238E27FC236}">
+                <a16:creationId xmlns:a16="http://schemas.microsoft.com/office/drawing/2014/main" id="{ABCA9F6F-A1EC-1442-8186-B34A79E747F9}"/>
+              </a:ext>
+            </a:extLst>
+          </p:cNvPr>
+          <p:cNvPicPr>
+            <a:picLocks noChangeAspect="1"/>
+          </p:cNvPicPr>
+          <p:nvPr/>
+        </p:nvPicPr>
+        <p:blipFill rotWithShape="1">
+          <a:blip r:embed="rId4"/>
+          <a:srcRect l="9806" t="22114" r="9880" b="18699"/>
+          <a:stretch/>
+        </p:blipFill>
+        <p:spPr>
+          <a:xfrm>
+            <a:off x="8976732" y="155441"/>
+            <a:ext cx="1217865" cy="1227985"/>
+          </a:xfrm>
+          <a:prstGeom prst="rect">
+            <a:avLst/>
+          </a:prstGeom>
+        </p:spPr>
+      </p:pic>
+      <p:pic>
+        <p:nvPicPr>
+          <p:cNvPr id="5" name="Picture 4" descr="Logo&#10;&#10;Description automatically generated">
+            <a:extLst>
+              <a:ext uri="{FF2B5EF4-FFF2-40B4-BE49-F238E27FC236}">
+                <a16:creationId xmlns:a16="http://schemas.microsoft.com/office/drawing/2014/main" id="{46C48C6F-C99F-CB4F-B901-FF529E4D8C30}"/>
+              </a:ext>
+            </a:extLst>
+          </p:cNvPr>
+          <p:cNvPicPr>
+            <a:picLocks noChangeAspect="1"/>
+          </p:cNvPicPr>
+          <p:nvPr/>
+        </p:nvPicPr>
+        <p:blipFill rotWithShape="1">
+          <a:blip r:embed="rId5"/>
+          <a:srcRect l="10082" r="10082"/>
+          <a:stretch/>
+        </p:blipFill>
+        <p:spPr>
+          <a:xfrm>
+            <a:off x="10871914" y="155441"/>
+            <a:ext cx="1217865" cy="1217865"/>
+          </a:xfrm>
+          <a:prstGeom prst="rect">
+            <a:avLst/>
+          </a:prstGeom>
+        </p:spPr>
+      </p:pic>
+      <p:graphicFrame>
+        <p:nvGraphicFramePr>
+          <p:cNvPr id="8" name="Object 7">
+            <a:extLst>
+              <a:ext uri="{FF2B5EF4-FFF2-40B4-BE49-F238E27FC236}">
+                <a16:creationId xmlns:a16="http://schemas.microsoft.com/office/drawing/2014/main" id="{4DC20CF5-4898-B947-814C-45A0E071BDD9}"/>
+              </a:ext>
+            </a:extLst>
+          </p:cNvPr>
+          <p:cNvGraphicFramePr>
+            <a:graphicFrameLocks noChangeAspect="1"/>
+          </p:cNvGraphicFramePr>
+          <p:nvPr>
+            <p:extLst>
+              <p:ext uri="{D42A27DB-BD31-4B8C-83A1-F6EECF244321}">
+                <p14:modId xmlns:p14="http://schemas.microsoft.com/office/powerpoint/2010/main" val="791776362"/>
+              </p:ext>
+            </p:extLst>
+          </p:nvPr>
+        </p:nvGraphicFramePr>
+        <p:xfrm>
+          <a:off x="3991627" y="2291044"/>
+          <a:ext cx="4208746" cy="551967"/>
+        </p:xfrm>
+        <a:graphic>
+          <a:graphicData uri="http://schemas.openxmlformats.org/presentationml/2006/ole">
+            <mc:AlternateContent xmlns:mc="http://schemas.openxmlformats.org/markup-compatibility/2006">
+              <mc:Choice xmlns:v="urn:schemas-microsoft-com:vml" Requires="v">
+                <p:oleObj spid="_x0000_s1040" r:id="rId6" imgW="2324100" imgH="304800" progId="Equation.DSMT4">
+                  <p:embed/>
+                </p:oleObj>
+              </mc:Choice>
+              <mc:Fallback>
+                <p:oleObj r:id="rId6" imgW="2324100" imgH="304800" progId="Equation.DSMT4">
+                  <p:embed/>
+                  <p:pic>
+                    <p:nvPicPr>
+                      <p:cNvPr id="7" name="Object 6">
+                        <a:extLst>
+                          <a:ext uri="{FF2B5EF4-FFF2-40B4-BE49-F238E27FC236}">
+                            <a16:creationId xmlns:a16="http://schemas.microsoft.com/office/drawing/2014/main" id="{6E6F6F7C-CB10-DB4A-98DC-5B13B8964C20}"/>
+                          </a:ext>
+                        </a:extLst>
+                      </p:cNvPr>
+                      <p:cNvPicPr>
+                        <a:picLocks noChangeAspect="1" noChangeArrowheads="1"/>
+                      </p:cNvPicPr>
+                      <p:nvPr/>
+                    </p:nvPicPr>
+                    <p:blipFill>
+                      <a:blip r:embed="rId7">
+                        <a:extLst>
+                          <a:ext uri="{28A0092B-C50C-407E-A947-70E740481C1C}">
+                            <a14:useLocalDpi xmlns:a14="http://schemas.microsoft.com/office/drawing/2010/main" val="0"/>
+                          </a:ext>
+                        </a:extLst>
+                      </a:blip>
+                      <a:srcRect/>
+                      <a:stretch>
+                        <a:fillRect/>
+                      </a:stretch>
+                    </p:blipFill>
+                    <p:spPr bwMode="auto">
+                      <a:xfrm>
+                        <a:off x="3991627" y="2291044"/>
+                        <a:ext cx="4208746" cy="551967"/>
+                      </a:xfrm>
+                      <a:prstGeom prst="rect">
+                        <a:avLst/>
+                      </a:prstGeom>
+                      <a:noFill/>
+                    </p:spPr>
+                  </p:pic>
+                </p:oleObj>
+              </mc:Fallback>
+            </mc:AlternateContent>
+          </a:graphicData>
+        </a:graphic>
+      </p:graphicFrame>
+      <p:graphicFrame>
+        <p:nvGraphicFramePr>
+          <p:cNvPr id="10" name="Object 9">
+            <a:extLst>
+              <a:ext uri="{FF2B5EF4-FFF2-40B4-BE49-F238E27FC236}">
+                <a16:creationId xmlns:a16="http://schemas.microsoft.com/office/drawing/2014/main" id="{045046F9-DB87-E143-901B-61B9D53D5C1E}"/>
+              </a:ext>
+            </a:extLst>
+          </p:cNvPr>
+          <p:cNvGraphicFramePr>
+            <a:graphicFrameLocks noChangeAspect="1"/>
+          </p:cNvGraphicFramePr>
+          <p:nvPr>
+            <p:extLst>
+              <p:ext uri="{D42A27DB-BD31-4B8C-83A1-F6EECF244321}">
+                <p14:modId xmlns:p14="http://schemas.microsoft.com/office/powerpoint/2010/main" val="299461146"/>
+              </p:ext>
+            </p:extLst>
+          </p:nvPr>
+        </p:nvGraphicFramePr>
+        <p:xfrm>
+          <a:off x="4842575" y="3314529"/>
+          <a:ext cx="2506850" cy="551967"/>
+        </p:xfrm>
+        <a:graphic>
+          <a:graphicData uri="http://schemas.openxmlformats.org/presentationml/2006/ole">
+            <mc:AlternateContent xmlns:mc="http://schemas.openxmlformats.org/markup-compatibility/2006">
+              <mc:Choice xmlns:v="urn:schemas-microsoft-com:vml" Requires="v">
+                <p:oleObj spid="_x0000_s1041" r:id="rId8" imgW="1384300" imgH="304800" progId="Equation.DSMT4">
+                  <p:embed/>
+                </p:oleObj>
+              </mc:Choice>
+              <mc:Fallback>
+                <p:oleObj r:id="rId8" imgW="1384300" imgH="304800" progId="Equation.DSMT4">
+                  <p:embed/>
+                  <p:pic>
+                    <p:nvPicPr>
+                      <p:cNvPr id="0" name="Object 3"/>
+                      <p:cNvPicPr>
+                        <a:picLocks noChangeAspect="1" noChangeArrowheads="1"/>
+                      </p:cNvPicPr>
+                      <p:nvPr/>
+                    </p:nvPicPr>
+                    <p:blipFill>
+                      <a:blip r:embed="rId9">
+                        <a:extLst>
+                          <a:ext uri="{28A0092B-C50C-407E-A947-70E740481C1C}">
+                            <a14:useLocalDpi xmlns:a14="http://schemas.microsoft.com/office/drawing/2010/main" val="0"/>
+                          </a:ext>
+                        </a:extLst>
+                      </a:blip>
+                      <a:srcRect/>
+                      <a:stretch>
+                        <a:fillRect/>
+                      </a:stretch>
+                    </p:blipFill>
+                    <p:spPr bwMode="auto">
+                      <a:xfrm>
+                        <a:off x="4842575" y="3314529"/>
+                        <a:ext cx="2506850" cy="551967"/>
+                      </a:xfrm>
+                      <a:prstGeom prst="rect">
+                        <a:avLst/>
+                      </a:prstGeom>
+                      <a:noFill/>
+                    </p:spPr>
+                  </p:pic>
+                </p:oleObj>
+              </mc:Fallback>
+            </mc:AlternateContent>
+          </a:graphicData>
+        </a:graphic>
+      </p:graphicFrame>
+      <p:sp>
+        <p:nvSpPr>
+          <p:cNvPr id="11" name="Rectangle 6">
+            <a:extLst>
+              <a:ext uri="{FF2B5EF4-FFF2-40B4-BE49-F238E27FC236}">
+                <a16:creationId xmlns:a16="http://schemas.microsoft.com/office/drawing/2014/main" id="{0A7157FB-1507-574F-8AD6-DC8A8778CCDB}"/>
+              </a:ext>
+            </a:extLst>
+          </p:cNvPr>
+          <p:cNvSpPr>
+            <a:spLocks noChangeArrowheads="1"/>
+          </p:cNvSpPr>
+          <p:nvPr/>
+        </p:nvSpPr>
+        <p:spPr bwMode="auto">
+          <a:xfrm>
+            <a:off x="0" y="0"/>
+            <a:ext cx="12192000" cy="0"/>
+          </a:xfrm>
+          <a:prstGeom prst="rect">
+            <a:avLst/>
+          </a:prstGeom>
+          <a:noFill/>
+          <a:ln>
+            <a:noFill/>
+          </a:ln>
+          <a:effectLst/>
+          <a:extLst>
+            <a:ext uri="{909E8E84-426E-40DD-AFC4-6F175D3DCCD1}">
+              <a14:hiddenFill xmlns:a14="http://schemas.microsoft.com/office/drawing/2010/main">
+                <a:solidFill>
+                  <a:schemeClr val="accent1"/>
+                </a:solidFill>
+              </a14:hiddenFill>
+            </a:ext>
+            <a:ext uri="{91240B29-F687-4F45-9708-019B960494DF}">
+              <a14:hiddenLine xmlns:a14="http://schemas.microsoft.com/office/drawing/2010/main" w="9525">
+                <a:solidFill>
+                  <a:schemeClr val="tx1"/>
+                </a:solidFill>
+                <a:miter lim="800000"/>
+                <a:headEnd/>
+                <a:tailEnd/>
+              </a14:hiddenLine>
+            </a:ext>
+            <a:ext uri="{AF507438-7753-43E0-B8FC-AC1667EBCBE1}">
+              <a14:hiddenEffects xmlns:a14="http://schemas.microsoft.com/office/drawing/2010/main">
+                <a:effectLst>
+                  <a:outerShdw dist="35921" dir="2700000" algn="ctr" rotWithShape="0">
+                    <a:schemeClr val="bg2"/>
+                  </a:outerShdw>
+                </a:effectLst>
+              </a14:hiddenEffects>
+            </a:ext>
+          </a:extLst>
+        </p:spPr>
+        <p:txBody>
+          <a:bodyPr vert="horz" wrap="none" lIns="91440" tIns="45720" rIns="91440" bIns="45720" numCol="1" anchor="ctr" anchorCtr="0" compatLnSpc="1">
+            <a:prstTxWarp prst="textNoShape">
+              <a:avLst/>
+            </a:prstTxWarp>
+            <a:spAutoFit/>
+          </a:bodyPr>
+          <a:lstStyle/>
+          <a:p>
+            <a:endParaRPr lang="en-CN"/>
+          </a:p>
+        </p:txBody>
+      </p:sp>
+      <p:graphicFrame>
+        <p:nvGraphicFramePr>
+          <p:cNvPr id="12" name="Object 11">
+            <a:extLst>
+              <a:ext uri="{FF2B5EF4-FFF2-40B4-BE49-F238E27FC236}">
+                <a16:creationId xmlns:a16="http://schemas.microsoft.com/office/drawing/2014/main" id="{41E4227F-4B42-F146-9E33-B5BB018276AF}"/>
+              </a:ext>
+            </a:extLst>
+          </p:cNvPr>
+          <p:cNvGraphicFramePr>
+            <a:graphicFrameLocks noChangeAspect="1"/>
+          </p:cNvGraphicFramePr>
+          <p:nvPr>
+            <p:extLst>
+              <p:ext uri="{D42A27DB-BD31-4B8C-83A1-F6EECF244321}">
+                <p14:modId xmlns:p14="http://schemas.microsoft.com/office/powerpoint/2010/main" val="3224453902"/>
+              </p:ext>
+            </p:extLst>
+          </p:nvPr>
+        </p:nvGraphicFramePr>
+        <p:xfrm>
+          <a:off x="4049122" y="4338014"/>
+          <a:ext cx="4093755" cy="551967"/>
+        </p:xfrm>
+        <a:graphic>
+          <a:graphicData uri="http://schemas.openxmlformats.org/presentationml/2006/ole">
+            <mc:AlternateContent xmlns:mc="http://schemas.openxmlformats.org/markup-compatibility/2006">
+              <mc:Choice xmlns:v="urn:schemas-microsoft-com:vml" Requires="v">
+                <p:oleObj spid="_x0000_s1042" r:id="rId10" imgW="2260600" imgH="304800" progId="Equation.DSMT4">
+                  <p:embed/>
+                </p:oleObj>
+              </mc:Choice>
+              <mc:Fallback>
+                <p:oleObj r:id="rId10" imgW="2260600" imgH="304800" progId="Equation.DSMT4">
+                  <p:embed/>
+                  <p:pic>
+                    <p:nvPicPr>
+                      <p:cNvPr id="0" name="Object 5"/>
+                      <p:cNvPicPr>
+                        <a:picLocks noChangeAspect="1" noChangeArrowheads="1"/>
+                      </p:cNvPicPr>
+                      <p:nvPr/>
+                    </p:nvPicPr>
+                    <p:blipFill>
+                      <a:blip r:embed="rId11">
+                        <a:extLst>
+                          <a:ext uri="{28A0092B-C50C-407E-A947-70E740481C1C}">
+                            <a14:useLocalDpi xmlns:a14="http://schemas.microsoft.com/office/drawing/2010/main" val="0"/>
+                          </a:ext>
+                        </a:extLst>
+                      </a:blip>
+                      <a:srcRect/>
+                      <a:stretch>
+                        <a:fillRect/>
+                      </a:stretch>
+                    </p:blipFill>
+                    <p:spPr bwMode="auto">
+                      <a:xfrm>
+                        <a:off x="4049122" y="4338014"/>
+                        <a:ext cx="4093755" cy="551967"/>
+                      </a:xfrm>
+                      <a:prstGeom prst="rect">
+                        <a:avLst/>
+                      </a:prstGeom>
+                      <a:noFill/>
+                    </p:spPr>
+                  </p:pic>
+                </p:oleObj>
+              </mc:Fallback>
+            </mc:AlternateContent>
+          </a:graphicData>
+        </a:graphic>
+      </p:graphicFrame>
+    </p:spTree>
+    <p:extLst>
+      <p:ext uri="{BB962C8B-B14F-4D97-AF65-F5344CB8AC3E}">
+        <p14:creationId xmlns:p14="http://schemas.microsoft.com/office/powerpoint/2010/main" val="2632688236"/>
+      </p:ext>
+    </p:extLst>
+  </p:cSld>
+  <p:clrMapOvr>
+    <a:masterClrMapping/>
+  </p:clrMapOvr>
+  <mc:AlternateContent xmlns:mc="http://schemas.openxmlformats.org/markup-compatibility/2006" xmlns:p14="http://schemas.microsoft.com/office/powerpoint/2010/main">
+    <mc:Choice Requires="p14">
+      <p:transition spd="med" p14:dur="700">
+        <p:fade/>
+      </p:transition>
+    </mc:Choice>
+    <mc:Fallback xmlns="">
+      <p:transition spd="med">
+        <p:fade/>
+      </p:transition>
+    </mc:Fallback>
+  </mc:AlternateContent>
+  <p:timing>
+    <p:tnLst>
+      <p:par>
+        <p:cTn id="1" dur="indefinite" restart="never" nodeType="tmRoot">
+          <p:childTnLst>
+            <p:seq concurrent="1" nextAc="seek">
+              <p:cTn id="2" dur="indefinite" nodeType="mainSeq">
+                <p:childTnLst>
+                  <p:par>
+                    <p:cTn id="3" fill="hold">
+                      <p:stCondLst>
+                        <p:cond delay="indefinite"/>
+                      </p:stCondLst>
+                      <p:childTnLst>
+                        <p:par>
+                          <p:cTn id="4" fill="hold">
+                            <p:stCondLst>
+                              <p:cond delay="0"/>
+                            </p:stCondLst>
+                            <p:childTnLst>
+                              <p:par>
+                                <p:cTn id="5" presetID="9" presetClass="entr" presetSubtype="0" fill="hold" nodeType="clickEffect">
+                                  <p:stCondLst>
+                                    <p:cond delay="0"/>
+                                  </p:stCondLst>
+                                  <p:childTnLst>
+                                    <p:set>
+                                      <p:cBhvr>
+                                        <p:cTn id="6" dur="1" fill="hold">
+                                          <p:stCondLst>
+                                            <p:cond delay="0"/>
+                                          </p:stCondLst>
+                                        </p:cTn>
+                                        <p:tgtEl>
+                                          <p:spTgt spid="3">
+                                            <p:txEl>
+                                              <p:pRg st="0" end="0"/>
+                                            </p:txEl>
+                                          </p:spTgt>
+                                        </p:tgtEl>
+                                        <p:attrNameLst>
+                                          <p:attrName>style.visibility</p:attrName>
+                                        </p:attrNameLst>
+                                      </p:cBhvr>
+                                      <p:to>
+                                        <p:strVal val="visible"/>
+                                      </p:to>
+                                    </p:set>
+                                    <p:animEffect transition="in" filter="dissolve">
+                                      <p:cBhvr>
+                                        <p:cTn id="7" dur="500"/>
+                                        <p:tgtEl>
+                                          <p:spTgt spid="3">
+                                            <p:txEl>
+                                              <p:pRg st="0" end="0"/>
+                                            </p:txEl>
+                                          </p:spTgt>
+                                        </p:tgtEl>
+                                      </p:cBhvr>
+                                    </p:animEffect>
+                                  </p:childTnLst>
+                                </p:cTn>
+                              </p:par>
+                            </p:childTnLst>
+                          </p:cTn>
+                        </p:par>
+                      </p:childTnLst>
+                    </p:cTn>
+                  </p:par>
+                  <p:par>
+                    <p:cTn id="8" fill="hold">
+                      <p:stCondLst>
+                        <p:cond delay="indefinite"/>
+                      </p:stCondLst>
+                      <p:childTnLst>
+                        <p:par>
+                          <p:cTn id="9" fill="hold">
+                            <p:stCondLst>
+                              <p:cond delay="0"/>
+                            </p:stCondLst>
+                            <p:childTnLst>
+                              <p:par>
+                                <p:cTn id="10" presetID="9" presetClass="entr" presetSubtype="0" fill="hold" nodeType="clickEffect">
+                                  <p:stCondLst>
+                                    <p:cond delay="0"/>
+                                  </p:stCondLst>
+                                  <p:childTnLst>
+                                    <p:set>
+                                      <p:cBhvr>
+                                        <p:cTn id="11" dur="1" fill="hold">
+                                          <p:stCondLst>
+                                            <p:cond delay="0"/>
+                                          </p:stCondLst>
+                                        </p:cTn>
+                                        <p:tgtEl>
+                                          <p:spTgt spid="8"/>
+                                        </p:tgtEl>
+                                        <p:attrNameLst>
+                                          <p:attrName>style.visibility</p:attrName>
+                                        </p:attrNameLst>
+                                      </p:cBhvr>
+                                      <p:to>
+                                        <p:strVal val="visible"/>
+                                      </p:to>
+                                    </p:set>
+                                    <p:animEffect transition="in" filter="dissolve">
+                                      <p:cBhvr>
+                                        <p:cTn id="12" dur="500"/>
+                                        <p:tgtEl>
+                                          <p:spTgt spid="8"/>
+                                        </p:tgtEl>
+                                      </p:cBhvr>
+                                    </p:animEffect>
+                                  </p:childTnLst>
+                                </p:cTn>
+                              </p:par>
+                            </p:childTnLst>
+                          </p:cTn>
+                        </p:par>
+                      </p:childTnLst>
+                    </p:cTn>
+                  </p:par>
+                  <p:par>
+                    <p:cTn id="13" fill="hold">
+                      <p:stCondLst>
+                        <p:cond delay="indefinite"/>
+                      </p:stCondLst>
+                      <p:childTnLst>
+                        <p:par>
+                          <p:cTn id="14" fill="hold">
+                            <p:stCondLst>
+                              <p:cond delay="0"/>
+                            </p:stCondLst>
+                            <p:childTnLst>
+                              <p:par>
+                                <p:cTn id="15" presetID="9" presetClass="entr" presetSubtype="0" fill="hold" nodeType="clickEffect">
+                                  <p:stCondLst>
+                                    <p:cond delay="0"/>
+                                  </p:stCondLst>
+                                  <p:childTnLst>
+                                    <p:set>
+                                      <p:cBhvr>
+                                        <p:cTn id="16" dur="1" fill="hold">
+                                          <p:stCondLst>
+                                            <p:cond delay="0"/>
+                                          </p:stCondLst>
+                                        </p:cTn>
+                                        <p:tgtEl>
+                                          <p:spTgt spid="3">
+                                            <p:txEl>
+                                              <p:pRg st="2" end="2"/>
+                                            </p:txEl>
+                                          </p:spTgt>
+                                        </p:tgtEl>
+                                        <p:attrNameLst>
+                                          <p:attrName>style.visibility</p:attrName>
+                                        </p:attrNameLst>
+                                      </p:cBhvr>
+                                      <p:to>
+                                        <p:strVal val="visible"/>
+                                      </p:to>
+                                    </p:set>
+                                    <p:animEffect transition="in" filter="dissolve">
+                                      <p:cBhvr>
+                                        <p:cTn id="17" dur="500"/>
+                                        <p:tgtEl>
+                                          <p:spTgt spid="3">
+                                            <p:txEl>
+                                              <p:pRg st="2" end="2"/>
+                                            </p:txEl>
+                                          </p:spTgt>
+                                        </p:tgtEl>
+                                      </p:cBhvr>
+                                    </p:animEffect>
+                                  </p:childTnLst>
+                                </p:cTn>
+                              </p:par>
+                            </p:childTnLst>
+                          </p:cTn>
+                        </p:par>
+                      </p:childTnLst>
+                    </p:cTn>
+                  </p:par>
+                  <p:par>
+                    <p:cTn id="18" fill="hold">
+                      <p:stCondLst>
+                        <p:cond delay="indefinite"/>
+                      </p:stCondLst>
+                      <p:childTnLst>
+                        <p:par>
+                          <p:cTn id="19" fill="hold">
+                            <p:stCondLst>
+                              <p:cond delay="0"/>
+                            </p:stCondLst>
+                            <p:childTnLst>
+                              <p:par>
+                                <p:cTn id="20" presetID="9" presetClass="entr" presetSubtype="0" fill="hold" nodeType="clickEffect">
+                                  <p:stCondLst>
+                                    <p:cond delay="0"/>
+                                  </p:stCondLst>
+                                  <p:childTnLst>
+                                    <p:set>
+                                      <p:cBhvr>
+                                        <p:cTn id="21" dur="1" fill="hold">
+                                          <p:stCondLst>
+                                            <p:cond delay="0"/>
+                                          </p:stCondLst>
+                                        </p:cTn>
+                                        <p:tgtEl>
+                                          <p:spTgt spid="10"/>
+                                        </p:tgtEl>
+                                        <p:attrNameLst>
+                                          <p:attrName>style.visibility</p:attrName>
+                                        </p:attrNameLst>
+                                      </p:cBhvr>
+                                      <p:to>
+                                        <p:strVal val="visible"/>
+                                      </p:to>
+                                    </p:set>
+                                    <p:animEffect transition="in" filter="dissolve">
+                                      <p:cBhvr>
+                                        <p:cTn id="22" dur="500"/>
+                                        <p:tgtEl>
+                                          <p:spTgt spid="10"/>
+                                        </p:tgtEl>
+                                      </p:cBhvr>
+                                    </p:animEffect>
+                                  </p:childTnLst>
+                                </p:cTn>
+                              </p:par>
+                            </p:childTnLst>
+                          </p:cTn>
+                        </p:par>
+                      </p:childTnLst>
+                    </p:cTn>
+                  </p:par>
+                  <p:par>
+                    <p:cTn id="23" fill="hold">
+                      <p:stCondLst>
+                        <p:cond delay="indefinite"/>
+                      </p:stCondLst>
+                      <p:childTnLst>
+                        <p:par>
+                          <p:cTn id="24" fill="hold">
+                            <p:stCondLst>
+                              <p:cond delay="0"/>
+                            </p:stCondLst>
+                            <p:childTnLst>
+                              <p:par>
+                                <p:cTn id="25" presetID="9" presetClass="entr" presetSubtype="0" fill="hold" nodeType="clickEffect">
+                                  <p:stCondLst>
+                                    <p:cond delay="0"/>
+                                  </p:stCondLst>
+                                  <p:childTnLst>
+                                    <p:set>
+                                      <p:cBhvr>
+                                        <p:cTn id="26" dur="1" fill="hold">
+                                          <p:stCondLst>
+                                            <p:cond delay="0"/>
+                                          </p:stCondLst>
+                                        </p:cTn>
+                                        <p:tgtEl>
+                                          <p:spTgt spid="3">
+                                            <p:txEl>
+                                              <p:pRg st="4" end="4"/>
+                                            </p:txEl>
+                                          </p:spTgt>
+                                        </p:tgtEl>
+                                        <p:attrNameLst>
+                                          <p:attrName>style.visibility</p:attrName>
+                                        </p:attrNameLst>
+                                      </p:cBhvr>
+                                      <p:to>
+                                        <p:strVal val="visible"/>
+                                      </p:to>
+                                    </p:set>
+                                    <p:animEffect transition="in" filter="dissolve">
+                                      <p:cBhvr>
+                                        <p:cTn id="27" dur="500"/>
+                                        <p:tgtEl>
+                                          <p:spTgt spid="3">
+                                            <p:txEl>
+                                              <p:pRg st="4" end="4"/>
+                                            </p:txEl>
+                                          </p:spTgt>
+                                        </p:tgtEl>
+                                      </p:cBhvr>
+                                    </p:animEffect>
+                                  </p:childTnLst>
+                                </p:cTn>
+                              </p:par>
+                            </p:childTnLst>
+                          </p:cTn>
+                        </p:par>
+                      </p:childTnLst>
+                    </p:cTn>
+                  </p:par>
+                  <p:par>
+                    <p:cTn id="28" fill="hold">
+                      <p:stCondLst>
+                        <p:cond delay="indefinite"/>
+                      </p:stCondLst>
+                      <p:childTnLst>
+                        <p:par>
+                          <p:cTn id="29" fill="hold">
+                            <p:stCondLst>
+                              <p:cond delay="0"/>
+                            </p:stCondLst>
+                            <p:childTnLst>
+                              <p:par>
+                                <p:cTn id="30" presetID="9" presetClass="entr" presetSubtype="0" fill="hold" nodeType="clickEffect">
+                                  <p:stCondLst>
+                                    <p:cond delay="0"/>
+                                  </p:stCondLst>
+                                  <p:childTnLst>
+                                    <p:set>
+                                      <p:cBhvr>
+                                        <p:cTn id="31" dur="1" fill="hold">
+                                          <p:stCondLst>
+                                            <p:cond delay="0"/>
+                                          </p:stCondLst>
+                                        </p:cTn>
+                                        <p:tgtEl>
+                                          <p:spTgt spid="12"/>
+                                        </p:tgtEl>
+                                        <p:attrNameLst>
+                                          <p:attrName>style.visibility</p:attrName>
+                                        </p:attrNameLst>
+                                      </p:cBhvr>
+                                      <p:to>
+                                        <p:strVal val="visible"/>
+                                      </p:to>
+                                    </p:set>
+                                    <p:animEffect transition="in" filter="dissolve">
+                                      <p:cBhvr>
+                                        <p:cTn id="32" dur="500"/>
+                                        <p:tgtEl>
+                                          <p:spTgt spid="12"/>
+                                        </p:tgtEl>
+                                      </p:cBhvr>
+                                    </p:animEffect>
+                                  </p:childTnLst>
+                                </p:cTn>
+                              </p:par>
+                            </p:childTnLst>
+                          </p:cTn>
+                        </p:par>
+                      </p:childTnLst>
+                    </p:cTn>
+                  </p:par>
+                </p:childTnLst>
+              </p:cTn>
+              <p:prevCondLst>
+                <p:cond evt="onPrev" delay="0">
+                  <p:tgtEl>
+                    <p:sldTgt/>
+                  </p:tgtEl>
+                </p:cond>
+              </p:prevCondLst>
+              <p:nextCondLst>
+                <p:cond evt="onNext" delay="0">
+                  <p:tgtEl>
+                    <p:sldTgt/>
+                  </p:tgtEl>
+                </p:cond>
+              </p:nextCondLst>
+            </p:seq>
+          </p:childTnLst>
+        </p:cTn>
+      </p:par>
+    </p:tnLst>
+  </p:timing>
+</p:sld>
+</file>
+
+<file path=ppt/slides/slide17.xml><?xml version="1.0" encoding="utf-8"?>
+<p:sld xmlns:a="http://schemas.openxmlformats.org/drawingml/2006/main" xmlns:r="http://schemas.openxmlformats.org/officeDocument/2006/relationships" xmlns:p="http://schemas.openxmlformats.org/presentationml/2006/main">
+  <p:cSld>
+    <p:spTree>
+      <p:nvGrpSpPr>
+        <p:cNvPr id="1" name=""/>
+        <p:cNvGrpSpPr/>
+        <p:nvPr/>
+      </p:nvGrpSpPr>
+      <p:grpSpPr>
+        <a:xfrm>
+          <a:off x="0" y="0"/>
+          <a:ext cx="0" cy="0"/>
+          <a:chOff x="0" y="0"/>
+          <a:chExt cx="0" cy="0"/>
+        </a:xfrm>
+      </p:grpSpPr>
+      <p:sp>
+        <p:nvSpPr>
+          <p:cNvPr id="2" name="Title 1">
+            <a:extLst>
+              <a:ext uri="{FF2B5EF4-FFF2-40B4-BE49-F238E27FC236}">
+                <a16:creationId xmlns:a16="http://schemas.microsoft.com/office/drawing/2014/main" id="{C91301E0-FE01-AC48-A6E6-F097952D91EC}"/>
+              </a:ext>
+            </a:extLst>
+          </p:cNvPr>
+          <p:cNvSpPr>
+            <a:spLocks noGrp="1"/>
+          </p:cNvSpPr>
+          <p:nvPr>
+            <p:ph type="title"/>
+          </p:nvPr>
+        </p:nvSpPr>
+        <p:spPr/>
+        <p:txBody>
+          <a:bodyPr/>
+          <a:lstStyle/>
+          <a:p>
+            <a:r>
+              <a:rPr lang="en-CN" dirty="0">
+                <a:latin typeface="Times New Roman" panose="02020603050405020304" pitchFamily="18" charset="0"/>
+                <a:ea typeface="Songti TC" panose="02010600040101010101" pitchFamily="2" charset="-120"/>
+                <a:cs typeface="Times New Roman" panose="02020603050405020304" pitchFamily="18" charset="0"/>
+              </a:rPr>
+              <a:t>Gray Box Model</a:t>
+            </a:r>
+            <a:r>
+              <a:rPr lang="zh-CN" altLang="en-US" dirty="0">
+                <a:latin typeface="Times New Roman" panose="02020603050405020304" pitchFamily="18" charset="0"/>
+                <a:ea typeface="Songti TC" panose="02010600040101010101" pitchFamily="2" charset="-120"/>
+                <a:cs typeface="Times New Roman" panose="02020603050405020304" pitchFamily="18" charset="0"/>
+              </a:rPr>
+              <a:t> </a:t>
+            </a:r>
+            <a:r>
+              <a:rPr lang="en-US" altLang="zh-CN" dirty="0">
+                <a:latin typeface="Times New Roman" panose="02020603050405020304" pitchFamily="18" charset="0"/>
+                <a:ea typeface="Songti TC" panose="02010600040101010101" pitchFamily="2" charset="-120"/>
+                <a:cs typeface="Times New Roman" panose="02020603050405020304" pitchFamily="18" charset="0"/>
+              </a:rPr>
+              <a:t>– </a:t>
+            </a:r>
+            <a:r>
+              <a:rPr lang="en-US" altLang="zh-CN" dirty="0" err="1">
+                <a:latin typeface="Times New Roman" panose="02020603050405020304" pitchFamily="18" charset="0"/>
+                <a:ea typeface="Songti TC" panose="02010600040101010101" pitchFamily="2" charset="-120"/>
+                <a:cs typeface="Times New Roman" panose="02020603050405020304" pitchFamily="18" charset="0"/>
+              </a:rPr>
+              <a:t>CrisperDong</a:t>
+            </a:r>
+            <a:endParaRPr lang="en-CN" dirty="0">
+              <a:latin typeface="Times New Roman" panose="02020603050405020304" pitchFamily="18" charset="0"/>
+              <a:ea typeface="Songti TC" panose="02010600040101010101" pitchFamily="2" charset="-120"/>
+              <a:cs typeface="Times New Roman" panose="02020603050405020304" pitchFamily="18" charset="0"/>
+            </a:endParaRPr>
+          </a:p>
+        </p:txBody>
+      </p:sp>
+      <mc:AlternateContent xmlns:mc="http://schemas.openxmlformats.org/markup-compatibility/2006">
+        <mc:Choice xmlns:a14="http://schemas.microsoft.com/office/drawing/2010/main" Requires="a14">
+          <p:sp>
+            <p:nvSpPr>
+              <p:cNvPr id="3" name="Content Placeholder 2">
+                <a:extLst>
+                  <a:ext uri="{FF2B5EF4-FFF2-40B4-BE49-F238E27FC236}">
+                    <a16:creationId xmlns:a16="http://schemas.microsoft.com/office/drawing/2014/main" id="{34252F14-9A4A-6A46-B00A-DCDBC337298D}"/>
+                  </a:ext>
+                </a:extLst>
+              </p:cNvPr>
+              <p:cNvSpPr>
+                <a:spLocks noGrp="1"/>
+              </p:cNvSpPr>
+              <p:nvPr>
+                <p:ph idx="1"/>
+              </p:nvPr>
+            </p:nvSpPr>
+            <p:spPr/>
+            <p:txBody>
+              <a:bodyPr/>
+              <a:lstStyle/>
+              <a:p>
+                <a:r>
+                  <a:rPr lang="en-US" altLang="zh-CN" dirty="0">
+                    <a:latin typeface="Times New Roman" panose="02020603050405020304" pitchFamily="18" charset="0"/>
+                    <a:cs typeface="Times New Roman" panose="02020603050405020304" pitchFamily="18" charset="0"/>
+                  </a:rPr>
+                  <a:t>The differential equation can be drawn:</a:t>
+                </a:r>
+              </a:p>
+              <a:p>
+                <a:endParaRPr lang="en-US" altLang="zh-CN" dirty="0">
+                  <a:latin typeface="Times New Roman" panose="02020603050405020304" pitchFamily="18" charset="0"/>
+                  <a:cs typeface="Times New Roman" panose="02020603050405020304" pitchFamily="18" charset="0"/>
+                </a:endParaRPr>
+              </a:p>
+              <a:p>
+                <a:r>
+                  <a:rPr lang="en-US" altLang="zh-CN" dirty="0">
+                    <a:latin typeface="Times New Roman" panose="02020603050405020304" pitchFamily="18" charset="0"/>
+                    <a:cs typeface="Times New Roman" panose="02020603050405020304" pitchFamily="18" charset="0"/>
+                  </a:rPr>
+                  <a:t>Where </a:t>
+                </a:r>
+                <a14:m>
+                  <m:oMath xmlns:m="http://schemas.openxmlformats.org/officeDocument/2006/math">
+                    <m:r>
+                      <a:rPr lang="en-US" altLang="zh-CN" b="0" i="1" smtClean="0">
+                        <a:latin typeface="Cambria Math" panose="02040503050406030204" pitchFamily="18" charset="0"/>
+                        <a:cs typeface="Times New Roman" panose="02020603050405020304" pitchFamily="18" charset="0"/>
+                      </a:rPr>
+                      <m:t>𝛼</m:t>
+                    </m:r>
+                  </m:oMath>
+                </a14:m>
+                <a:r>
+                  <a:rPr lang="en-US" altLang="zh-CN" dirty="0">
+                    <a:latin typeface="Times New Roman" panose="02020603050405020304" pitchFamily="18" charset="0"/>
+                    <a:cs typeface="Times New Roman" panose="02020603050405020304" pitchFamily="18" charset="0"/>
+                  </a:rPr>
+                  <a:t> serves as the developing parameter and </a:t>
+                </a:r>
+                <a14:m>
+                  <m:oMath xmlns:m="http://schemas.openxmlformats.org/officeDocument/2006/math">
+                    <m:r>
+                      <a:rPr lang="en-US" altLang="zh-CN" b="0" i="1" smtClean="0">
+                        <a:latin typeface="Cambria Math" panose="02040503050406030204" pitchFamily="18" charset="0"/>
+                        <a:cs typeface="Times New Roman" panose="02020603050405020304" pitchFamily="18" charset="0"/>
+                      </a:rPr>
+                      <m:t>𝜇</m:t>
+                    </m:r>
+                  </m:oMath>
+                </a14:m>
+                <a:r>
+                  <a:rPr lang="en-US" altLang="zh-CN" dirty="0">
+                    <a:latin typeface="Times New Roman" panose="02020603050405020304" pitchFamily="18" charset="0"/>
+                    <a:cs typeface="Times New Roman" panose="02020603050405020304" pitchFamily="18" charset="0"/>
+                  </a:rPr>
+                  <a:t> serves as the controlling parameter.</a:t>
+                </a:r>
+              </a:p>
+              <a:p>
+                <a:r>
+                  <a:rPr lang="en-US" altLang="zh-CN" dirty="0">
+                    <a:latin typeface="Times New Roman" panose="02020603050405020304" pitchFamily="18" charset="0"/>
+                    <a:cs typeface="Times New Roman" panose="02020603050405020304" pitchFamily="18" charset="0"/>
+                  </a:rPr>
+                  <a:t>The ratio</a:t>
+                </a:r>
+              </a:p>
+              <a:p>
+                <a:endParaRPr lang="en-US" altLang="zh-CN" dirty="0">
+                  <a:latin typeface="Times New Roman" panose="02020603050405020304" pitchFamily="18" charset="0"/>
+                  <a:cs typeface="Times New Roman" panose="02020603050405020304" pitchFamily="18" charset="0"/>
+                </a:endParaRPr>
+              </a:p>
+              <a:p>
+                <a:r>
+                  <a:rPr lang="en-US" altLang="zh-CN" dirty="0">
+                    <a:latin typeface="Times New Roman" panose="02020603050405020304" pitchFamily="18" charset="0"/>
+                    <a:cs typeface="Times New Roman" panose="02020603050405020304" pitchFamily="18" charset="0"/>
+                  </a:rPr>
+                  <a:t>Can be calculated through </a:t>
+                </a:r>
+                <a:r>
+                  <a:rPr lang="en-US" altLang="zh-CN" i="1" dirty="0">
+                    <a:latin typeface="Times New Roman" panose="02020603050405020304" pitchFamily="18" charset="0"/>
+                    <a:cs typeface="Times New Roman" panose="02020603050405020304" pitchFamily="18" charset="0"/>
+                  </a:rPr>
+                  <a:t>GLS (generalized least squares)</a:t>
+                </a:r>
+                <a:r>
+                  <a:rPr lang="en-US" altLang="zh-CN" dirty="0">
+                    <a:latin typeface="Times New Roman" panose="02020603050405020304" pitchFamily="18" charset="0"/>
+                    <a:cs typeface="Times New Roman" panose="02020603050405020304" pitchFamily="18" charset="0"/>
+                  </a:rPr>
+                  <a:t>.</a:t>
+                </a:r>
+              </a:p>
+              <a:p>
+                <a:endParaRPr lang="en-US" altLang="zh-CN" dirty="0">
+                  <a:latin typeface="Times New Roman" panose="02020603050405020304" pitchFamily="18" charset="0"/>
+                  <a:cs typeface="Times New Roman" panose="02020603050405020304" pitchFamily="18" charset="0"/>
+                </a:endParaRPr>
+              </a:p>
+              <a:p>
+                <a:endParaRPr lang="en-CN" dirty="0">
+                  <a:latin typeface="Times New Roman" panose="02020603050405020304" pitchFamily="18" charset="0"/>
+                  <a:cs typeface="Times New Roman" panose="02020603050405020304" pitchFamily="18" charset="0"/>
+                </a:endParaRPr>
+              </a:p>
+            </p:txBody>
+          </p:sp>
+        </mc:Choice>
+        <mc:Fallback>
+          <p:sp>
+            <p:nvSpPr>
+              <p:cNvPr id="3" name="Content Placeholder 2">
+                <a:extLst>
+                  <a:ext uri="{FF2B5EF4-FFF2-40B4-BE49-F238E27FC236}">
+                    <a16:creationId xmlns:a16="http://schemas.microsoft.com/office/drawing/2014/main" id="{34252F14-9A4A-6A46-B00A-DCDBC337298D}"/>
+                  </a:ext>
+                </a:extLst>
+              </p:cNvPr>
+              <p:cNvSpPr>
+                <a:spLocks noGrp="1" noRot="1" noChangeAspect="1" noMove="1" noResize="1" noEditPoints="1" noAdjustHandles="1" noChangeArrowheads="1" noChangeShapeType="1" noTextEdit="1"/>
+              </p:cNvSpPr>
+              <p:nvPr>
+                <p:ph idx="1"/>
+              </p:nvPr>
+            </p:nvSpPr>
+            <p:spPr>
+              <a:blipFill>
+                <a:blip r:embed="rId3"/>
+                <a:stretch>
+                  <a:fillRect l="-1086" t="-2326"/>
+                </a:stretch>
+              </a:blipFill>
+            </p:spPr>
+            <p:txBody>
+              <a:bodyPr/>
+              <a:lstStyle/>
+              <a:p>
+                <a:r>
+                  <a:rPr lang="en-CN">
+                    <a:noFill/>
+                  </a:rPr>
+                  <a:t> </a:t>
+                </a:r>
+              </a:p>
+            </p:txBody>
+          </p:sp>
+        </mc:Fallback>
+      </mc:AlternateContent>
+      <p:pic>
+        <p:nvPicPr>
+          <p:cNvPr id="4" name="Picture 3" descr="Qr code&#10;&#10;Description automatically generated">
+            <a:extLst>
+              <a:ext uri="{FF2B5EF4-FFF2-40B4-BE49-F238E27FC236}">
+                <a16:creationId xmlns:a16="http://schemas.microsoft.com/office/drawing/2014/main" id="{ABCA9F6F-A1EC-1442-8186-B34A79E747F9}"/>
+              </a:ext>
+            </a:extLst>
+          </p:cNvPr>
+          <p:cNvPicPr>
+            <a:picLocks noChangeAspect="1"/>
+          </p:cNvPicPr>
+          <p:nvPr/>
+        </p:nvPicPr>
+        <p:blipFill rotWithShape="1">
+          <a:blip r:embed="rId4"/>
+          <a:srcRect l="9806" t="22114" r="9880" b="18699"/>
+          <a:stretch/>
+        </p:blipFill>
+        <p:spPr>
+          <a:xfrm>
+            <a:off x="8976732" y="155441"/>
+            <a:ext cx="1217865" cy="1227985"/>
+          </a:xfrm>
+          <a:prstGeom prst="rect">
+            <a:avLst/>
+          </a:prstGeom>
+        </p:spPr>
+      </p:pic>
+      <p:pic>
+        <p:nvPicPr>
+          <p:cNvPr id="5" name="Picture 4" descr="Logo&#10;&#10;Description automatically generated">
+            <a:extLst>
+              <a:ext uri="{FF2B5EF4-FFF2-40B4-BE49-F238E27FC236}">
+                <a16:creationId xmlns:a16="http://schemas.microsoft.com/office/drawing/2014/main" id="{46C48C6F-C99F-CB4F-B901-FF529E4D8C30}"/>
+              </a:ext>
+            </a:extLst>
+          </p:cNvPr>
+          <p:cNvPicPr>
+            <a:picLocks noChangeAspect="1"/>
+          </p:cNvPicPr>
+          <p:nvPr/>
+        </p:nvPicPr>
+        <p:blipFill rotWithShape="1">
+          <a:blip r:embed="rId5"/>
+          <a:srcRect l="10082" r="10082"/>
+          <a:stretch/>
+        </p:blipFill>
+        <p:spPr>
+          <a:xfrm>
+            <a:off x="10871914" y="155441"/>
+            <a:ext cx="1217865" cy="1217865"/>
+          </a:xfrm>
+          <a:prstGeom prst="rect">
+            <a:avLst/>
+          </a:prstGeom>
+        </p:spPr>
+      </p:pic>
+      <p:sp>
+        <p:nvSpPr>
+          <p:cNvPr id="11" name="Rectangle 6">
+            <a:extLst>
+              <a:ext uri="{FF2B5EF4-FFF2-40B4-BE49-F238E27FC236}">
+                <a16:creationId xmlns:a16="http://schemas.microsoft.com/office/drawing/2014/main" id="{0A7157FB-1507-574F-8AD6-DC8A8778CCDB}"/>
+              </a:ext>
+            </a:extLst>
+          </p:cNvPr>
+          <p:cNvSpPr>
+            <a:spLocks noChangeArrowheads="1"/>
+          </p:cNvSpPr>
+          <p:nvPr/>
+        </p:nvSpPr>
+        <p:spPr bwMode="auto">
+          <a:xfrm>
+            <a:off x="0" y="0"/>
+            <a:ext cx="12192000" cy="0"/>
+          </a:xfrm>
+          <a:prstGeom prst="rect">
+            <a:avLst/>
+          </a:prstGeom>
+          <a:noFill/>
+          <a:ln>
+            <a:noFill/>
+          </a:ln>
+          <a:effectLst/>
+          <a:extLst>
+            <a:ext uri="{909E8E84-426E-40DD-AFC4-6F175D3DCCD1}">
+              <a14:hiddenFill xmlns:a14="http://schemas.microsoft.com/office/drawing/2010/main">
+                <a:solidFill>
+                  <a:schemeClr val="accent1"/>
+                </a:solidFill>
+              </a14:hiddenFill>
+            </a:ext>
+            <a:ext uri="{91240B29-F687-4F45-9708-019B960494DF}">
+              <a14:hiddenLine xmlns:a14="http://schemas.microsoft.com/office/drawing/2010/main" w="9525">
+                <a:solidFill>
+                  <a:schemeClr val="tx1"/>
+                </a:solidFill>
+                <a:miter lim="800000"/>
+                <a:headEnd/>
+                <a:tailEnd/>
+              </a14:hiddenLine>
+            </a:ext>
+            <a:ext uri="{AF507438-7753-43E0-B8FC-AC1667EBCBE1}">
+              <a14:hiddenEffects xmlns:a14="http://schemas.microsoft.com/office/drawing/2010/main">
+                <a:effectLst>
+                  <a:outerShdw dist="35921" dir="2700000" algn="ctr" rotWithShape="0">
+                    <a:schemeClr val="bg2"/>
+                  </a:outerShdw>
+                </a:effectLst>
+              </a14:hiddenEffects>
+            </a:ext>
+          </a:extLst>
+        </p:spPr>
+        <p:txBody>
+          <a:bodyPr vert="horz" wrap="none" lIns="91440" tIns="45720" rIns="91440" bIns="45720" numCol="1" anchor="ctr" anchorCtr="0" compatLnSpc="1">
+            <a:prstTxWarp prst="textNoShape">
+              <a:avLst/>
+            </a:prstTxWarp>
+            <a:spAutoFit/>
+          </a:bodyPr>
+          <a:lstStyle/>
+          <a:p>
+            <a:endParaRPr lang="en-CN"/>
+          </a:p>
+        </p:txBody>
+      </p:sp>
+      <p:sp>
+        <p:nvSpPr>
+          <p:cNvPr id="7" name="Rectangle 2">
+            <a:extLst>
+              <a:ext uri="{FF2B5EF4-FFF2-40B4-BE49-F238E27FC236}">
+                <a16:creationId xmlns:a16="http://schemas.microsoft.com/office/drawing/2014/main" id="{FAD000F0-F6EF-0544-B865-F3D67F9F516D}"/>
+              </a:ext>
+            </a:extLst>
+          </p:cNvPr>
+          <p:cNvSpPr>
+            <a:spLocks noChangeArrowheads="1"/>
+          </p:cNvSpPr>
+          <p:nvPr/>
+        </p:nvSpPr>
+        <p:spPr bwMode="auto">
+          <a:xfrm>
+            <a:off x="0" y="0"/>
+            <a:ext cx="12192000" cy="0"/>
+          </a:xfrm>
+          <a:prstGeom prst="rect">
+            <a:avLst/>
+          </a:prstGeom>
+          <a:noFill/>
+          <a:ln>
+            <a:noFill/>
+          </a:ln>
+          <a:effectLst/>
+          <a:extLst>
+            <a:ext uri="{909E8E84-426E-40DD-AFC4-6F175D3DCCD1}">
+              <a14:hiddenFill xmlns:a14="http://schemas.microsoft.com/office/drawing/2010/main">
+                <a:solidFill>
+                  <a:schemeClr val="accent1"/>
+                </a:solidFill>
+              </a14:hiddenFill>
+            </a:ext>
+            <a:ext uri="{91240B29-F687-4F45-9708-019B960494DF}">
+              <a14:hiddenLine xmlns:a14="http://schemas.microsoft.com/office/drawing/2010/main" w="9525">
+                <a:solidFill>
+                  <a:schemeClr val="tx1"/>
+                </a:solidFill>
+                <a:miter lim="800000"/>
+                <a:headEnd/>
+                <a:tailEnd/>
+              </a14:hiddenLine>
+            </a:ext>
+            <a:ext uri="{AF507438-7753-43E0-B8FC-AC1667EBCBE1}">
+              <a14:hiddenEffects xmlns:a14="http://schemas.microsoft.com/office/drawing/2010/main">
+                <a:effectLst>
+                  <a:outerShdw dist="35921" dir="2700000" algn="ctr" rotWithShape="0">
+                    <a:schemeClr val="bg2"/>
+                  </a:outerShdw>
+                </a:effectLst>
+              </a14:hiddenEffects>
+            </a:ext>
+          </a:extLst>
+        </p:spPr>
+        <p:txBody>
+          <a:bodyPr vert="horz" wrap="none" lIns="91440" tIns="45720" rIns="91440" bIns="45720" numCol="1" anchor="ctr" anchorCtr="0" compatLnSpc="1">
+            <a:prstTxWarp prst="textNoShape">
+              <a:avLst/>
+            </a:prstTxWarp>
+            <a:spAutoFit/>
+          </a:bodyPr>
+          <a:lstStyle/>
+          <a:p>
+            <a:endParaRPr lang="en-CN"/>
+          </a:p>
+        </p:txBody>
+      </p:sp>
+      <p:graphicFrame>
+        <p:nvGraphicFramePr>
+          <p:cNvPr id="13" name="Object 12">
+            <a:extLst>
+              <a:ext uri="{FF2B5EF4-FFF2-40B4-BE49-F238E27FC236}">
+                <a16:creationId xmlns:a16="http://schemas.microsoft.com/office/drawing/2014/main" id="{96FD69A9-0935-024F-B59E-F3C1E26DF2A2}"/>
+              </a:ext>
+            </a:extLst>
+          </p:cNvPr>
+          <p:cNvGraphicFramePr>
+            <a:graphicFrameLocks noChangeAspect="1"/>
+          </p:cNvGraphicFramePr>
+          <p:nvPr>
+            <p:extLst>
+              <p:ext uri="{D42A27DB-BD31-4B8C-83A1-F6EECF244321}">
+                <p14:modId xmlns:p14="http://schemas.microsoft.com/office/powerpoint/2010/main" val="2394237037"/>
+              </p:ext>
+            </p:extLst>
+          </p:nvPr>
+        </p:nvGraphicFramePr>
+        <p:xfrm>
+          <a:off x="5325984" y="2147250"/>
+          <a:ext cx="1759869" cy="695762"/>
+        </p:xfrm>
+        <a:graphic>
+          <a:graphicData uri="http://schemas.openxmlformats.org/presentationml/2006/ole">
+            <mc:AlternateContent xmlns:mc="http://schemas.openxmlformats.org/markup-compatibility/2006">
+              <mc:Choice xmlns:v="urn:schemas-microsoft-com:vml" Requires="v">
+                <p:oleObj spid="_x0000_s2059" r:id="rId6" imgW="1092200" imgH="431800" progId="Equation.DSMT4">
+                  <p:embed/>
+                </p:oleObj>
+              </mc:Choice>
+              <mc:Fallback>
+                <p:oleObj r:id="rId6" imgW="1092200" imgH="431800" progId="Equation.DSMT4">
+                  <p:embed/>
+                  <p:pic>
+                    <p:nvPicPr>
+                      <p:cNvPr id="0" name="Object 1"/>
+                      <p:cNvPicPr>
+                        <a:picLocks noChangeAspect="1" noChangeArrowheads="1"/>
+                      </p:cNvPicPr>
+                      <p:nvPr/>
+                    </p:nvPicPr>
+                    <p:blipFill>
+                      <a:blip r:embed="rId7">
+                        <a:extLst>
+                          <a:ext uri="{28A0092B-C50C-407E-A947-70E740481C1C}">
+                            <a14:useLocalDpi xmlns:a14="http://schemas.microsoft.com/office/drawing/2010/main" val="0"/>
+                          </a:ext>
+                        </a:extLst>
+                      </a:blip>
+                      <a:srcRect/>
+                      <a:stretch>
+                        <a:fillRect/>
+                      </a:stretch>
+                    </p:blipFill>
+                    <p:spPr bwMode="auto">
+                      <a:xfrm>
+                        <a:off x="5325984" y="2147250"/>
+                        <a:ext cx="1759869" cy="695762"/>
+                      </a:xfrm>
+                      <a:prstGeom prst="rect">
+                        <a:avLst/>
+                      </a:prstGeom>
+                      <a:noFill/>
+                    </p:spPr>
+                  </p:pic>
+                </p:oleObj>
+              </mc:Fallback>
+            </mc:AlternateContent>
+          </a:graphicData>
+        </a:graphic>
+      </p:graphicFrame>
+      <p:graphicFrame>
+        <p:nvGraphicFramePr>
+          <p:cNvPr id="15" name="Object 14">
+            <a:extLst>
+              <a:ext uri="{FF2B5EF4-FFF2-40B4-BE49-F238E27FC236}">
+                <a16:creationId xmlns:a16="http://schemas.microsoft.com/office/drawing/2014/main" id="{B80D353D-6B5E-C946-916E-96CA6BEE9C50}"/>
+              </a:ext>
+            </a:extLst>
+          </p:cNvPr>
+          <p:cNvGraphicFramePr>
+            <a:graphicFrameLocks noChangeAspect="1"/>
+          </p:cNvGraphicFramePr>
+          <p:nvPr>
+            <p:extLst>
+              <p:ext uri="{D42A27DB-BD31-4B8C-83A1-F6EECF244321}">
+                <p14:modId xmlns:p14="http://schemas.microsoft.com/office/powerpoint/2010/main" val="399538525"/>
+              </p:ext>
+            </p:extLst>
+          </p:nvPr>
+        </p:nvGraphicFramePr>
+        <p:xfrm>
+          <a:off x="5408642" y="3949617"/>
+          <a:ext cx="1062116" cy="831221"/>
+        </p:xfrm>
+        <a:graphic>
+          <a:graphicData uri="http://schemas.openxmlformats.org/presentationml/2006/ole">
+            <mc:AlternateContent xmlns:mc="http://schemas.openxmlformats.org/markup-compatibility/2006">
+              <mc:Choice xmlns:v="urn:schemas-microsoft-com:vml" Requires="v">
+                <p:oleObj spid="_x0000_s2060" r:id="rId8" imgW="584200" imgH="457200" progId="Equation.DSMT4">
+                  <p:embed/>
+                </p:oleObj>
+              </mc:Choice>
+              <mc:Fallback>
+                <p:oleObj r:id="rId8" imgW="584200" imgH="457200" progId="Equation.DSMT4">
+                  <p:embed/>
+                  <p:pic>
+                    <p:nvPicPr>
+                      <p:cNvPr id="0" name="Object 3"/>
+                      <p:cNvPicPr>
+                        <a:picLocks noChangeAspect="1" noChangeArrowheads="1"/>
+                      </p:cNvPicPr>
+                      <p:nvPr/>
+                    </p:nvPicPr>
+                    <p:blipFill>
+                      <a:blip r:embed="rId9">
+                        <a:extLst>
+                          <a:ext uri="{28A0092B-C50C-407E-A947-70E740481C1C}">
+                            <a14:useLocalDpi xmlns:a14="http://schemas.microsoft.com/office/drawing/2010/main" val="0"/>
+                          </a:ext>
+                        </a:extLst>
+                      </a:blip>
+                      <a:srcRect/>
+                      <a:stretch>
+                        <a:fillRect/>
+                      </a:stretch>
+                    </p:blipFill>
+                    <p:spPr bwMode="auto">
+                      <a:xfrm>
+                        <a:off x="5408642" y="3949617"/>
+                        <a:ext cx="1062116" cy="831221"/>
+                      </a:xfrm>
+                      <a:prstGeom prst="rect">
+                        <a:avLst/>
+                      </a:prstGeom>
+                      <a:noFill/>
+                    </p:spPr>
+                  </p:pic>
+                </p:oleObj>
+              </mc:Fallback>
+            </mc:AlternateContent>
+          </a:graphicData>
+        </a:graphic>
+      </p:graphicFrame>
+    </p:spTree>
+    <p:extLst>
+      <p:ext uri="{BB962C8B-B14F-4D97-AF65-F5344CB8AC3E}">
+        <p14:creationId xmlns:p14="http://schemas.microsoft.com/office/powerpoint/2010/main" val="587897447"/>
+      </p:ext>
+    </p:extLst>
+  </p:cSld>
+  <p:clrMapOvr>
+    <a:masterClrMapping/>
+  </p:clrMapOvr>
+  <mc:AlternateContent xmlns:mc="http://schemas.openxmlformats.org/markup-compatibility/2006" xmlns:p14="http://schemas.microsoft.com/office/powerpoint/2010/main">
+    <mc:Choice Requires="p14">
+      <p:transition spd="med" p14:dur="700">
+        <p:fade/>
+      </p:transition>
+    </mc:Choice>
+    <mc:Fallback xmlns="">
+      <p:transition spd="med">
+        <p:fade/>
+      </p:transition>
+    </mc:Fallback>
+  </mc:AlternateContent>
+  <p:timing>
+    <p:tnLst>
+      <p:par>
+        <p:cTn id="1" dur="indefinite" restart="never" nodeType="tmRoot">
+          <p:childTnLst>
+            <p:seq concurrent="1" nextAc="seek">
+              <p:cTn id="2" dur="indefinite" nodeType="mainSeq">
+                <p:childTnLst>
+                  <p:par>
+                    <p:cTn id="3" fill="hold">
+                      <p:stCondLst>
+                        <p:cond delay="indefinite"/>
+                      </p:stCondLst>
+                      <p:childTnLst>
+                        <p:par>
+                          <p:cTn id="4" fill="hold">
+                            <p:stCondLst>
+                              <p:cond delay="0"/>
+                            </p:stCondLst>
+                            <p:childTnLst>
+                              <p:par>
+                                <p:cTn id="5" presetID="9" presetClass="entr" presetSubtype="0" fill="hold" nodeType="clickEffect">
+                                  <p:stCondLst>
+                                    <p:cond delay="0"/>
+                                  </p:stCondLst>
+                                  <p:childTnLst>
+                                    <p:set>
+                                      <p:cBhvr>
+                                        <p:cTn id="6" dur="1" fill="hold">
+                                          <p:stCondLst>
+                                            <p:cond delay="0"/>
+                                          </p:stCondLst>
+                                        </p:cTn>
+                                        <p:tgtEl>
+                                          <p:spTgt spid="3">
+                                            <p:txEl>
+                                              <p:pRg st="0" end="0"/>
+                                            </p:txEl>
+                                          </p:spTgt>
+                                        </p:tgtEl>
+                                        <p:attrNameLst>
+                                          <p:attrName>style.visibility</p:attrName>
+                                        </p:attrNameLst>
+                                      </p:cBhvr>
+                                      <p:to>
+                                        <p:strVal val="visible"/>
+                                      </p:to>
+                                    </p:set>
+                                    <p:animEffect transition="in" filter="dissolve">
+                                      <p:cBhvr>
+                                        <p:cTn id="7" dur="500"/>
+                                        <p:tgtEl>
+                                          <p:spTgt spid="3">
+                                            <p:txEl>
+                                              <p:pRg st="0" end="0"/>
+                                            </p:txEl>
+                                          </p:spTgt>
+                                        </p:tgtEl>
+                                      </p:cBhvr>
+                                    </p:animEffect>
+                                  </p:childTnLst>
+                                </p:cTn>
+                              </p:par>
+                            </p:childTnLst>
+                          </p:cTn>
+                        </p:par>
+                      </p:childTnLst>
+                    </p:cTn>
+                  </p:par>
+                  <p:par>
+                    <p:cTn id="8" fill="hold">
+                      <p:stCondLst>
+                        <p:cond delay="indefinite"/>
+                      </p:stCondLst>
+                      <p:childTnLst>
+                        <p:par>
+                          <p:cTn id="9" fill="hold">
+                            <p:stCondLst>
+                              <p:cond delay="0"/>
+                            </p:stCondLst>
+                            <p:childTnLst>
+                              <p:par>
+                                <p:cTn id="10" presetID="9" presetClass="entr" presetSubtype="0" fill="hold" nodeType="clickEffect">
+                                  <p:stCondLst>
+                                    <p:cond delay="0"/>
+                                  </p:stCondLst>
+                                  <p:childTnLst>
+                                    <p:set>
+                                      <p:cBhvr>
+                                        <p:cTn id="11" dur="1" fill="hold">
+                                          <p:stCondLst>
+                                            <p:cond delay="0"/>
+                                          </p:stCondLst>
+                                        </p:cTn>
+                                        <p:tgtEl>
+                                          <p:spTgt spid="13"/>
+                                        </p:tgtEl>
+                                        <p:attrNameLst>
+                                          <p:attrName>style.visibility</p:attrName>
+                                        </p:attrNameLst>
+                                      </p:cBhvr>
+                                      <p:to>
+                                        <p:strVal val="visible"/>
+                                      </p:to>
+                                    </p:set>
+                                    <p:animEffect transition="in" filter="dissolve">
+                                      <p:cBhvr>
+                                        <p:cTn id="12" dur="500"/>
+                                        <p:tgtEl>
+                                          <p:spTgt spid="13"/>
+                                        </p:tgtEl>
+                                      </p:cBhvr>
+                                    </p:animEffect>
+                                  </p:childTnLst>
+                                </p:cTn>
+                              </p:par>
+                            </p:childTnLst>
+                          </p:cTn>
+                        </p:par>
+                      </p:childTnLst>
+                    </p:cTn>
+                  </p:par>
+                  <p:par>
+                    <p:cTn id="13" fill="hold">
+                      <p:stCondLst>
+                        <p:cond delay="indefinite"/>
+                      </p:stCondLst>
+                      <p:childTnLst>
+                        <p:par>
+                          <p:cTn id="14" fill="hold">
+                            <p:stCondLst>
+                              <p:cond delay="0"/>
+                            </p:stCondLst>
+                            <p:childTnLst>
+                              <p:par>
+                                <p:cTn id="15" presetID="9" presetClass="entr" presetSubtype="0" fill="hold" nodeType="clickEffect">
+                                  <p:stCondLst>
+                                    <p:cond delay="0"/>
+                                  </p:stCondLst>
+                                  <p:childTnLst>
+                                    <p:set>
+                                      <p:cBhvr>
+                                        <p:cTn id="16" dur="1" fill="hold">
+                                          <p:stCondLst>
+                                            <p:cond delay="0"/>
+                                          </p:stCondLst>
+                                        </p:cTn>
+                                        <p:tgtEl>
+                                          <p:spTgt spid="3">
+                                            <p:txEl>
+                                              <p:pRg st="2" end="2"/>
+                                            </p:txEl>
+                                          </p:spTgt>
+                                        </p:tgtEl>
+                                        <p:attrNameLst>
+                                          <p:attrName>style.visibility</p:attrName>
+                                        </p:attrNameLst>
+                                      </p:cBhvr>
+                                      <p:to>
+                                        <p:strVal val="visible"/>
+                                      </p:to>
+                                    </p:set>
+                                    <p:animEffect transition="in" filter="dissolve">
+                                      <p:cBhvr>
+                                        <p:cTn id="17" dur="500"/>
+                                        <p:tgtEl>
+                                          <p:spTgt spid="3">
+                                            <p:txEl>
+                                              <p:pRg st="2" end="2"/>
+                                            </p:txEl>
+                                          </p:spTgt>
+                                        </p:tgtEl>
+                                      </p:cBhvr>
+                                    </p:animEffect>
+                                  </p:childTnLst>
+                                </p:cTn>
+                              </p:par>
+                            </p:childTnLst>
+                          </p:cTn>
+                        </p:par>
+                      </p:childTnLst>
+                    </p:cTn>
+                  </p:par>
+                  <p:par>
+                    <p:cTn id="18" fill="hold">
+                      <p:stCondLst>
+                        <p:cond delay="indefinite"/>
+                      </p:stCondLst>
+                      <p:childTnLst>
+                        <p:par>
+                          <p:cTn id="19" fill="hold">
+                            <p:stCondLst>
+                              <p:cond delay="0"/>
+                            </p:stCondLst>
+                            <p:childTnLst>
+                              <p:par>
+                                <p:cTn id="20" presetID="9" presetClass="entr" presetSubtype="0" fill="hold" nodeType="clickEffect">
+                                  <p:stCondLst>
+                                    <p:cond delay="0"/>
+                                  </p:stCondLst>
+                                  <p:childTnLst>
+                                    <p:set>
+                                      <p:cBhvr>
+                                        <p:cTn id="21" dur="1" fill="hold">
+                                          <p:stCondLst>
+                                            <p:cond delay="0"/>
+                                          </p:stCondLst>
+                                        </p:cTn>
+                                        <p:tgtEl>
+                                          <p:spTgt spid="3">
+                                            <p:txEl>
+                                              <p:pRg st="3" end="3"/>
+                                            </p:txEl>
+                                          </p:spTgt>
+                                        </p:tgtEl>
+                                        <p:attrNameLst>
+                                          <p:attrName>style.visibility</p:attrName>
+                                        </p:attrNameLst>
+                                      </p:cBhvr>
+                                      <p:to>
+                                        <p:strVal val="visible"/>
+                                      </p:to>
+                                    </p:set>
+                                    <p:animEffect transition="in" filter="dissolve">
+                                      <p:cBhvr>
+                                        <p:cTn id="22" dur="500"/>
+                                        <p:tgtEl>
+                                          <p:spTgt spid="3">
+                                            <p:txEl>
+                                              <p:pRg st="3" end="3"/>
+                                            </p:txEl>
+                                          </p:spTgt>
+                                        </p:tgtEl>
+                                      </p:cBhvr>
+                                    </p:animEffect>
+                                  </p:childTnLst>
+                                </p:cTn>
+                              </p:par>
+                            </p:childTnLst>
+                          </p:cTn>
+                        </p:par>
+                      </p:childTnLst>
+                    </p:cTn>
+                  </p:par>
+                  <p:par>
+                    <p:cTn id="23" fill="hold">
+                      <p:stCondLst>
+                        <p:cond delay="indefinite"/>
+                      </p:stCondLst>
+                      <p:childTnLst>
+                        <p:par>
+                          <p:cTn id="24" fill="hold">
+                            <p:stCondLst>
+                              <p:cond delay="0"/>
+                            </p:stCondLst>
+                            <p:childTnLst>
+                              <p:par>
+                                <p:cTn id="25" presetID="9" presetClass="entr" presetSubtype="0" fill="hold" nodeType="clickEffect">
+                                  <p:stCondLst>
+                                    <p:cond delay="0"/>
+                                  </p:stCondLst>
+                                  <p:childTnLst>
+                                    <p:set>
+                                      <p:cBhvr>
+                                        <p:cTn id="26" dur="1" fill="hold">
+                                          <p:stCondLst>
+                                            <p:cond delay="0"/>
+                                          </p:stCondLst>
+                                        </p:cTn>
+                                        <p:tgtEl>
+                                          <p:spTgt spid="15"/>
+                                        </p:tgtEl>
+                                        <p:attrNameLst>
+                                          <p:attrName>style.visibility</p:attrName>
+                                        </p:attrNameLst>
+                                      </p:cBhvr>
+                                      <p:to>
+                                        <p:strVal val="visible"/>
+                                      </p:to>
+                                    </p:set>
+                                    <p:animEffect transition="in" filter="dissolve">
+                                      <p:cBhvr>
+                                        <p:cTn id="27" dur="500"/>
+                                        <p:tgtEl>
+                                          <p:spTgt spid="15"/>
+                                        </p:tgtEl>
+                                      </p:cBhvr>
+                                    </p:animEffect>
+                                  </p:childTnLst>
+                                </p:cTn>
+                              </p:par>
+                            </p:childTnLst>
+                          </p:cTn>
+                        </p:par>
+                      </p:childTnLst>
+                    </p:cTn>
+                  </p:par>
+                  <p:par>
+                    <p:cTn id="28" fill="hold">
+                      <p:stCondLst>
+                        <p:cond delay="indefinite"/>
+                      </p:stCondLst>
+                      <p:childTnLst>
+                        <p:par>
+                          <p:cTn id="29" fill="hold">
+                            <p:stCondLst>
+                              <p:cond delay="0"/>
+                            </p:stCondLst>
+                            <p:childTnLst>
+                              <p:par>
+                                <p:cTn id="30" presetID="9" presetClass="entr" presetSubtype="0" fill="hold" nodeType="clickEffect">
+                                  <p:stCondLst>
+                                    <p:cond delay="0"/>
+                                  </p:stCondLst>
+                                  <p:childTnLst>
+                                    <p:set>
+                                      <p:cBhvr>
+                                        <p:cTn id="31" dur="1" fill="hold">
+                                          <p:stCondLst>
+                                            <p:cond delay="0"/>
+                                          </p:stCondLst>
+                                        </p:cTn>
+                                        <p:tgtEl>
+                                          <p:spTgt spid="3">
+                                            <p:txEl>
+                                              <p:pRg st="5" end="5"/>
+                                            </p:txEl>
+                                          </p:spTgt>
+                                        </p:tgtEl>
+                                        <p:attrNameLst>
+                                          <p:attrName>style.visibility</p:attrName>
+                                        </p:attrNameLst>
+                                      </p:cBhvr>
+                                      <p:to>
+                                        <p:strVal val="visible"/>
+                                      </p:to>
+                                    </p:set>
+                                    <p:animEffect transition="in" filter="dissolve">
+                                      <p:cBhvr>
+                                        <p:cTn id="32" dur="500"/>
+                                        <p:tgtEl>
+                                          <p:spTgt spid="3">
+                                            <p:txEl>
+                                              <p:pRg st="5" end="5"/>
+                                            </p:txEl>
+                                          </p:spTgt>
+                                        </p:tgtEl>
+                                      </p:cBhvr>
+                                    </p:animEffect>
+                                  </p:childTnLst>
+                                </p:cTn>
+                              </p:par>
+                            </p:childTnLst>
+                          </p:cTn>
+                        </p:par>
+                      </p:childTnLst>
+                    </p:cTn>
+                  </p:par>
+                </p:childTnLst>
+              </p:cTn>
+              <p:prevCondLst>
+                <p:cond evt="onPrev" delay="0">
+                  <p:tgtEl>
+                    <p:sldTgt/>
+                  </p:tgtEl>
+                </p:cond>
+              </p:prevCondLst>
+              <p:nextCondLst>
+                <p:cond evt="onNext" delay="0">
+                  <p:tgtEl>
+                    <p:sldTgt/>
+                  </p:tgtEl>
+                </p:cond>
+              </p:nextCondLst>
+            </p:seq>
+          </p:childTnLst>
+        </p:cTn>
+      </p:par>
+    </p:tnLst>
+  </p:timing>
+</p:sld>
+</file>
+
+<file path=ppt/slides/slide18.xml><?xml version="1.0" encoding="utf-8"?>
+<p:sld xmlns:a="http://schemas.openxmlformats.org/drawingml/2006/main" xmlns:r="http://schemas.openxmlformats.org/officeDocument/2006/relationships" xmlns:p="http://schemas.openxmlformats.org/presentationml/2006/main">
+  <p:cSld>
+    <p:spTree>
+      <p:nvGrpSpPr>
+        <p:cNvPr id="1" name=""/>
+        <p:cNvGrpSpPr/>
+        <p:nvPr/>
+      </p:nvGrpSpPr>
+      <p:grpSpPr>
+        <a:xfrm>
+          <a:off x="0" y="0"/>
+          <a:ext cx="0" cy="0"/>
+          <a:chOff x="0" y="0"/>
+          <a:chExt cx="0" cy="0"/>
+        </a:xfrm>
+      </p:grpSpPr>
+      <p:sp>
+        <p:nvSpPr>
+          <p:cNvPr id="2" name="Title 1">
+            <a:extLst>
+              <a:ext uri="{FF2B5EF4-FFF2-40B4-BE49-F238E27FC236}">
+                <a16:creationId xmlns:a16="http://schemas.microsoft.com/office/drawing/2014/main" id="{C91301E0-FE01-AC48-A6E6-F097952D91EC}"/>
+              </a:ext>
+            </a:extLst>
+          </p:cNvPr>
+          <p:cNvSpPr>
+            <a:spLocks noGrp="1"/>
+          </p:cNvSpPr>
+          <p:nvPr>
+            <p:ph type="title"/>
+          </p:nvPr>
+        </p:nvSpPr>
+        <p:spPr/>
+        <p:txBody>
+          <a:bodyPr/>
+          <a:lstStyle/>
+          <a:p>
+            <a:r>
+              <a:rPr lang="en-CN" dirty="0">
+                <a:latin typeface="Times New Roman" panose="02020603050405020304" pitchFamily="18" charset="0"/>
+                <a:ea typeface="Songti TC" panose="02010600040101010101" pitchFamily="2" charset="-120"/>
+                <a:cs typeface="Times New Roman" panose="02020603050405020304" pitchFamily="18" charset="0"/>
+              </a:rPr>
+              <a:t>Gray Box Model</a:t>
+            </a:r>
+            <a:r>
+              <a:rPr lang="zh-CN" altLang="en-US" dirty="0">
+                <a:latin typeface="Times New Roman" panose="02020603050405020304" pitchFamily="18" charset="0"/>
+                <a:ea typeface="Songti TC" panose="02010600040101010101" pitchFamily="2" charset="-120"/>
+                <a:cs typeface="Times New Roman" panose="02020603050405020304" pitchFamily="18" charset="0"/>
+              </a:rPr>
+              <a:t> </a:t>
+            </a:r>
+            <a:r>
+              <a:rPr lang="en-US" altLang="zh-CN" dirty="0">
+                <a:latin typeface="Times New Roman" panose="02020603050405020304" pitchFamily="18" charset="0"/>
+                <a:ea typeface="Songti TC" panose="02010600040101010101" pitchFamily="2" charset="-120"/>
+                <a:cs typeface="Times New Roman" panose="02020603050405020304" pitchFamily="18" charset="0"/>
+              </a:rPr>
+              <a:t>– </a:t>
+            </a:r>
+            <a:r>
+              <a:rPr lang="en-US" altLang="zh-CN" dirty="0" err="1">
+                <a:latin typeface="Times New Roman" panose="02020603050405020304" pitchFamily="18" charset="0"/>
+                <a:ea typeface="Songti TC" panose="02010600040101010101" pitchFamily="2" charset="-120"/>
+                <a:cs typeface="Times New Roman" panose="02020603050405020304" pitchFamily="18" charset="0"/>
+              </a:rPr>
+              <a:t>CrisperDong</a:t>
+            </a:r>
+            <a:endParaRPr lang="en-CN" dirty="0">
+              <a:latin typeface="Times New Roman" panose="02020603050405020304" pitchFamily="18" charset="0"/>
+              <a:ea typeface="Songti TC" panose="02010600040101010101" pitchFamily="2" charset="-120"/>
+              <a:cs typeface="Times New Roman" panose="02020603050405020304" pitchFamily="18" charset="0"/>
+            </a:endParaRPr>
+          </a:p>
+        </p:txBody>
+      </p:sp>
+      <p:sp>
+        <p:nvSpPr>
+          <p:cNvPr id="3" name="Content Placeholder 2">
+            <a:extLst>
+              <a:ext uri="{FF2B5EF4-FFF2-40B4-BE49-F238E27FC236}">
+                <a16:creationId xmlns:a16="http://schemas.microsoft.com/office/drawing/2014/main" id="{34252F14-9A4A-6A46-B00A-DCDBC337298D}"/>
+              </a:ext>
+            </a:extLst>
+          </p:cNvPr>
+          <p:cNvSpPr>
+            <a:spLocks noGrp="1"/>
+          </p:cNvSpPr>
+          <p:nvPr>
+            <p:ph idx="1"/>
+          </p:nvPr>
+        </p:nvSpPr>
+        <p:spPr/>
+        <p:txBody>
+          <a:bodyPr/>
+          <a:lstStyle/>
+          <a:p>
+            <a:r>
+              <a:rPr lang="en-US" altLang="zh-CN" dirty="0">
+                <a:latin typeface="Times New Roman" panose="02020603050405020304" pitchFamily="18" charset="0"/>
+                <a:cs typeface="Times New Roman" panose="02020603050405020304" pitchFamily="18" charset="0"/>
+              </a:rPr>
+              <a:t>GLS (generalized least squares) refers to</a:t>
+            </a:r>
+          </a:p>
+          <a:p>
+            <a:endParaRPr lang="en-US" altLang="zh-CN" dirty="0">
+              <a:latin typeface="Times New Roman" panose="02020603050405020304" pitchFamily="18" charset="0"/>
+              <a:cs typeface="Times New Roman" panose="02020603050405020304" pitchFamily="18" charset="0"/>
+            </a:endParaRPr>
+          </a:p>
+          <a:p>
+            <a:r>
+              <a:rPr lang="en-US" altLang="zh-CN" dirty="0">
+                <a:latin typeface="Times New Roman" panose="02020603050405020304" pitchFamily="18" charset="0"/>
+                <a:cs typeface="Times New Roman" panose="02020603050405020304" pitchFamily="18" charset="0"/>
+              </a:rPr>
+              <a:t>Where</a:t>
+            </a:r>
+          </a:p>
+          <a:p>
+            <a:endParaRPr lang="en-US" altLang="zh-CN" dirty="0">
+              <a:latin typeface="Times New Roman" panose="02020603050405020304" pitchFamily="18" charset="0"/>
+              <a:cs typeface="Times New Roman" panose="02020603050405020304" pitchFamily="18" charset="0"/>
+            </a:endParaRPr>
+          </a:p>
+          <a:p>
+            <a:endParaRPr lang="en-CN" dirty="0">
+              <a:latin typeface="Times New Roman" panose="02020603050405020304" pitchFamily="18" charset="0"/>
+              <a:cs typeface="Times New Roman" panose="02020603050405020304" pitchFamily="18" charset="0"/>
+            </a:endParaRPr>
+          </a:p>
+        </p:txBody>
+      </p:sp>
+      <p:pic>
+        <p:nvPicPr>
+          <p:cNvPr id="4" name="Picture 3" descr="Qr code&#10;&#10;Description automatically generated">
+            <a:extLst>
+              <a:ext uri="{FF2B5EF4-FFF2-40B4-BE49-F238E27FC236}">
+                <a16:creationId xmlns:a16="http://schemas.microsoft.com/office/drawing/2014/main" id="{ABCA9F6F-A1EC-1442-8186-B34A79E747F9}"/>
+              </a:ext>
+            </a:extLst>
+          </p:cNvPr>
+          <p:cNvPicPr>
+            <a:picLocks noChangeAspect="1"/>
+          </p:cNvPicPr>
+          <p:nvPr/>
+        </p:nvPicPr>
+        <p:blipFill rotWithShape="1">
+          <a:blip r:embed="rId3"/>
+          <a:srcRect l="9806" t="22114" r="9880" b="18699"/>
+          <a:stretch/>
+        </p:blipFill>
+        <p:spPr>
+          <a:xfrm>
+            <a:off x="8976732" y="155441"/>
+            <a:ext cx="1217865" cy="1227985"/>
+          </a:xfrm>
+          <a:prstGeom prst="rect">
+            <a:avLst/>
+          </a:prstGeom>
+        </p:spPr>
+      </p:pic>
+      <p:pic>
+        <p:nvPicPr>
+          <p:cNvPr id="5" name="Picture 4" descr="Logo&#10;&#10;Description automatically generated">
+            <a:extLst>
+              <a:ext uri="{FF2B5EF4-FFF2-40B4-BE49-F238E27FC236}">
+                <a16:creationId xmlns:a16="http://schemas.microsoft.com/office/drawing/2014/main" id="{46C48C6F-C99F-CB4F-B901-FF529E4D8C30}"/>
+              </a:ext>
+            </a:extLst>
+          </p:cNvPr>
+          <p:cNvPicPr>
+            <a:picLocks noChangeAspect="1"/>
+          </p:cNvPicPr>
+          <p:nvPr/>
+        </p:nvPicPr>
+        <p:blipFill rotWithShape="1">
+          <a:blip r:embed="rId4"/>
+          <a:srcRect l="10082" r="10082"/>
+          <a:stretch/>
+        </p:blipFill>
+        <p:spPr>
+          <a:xfrm>
+            <a:off x="10871914" y="155441"/>
+            <a:ext cx="1217865" cy="1217865"/>
+          </a:xfrm>
+          <a:prstGeom prst="rect">
+            <a:avLst/>
+          </a:prstGeom>
+        </p:spPr>
+      </p:pic>
+      <p:sp>
+        <p:nvSpPr>
+          <p:cNvPr id="6" name="Rectangle 2">
+            <a:extLst>
+              <a:ext uri="{FF2B5EF4-FFF2-40B4-BE49-F238E27FC236}">
+                <a16:creationId xmlns:a16="http://schemas.microsoft.com/office/drawing/2014/main" id="{46992FFD-BC38-4F48-B6EB-23F3D9A68CFB}"/>
+              </a:ext>
+            </a:extLst>
+          </p:cNvPr>
+          <p:cNvSpPr>
+            <a:spLocks noChangeArrowheads="1"/>
+          </p:cNvSpPr>
+          <p:nvPr/>
+        </p:nvSpPr>
+        <p:spPr bwMode="auto">
+          <a:xfrm>
+            <a:off x="4296428" y="2392470"/>
+            <a:ext cx="13633260" cy="45719"/>
+          </a:xfrm>
+          <a:prstGeom prst="rect">
+            <a:avLst/>
+          </a:prstGeom>
+          <a:noFill/>
+          <a:ln>
+            <a:noFill/>
+          </a:ln>
+          <a:effectLst/>
+          <a:extLst>
+            <a:ext uri="{909E8E84-426E-40DD-AFC4-6F175D3DCCD1}">
+              <a14:hiddenFill xmlns:a14="http://schemas.microsoft.com/office/drawing/2010/main">
+                <a:solidFill>
+                  <a:schemeClr val="accent1"/>
+                </a:solidFill>
+              </a14:hiddenFill>
+            </a:ext>
+            <a:ext uri="{91240B29-F687-4F45-9708-019B960494DF}">
+              <a14:hiddenLine xmlns:a14="http://schemas.microsoft.com/office/drawing/2010/main" w="9525">
+                <a:solidFill>
+                  <a:schemeClr val="tx1"/>
+                </a:solidFill>
+                <a:miter lim="800000"/>
+                <a:headEnd/>
+                <a:tailEnd/>
+              </a14:hiddenLine>
+            </a:ext>
+            <a:ext uri="{AF507438-7753-43E0-B8FC-AC1667EBCBE1}">
+              <a14:hiddenEffects xmlns:a14="http://schemas.microsoft.com/office/drawing/2010/main">
+                <a:effectLst>
+                  <a:outerShdw dist="35921" dir="2700000" algn="ctr" rotWithShape="0">
+                    <a:schemeClr val="bg2"/>
+                  </a:outerShdw>
+                </a:effectLst>
+              </a14:hiddenEffects>
+            </a:ext>
+          </a:extLst>
+        </p:spPr>
+        <p:txBody>
+          <a:bodyPr vert="horz" wrap="square" lIns="91440" tIns="45720" rIns="91440" bIns="45720" numCol="1" anchor="ctr" anchorCtr="0" compatLnSpc="1">
+            <a:prstTxWarp prst="textNoShape">
+              <a:avLst/>
+            </a:prstTxWarp>
+            <a:spAutoFit/>
+          </a:bodyPr>
+          <a:lstStyle/>
+          <a:p>
+            <a:endParaRPr lang="en-CN"/>
+          </a:p>
+        </p:txBody>
+      </p:sp>
+      <p:sp>
+        <p:nvSpPr>
+          <p:cNvPr id="9" name="Rectangle 4">
+            <a:extLst>
+              <a:ext uri="{FF2B5EF4-FFF2-40B4-BE49-F238E27FC236}">
+                <a16:creationId xmlns:a16="http://schemas.microsoft.com/office/drawing/2014/main" id="{8AA6FC73-7AE6-7E4B-8815-7300F6688C69}"/>
+              </a:ext>
+            </a:extLst>
+          </p:cNvPr>
+          <p:cNvSpPr>
+            <a:spLocks noChangeArrowheads="1"/>
+          </p:cNvSpPr>
+          <p:nvPr/>
+        </p:nvSpPr>
+        <p:spPr bwMode="auto">
+          <a:xfrm>
+            <a:off x="4517719" y="3544794"/>
+            <a:ext cx="18533927" cy="45719"/>
+          </a:xfrm>
+          <a:prstGeom prst="rect">
+            <a:avLst/>
+          </a:prstGeom>
+          <a:noFill/>
+          <a:ln>
+            <a:noFill/>
+          </a:ln>
+          <a:effectLst/>
+          <a:extLst>
+            <a:ext uri="{909E8E84-426E-40DD-AFC4-6F175D3DCCD1}">
+              <a14:hiddenFill xmlns:a14="http://schemas.microsoft.com/office/drawing/2010/main">
+                <a:solidFill>
+                  <a:schemeClr val="accent1"/>
+                </a:solidFill>
+              </a14:hiddenFill>
+            </a:ext>
+            <a:ext uri="{91240B29-F687-4F45-9708-019B960494DF}">
+              <a14:hiddenLine xmlns:a14="http://schemas.microsoft.com/office/drawing/2010/main" w="9525">
+                <a:solidFill>
+                  <a:schemeClr val="tx1"/>
+                </a:solidFill>
+                <a:miter lim="800000"/>
+                <a:headEnd/>
+                <a:tailEnd/>
+              </a14:hiddenLine>
+            </a:ext>
+            <a:ext uri="{AF507438-7753-43E0-B8FC-AC1667EBCBE1}">
+              <a14:hiddenEffects xmlns:a14="http://schemas.microsoft.com/office/drawing/2010/main">
+                <a:effectLst>
+                  <a:outerShdw dist="35921" dir="2700000" algn="ctr" rotWithShape="0">
+                    <a:schemeClr val="bg2"/>
+                  </a:outerShdw>
+                </a:effectLst>
+              </a14:hiddenEffects>
+            </a:ext>
+          </a:extLst>
+        </p:spPr>
+        <p:txBody>
+          <a:bodyPr vert="horz" wrap="square" lIns="91440" tIns="45720" rIns="91440" bIns="45720" numCol="1" anchor="ctr" anchorCtr="0" compatLnSpc="1">
+            <a:prstTxWarp prst="textNoShape">
+              <a:avLst/>
+            </a:prstTxWarp>
+            <a:spAutoFit/>
+          </a:bodyPr>
+          <a:lstStyle/>
+          <a:p>
+            <a:endParaRPr lang="en-CN"/>
+          </a:p>
+        </p:txBody>
+      </p:sp>
+      <p:sp>
+        <p:nvSpPr>
+          <p:cNvPr id="11" name="Rectangle 6">
+            <a:extLst>
+              <a:ext uri="{FF2B5EF4-FFF2-40B4-BE49-F238E27FC236}">
+                <a16:creationId xmlns:a16="http://schemas.microsoft.com/office/drawing/2014/main" id="{0A7157FB-1507-574F-8AD6-DC8A8778CCDB}"/>
+              </a:ext>
+            </a:extLst>
+          </p:cNvPr>
+          <p:cNvSpPr>
+            <a:spLocks noChangeArrowheads="1"/>
+          </p:cNvSpPr>
+          <p:nvPr/>
+        </p:nvSpPr>
+        <p:spPr bwMode="auto">
+          <a:xfrm>
+            <a:off x="0" y="0"/>
+            <a:ext cx="12192000" cy="0"/>
+          </a:xfrm>
+          <a:prstGeom prst="rect">
+            <a:avLst/>
+          </a:prstGeom>
+          <a:noFill/>
+          <a:ln>
+            <a:noFill/>
+          </a:ln>
+          <a:effectLst/>
+          <a:extLst>
+            <a:ext uri="{909E8E84-426E-40DD-AFC4-6F175D3DCCD1}">
+              <a14:hiddenFill xmlns:a14="http://schemas.microsoft.com/office/drawing/2010/main">
+                <a:solidFill>
+                  <a:schemeClr val="accent1"/>
+                </a:solidFill>
+              </a14:hiddenFill>
+            </a:ext>
+            <a:ext uri="{91240B29-F687-4F45-9708-019B960494DF}">
+              <a14:hiddenLine xmlns:a14="http://schemas.microsoft.com/office/drawing/2010/main" w="9525">
+                <a:solidFill>
+                  <a:schemeClr val="tx1"/>
+                </a:solidFill>
+                <a:miter lim="800000"/>
+                <a:headEnd/>
+                <a:tailEnd/>
+              </a14:hiddenLine>
+            </a:ext>
+            <a:ext uri="{AF507438-7753-43E0-B8FC-AC1667EBCBE1}">
+              <a14:hiddenEffects xmlns:a14="http://schemas.microsoft.com/office/drawing/2010/main">
+                <a:effectLst>
+                  <a:outerShdw dist="35921" dir="2700000" algn="ctr" rotWithShape="0">
+                    <a:schemeClr val="bg2"/>
+                  </a:outerShdw>
+                </a:effectLst>
+              </a14:hiddenEffects>
+            </a:ext>
+          </a:extLst>
+        </p:spPr>
+        <p:txBody>
+          <a:bodyPr vert="horz" wrap="none" lIns="91440" tIns="45720" rIns="91440" bIns="45720" numCol="1" anchor="ctr" anchorCtr="0" compatLnSpc="1">
+            <a:prstTxWarp prst="textNoShape">
+              <a:avLst/>
+            </a:prstTxWarp>
+            <a:spAutoFit/>
+          </a:bodyPr>
+          <a:lstStyle/>
+          <a:p>
+            <a:endParaRPr lang="en-CN"/>
+          </a:p>
+        </p:txBody>
+      </p:sp>
+      <p:sp>
+        <p:nvSpPr>
+          <p:cNvPr id="7" name="Rectangle 2">
+            <a:extLst>
+              <a:ext uri="{FF2B5EF4-FFF2-40B4-BE49-F238E27FC236}">
+                <a16:creationId xmlns:a16="http://schemas.microsoft.com/office/drawing/2014/main" id="{FAD000F0-F6EF-0544-B865-F3D67F9F516D}"/>
+              </a:ext>
+            </a:extLst>
+          </p:cNvPr>
+          <p:cNvSpPr>
+            <a:spLocks noChangeArrowheads="1"/>
+          </p:cNvSpPr>
+          <p:nvPr/>
+        </p:nvSpPr>
+        <p:spPr bwMode="auto">
+          <a:xfrm>
+            <a:off x="0" y="0"/>
+            <a:ext cx="12192000" cy="0"/>
+          </a:xfrm>
+          <a:prstGeom prst="rect">
+            <a:avLst/>
+          </a:prstGeom>
+          <a:noFill/>
+          <a:ln>
+            <a:noFill/>
+          </a:ln>
+          <a:effectLst/>
+          <a:extLst>
+            <a:ext uri="{909E8E84-426E-40DD-AFC4-6F175D3DCCD1}">
+              <a14:hiddenFill xmlns:a14="http://schemas.microsoft.com/office/drawing/2010/main">
+                <a:solidFill>
+                  <a:schemeClr val="accent1"/>
+                </a:solidFill>
+              </a14:hiddenFill>
+            </a:ext>
+            <a:ext uri="{91240B29-F687-4F45-9708-019B960494DF}">
+              <a14:hiddenLine xmlns:a14="http://schemas.microsoft.com/office/drawing/2010/main" w="9525">
+                <a:solidFill>
+                  <a:schemeClr val="tx1"/>
+                </a:solidFill>
+                <a:miter lim="800000"/>
+                <a:headEnd/>
+                <a:tailEnd/>
+              </a14:hiddenLine>
+            </a:ext>
+            <a:ext uri="{AF507438-7753-43E0-B8FC-AC1667EBCBE1}">
+              <a14:hiddenEffects xmlns:a14="http://schemas.microsoft.com/office/drawing/2010/main">
+                <a:effectLst>
+                  <a:outerShdw dist="35921" dir="2700000" algn="ctr" rotWithShape="0">
+                    <a:schemeClr val="bg2"/>
+                  </a:outerShdw>
+                </a:effectLst>
+              </a14:hiddenEffects>
+            </a:ext>
+          </a:extLst>
+        </p:spPr>
+        <p:txBody>
+          <a:bodyPr vert="horz" wrap="none" lIns="91440" tIns="45720" rIns="91440" bIns="45720" numCol="1" anchor="ctr" anchorCtr="0" compatLnSpc="1">
+            <a:prstTxWarp prst="textNoShape">
+              <a:avLst/>
+            </a:prstTxWarp>
+            <a:spAutoFit/>
+          </a:bodyPr>
+          <a:lstStyle/>
+          <a:p>
+            <a:endParaRPr lang="en-CN"/>
+          </a:p>
+        </p:txBody>
+      </p:sp>
+      <p:graphicFrame>
+        <p:nvGraphicFramePr>
+          <p:cNvPr id="10" name="Object 9">
+            <a:extLst>
+              <a:ext uri="{FF2B5EF4-FFF2-40B4-BE49-F238E27FC236}">
+                <a16:creationId xmlns:a16="http://schemas.microsoft.com/office/drawing/2014/main" id="{AC2B0A86-E516-5B4F-A881-BC085AB48E26}"/>
+              </a:ext>
+            </a:extLst>
+          </p:cNvPr>
+          <p:cNvGraphicFramePr>
+            <a:graphicFrameLocks noChangeAspect="1"/>
+          </p:cNvGraphicFramePr>
+          <p:nvPr>
+            <p:extLst>
+              <p:ext uri="{D42A27DB-BD31-4B8C-83A1-F6EECF244321}">
+                <p14:modId xmlns:p14="http://schemas.microsoft.com/office/powerpoint/2010/main" val="1742064958"/>
+              </p:ext>
+            </p:extLst>
+          </p:nvPr>
+        </p:nvGraphicFramePr>
+        <p:xfrm>
+          <a:off x="5220639" y="2296928"/>
+          <a:ext cx="1750722" cy="503081"/>
+        </p:xfrm>
+        <a:graphic>
+          <a:graphicData uri="http://schemas.openxmlformats.org/presentationml/2006/ole">
+            <mc:AlternateContent xmlns:mc="http://schemas.openxmlformats.org/markup-compatibility/2006">
+              <mc:Choice xmlns:v="urn:schemas-microsoft-com:vml" Requires="v">
+                <p:oleObj spid="_x0000_s3083" r:id="rId5" imgW="1104900" imgH="317500" progId="Equation.DSMT4">
+                  <p:embed/>
+                </p:oleObj>
+              </mc:Choice>
+              <mc:Fallback>
+                <p:oleObj r:id="rId5" imgW="1104900" imgH="317500" progId="Equation.DSMT4">
+                  <p:embed/>
+                  <p:pic>
+                    <p:nvPicPr>
+                      <p:cNvPr id="0" name="Object 1"/>
+                      <p:cNvPicPr>
+                        <a:picLocks noChangeAspect="1" noChangeArrowheads="1"/>
+                      </p:cNvPicPr>
+                      <p:nvPr/>
+                    </p:nvPicPr>
+                    <p:blipFill>
+                      <a:blip r:embed="rId6">
+                        <a:extLst>
+                          <a:ext uri="{28A0092B-C50C-407E-A947-70E740481C1C}">
+                            <a14:useLocalDpi xmlns:a14="http://schemas.microsoft.com/office/drawing/2010/main" val="0"/>
+                          </a:ext>
+                        </a:extLst>
+                      </a:blip>
+                      <a:srcRect/>
+                      <a:stretch>
+                        <a:fillRect/>
+                      </a:stretch>
+                    </p:blipFill>
+                    <p:spPr bwMode="auto">
+                      <a:xfrm>
+                        <a:off x="5220639" y="2296928"/>
+                        <a:ext cx="1750722" cy="503081"/>
+                      </a:xfrm>
+                      <a:prstGeom prst="rect">
+                        <a:avLst/>
+                      </a:prstGeom>
+                      <a:noFill/>
+                    </p:spPr>
+                  </p:pic>
+                </p:oleObj>
+              </mc:Fallback>
+            </mc:AlternateContent>
+          </a:graphicData>
+        </a:graphic>
+      </p:graphicFrame>
+      <p:graphicFrame>
+        <p:nvGraphicFramePr>
+          <p:cNvPr id="16" name="Object 15">
+            <a:extLst>
+              <a:ext uri="{FF2B5EF4-FFF2-40B4-BE49-F238E27FC236}">
+                <a16:creationId xmlns:a16="http://schemas.microsoft.com/office/drawing/2014/main" id="{C1905628-43E0-8E44-9681-382B21FC4FE9}"/>
+              </a:ext>
+            </a:extLst>
+          </p:cNvPr>
+          <p:cNvGraphicFramePr>
+            <a:graphicFrameLocks noChangeAspect="1"/>
+          </p:cNvGraphicFramePr>
+          <p:nvPr>
+            <p:extLst>
+              <p:ext uri="{D42A27DB-BD31-4B8C-83A1-F6EECF244321}">
+                <p14:modId xmlns:p14="http://schemas.microsoft.com/office/powerpoint/2010/main" val="1157220510"/>
+              </p:ext>
+            </p:extLst>
+          </p:nvPr>
+        </p:nvGraphicFramePr>
+        <p:xfrm>
+          <a:off x="4019040" y="3640336"/>
+          <a:ext cx="4621834" cy="2436967"/>
+        </p:xfrm>
+        <a:graphic>
+          <a:graphicData uri="http://schemas.openxmlformats.org/presentationml/2006/ole">
+            <mc:AlternateContent xmlns:mc="http://schemas.openxmlformats.org/markup-compatibility/2006">
+              <mc:Choice xmlns:v="urn:schemas-microsoft-com:vml" Requires="v">
+                <p:oleObj spid="_x0000_s3084" r:id="rId7" imgW="2794000" imgH="1473200" progId="Equation.DSMT4">
+                  <p:embed/>
+                </p:oleObj>
+              </mc:Choice>
+              <mc:Fallback>
+                <p:oleObj r:id="rId7" imgW="2794000" imgH="1473200" progId="Equation.DSMT4">
+                  <p:embed/>
+                  <p:pic>
+                    <p:nvPicPr>
+                      <p:cNvPr id="0" name="Object 3"/>
+                      <p:cNvPicPr>
+                        <a:picLocks noChangeAspect="1" noChangeArrowheads="1"/>
+                      </p:cNvPicPr>
+                      <p:nvPr/>
+                    </p:nvPicPr>
+                    <p:blipFill>
+                      <a:blip r:embed="rId8">
+                        <a:extLst>
+                          <a:ext uri="{28A0092B-C50C-407E-A947-70E740481C1C}">
+                            <a14:useLocalDpi xmlns:a14="http://schemas.microsoft.com/office/drawing/2010/main" val="0"/>
+                          </a:ext>
+                        </a:extLst>
+                      </a:blip>
+                      <a:srcRect/>
+                      <a:stretch>
+                        <a:fillRect/>
+                      </a:stretch>
+                    </p:blipFill>
+                    <p:spPr bwMode="auto">
+                      <a:xfrm>
+                        <a:off x="4019040" y="3640336"/>
+                        <a:ext cx="4621834" cy="2436967"/>
+                      </a:xfrm>
+                      <a:prstGeom prst="rect">
+                        <a:avLst/>
+                      </a:prstGeom>
+                      <a:noFill/>
+                    </p:spPr>
+                  </p:pic>
+                </p:oleObj>
+              </mc:Fallback>
+            </mc:AlternateContent>
+          </a:graphicData>
+        </a:graphic>
+      </p:graphicFrame>
+    </p:spTree>
+    <p:extLst>
+      <p:ext uri="{BB962C8B-B14F-4D97-AF65-F5344CB8AC3E}">
+        <p14:creationId xmlns:p14="http://schemas.microsoft.com/office/powerpoint/2010/main" val="1706228433"/>
+      </p:ext>
+    </p:extLst>
+  </p:cSld>
+  <p:clrMapOvr>
+    <a:masterClrMapping/>
+  </p:clrMapOvr>
+  <mc:AlternateContent xmlns:mc="http://schemas.openxmlformats.org/markup-compatibility/2006" xmlns:p14="http://schemas.microsoft.com/office/powerpoint/2010/main">
+    <mc:Choice Requires="p14">
+      <p:transition spd="med" p14:dur="700">
+        <p:fade/>
+      </p:transition>
+    </mc:Choice>
+    <mc:Fallback xmlns="">
+      <p:transition spd="med">
+        <p:fade/>
+      </p:transition>
+    </mc:Fallback>
+  </mc:AlternateContent>
+  <p:timing>
+    <p:tnLst>
+      <p:par>
+        <p:cTn id="1" dur="indefinite" restart="never" nodeType="tmRoot">
+          <p:childTnLst>
+            <p:seq concurrent="1" nextAc="seek">
+              <p:cTn id="2" dur="indefinite" nodeType="mainSeq">
+                <p:childTnLst>
+                  <p:par>
+                    <p:cTn id="3" fill="hold">
+                      <p:stCondLst>
+                        <p:cond delay="indefinite"/>
+                      </p:stCondLst>
+                      <p:childTnLst>
+                        <p:par>
+                          <p:cTn id="4" fill="hold">
+                            <p:stCondLst>
+                              <p:cond delay="0"/>
+                            </p:stCondLst>
+                            <p:childTnLst>
+                              <p:par>
+                                <p:cTn id="5" presetID="9" presetClass="entr" presetSubtype="0" fill="hold" nodeType="clickEffect">
+                                  <p:stCondLst>
+                                    <p:cond delay="0"/>
+                                  </p:stCondLst>
+                                  <p:childTnLst>
+                                    <p:set>
+                                      <p:cBhvr>
+                                        <p:cTn id="6" dur="1" fill="hold">
+                                          <p:stCondLst>
+                                            <p:cond delay="0"/>
+                                          </p:stCondLst>
+                                        </p:cTn>
+                                        <p:tgtEl>
+                                          <p:spTgt spid="3">
+                                            <p:txEl>
+                                              <p:pRg st="0" end="0"/>
+                                            </p:txEl>
+                                          </p:spTgt>
+                                        </p:tgtEl>
+                                        <p:attrNameLst>
+                                          <p:attrName>style.visibility</p:attrName>
+                                        </p:attrNameLst>
+                                      </p:cBhvr>
+                                      <p:to>
+                                        <p:strVal val="visible"/>
+                                      </p:to>
+                                    </p:set>
+                                    <p:animEffect transition="in" filter="dissolve">
+                                      <p:cBhvr>
+                                        <p:cTn id="7" dur="500"/>
+                                        <p:tgtEl>
+                                          <p:spTgt spid="3">
+                                            <p:txEl>
+                                              <p:pRg st="0" end="0"/>
+                                            </p:txEl>
+                                          </p:spTgt>
+                                        </p:tgtEl>
+                                      </p:cBhvr>
+                                    </p:animEffect>
+                                  </p:childTnLst>
+                                </p:cTn>
+                              </p:par>
+                            </p:childTnLst>
+                          </p:cTn>
+                        </p:par>
+                      </p:childTnLst>
+                    </p:cTn>
+                  </p:par>
+                  <p:par>
+                    <p:cTn id="8" fill="hold">
+                      <p:stCondLst>
+                        <p:cond delay="indefinite"/>
+                      </p:stCondLst>
+                      <p:childTnLst>
+                        <p:par>
+                          <p:cTn id="9" fill="hold">
+                            <p:stCondLst>
+                              <p:cond delay="0"/>
+                            </p:stCondLst>
+                            <p:childTnLst>
+                              <p:par>
+                                <p:cTn id="10" presetID="9" presetClass="entr" presetSubtype="0" fill="hold" nodeType="clickEffect">
+                                  <p:stCondLst>
+                                    <p:cond delay="0"/>
+                                  </p:stCondLst>
+                                  <p:childTnLst>
+                                    <p:set>
+                                      <p:cBhvr>
+                                        <p:cTn id="11" dur="1" fill="hold">
+                                          <p:stCondLst>
+                                            <p:cond delay="0"/>
+                                          </p:stCondLst>
+                                        </p:cTn>
+                                        <p:tgtEl>
+                                          <p:spTgt spid="10"/>
+                                        </p:tgtEl>
+                                        <p:attrNameLst>
+                                          <p:attrName>style.visibility</p:attrName>
+                                        </p:attrNameLst>
+                                      </p:cBhvr>
+                                      <p:to>
+                                        <p:strVal val="visible"/>
+                                      </p:to>
+                                    </p:set>
+                                    <p:animEffect transition="in" filter="dissolve">
+                                      <p:cBhvr>
+                                        <p:cTn id="12" dur="500"/>
+                                        <p:tgtEl>
+                                          <p:spTgt spid="10"/>
+                                        </p:tgtEl>
+                                      </p:cBhvr>
+                                    </p:animEffect>
+                                  </p:childTnLst>
+                                </p:cTn>
+                              </p:par>
+                            </p:childTnLst>
+                          </p:cTn>
+                        </p:par>
+                      </p:childTnLst>
+                    </p:cTn>
+                  </p:par>
+                  <p:par>
+                    <p:cTn id="13" fill="hold">
+                      <p:stCondLst>
+                        <p:cond delay="indefinite"/>
+                      </p:stCondLst>
+                      <p:childTnLst>
+                        <p:par>
+                          <p:cTn id="14" fill="hold">
+                            <p:stCondLst>
+                              <p:cond delay="0"/>
+                            </p:stCondLst>
+                            <p:childTnLst>
+                              <p:par>
+                                <p:cTn id="15" presetID="9" presetClass="entr" presetSubtype="0" fill="hold" nodeType="clickEffect">
+                                  <p:stCondLst>
+                                    <p:cond delay="0"/>
+                                  </p:stCondLst>
+                                  <p:childTnLst>
+                                    <p:set>
+                                      <p:cBhvr>
+                                        <p:cTn id="16" dur="1" fill="hold">
+                                          <p:stCondLst>
+                                            <p:cond delay="0"/>
+                                          </p:stCondLst>
+                                        </p:cTn>
+                                        <p:tgtEl>
+                                          <p:spTgt spid="3">
+                                            <p:txEl>
+                                              <p:pRg st="2" end="2"/>
+                                            </p:txEl>
+                                          </p:spTgt>
+                                        </p:tgtEl>
+                                        <p:attrNameLst>
+                                          <p:attrName>style.visibility</p:attrName>
+                                        </p:attrNameLst>
+                                      </p:cBhvr>
+                                      <p:to>
+                                        <p:strVal val="visible"/>
+                                      </p:to>
+                                    </p:set>
+                                    <p:animEffect transition="in" filter="dissolve">
+                                      <p:cBhvr>
+                                        <p:cTn id="17" dur="500"/>
+                                        <p:tgtEl>
+                                          <p:spTgt spid="3">
+                                            <p:txEl>
+                                              <p:pRg st="2" end="2"/>
+                                            </p:txEl>
+                                          </p:spTgt>
+                                        </p:tgtEl>
+                                      </p:cBhvr>
+                                    </p:animEffect>
+                                  </p:childTnLst>
+                                </p:cTn>
+                              </p:par>
+                            </p:childTnLst>
+                          </p:cTn>
+                        </p:par>
+                      </p:childTnLst>
+                    </p:cTn>
+                  </p:par>
+                  <p:par>
+                    <p:cTn id="18" fill="hold">
+                      <p:stCondLst>
+                        <p:cond delay="indefinite"/>
+                      </p:stCondLst>
+                      <p:childTnLst>
+                        <p:par>
+                          <p:cTn id="19" fill="hold">
+                            <p:stCondLst>
+                              <p:cond delay="0"/>
+                            </p:stCondLst>
+                            <p:childTnLst>
+                              <p:par>
+                                <p:cTn id="20" presetID="9" presetClass="entr" presetSubtype="0" fill="hold" nodeType="clickEffect">
+                                  <p:stCondLst>
+                                    <p:cond delay="0"/>
+                                  </p:stCondLst>
+                                  <p:childTnLst>
+                                    <p:set>
+                                      <p:cBhvr>
+                                        <p:cTn id="21" dur="1" fill="hold">
+                                          <p:stCondLst>
+                                            <p:cond delay="0"/>
+                                          </p:stCondLst>
+                                        </p:cTn>
+                                        <p:tgtEl>
+                                          <p:spTgt spid="16"/>
+                                        </p:tgtEl>
+                                        <p:attrNameLst>
+                                          <p:attrName>style.visibility</p:attrName>
+                                        </p:attrNameLst>
+                                      </p:cBhvr>
+                                      <p:to>
+                                        <p:strVal val="visible"/>
+                                      </p:to>
+                                    </p:set>
+                                    <p:animEffect transition="in" filter="dissolve">
+                                      <p:cBhvr>
+                                        <p:cTn id="22" dur="500"/>
+                                        <p:tgtEl>
+                                          <p:spTgt spid="16"/>
+                                        </p:tgtEl>
+                                      </p:cBhvr>
+                                    </p:animEffect>
+                                  </p:childTnLst>
+                                </p:cTn>
+                              </p:par>
+                            </p:childTnLst>
+                          </p:cTn>
+                        </p:par>
+                      </p:childTnLst>
+                    </p:cTn>
+                  </p:par>
+                </p:childTnLst>
+              </p:cTn>
+              <p:prevCondLst>
+                <p:cond evt="onPrev" delay="0">
+                  <p:tgtEl>
+                    <p:sldTgt/>
+                  </p:tgtEl>
+                </p:cond>
+              </p:prevCondLst>
+              <p:nextCondLst>
+                <p:cond evt="onNext" delay="0">
+                  <p:tgtEl>
+                    <p:sldTgt/>
+                  </p:tgtEl>
+                </p:cond>
+              </p:nextCondLst>
+            </p:seq>
+          </p:childTnLst>
+        </p:cTn>
+      </p:par>
+    </p:tnLst>
+  </p:timing>
+</p:sld>
+</file>
+
+<file path=ppt/slides/slide19.xml><?xml version="1.0" encoding="utf-8"?>
+<p:sld xmlns:a="http://schemas.openxmlformats.org/drawingml/2006/main" xmlns:r="http://schemas.openxmlformats.org/officeDocument/2006/relationships" xmlns:p="http://schemas.openxmlformats.org/presentationml/2006/main">
+  <p:cSld>
+    <p:spTree>
+      <p:nvGrpSpPr>
+        <p:cNvPr id="1" name=""/>
+        <p:cNvGrpSpPr/>
+        <p:nvPr/>
+      </p:nvGrpSpPr>
+      <p:grpSpPr>
+        <a:xfrm>
+          <a:off x="0" y="0"/>
+          <a:ext cx="0" cy="0"/>
+          <a:chOff x="0" y="0"/>
+          <a:chExt cx="0" cy="0"/>
+        </a:xfrm>
+      </p:grpSpPr>
+      <p:sp>
+        <p:nvSpPr>
+          <p:cNvPr id="2" name="Title 1">
+            <a:extLst>
+              <a:ext uri="{FF2B5EF4-FFF2-40B4-BE49-F238E27FC236}">
+                <a16:creationId xmlns:a16="http://schemas.microsoft.com/office/drawing/2014/main" id="{C91301E0-FE01-AC48-A6E6-F097952D91EC}"/>
+              </a:ext>
+            </a:extLst>
+          </p:cNvPr>
+          <p:cNvSpPr>
+            <a:spLocks noGrp="1"/>
+          </p:cNvSpPr>
+          <p:nvPr>
+            <p:ph type="title"/>
+          </p:nvPr>
+        </p:nvSpPr>
+        <p:spPr/>
+        <p:txBody>
+          <a:bodyPr/>
+          <a:lstStyle/>
+          <a:p>
+            <a:r>
+              <a:rPr lang="en-CN" dirty="0">
+                <a:latin typeface="Times New Roman" panose="02020603050405020304" pitchFamily="18" charset="0"/>
+                <a:ea typeface="Songti TC" panose="02010600040101010101" pitchFamily="2" charset="-120"/>
+                <a:cs typeface="Times New Roman" panose="02020603050405020304" pitchFamily="18" charset="0"/>
+              </a:rPr>
+              <a:t>Gray Box Model</a:t>
+            </a:r>
+            <a:r>
+              <a:rPr lang="zh-CN" altLang="en-US" dirty="0">
+                <a:latin typeface="Times New Roman" panose="02020603050405020304" pitchFamily="18" charset="0"/>
+                <a:ea typeface="Songti TC" panose="02010600040101010101" pitchFamily="2" charset="-120"/>
+                <a:cs typeface="Times New Roman" panose="02020603050405020304" pitchFamily="18" charset="0"/>
+              </a:rPr>
+              <a:t> </a:t>
+            </a:r>
+            <a:r>
+              <a:rPr lang="en-US" altLang="zh-CN" dirty="0">
+                <a:latin typeface="Times New Roman" panose="02020603050405020304" pitchFamily="18" charset="0"/>
+                <a:ea typeface="Songti TC" panose="02010600040101010101" pitchFamily="2" charset="-120"/>
+                <a:cs typeface="Times New Roman" panose="02020603050405020304" pitchFamily="18" charset="0"/>
+              </a:rPr>
+              <a:t>– </a:t>
+            </a:r>
+            <a:r>
+              <a:rPr lang="en-US" altLang="zh-CN" dirty="0" err="1">
+                <a:latin typeface="Times New Roman" panose="02020603050405020304" pitchFamily="18" charset="0"/>
+                <a:ea typeface="Songti TC" panose="02010600040101010101" pitchFamily="2" charset="-120"/>
+                <a:cs typeface="Times New Roman" panose="02020603050405020304" pitchFamily="18" charset="0"/>
+              </a:rPr>
+              <a:t>CrisperDong</a:t>
+            </a:r>
+            <a:endParaRPr lang="en-CN" dirty="0">
+              <a:latin typeface="Times New Roman" panose="02020603050405020304" pitchFamily="18" charset="0"/>
+              <a:ea typeface="Songti TC" panose="02010600040101010101" pitchFamily="2" charset="-120"/>
+              <a:cs typeface="Times New Roman" panose="02020603050405020304" pitchFamily="18" charset="0"/>
+            </a:endParaRPr>
+          </a:p>
+        </p:txBody>
+      </p:sp>
+      <p:sp>
+        <p:nvSpPr>
+          <p:cNvPr id="3" name="Content Placeholder 2">
+            <a:extLst>
+              <a:ext uri="{FF2B5EF4-FFF2-40B4-BE49-F238E27FC236}">
+                <a16:creationId xmlns:a16="http://schemas.microsoft.com/office/drawing/2014/main" id="{34252F14-9A4A-6A46-B00A-DCDBC337298D}"/>
+              </a:ext>
+            </a:extLst>
+          </p:cNvPr>
+          <p:cNvSpPr>
+            <a:spLocks noGrp="1"/>
+          </p:cNvSpPr>
+          <p:nvPr>
+            <p:ph idx="1"/>
+          </p:nvPr>
+        </p:nvSpPr>
+        <p:spPr/>
+        <p:txBody>
+          <a:bodyPr/>
+          <a:lstStyle/>
+          <a:p>
+            <a:r>
+              <a:rPr lang="en-US" dirty="0">
+                <a:latin typeface="Times New Roman" panose="02020603050405020304" pitchFamily="18" charset="0"/>
+                <a:cs typeface="Times New Roman" panose="02020603050405020304" pitchFamily="18" charset="0"/>
+              </a:rPr>
+              <a:t>Substitute it into the differential equation, we get</a:t>
+            </a:r>
+            <a:endParaRPr lang="en-CN" dirty="0">
+              <a:latin typeface="Times New Roman" panose="02020603050405020304" pitchFamily="18" charset="0"/>
+              <a:cs typeface="Times New Roman" panose="02020603050405020304" pitchFamily="18" charset="0"/>
+            </a:endParaRPr>
+          </a:p>
+        </p:txBody>
+      </p:sp>
+      <p:pic>
+        <p:nvPicPr>
+          <p:cNvPr id="4" name="Picture 3" descr="Qr code&#10;&#10;Description automatically generated">
+            <a:extLst>
+              <a:ext uri="{FF2B5EF4-FFF2-40B4-BE49-F238E27FC236}">
+                <a16:creationId xmlns:a16="http://schemas.microsoft.com/office/drawing/2014/main" id="{ABCA9F6F-A1EC-1442-8186-B34A79E747F9}"/>
+              </a:ext>
+            </a:extLst>
+          </p:cNvPr>
+          <p:cNvPicPr>
+            <a:picLocks noChangeAspect="1"/>
+          </p:cNvPicPr>
+          <p:nvPr/>
+        </p:nvPicPr>
+        <p:blipFill rotWithShape="1">
+          <a:blip r:embed="rId3"/>
+          <a:srcRect l="9806" t="22114" r="9880" b="18699"/>
+          <a:stretch/>
+        </p:blipFill>
+        <p:spPr>
+          <a:xfrm>
+            <a:off x="8976732" y="155441"/>
+            <a:ext cx="1217865" cy="1227985"/>
+          </a:xfrm>
+          <a:prstGeom prst="rect">
+            <a:avLst/>
+          </a:prstGeom>
+        </p:spPr>
+      </p:pic>
+      <p:pic>
+        <p:nvPicPr>
+          <p:cNvPr id="5" name="Picture 4" descr="Logo&#10;&#10;Description automatically generated">
+            <a:extLst>
+              <a:ext uri="{FF2B5EF4-FFF2-40B4-BE49-F238E27FC236}">
+                <a16:creationId xmlns:a16="http://schemas.microsoft.com/office/drawing/2014/main" id="{46C48C6F-C99F-CB4F-B901-FF529E4D8C30}"/>
+              </a:ext>
+            </a:extLst>
+          </p:cNvPr>
+          <p:cNvPicPr>
+            <a:picLocks noChangeAspect="1"/>
+          </p:cNvPicPr>
+          <p:nvPr/>
+        </p:nvPicPr>
+        <p:blipFill rotWithShape="1">
+          <a:blip r:embed="rId4"/>
+          <a:srcRect l="10082" r="10082"/>
+          <a:stretch/>
+        </p:blipFill>
+        <p:spPr>
+          <a:xfrm>
+            <a:off x="10871914" y="155441"/>
+            <a:ext cx="1217865" cy="1217865"/>
+          </a:xfrm>
+          <a:prstGeom prst="rect">
+            <a:avLst/>
+          </a:prstGeom>
+        </p:spPr>
+      </p:pic>
+      <p:sp>
+        <p:nvSpPr>
+          <p:cNvPr id="11" name="Rectangle 6">
+            <a:extLst>
+              <a:ext uri="{FF2B5EF4-FFF2-40B4-BE49-F238E27FC236}">
+                <a16:creationId xmlns:a16="http://schemas.microsoft.com/office/drawing/2014/main" id="{0A7157FB-1507-574F-8AD6-DC8A8778CCDB}"/>
+              </a:ext>
+            </a:extLst>
+          </p:cNvPr>
+          <p:cNvSpPr>
+            <a:spLocks noChangeArrowheads="1"/>
+          </p:cNvSpPr>
+          <p:nvPr/>
+        </p:nvSpPr>
+        <p:spPr bwMode="auto">
+          <a:xfrm>
+            <a:off x="0" y="0"/>
+            <a:ext cx="12192000" cy="0"/>
+          </a:xfrm>
+          <a:prstGeom prst="rect">
+            <a:avLst/>
+          </a:prstGeom>
+          <a:noFill/>
+          <a:ln>
+            <a:noFill/>
+          </a:ln>
+          <a:effectLst/>
+          <a:extLst>
+            <a:ext uri="{909E8E84-426E-40DD-AFC4-6F175D3DCCD1}">
+              <a14:hiddenFill xmlns:a14="http://schemas.microsoft.com/office/drawing/2010/main">
+                <a:solidFill>
+                  <a:schemeClr val="accent1"/>
+                </a:solidFill>
+              </a14:hiddenFill>
+            </a:ext>
+            <a:ext uri="{91240B29-F687-4F45-9708-019B960494DF}">
+              <a14:hiddenLine xmlns:a14="http://schemas.microsoft.com/office/drawing/2010/main" w="9525">
+                <a:solidFill>
+                  <a:schemeClr val="tx1"/>
+                </a:solidFill>
+                <a:miter lim="800000"/>
+                <a:headEnd/>
+                <a:tailEnd/>
+              </a14:hiddenLine>
+            </a:ext>
+            <a:ext uri="{AF507438-7753-43E0-B8FC-AC1667EBCBE1}">
+              <a14:hiddenEffects xmlns:a14="http://schemas.microsoft.com/office/drawing/2010/main">
+                <a:effectLst>
+                  <a:outerShdw dist="35921" dir="2700000" algn="ctr" rotWithShape="0">
+                    <a:schemeClr val="bg2"/>
+                  </a:outerShdw>
+                </a:effectLst>
+              </a14:hiddenEffects>
+            </a:ext>
+          </a:extLst>
+        </p:spPr>
+        <p:txBody>
+          <a:bodyPr vert="horz" wrap="none" lIns="91440" tIns="45720" rIns="91440" bIns="45720" numCol="1" anchor="ctr" anchorCtr="0" compatLnSpc="1">
+            <a:prstTxWarp prst="textNoShape">
+              <a:avLst/>
+            </a:prstTxWarp>
+            <a:spAutoFit/>
+          </a:bodyPr>
+          <a:lstStyle/>
+          <a:p>
+            <a:endParaRPr lang="en-CN"/>
+          </a:p>
+        </p:txBody>
+      </p:sp>
+      <p:sp>
+        <p:nvSpPr>
+          <p:cNvPr id="7" name="Rectangle 2">
+            <a:extLst>
+              <a:ext uri="{FF2B5EF4-FFF2-40B4-BE49-F238E27FC236}">
+                <a16:creationId xmlns:a16="http://schemas.microsoft.com/office/drawing/2014/main" id="{FAD000F0-F6EF-0544-B865-F3D67F9F516D}"/>
+              </a:ext>
+            </a:extLst>
+          </p:cNvPr>
+          <p:cNvSpPr>
+            <a:spLocks noChangeArrowheads="1"/>
+          </p:cNvSpPr>
+          <p:nvPr/>
+        </p:nvSpPr>
+        <p:spPr bwMode="auto">
+          <a:xfrm>
+            <a:off x="0" y="0"/>
+            <a:ext cx="12192000" cy="0"/>
+          </a:xfrm>
+          <a:prstGeom prst="rect">
+            <a:avLst/>
+          </a:prstGeom>
+          <a:noFill/>
+          <a:ln>
+            <a:noFill/>
+          </a:ln>
+          <a:effectLst/>
+          <a:extLst>
+            <a:ext uri="{909E8E84-426E-40DD-AFC4-6F175D3DCCD1}">
+              <a14:hiddenFill xmlns:a14="http://schemas.microsoft.com/office/drawing/2010/main">
+                <a:solidFill>
+                  <a:schemeClr val="accent1"/>
+                </a:solidFill>
+              </a14:hiddenFill>
+            </a:ext>
+            <a:ext uri="{91240B29-F687-4F45-9708-019B960494DF}">
+              <a14:hiddenLine xmlns:a14="http://schemas.microsoft.com/office/drawing/2010/main" w="9525">
+                <a:solidFill>
+                  <a:schemeClr val="tx1"/>
+                </a:solidFill>
+                <a:miter lim="800000"/>
+                <a:headEnd/>
+                <a:tailEnd/>
+              </a14:hiddenLine>
+            </a:ext>
+            <a:ext uri="{AF507438-7753-43E0-B8FC-AC1667EBCBE1}">
+              <a14:hiddenEffects xmlns:a14="http://schemas.microsoft.com/office/drawing/2010/main">
+                <a:effectLst>
+                  <a:outerShdw dist="35921" dir="2700000" algn="ctr" rotWithShape="0">
+                    <a:schemeClr val="bg2"/>
+                  </a:outerShdw>
+                </a:effectLst>
+              </a14:hiddenEffects>
+            </a:ext>
+          </a:extLst>
+        </p:spPr>
+        <p:txBody>
+          <a:bodyPr vert="horz" wrap="none" lIns="91440" tIns="45720" rIns="91440" bIns="45720" numCol="1" anchor="ctr" anchorCtr="0" compatLnSpc="1">
+            <a:prstTxWarp prst="textNoShape">
+              <a:avLst/>
+            </a:prstTxWarp>
+            <a:spAutoFit/>
+          </a:bodyPr>
+          <a:lstStyle/>
+          <a:p>
+            <a:endParaRPr lang="en-CN"/>
+          </a:p>
+        </p:txBody>
+      </p:sp>
+      <p:sp>
+        <p:nvSpPr>
+          <p:cNvPr id="12" name="Rectangle 4">
+            <a:extLst>
+              <a:ext uri="{FF2B5EF4-FFF2-40B4-BE49-F238E27FC236}">
+                <a16:creationId xmlns:a16="http://schemas.microsoft.com/office/drawing/2014/main" id="{2734095A-D2AF-CF4A-B809-AA5879435668}"/>
+              </a:ext>
+            </a:extLst>
+          </p:cNvPr>
+          <p:cNvSpPr>
+            <a:spLocks noChangeArrowheads="1"/>
+          </p:cNvSpPr>
+          <p:nvPr/>
+        </p:nvSpPr>
+        <p:spPr bwMode="auto">
+          <a:xfrm>
+            <a:off x="4019040" y="3640336"/>
+            <a:ext cx="16623574" cy="45719"/>
+          </a:xfrm>
+          <a:prstGeom prst="rect">
+            <a:avLst/>
+          </a:prstGeom>
+          <a:noFill/>
+          <a:ln>
+            <a:noFill/>
+          </a:ln>
+          <a:effectLst/>
+          <a:extLst>
+            <a:ext uri="{909E8E84-426E-40DD-AFC4-6F175D3DCCD1}">
+              <a14:hiddenFill xmlns:a14="http://schemas.microsoft.com/office/drawing/2010/main">
+                <a:solidFill>
+                  <a:schemeClr val="accent1"/>
+                </a:solidFill>
+              </a14:hiddenFill>
+            </a:ext>
+            <a:ext uri="{91240B29-F687-4F45-9708-019B960494DF}">
+              <a14:hiddenLine xmlns:a14="http://schemas.microsoft.com/office/drawing/2010/main" w="9525">
+                <a:solidFill>
+                  <a:schemeClr val="tx1"/>
+                </a:solidFill>
+                <a:miter lim="800000"/>
+                <a:headEnd/>
+                <a:tailEnd/>
+              </a14:hiddenLine>
+            </a:ext>
+            <a:ext uri="{AF507438-7753-43E0-B8FC-AC1667EBCBE1}">
+              <a14:hiddenEffects xmlns:a14="http://schemas.microsoft.com/office/drawing/2010/main">
+                <a:effectLst>
+                  <a:outerShdw dist="35921" dir="2700000" algn="ctr" rotWithShape="0">
+                    <a:schemeClr val="bg2"/>
+                  </a:outerShdw>
+                </a:effectLst>
+              </a14:hiddenEffects>
+            </a:ext>
+          </a:extLst>
+        </p:spPr>
+        <p:txBody>
+          <a:bodyPr vert="horz" wrap="square" lIns="91440" tIns="45720" rIns="91440" bIns="45720" numCol="1" anchor="ctr" anchorCtr="0" compatLnSpc="1">
+            <a:prstTxWarp prst="textNoShape">
+              <a:avLst/>
+            </a:prstTxWarp>
+            <a:spAutoFit/>
+          </a:bodyPr>
+          <a:lstStyle/>
+          <a:p>
+            <a:endParaRPr lang="en-CN"/>
+          </a:p>
+        </p:txBody>
+      </p:sp>
+      <p:graphicFrame>
+        <p:nvGraphicFramePr>
+          <p:cNvPr id="15" name="Object 14">
+            <a:extLst>
+              <a:ext uri="{FF2B5EF4-FFF2-40B4-BE49-F238E27FC236}">
+                <a16:creationId xmlns:a16="http://schemas.microsoft.com/office/drawing/2014/main" id="{F3FADE67-599E-3940-9306-15AF296587A6}"/>
+              </a:ext>
+            </a:extLst>
+          </p:cNvPr>
+          <p:cNvGraphicFramePr>
+            <a:graphicFrameLocks noChangeAspect="1"/>
+          </p:cNvGraphicFramePr>
+          <p:nvPr>
+            <p:extLst>
+              <p:ext uri="{D42A27DB-BD31-4B8C-83A1-F6EECF244321}">
+                <p14:modId xmlns:p14="http://schemas.microsoft.com/office/powerpoint/2010/main" val="1123957620"/>
+              </p:ext>
+            </p:extLst>
+          </p:nvPr>
+        </p:nvGraphicFramePr>
+        <p:xfrm>
+          <a:off x="2675756" y="3266269"/>
+          <a:ext cx="6678978" cy="908341"/>
+        </p:xfrm>
+        <a:graphic>
+          <a:graphicData uri="http://schemas.openxmlformats.org/presentationml/2006/ole">
+            <mc:AlternateContent xmlns:mc="http://schemas.openxmlformats.org/markup-compatibility/2006">
+              <mc:Choice xmlns:v="urn:schemas-microsoft-com:vml" Requires="v">
+                <p:oleObj spid="_x0000_s4102" r:id="rId5" imgW="3175000" imgH="431800" progId="Equation.DSMT4">
+                  <p:embed/>
+                </p:oleObj>
+              </mc:Choice>
+              <mc:Fallback>
+                <p:oleObj r:id="rId5" imgW="3175000" imgH="431800" progId="Equation.DSMT4">
+                  <p:embed/>
+                  <p:pic>
+                    <p:nvPicPr>
+                      <p:cNvPr id="0" name="Object 1"/>
+                      <p:cNvPicPr>
+                        <a:picLocks noChangeAspect="1" noChangeArrowheads="1"/>
+                      </p:cNvPicPr>
+                      <p:nvPr/>
+                    </p:nvPicPr>
+                    <p:blipFill>
+                      <a:blip r:embed="rId6">
+                        <a:extLst>
+                          <a:ext uri="{28A0092B-C50C-407E-A947-70E740481C1C}">
+                            <a14:useLocalDpi xmlns:a14="http://schemas.microsoft.com/office/drawing/2010/main" val="0"/>
+                          </a:ext>
+                        </a:extLst>
+                      </a:blip>
+                      <a:srcRect/>
+                      <a:stretch>
+                        <a:fillRect/>
+                      </a:stretch>
+                    </p:blipFill>
+                    <p:spPr bwMode="auto">
+                      <a:xfrm>
+                        <a:off x="2675756" y="3266269"/>
+                        <a:ext cx="6678978" cy="908341"/>
+                      </a:xfrm>
+                      <a:prstGeom prst="rect">
+                        <a:avLst/>
+                      </a:prstGeom>
+                      <a:noFill/>
+                    </p:spPr>
+                  </p:pic>
+                </p:oleObj>
+              </mc:Fallback>
+            </mc:AlternateContent>
+          </a:graphicData>
+        </a:graphic>
+      </p:graphicFrame>
+    </p:spTree>
+    <p:extLst>
+      <p:ext uri="{BB962C8B-B14F-4D97-AF65-F5344CB8AC3E}">
+        <p14:creationId xmlns:p14="http://schemas.microsoft.com/office/powerpoint/2010/main" val="1412945309"/>
+      </p:ext>
+    </p:extLst>
+  </p:cSld>
+  <p:clrMapOvr>
+    <a:masterClrMapping/>
+  </p:clrMapOvr>
+  <mc:AlternateContent xmlns:mc="http://schemas.openxmlformats.org/markup-compatibility/2006" xmlns:p14="http://schemas.microsoft.com/office/powerpoint/2010/main">
+    <mc:Choice Requires="p14">
+      <p:transition spd="med" p14:dur="700">
+        <p:fade/>
+      </p:transition>
+    </mc:Choice>
+    <mc:Fallback xmlns="">
+      <p:transition spd="med">
+        <p:fade/>
+      </p:transition>
+    </mc:Fallback>
+  </mc:AlternateContent>
+  <p:timing>
+    <p:tnLst>
+      <p:par>
+        <p:cTn id="1" dur="indefinite" restart="never" nodeType="tmRoot">
+          <p:childTnLst>
+            <p:seq concurrent="1" nextAc="seek">
+              <p:cTn id="2" dur="indefinite" nodeType="mainSeq">
+                <p:childTnLst>
+                  <p:par>
+                    <p:cTn id="3" fill="hold">
+                      <p:stCondLst>
+                        <p:cond delay="indefinite"/>
+                      </p:stCondLst>
+                      <p:childTnLst>
+                        <p:par>
+                          <p:cTn id="4" fill="hold">
+                            <p:stCondLst>
+                              <p:cond delay="0"/>
+                            </p:stCondLst>
+                            <p:childTnLst>
+                              <p:par>
+                                <p:cTn id="5" presetID="9" presetClass="entr" presetSubtype="0" fill="hold" nodeType="clickEffect">
+                                  <p:stCondLst>
+                                    <p:cond delay="0"/>
+                                  </p:stCondLst>
+                                  <p:childTnLst>
+                                    <p:set>
+                                      <p:cBhvr>
+                                        <p:cTn id="6" dur="1" fill="hold">
+                                          <p:stCondLst>
+                                            <p:cond delay="0"/>
+                                          </p:stCondLst>
+                                        </p:cTn>
+                                        <p:tgtEl>
+                                          <p:spTgt spid="3">
+                                            <p:txEl>
+                                              <p:pRg st="0" end="0"/>
+                                            </p:txEl>
+                                          </p:spTgt>
+                                        </p:tgtEl>
+                                        <p:attrNameLst>
+                                          <p:attrName>style.visibility</p:attrName>
+                                        </p:attrNameLst>
+                                      </p:cBhvr>
+                                      <p:to>
+                                        <p:strVal val="visible"/>
+                                      </p:to>
+                                    </p:set>
+                                    <p:animEffect transition="in" filter="dissolve">
+                                      <p:cBhvr>
+                                        <p:cTn id="7" dur="500"/>
+                                        <p:tgtEl>
+                                          <p:spTgt spid="3">
+                                            <p:txEl>
+                                              <p:pRg st="0" end="0"/>
+                                            </p:txEl>
+                                          </p:spTgt>
+                                        </p:tgtEl>
+                                      </p:cBhvr>
+                                    </p:animEffect>
+                                  </p:childTnLst>
+                                </p:cTn>
+                              </p:par>
+                            </p:childTnLst>
+                          </p:cTn>
+                        </p:par>
+                      </p:childTnLst>
+                    </p:cTn>
+                  </p:par>
+                  <p:par>
+                    <p:cTn id="8" fill="hold">
+                      <p:stCondLst>
+                        <p:cond delay="indefinite"/>
+                      </p:stCondLst>
+                      <p:childTnLst>
+                        <p:par>
+                          <p:cTn id="9" fill="hold">
+                            <p:stCondLst>
+                              <p:cond delay="0"/>
+                            </p:stCondLst>
+                            <p:childTnLst>
+                              <p:par>
+                                <p:cTn id="10" presetID="9" presetClass="entr" presetSubtype="0" fill="hold" nodeType="clickEffect">
+                                  <p:stCondLst>
+                                    <p:cond delay="0"/>
+                                  </p:stCondLst>
+                                  <p:childTnLst>
+                                    <p:set>
+                                      <p:cBhvr>
+                                        <p:cTn id="11" dur="1" fill="hold">
+                                          <p:stCondLst>
+                                            <p:cond delay="0"/>
+                                          </p:stCondLst>
+                                        </p:cTn>
+                                        <p:tgtEl>
+                                          <p:spTgt spid="15"/>
+                                        </p:tgtEl>
+                                        <p:attrNameLst>
+                                          <p:attrName>style.visibility</p:attrName>
+                                        </p:attrNameLst>
+                                      </p:cBhvr>
+                                      <p:to>
+                                        <p:strVal val="visible"/>
+                                      </p:to>
+                                    </p:set>
+                                    <p:animEffect transition="in" filter="dissolve">
+                                      <p:cBhvr>
+                                        <p:cTn id="12" dur="500"/>
+                                        <p:tgtEl>
+                                          <p:spTgt spid="15"/>
+                                        </p:tgtEl>
+                                      </p:cBhvr>
+                                    </p:animEffect>
+                                  </p:childTnLst>
+                                </p:cTn>
+                              </p:par>
+                            </p:childTnLst>
+                          </p:cTn>
+                        </p:par>
+                      </p:childTnLst>
+                    </p:cTn>
+                  </p:par>
+                </p:childTnLst>
+              </p:cTn>
+              <p:prevCondLst>
+                <p:cond evt="onPrev" delay="0">
+                  <p:tgtEl>
+                    <p:sldTgt/>
+                  </p:tgtEl>
+                </p:cond>
+              </p:prevCondLst>
+              <p:nextCondLst>
+                <p:cond evt="onNext" delay="0">
+                  <p:tgtEl>
+                    <p:sldTgt/>
+                  </p:tgtEl>
+                </p:cond>
+              </p:nextCondLst>
+            </p:seq>
+          </p:childTnLst>
+        </p:cTn>
+      </p:par>
+    </p:tnLst>
+  </p:timing>
+</p:sld>
+</file>
+
+<file path=ppt/slides/slide2.xml><?xml version="1.0" encoding="utf-8"?>
+<p:sld xmlns:a="http://schemas.openxmlformats.org/drawingml/2006/main" xmlns:r="http://schemas.openxmlformats.org/officeDocument/2006/relationships" xmlns:p="http://schemas.openxmlformats.org/presentationml/2006/main">
+  <p:cSld>
+    <p:spTree>
+      <p:nvGrpSpPr>
+        <p:cNvPr id="1" name=""/>
+        <p:cNvGrpSpPr/>
+        <p:nvPr/>
+      </p:nvGrpSpPr>
+      <p:grpSpPr>
+        <a:xfrm>
+          <a:off x="0" y="0"/>
+          <a:ext cx="0" cy="0"/>
+          <a:chOff x="0" y="0"/>
+          <a:chExt cx="0" cy="0"/>
+        </a:xfrm>
+      </p:grpSpPr>
+      <p:sp>
+        <p:nvSpPr>
+          <p:cNvPr id="2" name="Title 1">
+            <a:extLst>
+              <a:ext uri="{FF2B5EF4-FFF2-40B4-BE49-F238E27FC236}">
+                <a16:creationId xmlns:a16="http://schemas.microsoft.com/office/drawing/2014/main" id="{490B741B-F965-EF4C-B9FF-3E40789096A1}"/>
+              </a:ext>
+            </a:extLst>
+          </p:cNvPr>
+          <p:cNvSpPr>
+            <a:spLocks noGrp="1"/>
+          </p:cNvSpPr>
+          <p:nvPr>
+            <p:ph type="title"/>
+          </p:nvPr>
+        </p:nvSpPr>
+        <p:spPr/>
+        <p:txBody>
+          <a:bodyPr/>
+          <a:lstStyle/>
+          <a:p>
+            <a:r>
+              <a:rPr lang="en-CN" dirty="0">
+                <a:latin typeface="Times New Roman" panose="02020603050405020304" pitchFamily="18" charset="0"/>
+                <a:cs typeface="Times New Roman" panose="02020603050405020304" pitchFamily="18" charset="0"/>
+              </a:rPr>
+              <a:t>目录</a:t>
+            </a:r>
+          </a:p>
+        </p:txBody>
+      </p:sp>
+      <p:sp>
+        <p:nvSpPr>
+          <p:cNvPr id="3" name="Content Placeholder 2">
+            <a:extLst>
+              <a:ext uri="{FF2B5EF4-FFF2-40B4-BE49-F238E27FC236}">
+                <a16:creationId xmlns:a16="http://schemas.microsoft.com/office/drawing/2014/main" id="{2299C51F-D452-F746-B861-35C7AD4078F4}"/>
+              </a:ext>
+            </a:extLst>
+          </p:cNvPr>
+          <p:cNvSpPr>
+            <a:spLocks noGrp="1"/>
+          </p:cNvSpPr>
+          <p:nvPr>
+            <p:ph idx="1"/>
+          </p:nvPr>
+        </p:nvSpPr>
+        <p:spPr/>
+        <p:txBody>
+          <a:bodyPr/>
+          <a:lstStyle/>
+          <a:p>
+            <a:r>
+              <a:rPr lang="zh-CN" altLang="en-US" dirty="0">
+                <a:latin typeface="Songti TC" panose="02010600040101010101" pitchFamily="2" charset="-120"/>
+                <a:ea typeface="Songti TC" panose="02010600040101010101" pitchFamily="2" charset="-120"/>
+                <a:cs typeface="Times New Roman" panose="02020603050405020304" pitchFamily="18" charset="0"/>
+              </a:rPr>
+              <a:t>问题分析</a:t>
+            </a:r>
+            <a:endParaRPr lang="en-US" altLang="zh-CN" dirty="0">
+              <a:latin typeface="Songti TC" panose="02010600040101010101" pitchFamily="2" charset="-120"/>
+              <a:ea typeface="Songti TC" panose="02010600040101010101" pitchFamily="2" charset="-120"/>
+              <a:cs typeface="Times New Roman" panose="02020603050405020304" pitchFamily="18" charset="0"/>
+            </a:endParaRPr>
+          </a:p>
+          <a:p>
+            <a:r>
+              <a:rPr lang="zh-CN" altLang="en-US" dirty="0">
+                <a:latin typeface="Songti TC" panose="02010600040101010101" pitchFamily="2" charset="-120"/>
+                <a:ea typeface="Songti TC" panose="02010600040101010101" pitchFamily="2" charset="-120"/>
+                <a:cs typeface="Times New Roman" panose="02020603050405020304" pitchFamily="18" charset="0"/>
+              </a:rPr>
+              <a:t>获奖情况</a:t>
+            </a:r>
+            <a:endParaRPr lang="en-US" altLang="zh-CN" dirty="0">
+              <a:latin typeface="Songti TC" panose="02010600040101010101" pitchFamily="2" charset="-120"/>
+              <a:ea typeface="Songti TC" panose="02010600040101010101" pitchFamily="2" charset="-120"/>
+              <a:cs typeface="Times New Roman" panose="02020603050405020304" pitchFamily="18" charset="0"/>
+            </a:endParaRPr>
+          </a:p>
+          <a:p>
+            <a:r>
+              <a:rPr lang="zh-CN" altLang="en-US" dirty="0">
+                <a:latin typeface="Songti TC" panose="02010600040101010101" pitchFamily="2" charset="-120"/>
+                <a:ea typeface="Songti TC" panose="02010600040101010101" pitchFamily="2" charset="-120"/>
+                <a:cs typeface="Times New Roman" panose="02020603050405020304" pitchFamily="18" charset="0"/>
+              </a:rPr>
+              <a:t>论文分析</a:t>
+            </a:r>
+            <a:endParaRPr lang="en-CN" dirty="0">
+              <a:latin typeface="Songti TC" panose="02010600040101010101" pitchFamily="2" charset="-120"/>
+              <a:ea typeface="Songti TC" panose="02010600040101010101" pitchFamily="2" charset="-120"/>
+              <a:cs typeface="Times New Roman" panose="02020603050405020304" pitchFamily="18" charset="0"/>
+            </a:endParaRPr>
+          </a:p>
+        </p:txBody>
+      </p:sp>
+      <p:pic>
+        <p:nvPicPr>
+          <p:cNvPr id="4" name="Picture 3" descr="Qr code&#10;&#10;Description automatically generated">
+            <a:extLst>
+              <a:ext uri="{FF2B5EF4-FFF2-40B4-BE49-F238E27FC236}">
+                <a16:creationId xmlns:a16="http://schemas.microsoft.com/office/drawing/2014/main" id="{4E9E7905-CE37-F34B-B9B6-4A81D2BB46D6}"/>
+              </a:ext>
+            </a:extLst>
+          </p:cNvPr>
+          <p:cNvPicPr>
+            <a:picLocks noChangeAspect="1"/>
+          </p:cNvPicPr>
+          <p:nvPr/>
+        </p:nvPicPr>
+        <p:blipFill rotWithShape="1">
+          <a:blip r:embed="rId2"/>
+          <a:srcRect l="9806" t="22114" r="9880" b="18699"/>
+          <a:stretch/>
+        </p:blipFill>
+        <p:spPr>
+          <a:xfrm>
+            <a:off x="8976732" y="155441"/>
+            <a:ext cx="1217865" cy="1227985"/>
+          </a:xfrm>
+          <a:prstGeom prst="rect">
+            <a:avLst/>
+          </a:prstGeom>
+        </p:spPr>
+      </p:pic>
+      <p:pic>
+        <p:nvPicPr>
+          <p:cNvPr id="5" name="Picture 4" descr="Logo&#10;&#10;Description automatically generated">
+            <a:extLst>
+              <a:ext uri="{FF2B5EF4-FFF2-40B4-BE49-F238E27FC236}">
+                <a16:creationId xmlns:a16="http://schemas.microsoft.com/office/drawing/2014/main" id="{BD343DC1-5B36-6043-A4B3-16BFB8666E80}"/>
+              </a:ext>
+            </a:extLst>
+          </p:cNvPr>
+          <p:cNvPicPr>
+            <a:picLocks noChangeAspect="1"/>
+          </p:cNvPicPr>
+          <p:nvPr/>
+        </p:nvPicPr>
+        <p:blipFill rotWithShape="1">
+          <a:blip r:embed="rId3"/>
+          <a:srcRect l="10082" r="10082"/>
+          <a:stretch/>
+        </p:blipFill>
+        <p:spPr>
+          <a:xfrm>
+            <a:off x="10871914" y="155441"/>
+            <a:ext cx="1217865" cy="1217865"/>
+          </a:xfrm>
+          <a:prstGeom prst="rect">
+            <a:avLst/>
+          </a:prstGeom>
+        </p:spPr>
+      </p:pic>
+    </p:spTree>
+    <p:extLst>
+      <p:ext uri="{BB962C8B-B14F-4D97-AF65-F5344CB8AC3E}">
+        <p14:creationId xmlns:p14="http://schemas.microsoft.com/office/powerpoint/2010/main" val="1114396148"/>
+      </p:ext>
+    </p:extLst>
+  </p:cSld>
+  <p:clrMapOvr>
+    <a:masterClrMapping/>
+  </p:clrMapOvr>
+  <mc:AlternateContent xmlns:mc="http://schemas.openxmlformats.org/markup-compatibility/2006" xmlns:p14="http://schemas.microsoft.com/office/powerpoint/2010/main">
+    <mc:Choice Requires="p14">
+      <p:transition spd="med" p14:dur="700">
+        <p:fade/>
+      </p:transition>
+    </mc:Choice>
+    <mc:Fallback xmlns="">
+      <p:transition spd="med">
+        <p:fade/>
+      </p:transition>
+    </mc:Fallback>
+  </mc:AlternateContent>
+  <p:timing>
+    <p:tnLst>
+      <p:par>
+        <p:cTn id="1" dur="indefinite" restart="never" nodeType="tmRoot">
+          <p:childTnLst>
+            <p:seq concurrent="1" nextAc="seek">
+              <p:cTn id="2" dur="indefinite" nodeType="mainSeq">
+                <p:childTnLst>
+                  <p:par>
+                    <p:cTn id="3" fill="hold">
+                      <p:stCondLst>
+                        <p:cond delay="indefinite"/>
+                      </p:stCondLst>
+                      <p:childTnLst>
+                        <p:par>
+                          <p:cTn id="4" fill="hold">
+                            <p:stCondLst>
+                              <p:cond delay="0"/>
+                            </p:stCondLst>
+                            <p:childTnLst>
+                              <p:par>
+                                <p:cTn id="5" presetID="9" presetClass="entr" presetSubtype="0" fill="hold" nodeType="clickEffect">
+                                  <p:stCondLst>
+                                    <p:cond delay="0"/>
+                                  </p:stCondLst>
+                                  <p:childTnLst>
+                                    <p:set>
+                                      <p:cBhvr>
+                                        <p:cTn id="6" dur="1" fill="hold">
+                                          <p:stCondLst>
+                                            <p:cond delay="0"/>
+                                          </p:stCondLst>
+                                        </p:cTn>
+                                        <p:tgtEl>
+                                          <p:spTgt spid="3">
+                                            <p:txEl>
+                                              <p:pRg st="0" end="0"/>
+                                            </p:txEl>
+                                          </p:spTgt>
+                                        </p:tgtEl>
+                                        <p:attrNameLst>
+                                          <p:attrName>style.visibility</p:attrName>
+                                        </p:attrNameLst>
+                                      </p:cBhvr>
+                                      <p:to>
+                                        <p:strVal val="visible"/>
+                                      </p:to>
+                                    </p:set>
+                                    <p:animEffect transition="in" filter="dissolve">
+                                      <p:cBhvr>
+                                        <p:cTn id="7" dur="500"/>
+                                        <p:tgtEl>
+                                          <p:spTgt spid="3">
+                                            <p:txEl>
+                                              <p:pRg st="0" end="0"/>
+                                            </p:txEl>
+                                          </p:spTgt>
+                                        </p:tgtEl>
+                                      </p:cBhvr>
+                                    </p:animEffect>
+                                  </p:childTnLst>
+                                </p:cTn>
+                              </p:par>
+                            </p:childTnLst>
+                          </p:cTn>
+                        </p:par>
+                      </p:childTnLst>
+                    </p:cTn>
+                  </p:par>
+                  <p:par>
+                    <p:cTn id="8" fill="hold">
+                      <p:stCondLst>
+                        <p:cond delay="indefinite"/>
+                      </p:stCondLst>
+                      <p:childTnLst>
+                        <p:par>
+                          <p:cTn id="9" fill="hold">
+                            <p:stCondLst>
+                              <p:cond delay="0"/>
+                            </p:stCondLst>
+                            <p:childTnLst>
+                              <p:par>
+                                <p:cTn id="10" presetID="9" presetClass="entr" presetSubtype="0" fill="hold" nodeType="clickEffect">
+                                  <p:stCondLst>
+                                    <p:cond delay="0"/>
+                                  </p:stCondLst>
+                                  <p:childTnLst>
+                                    <p:set>
+                                      <p:cBhvr>
+                                        <p:cTn id="11" dur="1" fill="hold">
+                                          <p:stCondLst>
+                                            <p:cond delay="0"/>
+                                          </p:stCondLst>
+                                        </p:cTn>
+                                        <p:tgtEl>
+                                          <p:spTgt spid="3">
+                                            <p:txEl>
+                                              <p:pRg st="1" end="1"/>
+                                            </p:txEl>
+                                          </p:spTgt>
+                                        </p:tgtEl>
+                                        <p:attrNameLst>
+                                          <p:attrName>style.visibility</p:attrName>
+                                        </p:attrNameLst>
+                                      </p:cBhvr>
+                                      <p:to>
+                                        <p:strVal val="visible"/>
+                                      </p:to>
+                                    </p:set>
+                                    <p:animEffect transition="in" filter="dissolve">
+                                      <p:cBhvr>
+                                        <p:cTn id="12" dur="500"/>
+                                        <p:tgtEl>
+                                          <p:spTgt spid="3">
+                                            <p:txEl>
+                                              <p:pRg st="1" end="1"/>
+                                            </p:txEl>
+                                          </p:spTgt>
+                                        </p:tgtEl>
+                                      </p:cBhvr>
+                                    </p:animEffect>
+                                  </p:childTnLst>
+                                </p:cTn>
+                              </p:par>
+                            </p:childTnLst>
+                          </p:cTn>
+                        </p:par>
+                      </p:childTnLst>
+                    </p:cTn>
+                  </p:par>
+                  <p:par>
+                    <p:cTn id="13" fill="hold">
+                      <p:stCondLst>
+                        <p:cond delay="indefinite"/>
+                      </p:stCondLst>
+                      <p:childTnLst>
+                        <p:par>
+                          <p:cTn id="14" fill="hold">
+                            <p:stCondLst>
+                              <p:cond delay="0"/>
+                            </p:stCondLst>
+                            <p:childTnLst>
+                              <p:par>
+                                <p:cTn id="15" presetID="9" presetClass="entr" presetSubtype="0" fill="hold" nodeType="clickEffect">
+                                  <p:stCondLst>
+                                    <p:cond delay="0"/>
+                                  </p:stCondLst>
+                                  <p:childTnLst>
+                                    <p:set>
+                                      <p:cBhvr>
+                                        <p:cTn id="16" dur="1" fill="hold">
+                                          <p:stCondLst>
+                                            <p:cond delay="0"/>
+                                          </p:stCondLst>
+                                        </p:cTn>
+                                        <p:tgtEl>
+                                          <p:spTgt spid="3">
+                                            <p:txEl>
+                                              <p:pRg st="2" end="2"/>
+                                            </p:txEl>
+                                          </p:spTgt>
+                                        </p:tgtEl>
+                                        <p:attrNameLst>
+                                          <p:attrName>style.visibility</p:attrName>
+                                        </p:attrNameLst>
+                                      </p:cBhvr>
+                                      <p:to>
+                                        <p:strVal val="visible"/>
+                                      </p:to>
+                                    </p:set>
+                                    <p:animEffect transition="in" filter="dissolve">
+                                      <p:cBhvr>
+                                        <p:cTn id="17" dur="500"/>
+                                        <p:tgtEl>
+                                          <p:spTgt spid="3">
+                                            <p:txEl>
+                                              <p:pRg st="2" end="2"/>
+                                            </p:txEl>
+                                          </p:spTgt>
+                                        </p:tgtEl>
+                                      </p:cBhvr>
+                                    </p:animEffect>
+                                  </p:childTnLst>
+                                </p:cTn>
+                              </p:par>
+                            </p:childTnLst>
+                          </p:cTn>
+                        </p:par>
+                      </p:childTnLst>
+                    </p:cTn>
+                  </p:par>
+                </p:childTnLst>
+              </p:cTn>
+              <p:prevCondLst>
+                <p:cond evt="onPrev" delay="0">
+                  <p:tgtEl>
+                    <p:sldTgt/>
+                  </p:tgtEl>
+                </p:cond>
+              </p:prevCondLst>
+              <p:nextCondLst>
+                <p:cond evt="onNext" delay="0">
+                  <p:tgtEl>
+                    <p:sldTgt/>
+                  </p:tgtEl>
+                </p:cond>
+              </p:nextCondLst>
+            </p:seq>
+          </p:childTnLst>
+        </p:cTn>
+      </p:par>
+    </p:tnLst>
+  </p:timing>
+</p:sld>
+</file>
+
+<file path=ppt/slides/slide20.xml><?xml version="1.0" encoding="utf-8"?>
 <p:sld xmlns:a="http://schemas.openxmlformats.org/drawingml/2006/main" xmlns:r="http://schemas.openxmlformats.org/officeDocument/2006/relationships" xmlns:p="http://schemas.openxmlformats.org/presentationml/2006/main">
   <p:cSld>
     <p:spTree>
@@ -8684,13 +13235,13 @@
   <p:clrMapOvr>
     <a:masterClrMapping/>
   </p:clrMapOvr>
-  <mc:AlternateContent xmlns:mc="http://schemas.openxmlformats.org/markup-compatibility/2006">
-    <mc:Choice xmlns:p14="http://schemas.microsoft.com/office/powerpoint/2010/main" Requires="p14">
+  <mc:AlternateContent xmlns:mc="http://schemas.openxmlformats.org/markup-compatibility/2006" xmlns:p14="http://schemas.microsoft.com/office/powerpoint/2010/main">
+    <mc:Choice Requires="p14">
       <p:transition spd="med" p14:dur="700">
         <p:fade/>
       </p:transition>
     </mc:Choice>
-    <mc:Fallback>
+    <mc:Fallback xmlns="">
       <p:transition spd="med">
         <p:fade/>
       </p:transition>
@@ -9148,7 +13699,7 @@
 </p:sld>
 </file>
 
-<file path=ppt/slides/slide17.xml><?xml version="1.0" encoding="utf-8"?>
+<file path=ppt/slides/slide21.xml><?xml version="1.0" encoding="utf-8"?>
 <p:sld xmlns:a="http://schemas.openxmlformats.org/drawingml/2006/main" xmlns:r="http://schemas.openxmlformats.org/officeDocument/2006/relationships" xmlns:p="http://schemas.openxmlformats.org/presentationml/2006/main">
   <p:cSld>
     <p:spTree>
@@ -9421,13 +13972,13 @@
   <p:clrMapOvr>
     <a:masterClrMapping/>
   </p:clrMapOvr>
-  <mc:AlternateContent xmlns:mc="http://schemas.openxmlformats.org/markup-compatibility/2006">
-    <mc:Choice xmlns:p14="http://schemas.microsoft.com/office/powerpoint/2010/main" Requires="p14">
+  <mc:AlternateContent xmlns:mc="http://schemas.openxmlformats.org/markup-compatibility/2006" xmlns:p14="http://schemas.microsoft.com/office/powerpoint/2010/main">
+    <mc:Choice Requires="p14">
       <p:transition spd="med" p14:dur="700">
         <p:fade/>
       </p:transition>
     </mc:Choice>
-    <mc:Fallback>
+    <mc:Fallback xmlns="">
       <p:transition spd="med">
         <p:fade/>
       </p:transition>
@@ -9763,7 +14314,7 @@
 </p:sld>
 </file>
 
-<file path=ppt/slides/slide18.xml><?xml version="1.0" encoding="utf-8"?>
+<file path=ppt/slides/slide22.xml><?xml version="1.0" encoding="utf-8"?>
 <p:sld xmlns:a="http://schemas.openxmlformats.org/drawingml/2006/main" xmlns:r="http://schemas.openxmlformats.org/officeDocument/2006/relationships" xmlns:p="http://schemas.openxmlformats.org/presentationml/2006/main">
   <p:cSld>
     <p:spTree>
@@ -10156,13 +14707,13 @@
   <p:clrMapOvr>
     <a:masterClrMapping/>
   </p:clrMapOvr>
-  <mc:AlternateContent xmlns:mc="http://schemas.openxmlformats.org/markup-compatibility/2006">
-    <mc:Choice xmlns:p14="http://schemas.microsoft.com/office/powerpoint/2010/main" Requires="p14">
+  <mc:AlternateContent xmlns:mc="http://schemas.openxmlformats.org/markup-compatibility/2006" xmlns:p14="http://schemas.microsoft.com/office/powerpoint/2010/main">
+    <mc:Choice Requires="p14">
       <p:transition spd="med" p14:dur="700">
         <p:fade/>
       </p:transition>
     </mc:Choice>
-    <mc:Fallback>
+    <mc:Fallback xmlns="">
       <p:transition spd="med">
         <p:fade/>
       </p:transition>
@@ -10681,7 +15232,7 @@
 </p:sld>
 </file>
 
-<file path=ppt/slides/slide19.xml><?xml version="1.0" encoding="utf-8"?>
+<file path=ppt/slides/slide23.xml><?xml version="1.0" encoding="utf-8"?>
 <p:sld xmlns:a="http://schemas.openxmlformats.org/drawingml/2006/main" xmlns:r="http://schemas.openxmlformats.org/officeDocument/2006/relationships" xmlns:p="http://schemas.openxmlformats.org/presentationml/2006/main">
   <p:cSld>
     <p:spTree>
@@ -10978,13 +15529,13 @@
   <p:clrMapOvr>
     <a:masterClrMapping/>
   </p:clrMapOvr>
-  <mc:AlternateContent xmlns:mc="http://schemas.openxmlformats.org/markup-compatibility/2006">
-    <mc:Choice xmlns:p14="http://schemas.microsoft.com/office/powerpoint/2010/main" Requires="p14">
+  <mc:AlternateContent xmlns:mc="http://schemas.openxmlformats.org/markup-compatibility/2006" xmlns:p14="http://schemas.microsoft.com/office/powerpoint/2010/main">
+    <mc:Choice Requires="p14">
       <p:transition spd="med" p14:dur="700">
         <p:fade/>
       </p:transition>
     </mc:Choice>
-    <mc:Fallback>
+    <mc:Fallback xmlns="">
       <p:transition spd="med">
         <p:fade/>
       </p:transition>
@@ -11381,418 +15932,7 @@
 </p:sld>
 </file>
 
-<file path=ppt/slides/slide2.xml><?xml version="1.0" encoding="utf-8"?>
-<p:sld xmlns:a="http://schemas.openxmlformats.org/drawingml/2006/main" xmlns:r="http://schemas.openxmlformats.org/officeDocument/2006/relationships" xmlns:p="http://schemas.openxmlformats.org/presentationml/2006/main">
-  <p:cSld>
-    <p:spTree>
-      <p:nvGrpSpPr>
-        <p:cNvPr id="1" name=""/>
-        <p:cNvGrpSpPr/>
-        <p:nvPr/>
-      </p:nvGrpSpPr>
-      <p:grpSpPr>
-        <a:xfrm>
-          <a:off x="0" y="0"/>
-          <a:ext cx="0" cy="0"/>
-          <a:chOff x="0" y="0"/>
-          <a:chExt cx="0" cy="0"/>
-        </a:xfrm>
-      </p:grpSpPr>
-      <p:sp>
-        <p:nvSpPr>
-          <p:cNvPr id="2" name="Title 1">
-            <a:extLst>
-              <a:ext uri="{FF2B5EF4-FFF2-40B4-BE49-F238E27FC236}">
-                <a16:creationId xmlns:a16="http://schemas.microsoft.com/office/drawing/2014/main" id="{490B741B-F965-EF4C-B9FF-3E40789096A1}"/>
-              </a:ext>
-            </a:extLst>
-          </p:cNvPr>
-          <p:cNvSpPr>
-            <a:spLocks noGrp="1"/>
-          </p:cNvSpPr>
-          <p:nvPr>
-            <p:ph type="title"/>
-          </p:nvPr>
-        </p:nvSpPr>
-        <p:spPr/>
-        <p:txBody>
-          <a:bodyPr/>
-          <a:lstStyle/>
-          <a:p>
-            <a:r>
-              <a:rPr lang="en-CN" dirty="0">
-                <a:latin typeface="Times New Roman" panose="02020603050405020304" pitchFamily="18" charset="0"/>
-                <a:cs typeface="Times New Roman" panose="02020603050405020304" pitchFamily="18" charset="0"/>
-              </a:rPr>
-              <a:t>目录</a:t>
-            </a:r>
-          </a:p>
-        </p:txBody>
-      </p:sp>
-      <p:sp>
-        <p:nvSpPr>
-          <p:cNvPr id="3" name="Content Placeholder 2">
-            <a:extLst>
-              <a:ext uri="{FF2B5EF4-FFF2-40B4-BE49-F238E27FC236}">
-                <a16:creationId xmlns:a16="http://schemas.microsoft.com/office/drawing/2014/main" id="{2299C51F-D452-F746-B861-35C7AD4078F4}"/>
-              </a:ext>
-            </a:extLst>
-          </p:cNvPr>
-          <p:cNvSpPr>
-            <a:spLocks noGrp="1"/>
-          </p:cNvSpPr>
-          <p:nvPr>
-            <p:ph idx="1"/>
-          </p:nvPr>
-        </p:nvSpPr>
-        <p:spPr/>
-        <p:txBody>
-          <a:bodyPr/>
-          <a:lstStyle/>
-          <a:p>
-            <a:r>
-              <a:rPr lang="zh-CN" altLang="en-US" dirty="0">
-                <a:latin typeface="Songti TC" panose="02010600040101010101" pitchFamily="2" charset="-120"/>
-                <a:ea typeface="Songti TC" panose="02010600040101010101" pitchFamily="2" charset="-120"/>
-                <a:cs typeface="Times New Roman" panose="02020603050405020304" pitchFamily="18" charset="0"/>
-              </a:rPr>
-              <a:t>问题分析</a:t>
-            </a:r>
-            <a:endParaRPr lang="en-US" altLang="zh-CN" dirty="0">
-              <a:latin typeface="Songti TC" panose="02010600040101010101" pitchFamily="2" charset="-120"/>
-              <a:ea typeface="Songti TC" panose="02010600040101010101" pitchFamily="2" charset="-120"/>
-              <a:cs typeface="Times New Roman" panose="02020603050405020304" pitchFamily="18" charset="0"/>
-            </a:endParaRPr>
-          </a:p>
-          <a:p>
-            <a:r>
-              <a:rPr lang="zh-CN" altLang="en-US" dirty="0">
-                <a:latin typeface="Songti TC" panose="02010600040101010101" pitchFamily="2" charset="-120"/>
-                <a:ea typeface="Songti TC" panose="02010600040101010101" pitchFamily="2" charset="-120"/>
-                <a:cs typeface="Times New Roman" panose="02020603050405020304" pitchFamily="18" charset="0"/>
-              </a:rPr>
-              <a:t>获奖情况</a:t>
-            </a:r>
-            <a:endParaRPr lang="en-US" altLang="zh-CN" dirty="0">
-              <a:latin typeface="Songti TC" panose="02010600040101010101" pitchFamily="2" charset="-120"/>
-              <a:ea typeface="Songti TC" panose="02010600040101010101" pitchFamily="2" charset="-120"/>
-              <a:cs typeface="Times New Roman" panose="02020603050405020304" pitchFamily="18" charset="0"/>
-            </a:endParaRPr>
-          </a:p>
-          <a:p>
-            <a:r>
-              <a:rPr lang="zh-CN" altLang="en-US" dirty="0">
-                <a:latin typeface="Songti TC" panose="02010600040101010101" pitchFamily="2" charset="-120"/>
-                <a:ea typeface="Songti TC" panose="02010600040101010101" pitchFamily="2" charset="-120"/>
-                <a:cs typeface="Times New Roman" panose="02020603050405020304" pitchFamily="18" charset="0"/>
-              </a:rPr>
-              <a:t>论文分析</a:t>
-            </a:r>
-            <a:endParaRPr lang="en-CN" dirty="0">
-              <a:latin typeface="Songti TC" panose="02010600040101010101" pitchFamily="2" charset="-120"/>
-              <a:ea typeface="Songti TC" panose="02010600040101010101" pitchFamily="2" charset="-120"/>
-              <a:cs typeface="Times New Roman" panose="02020603050405020304" pitchFamily="18" charset="0"/>
-            </a:endParaRPr>
-          </a:p>
-        </p:txBody>
-      </p:sp>
-      <p:pic>
-        <p:nvPicPr>
-          <p:cNvPr id="4" name="Picture 3" descr="Qr code&#10;&#10;Description automatically generated">
-            <a:extLst>
-              <a:ext uri="{FF2B5EF4-FFF2-40B4-BE49-F238E27FC236}">
-                <a16:creationId xmlns:a16="http://schemas.microsoft.com/office/drawing/2014/main" id="{4E9E7905-CE37-F34B-B9B6-4A81D2BB46D6}"/>
-              </a:ext>
-            </a:extLst>
-          </p:cNvPr>
-          <p:cNvPicPr>
-            <a:picLocks noChangeAspect="1"/>
-          </p:cNvPicPr>
-          <p:nvPr/>
-        </p:nvPicPr>
-        <p:blipFill rotWithShape="1">
-          <a:blip r:embed="rId2"/>
-          <a:srcRect l="9806" t="22114" r="9880" b="18699"/>
-          <a:stretch/>
-        </p:blipFill>
-        <p:spPr>
-          <a:xfrm>
-            <a:off x="8976732" y="155441"/>
-            <a:ext cx="1217865" cy="1227985"/>
-          </a:xfrm>
-          <a:prstGeom prst="rect">
-            <a:avLst/>
-          </a:prstGeom>
-        </p:spPr>
-      </p:pic>
-      <p:pic>
-        <p:nvPicPr>
-          <p:cNvPr id="5" name="Picture 4" descr="Logo&#10;&#10;Description automatically generated">
-            <a:extLst>
-              <a:ext uri="{FF2B5EF4-FFF2-40B4-BE49-F238E27FC236}">
-                <a16:creationId xmlns:a16="http://schemas.microsoft.com/office/drawing/2014/main" id="{BD343DC1-5B36-6043-A4B3-16BFB8666E80}"/>
-              </a:ext>
-            </a:extLst>
-          </p:cNvPr>
-          <p:cNvPicPr>
-            <a:picLocks noChangeAspect="1"/>
-          </p:cNvPicPr>
-          <p:nvPr/>
-        </p:nvPicPr>
-        <p:blipFill rotWithShape="1">
-          <a:blip r:embed="rId3"/>
-          <a:srcRect l="10082" r="10082"/>
-          <a:stretch/>
-        </p:blipFill>
-        <p:spPr>
-          <a:xfrm>
-            <a:off x="10871914" y="155441"/>
-            <a:ext cx="1217865" cy="1217865"/>
-          </a:xfrm>
-          <a:prstGeom prst="rect">
-            <a:avLst/>
-          </a:prstGeom>
-        </p:spPr>
-      </p:pic>
-    </p:spTree>
-    <p:extLst>
-      <p:ext uri="{BB962C8B-B14F-4D97-AF65-F5344CB8AC3E}">
-        <p14:creationId xmlns:p14="http://schemas.microsoft.com/office/powerpoint/2010/main" val="1114396148"/>
-      </p:ext>
-    </p:extLst>
-  </p:cSld>
-  <p:clrMapOvr>
-    <a:masterClrMapping/>
-  </p:clrMapOvr>
-  <mc:AlternateContent xmlns:mc="http://schemas.openxmlformats.org/markup-compatibility/2006">
-    <mc:Choice xmlns:p14="http://schemas.microsoft.com/office/powerpoint/2010/main" Requires="p14">
-      <p:transition spd="med" p14:dur="700">
-        <p:fade/>
-      </p:transition>
-    </mc:Choice>
-    <mc:Fallback>
-      <p:transition spd="med">
-        <p:fade/>
-      </p:transition>
-    </mc:Fallback>
-  </mc:AlternateContent>
-  <p:timing>
-    <p:tnLst>
-      <p:par>
-        <p:cTn id="1" dur="indefinite" restart="never" nodeType="tmRoot">
-          <p:childTnLst>
-            <p:seq concurrent="1" nextAc="seek">
-              <p:cTn id="2" dur="indefinite" nodeType="mainSeq">
-                <p:childTnLst>
-                  <p:par>
-                    <p:cTn id="3" fill="hold">
-                      <p:stCondLst>
-                        <p:cond delay="indefinite"/>
-                      </p:stCondLst>
-                      <p:childTnLst>
-                        <p:par>
-                          <p:cTn id="4" fill="hold">
-                            <p:stCondLst>
-                              <p:cond delay="0"/>
-                            </p:stCondLst>
-                            <p:childTnLst>
-                              <p:par>
-                                <p:cTn id="5" presetID="9" presetClass="entr" presetSubtype="0" fill="hold" nodeType="clickEffect">
-                                  <p:stCondLst>
-                                    <p:cond delay="0"/>
-                                  </p:stCondLst>
-                                  <p:childTnLst>
-                                    <p:set>
-                                      <p:cBhvr>
-                                        <p:cTn id="6" dur="1" fill="hold">
-                                          <p:stCondLst>
-                                            <p:cond delay="0"/>
-                                          </p:stCondLst>
-                                        </p:cTn>
-                                        <p:tgtEl>
-                                          <p:spTgt spid="3">
-                                            <p:txEl>
-                                              <p:pRg st="0" end="0"/>
-                                            </p:txEl>
-                                          </p:spTgt>
-                                        </p:tgtEl>
-                                        <p:attrNameLst>
-                                          <p:attrName>style.visibility</p:attrName>
-                                        </p:attrNameLst>
-                                      </p:cBhvr>
-                                      <p:to>
-                                        <p:strVal val="visible"/>
-                                      </p:to>
-                                    </p:set>
-                                    <p:animEffect transition="in" filter="dissolve">
-                                      <p:cBhvr>
-                                        <p:cTn id="7" dur="500"/>
-                                        <p:tgtEl>
-                                          <p:spTgt spid="3">
-                                            <p:txEl>
-                                              <p:pRg st="0" end="0"/>
-                                            </p:txEl>
-                                          </p:spTgt>
-                                        </p:tgtEl>
-                                      </p:cBhvr>
-                                    </p:animEffect>
-                                  </p:childTnLst>
-                                </p:cTn>
-                              </p:par>
-                            </p:childTnLst>
-                          </p:cTn>
-                        </p:par>
-                      </p:childTnLst>
-                    </p:cTn>
-                  </p:par>
-                  <p:par>
-                    <p:cTn id="8" fill="hold">
-                      <p:stCondLst>
-                        <p:cond delay="indefinite"/>
-                      </p:stCondLst>
-                      <p:childTnLst>
-                        <p:par>
-                          <p:cTn id="9" fill="hold">
-                            <p:stCondLst>
-                              <p:cond delay="0"/>
-                            </p:stCondLst>
-                            <p:childTnLst>
-                              <p:par>
-                                <p:cTn id="10" presetID="9" presetClass="entr" presetSubtype="0" fill="hold" nodeType="clickEffect">
-                                  <p:stCondLst>
-                                    <p:cond delay="0"/>
-                                  </p:stCondLst>
-                                  <p:childTnLst>
-                                    <p:set>
-                                      <p:cBhvr>
-                                        <p:cTn id="11" dur="1" fill="hold">
-                                          <p:stCondLst>
-                                            <p:cond delay="0"/>
-                                          </p:stCondLst>
-                                        </p:cTn>
-                                        <p:tgtEl>
-                                          <p:spTgt spid="3">
-                                            <p:txEl>
-                                              <p:pRg st="1" end="1"/>
-                                            </p:txEl>
-                                          </p:spTgt>
-                                        </p:tgtEl>
-                                        <p:attrNameLst>
-                                          <p:attrName>style.visibility</p:attrName>
-                                        </p:attrNameLst>
-                                      </p:cBhvr>
-                                      <p:to>
-                                        <p:strVal val="visible"/>
-                                      </p:to>
-                                    </p:set>
-                                    <p:animEffect transition="in" filter="dissolve">
-                                      <p:cBhvr>
-                                        <p:cTn id="12" dur="500"/>
-                                        <p:tgtEl>
-                                          <p:spTgt spid="3">
-                                            <p:txEl>
-                                              <p:pRg st="1" end="1"/>
-                                            </p:txEl>
-                                          </p:spTgt>
-                                        </p:tgtEl>
-                                      </p:cBhvr>
-                                    </p:animEffect>
-                                  </p:childTnLst>
-                                </p:cTn>
-                              </p:par>
-                            </p:childTnLst>
-                          </p:cTn>
-                        </p:par>
-                      </p:childTnLst>
-                    </p:cTn>
-                  </p:par>
-                  <p:par>
-                    <p:cTn id="13" fill="hold">
-                      <p:stCondLst>
-                        <p:cond delay="indefinite"/>
-                      </p:stCondLst>
-                      <p:childTnLst>
-                        <p:par>
-                          <p:cTn id="14" fill="hold">
-                            <p:stCondLst>
-                              <p:cond delay="0"/>
-                            </p:stCondLst>
-                            <p:childTnLst>
-                              <p:par>
-                                <p:cTn id="15" presetID="9" presetClass="entr" presetSubtype="0" fill="hold" nodeType="clickEffect">
-                                  <p:stCondLst>
-                                    <p:cond delay="0"/>
-                                  </p:stCondLst>
-                                  <p:childTnLst>
-                                    <p:set>
-                                      <p:cBhvr>
-                                        <p:cTn id="16" dur="1" fill="hold">
-                                          <p:stCondLst>
-                                            <p:cond delay="0"/>
-                                          </p:stCondLst>
-                                        </p:cTn>
-                                        <p:tgtEl>
-                                          <p:spTgt spid="3">
-                                            <p:txEl>
-                                              <p:pRg st="2" end="2"/>
-                                            </p:txEl>
-                                          </p:spTgt>
-                                        </p:tgtEl>
-                                        <p:attrNameLst>
-                                          <p:attrName>style.visibility</p:attrName>
-                                        </p:attrNameLst>
-                                      </p:cBhvr>
-                                      <p:to>
-                                        <p:strVal val="visible"/>
-                                      </p:to>
-                                    </p:set>
-                                    <p:animEffect transition="in" filter="dissolve">
-                                      <p:cBhvr>
-                                        <p:cTn id="17" dur="500"/>
-                                        <p:tgtEl>
-                                          <p:spTgt spid="3">
-                                            <p:txEl>
-                                              <p:pRg st="2" end="2"/>
-                                            </p:txEl>
-                                          </p:spTgt>
-                                        </p:tgtEl>
-                                      </p:cBhvr>
-                                    </p:animEffect>
-                                  </p:childTnLst>
-                                </p:cTn>
-                              </p:par>
-                            </p:childTnLst>
-                          </p:cTn>
-                        </p:par>
-                      </p:childTnLst>
-                    </p:cTn>
-                  </p:par>
-                </p:childTnLst>
-              </p:cTn>
-              <p:prevCondLst>
-                <p:cond evt="onPrev" delay="0">
-                  <p:tgtEl>
-                    <p:sldTgt/>
-                  </p:tgtEl>
-                </p:cond>
-              </p:prevCondLst>
-              <p:nextCondLst>
-                <p:cond evt="onNext" delay="0">
-                  <p:tgtEl>
-                    <p:sldTgt/>
-                  </p:tgtEl>
-                </p:cond>
-              </p:nextCondLst>
-            </p:seq>
-          </p:childTnLst>
-        </p:cTn>
-      </p:par>
-    </p:tnLst>
-  </p:timing>
-</p:sld>
-</file>
-
-<file path=ppt/slides/slide20.xml><?xml version="1.0" encoding="utf-8"?>
+<file path=ppt/slides/slide24.xml><?xml version="1.0" encoding="utf-8"?>
 <p:sld xmlns:a="http://schemas.openxmlformats.org/drawingml/2006/main" xmlns:r="http://schemas.openxmlformats.org/officeDocument/2006/relationships" xmlns:p="http://schemas.openxmlformats.org/presentationml/2006/main">
   <p:cSld>
     <p:spTree>
@@ -12001,13 +16141,13 @@
   <p:clrMapOvr>
     <a:masterClrMapping/>
   </p:clrMapOvr>
-  <mc:AlternateContent xmlns:mc="http://schemas.openxmlformats.org/markup-compatibility/2006">
-    <mc:Choice xmlns:p14="http://schemas.microsoft.com/office/powerpoint/2010/main" Requires="p14">
+  <mc:AlternateContent xmlns:mc="http://schemas.openxmlformats.org/markup-compatibility/2006" xmlns:p14="http://schemas.microsoft.com/office/powerpoint/2010/main">
+    <mc:Choice Requires="p14">
       <p:transition spd="med" p14:dur="700">
         <p:fade/>
       </p:transition>
     </mc:Choice>
-    <mc:Fallback>
+    <mc:Fallback xmlns="">
       <p:transition spd="med">
         <p:fade/>
       </p:transition>
@@ -12229,7 +16369,7 @@
 </p:sld>
 </file>
 
-<file path=ppt/slides/slide21.xml><?xml version="1.0" encoding="utf-8"?>
+<file path=ppt/slides/slide25.xml><?xml version="1.0" encoding="utf-8"?>
 <p:sld xmlns:a="http://schemas.openxmlformats.org/drawingml/2006/main" xmlns:r="http://schemas.openxmlformats.org/officeDocument/2006/relationships" xmlns:p="http://schemas.openxmlformats.org/presentationml/2006/main">
   <p:cSld>
     <p:spTree>
@@ -12522,13 +16662,13 @@
   <p:clrMapOvr>
     <a:masterClrMapping/>
   </p:clrMapOvr>
-  <mc:AlternateContent xmlns:mc="http://schemas.openxmlformats.org/markup-compatibility/2006">
-    <mc:Choice xmlns:p14="http://schemas.microsoft.com/office/powerpoint/2010/main" Requires="p14">
+  <mc:AlternateContent xmlns:mc="http://schemas.openxmlformats.org/markup-compatibility/2006" xmlns:p14="http://schemas.microsoft.com/office/powerpoint/2010/main">
+    <mc:Choice Requires="p14">
       <p:transition spd="med" p14:dur="700">
         <p:fade/>
       </p:transition>
     </mc:Choice>
-    <mc:Fallback>
+    <mc:Fallback xmlns="">
       <p:transition spd="med">
         <p:fade/>
       </p:transition>
@@ -12864,7 +17004,7 @@
 </p:sld>
 </file>
 
-<file path=ppt/slides/slide22.xml><?xml version="1.0" encoding="utf-8"?>
+<file path=ppt/slides/slide26.xml><?xml version="1.0" encoding="utf-8"?>
 <p:sld xmlns:a="http://schemas.openxmlformats.org/drawingml/2006/main" xmlns:r="http://schemas.openxmlformats.org/officeDocument/2006/relationships" xmlns:p="http://schemas.openxmlformats.org/presentationml/2006/main">
   <p:cSld>
     <p:spTree>
@@ -13153,13 +17293,13 @@
   <p:clrMapOvr>
     <a:masterClrMapping/>
   </p:clrMapOvr>
-  <mc:AlternateContent xmlns:mc="http://schemas.openxmlformats.org/markup-compatibility/2006">
-    <mc:Choice xmlns:p14="http://schemas.microsoft.com/office/powerpoint/2010/main" Requires="p14">
+  <mc:AlternateContent xmlns:mc="http://schemas.openxmlformats.org/markup-compatibility/2006" xmlns:p14="http://schemas.microsoft.com/office/powerpoint/2010/main">
+    <mc:Choice Requires="p14">
       <p:transition spd="med" p14:dur="700">
         <p:fade/>
       </p:transition>
     </mc:Choice>
-    <mc:Fallback>
+    <mc:Fallback xmlns="">
       <p:transition spd="med">
         <p:fade/>
       </p:transition>
@@ -13617,7 +17757,7 @@
 </p:sld>
 </file>
 
-<file path=ppt/slides/slide23.xml><?xml version="1.0" encoding="utf-8"?>
+<file path=ppt/slides/slide27.xml><?xml version="1.0" encoding="utf-8"?>
 <p:sld xmlns:a="http://schemas.openxmlformats.org/drawingml/2006/main" xmlns:r="http://schemas.openxmlformats.org/officeDocument/2006/relationships" xmlns:p="http://schemas.openxmlformats.org/presentationml/2006/main">
   <p:cSld>
     <p:spTree>
@@ -13912,13 +18052,13 @@
   <p:clrMapOvr>
     <a:masterClrMapping/>
   </p:clrMapOvr>
-  <mc:AlternateContent xmlns:mc="http://schemas.openxmlformats.org/markup-compatibility/2006">
-    <mc:Choice xmlns:p14="http://schemas.microsoft.com/office/powerpoint/2010/main" Requires="p14">
+  <mc:AlternateContent xmlns:mc="http://schemas.openxmlformats.org/markup-compatibility/2006" xmlns:p14="http://schemas.microsoft.com/office/powerpoint/2010/main">
+    <mc:Choice Requires="p14">
       <p:transition spd="med" p14:dur="700">
         <p:fade/>
       </p:transition>
     </mc:Choice>
-    <mc:Fallback>
+    <mc:Fallback xmlns="">
       <p:transition spd="med">
         <p:fade/>
       </p:transition>
@@ -14368,7 +18508,7 @@
 </p:sld>
 </file>
 
-<file path=ppt/slides/slide24.xml><?xml version="1.0" encoding="utf-8"?>
+<file path=ppt/slides/slide28.xml><?xml version="1.0" encoding="utf-8"?>
 <p:sld xmlns:a="http://schemas.openxmlformats.org/drawingml/2006/main" xmlns:r="http://schemas.openxmlformats.org/officeDocument/2006/relationships" xmlns:p="http://schemas.openxmlformats.org/presentationml/2006/main">
   <p:cSld>
     <p:spTree>
@@ -14601,13 +18741,13 @@
   <p:clrMapOvr>
     <a:masterClrMapping/>
   </p:clrMapOvr>
-  <mc:AlternateContent xmlns:mc="http://schemas.openxmlformats.org/markup-compatibility/2006">
-    <mc:Choice xmlns:p14="http://schemas.microsoft.com/office/powerpoint/2010/main" Requires="p14">
+  <mc:AlternateContent xmlns:mc="http://schemas.openxmlformats.org/markup-compatibility/2006" xmlns:p14="http://schemas.microsoft.com/office/powerpoint/2010/main">
+    <mc:Choice Requires="p14">
       <p:transition spd="med" p14:dur="700">
         <p:fade/>
       </p:transition>
     </mc:Choice>
-    <mc:Fallback>
+    <mc:Fallback xmlns="">
       <p:transition spd="med">
         <p:fade/>
       </p:transition>
@@ -14821,7 +18961,7 @@
 </p:sld>
 </file>
 
-<file path=ppt/slides/slide25.xml><?xml version="1.0" encoding="utf-8"?>
+<file path=ppt/slides/slide29.xml><?xml version="1.0" encoding="utf-8"?>
 <p:sld xmlns:a="http://schemas.openxmlformats.org/drawingml/2006/main" xmlns:r="http://schemas.openxmlformats.org/officeDocument/2006/relationships" xmlns:p="http://schemas.openxmlformats.org/presentationml/2006/main">
   <p:cSld>
     <p:spTree>
@@ -15212,13 +19352,13 @@
   <p:clrMapOvr>
     <a:masterClrMapping/>
   </p:clrMapOvr>
-  <mc:AlternateContent xmlns:mc="http://schemas.openxmlformats.org/markup-compatibility/2006">
-    <mc:Choice xmlns:p14="http://schemas.microsoft.com/office/powerpoint/2010/main" Requires="p14">
+  <mc:AlternateContent xmlns:mc="http://schemas.openxmlformats.org/markup-compatibility/2006" xmlns:p14="http://schemas.microsoft.com/office/powerpoint/2010/main">
+    <mc:Choice Requires="p14">
       <p:transition spd="med" p14:dur="700">
         <p:fade/>
       </p:transition>
     </mc:Choice>
-    <mc:Fallback>
+    <mc:Fallback xmlns="">
       <p:transition spd="med">
         <p:fade/>
       </p:transition>
@@ -15851,7 +19991,827 @@
 </p:sld>
 </file>
 
-<file path=ppt/slides/slide26.xml><?xml version="1.0" encoding="utf-8"?>
+<file path=ppt/slides/slide3.xml><?xml version="1.0" encoding="utf-8"?>
+<p:sld xmlns:a="http://schemas.openxmlformats.org/drawingml/2006/main" xmlns:r="http://schemas.openxmlformats.org/officeDocument/2006/relationships" xmlns:p="http://schemas.openxmlformats.org/presentationml/2006/main">
+  <p:cSld>
+    <p:spTree>
+      <p:nvGrpSpPr>
+        <p:cNvPr id="1" name=""/>
+        <p:cNvGrpSpPr/>
+        <p:nvPr/>
+      </p:nvGrpSpPr>
+      <p:grpSpPr>
+        <a:xfrm>
+          <a:off x="0" y="0"/>
+          <a:ext cx="0" cy="0"/>
+          <a:chOff x="0" y="0"/>
+          <a:chExt cx="0" cy="0"/>
+        </a:xfrm>
+      </p:grpSpPr>
+      <p:sp>
+        <p:nvSpPr>
+          <p:cNvPr id="2" name="Title 1">
+            <a:extLst>
+              <a:ext uri="{FF2B5EF4-FFF2-40B4-BE49-F238E27FC236}">
+                <a16:creationId xmlns:a16="http://schemas.microsoft.com/office/drawing/2014/main" id="{C4705447-FD1F-8A40-AD20-9F7DCBE5BBF1}"/>
+              </a:ext>
+            </a:extLst>
+          </p:cNvPr>
+          <p:cNvSpPr>
+            <a:spLocks noGrp="1"/>
+          </p:cNvSpPr>
+          <p:nvPr>
+            <p:ph type="title"/>
+          </p:nvPr>
+        </p:nvSpPr>
+        <p:spPr/>
+        <p:txBody>
+          <a:bodyPr/>
+          <a:lstStyle/>
+          <a:p>
+            <a:r>
+              <a:rPr lang="en-CN" dirty="0">
+                <a:latin typeface="Times" pitchFamily="2" charset="0"/>
+              </a:rPr>
+              <a:t>问题分析</a:t>
+            </a:r>
+          </a:p>
+        </p:txBody>
+      </p:sp>
+      <p:sp>
+        <p:nvSpPr>
+          <p:cNvPr id="3" name="Content Placeholder 2">
+            <a:extLst>
+              <a:ext uri="{FF2B5EF4-FFF2-40B4-BE49-F238E27FC236}">
+                <a16:creationId xmlns:a16="http://schemas.microsoft.com/office/drawing/2014/main" id="{0A8D39E8-45B0-414B-8220-915800CE516C}"/>
+              </a:ext>
+            </a:extLst>
+          </p:cNvPr>
+          <p:cNvSpPr>
+            <a:spLocks noGrp="1"/>
+          </p:cNvSpPr>
+          <p:nvPr>
+            <p:ph idx="1"/>
+          </p:nvPr>
+        </p:nvSpPr>
+        <p:spPr/>
+        <p:txBody>
+          <a:bodyPr/>
+          <a:lstStyle/>
+          <a:p>
+            <a:r>
+              <a:rPr lang="en-CN" dirty="0">
+                <a:latin typeface="Times New Roman" panose="02020603050405020304" pitchFamily="18" charset="0"/>
+                <a:ea typeface="Songti TC" panose="02010600040101010101" pitchFamily="2" charset="-120"/>
+                <a:cs typeface="Times New Roman" panose="02020603050405020304" pitchFamily="18" charset="0"/>
+              </a:rPr>
+              <a:t>问题A</a:t>
+            </a:r>
+            <a:r>
+              <a:rPr lang="zh-CN" altLang="en-US" dirty="0">
+                <a:latin typeface="Times New Roman" panose="02020603050405020304" pitchFamily="18" charset="0"/>
+                <a:ea typeface="Songti TC" panose="02010600040101010101" pitchFamily="2" charset="-120"/>
+                <a:cs typeface="Times New Roman" panose="02020603050405020304" pitchFamily="18" charset="0"/>
+              </a:rPr>
+              <a:t>：公共场所充电与能源问题</a:t>
+            </a:r>
+            <a:endParaRPr lang="en-US" altLang="zh-CN" dirty="0">
+              <a:latin typeface="Times New Roman" panose="02020603050405020304" pitchFamily="18" charset="0"/>
+              <a:ea typeface="Songti TC" panose="02010600040101010101" pitchFamily="2" charset="-120"/>
+              <a:cs typeface="Times New Roman" panose="02020603050405020304" pitchFamily="18" charset="0"/>
+            </a:endParaRPr>
+          </a:p>
+          <a:p>
+            <a:pPr lvl="1"/>
+            <a:r>
+              <a:rPr lang="zh-CN" altLang="en-US" dirty="0">
+                <a:latin typeface="Times New Roman" panose="02020603050405020304" pitchFamily="18" charset="0"/>
+                <a:ea typeface="Songti TC" panose="02010600040101010101" pitchFamily="2" charset="-120"/>
+                <a:cs typeface="Times New Roman" panose="02020603050405020304" pitchFamily="18" charset="0"/>
+              </a:rPr>
+              <a:t>分析公共场所的充电能源利用</a:t>
+            </a:r>
+            <a:endParaRPr lang="en-US" altLang="zh-CN" dirty="0">
+              <a:latin typeface="Times New Roman" panose="02020603050405020304" pitchFamily="18" charset="0"/>
+              <a:ea typeface="Songti TC" panose="02010600040101010101" pitchFamily="2" charset="-120"/>
+              <a:cs typeface="Times New Roman" panose="02020603050405020304" pitchFamily="18" charset="0"/>
+            </a:endParaRPr>
+          </a:p>
+          <a:p>
+            <a:pPr lvl="1"/>
+            <a:r>
+              <a:rPr lang="zh-CN" altLang="en-US" dirty="0">
+                <a:latin typeface="Times New Roman" panose="02020603050405020304" pitchFamily="18" charset="0"/>
+                <a:ea typeface="Songti TC" panose="02010600040101010101" pitchFamily="2" charset="-120"/>
+                <a:cs typeface="Times New Roman" panose="02020603050405020304" pitchFamily="18" charset="0"/>
+              </a:rPr>
+              <a:t>预测未来的能源利用</a:t>
+            </a:r>
+            <a:endParaRPr lang="en-US" altLang="zh-CN" dirty="0">
+              <a:latin typeface="Times New Roman" panose="02020603050405020304" pitchFamily="18" charset="0"/>
+              <a:ea typeface="Songti TC" panose="02010600040101010101" pitchFamily="2" charset="-120"/>
+              <a:cs typeface="Times New Roman" panose="02020603050405020304" pitchFamily="18" charset="0"/>
+            </a:endParaRPr>
+          </a:p>
+          <a:p>
+            <a:pPr lvl="1"/>
+            <a:r>
+              <a:rPr lang="zh-CN" altLang="en-US" dirty="0">
+                <a:latin typeface="Times New Roman" panose="02020603050405020304" pitchFamily="18" charset="0"/>
+                <a:ea typeface="Songti TC" panose="02010600040101010101" pitchFamily="2" charset="-120"/>
+                <a:cs typeface="Times New Roman" panose="02020603050405020304" pitchFamily="18" charset="0"/>
+              </a:rPr>
+              <a:t>建立能源利用模型并求出最小值</a:t>
+            </a:r>
+            <a:endParaRPr lang="en-US" altLang="zh-CN" dirty="0">
+              <a:latin typeface="Times New Roman" panose="02020603050405020304" pitchFamily="18" charset="0"/>
+              <a:ea typeface="Songti TC" panose="02010600040101010101" pitchFamily="2" charset="-120"/>
+              <a:cs typeface="Times New Roman" panose="02020603050405020304" pitchFamily="18" charset="0"/>
+            </a:endParaRPr>
+          </a:p>
+          <a:p>
+            <a:r>
+              <a:rPr lang="zh-CN" altLang="en-US" dirty="0">
+                <a:latin typeface="Times New Roman" panose="02020603050405020304" pitchFamily="18" charset="0"/>
+                <a:ea typeface="Songti TC" panose="02010600040101010101" pitchFamily="2" charset="-120"/>
+                <a:cs typeface="Times New Roman" panose="02020603050405020304" pitchFamily="18" charset="0"/>
+              </a:rPr>
+              <a:t>问题</a:t>
+            </a:r>
+            <a:r>
+              <a:rPr lang="en-US" altLang="zh-CN" dirty="0">
+                <a:latin typeface="Times New Roman" panose="02020603050405020304" pitchFamily="18" charset="0"/>
+                <a:ea typeface="Songti TC" panose="02010600040101010101" pitchFamily="2" charset="-120"/>
+                <a:cs typeface="Times New Roman" panose="02020603050405020304" pitchFamily="18" charset="0"/>
+              </a:rPr>
+              <a:t>B</a:t>
+            </a:r>
+            <a:r>
+              <a:rPr lang="zh-CN" altLang="en-US" dirty="0">
+                <a:latin typeface="Times New Roman" panose="02020603050405020304" pitchFamily="18" charset="0"/>
+                <a:ea typeface="Songti TC" panose="02010600040101010101" pitchFamily="2" charset="-120"/>
+                <a:cs typeface="Times New Roman" panose="02020603050405020304" pitchFamily="18" charset="0"/>
+              </a:rPr>
+              <a:t>：瓶子回收与生态环境保护</a:t>
+            </a:r>
+            <a:endParaRPr lang="en-CN" altLang="zh-CN" dirty="0">
+              <a:latin typeface="Times New Roman" panose="02020603050405020304" pitchFamily="18" charset="0"/>
+              <a:ea typeface="Songti TC" panose="02010600040101010101" pitchFamily="2" charset="-120"/>
+              <a:cs typeface="Times New Roman" panose="02020603050405020304" pitchFamily="18" charset="0"/>
+            </a:endParaRPr>
+          </a:p>
+          <a:p>
+            <a:pPr lvl="1"/>
+            <a:r>
+              <a:rPr lang="zh-CN" altLang="en-US" dirty="0">
+                <a:latin typeface="Times New Roman" panose="02020603050405020304" pitchFamily="18" charset="0"/>
+                <a:ea typeface="Songti TC" panose="02010600040101010101" pitchFamily="2" charset="-120"/>
+                <a:cs typeface="Times New Roman" panose="02020603050405020304" pitchFamily="18" charset="0"/>
+              </a:rPr>
+              <a:t>分析改变水瓶政策的影响</a:t>
+            </a:r>
+            <a:endParaRPr lang="en-US" altLang="zh-CN" dirty="0">
+              <a:latin typeface="Times New Roman" panose="02020603050405020304" pitchFamily="18" charset="0"/>
+              <a:ea typeface="Songti TC" panose="02010600040101010101" pitchFamily="2" charset="-120"/>
+              <a:cs typeface="Times New Roman" panose="02020603050405020304" pitchFamily="18" charset="0"/>
+            </a:endParaRPr>
+          </a:p>
+          <a:p>
+            <a:pPr lvl="1"/>
+            <a:r>
+              <a:rPr lang="zh-CN" altLang="en-US" dirty="0">
+                <a:latin typeface="Times New Roman" panose="02020603050405020304" pitchFamily="18" charset="0"/>
+                <a:ea typeface="Songti TC" panose="02010600040101010101" pitchFamily="2" charset="-120"/>
+                <a:cs typeface="Times New Roman" panose="02020603050405020304" pitchFamily="18" charset="0"/>
+              </a:rPr>
+              <a:t>建立影响模型并实际应用</a:t>
+            </a:r>
+            <a:endParaRPr lang="en-US" altLang="zh-CN" dirty="0">
+              <a:latin typeface="Times New Roman" panose="02020603050405020304" pitchFamily="18" charset="0"/>
+              <a:ea typeface="Songti TC" panose="02010600040101010101" pitchFamily="2" charset="-120"/>
+              <a:cs typeface="Times New Roman" panose="02020603050405020304" pitchFamily="18" charset="0"/>
+            </a:endParaRPr>
+          </a:p>
+          <a:p>
+            <a:pPr lvl="1"/>
+            <a:r>
+              <a:rPr lang="zh-CN" altLang="en-US" dirty="0">
+                <a:latin typeface="Times New Roman" panose="02020603050405020304" pitchFamily="18" charset="0"/>
+                <a:ea typeface="Songti TC" panose="02010600040101010101" pitchFamily="2" charset="-120"/>
+                <a:cs typeface="Times New Roman" panose="02020603050405020304" pitchFamily="18" charset="0"/>
+              </a:rPr>
+              <a:t>将模型拓展到不同的情况并且分析</a:t>
+            </a:r>
+            <a:endParaRPr lang="en-US" altLang="zh-CN" dirty="0">
+              <a:latin typeface="Times New Roman" panose="02020603050405020304" pitchFamily="18" charset="0"/>
+              <a:ea typeface="Songti TC" panose="02010600040101010101" pitchFamily="2" charset="-120"/>
+              <a:cs typeface="Times New Roman" panose="02020603050405020304" pitchFamily="18" charset="0"/>
+            </a:endParaRPr>
+          </a:p>
+        </p:txBody>
+      </p:sp>
+      <p:pic>
+        <p:nvPicPr>
+          <p:cNvPr id="4" name="Picture 3" descr="Qr code&#10;&#10;Description automatically generated">
+            <a:extLst>
+              <a:ext uri="{FF2B5EF4-FFF2-40B4-BE49-F238E27FC236}">
+                <a16:creationId xmlns:a16="http://schemas.microsoft.com/office/drawing/2014/main" id="{058F7992-2704-9D46-A4E5-8FB2837D2C0C}"/>
+              </a:ext>
+            </a:extLst>
+          </p:cNvPr>
+          <p:cNvPicPr>
+            <a:picLocks noChangeAspect="1"/>
+          </p:cNvPicPr>
+          <p:nvPr/>
+        </p:nvPicPr>
+        <p:blipFill rotWithShape="1">
+          <a:blip r:embed="rId2"/>
+          <a:srcRect l="9806" t="22114" r="9880" b="18699"/>
+          <a:stretch/>
+        </p:blipFill>
+        <p:spPr>
+          <a:xfrm>
+            <a:off x="8976732" y="155441"/>
+            <a:ext cx="1217865" cy="1227985"/>
+          </a:xfrm>
+          <a:prstGeom prst="rect">
+            <a:avLst/>
+          </a:prstGeom>
+        </p:spPr>
+      </p:pic>
+      <p:pic>
+        <p:nvPicPr>
+          <p:cNvPr id="5" name="Picture 4" descr="Logo&#10;&#10;Description automatically generated">
+            <a:extLst>
+              <a:ext uri="{FF2B5EF4-FFF2-40B4-BE49-F238E27FC236}">
+                <a16:creationId xmlns:a16="http://schemas.microsoft.com/office/drawing/2014/main" id="{93BC349E-7AD4-A64A-AEB3-BE9588D2BEC8}"/>
+              </a:ext>
+            </a:extLst>
+          </p:cNvPr>
+          <p:cNvPicPr>
+            <a:picLocks noChangeAspect="1"/>
+          </p:cNvPicPr>
+          <p:nvPr/>
+        </p:nvPicPr>
+        <p:blipFill rotWithShape="1">
+          <a:blip r:embed="rId3"/>
+          <a:srcRect l="10082" r="10082"/>
+          <a:stretch/>
+        </p:blipFill>
+        <p:spPr>
+          <a:xfrm>
+            <a:off x="10871914" y="155441"/>
+            <a:ext cx="1217865" cy="1217865"/>
+          </a:xfrm>
+          <a:prstGeom prst="rect">
+            <a:avLst/>
+          </a:prstGeom>
+        </p:spPr>
+      </p:pic>
+    </p:spTree>
+    <p:extLst>
+      <p:ext uri="{BB962C8B-B14F-4D97-AF65-F5344CB8AC3E}">
+        <p14:creationId xmlns:p14="http://schemas.microsoft.com/office/powerpoint/2010/main" val="1443643572"/>
+      </p:ext>
+    </p:extLst>
+  </p:cSld>
+  <p:clrMapOvr>
+    <a:masterClrMapping/>
+  </p:clrMapOvr>
+  <mc:AlternateContent xmlns:mc="http://schemas.openxmlformats.org/markup-compatibility/2006" xmlns:p14="http://schemas.microsoft.com/office/powerpoint/2010/main">
+    <mc:Choice Requires="p14">
+      <p:transition spd="med" p14:dur="700">
+        <p:fade/>
+      </p:transition>
+    </mc:Choice>
+    <mc:Fallback xmlns="">
+      <p:transition spd="med">
+        <p:fade/>
+      </p:transition>
+    </mc:Fallback>
+  </mc:AlternateContent>
+  <p:timing>
+    <p:tnLst>
+      <p:par>
+        <p:cTn id="1" dur="indefinite" restart="never" nodeType="tmRoot">
+          <p:childTnLst>
+            <p:seq concurrent="1" nextAc="seek">
+              <p:cTn id="2" dur="indefinite" nodeType="mainSeq">
+                <p:childTnLst>
+                  <p:par>
+                    <p:cTn id="3" fill="hold">
+                      <p:stCondLst>
+                        <p:cond delay="indefinite"/>
+                      </p:stCondLst>
+                      <p:childTnLst>
+                        <p:par>
+                          <p:cTn id="4" fill="hold">
+                            <p:stCondLst>
+                              <p:cond delay="0"/>
+                            </p:stCondLst>
+                            <p:childTnLst>
+                              <p:par>
+                                <p:cTn id="5" presetID="9" presetClass="entr" presetSubtype="0" fill="hold" nodeType="clickEffect">
+                                  <p:stCondLst>
+                                    <p:cond delay="0"/>
+                                  </p:stCondLst>
+                                  <p:childTnLst>
+                                    <p:set>
+                                      <p:cBhvr>
+                                        <p:cTn id="6" dur="1" fill="hold">
+                                          <p:stCondLst>
+                                            <p:cond delay="0"/>
+                                          </p:stCondLst>
+                                        </p:cTn>
+                                        <p:tgtEl>
+                                          <p:spTgt spid="3">
+                                            <p:txEl>
+                                              <p:pRg st="0" end="0"/>
+                                            </p:txEl>
+                                          </p:spTgt>
+                                        </p:tgtEl>
+                                        <p:attrNameLst>
+                                          <p:attrName>style.visibility</p:attrName>
+                                        </p:attrNameLst>
+                                      </p:cBhvr>
+                                      <p:to>
+                                        <p:strVal val="visible"/>
+                                      </p:to>
+                                    </p:set>
+                                    <p:animEffect transition="in" filter="dissolve">
+                                      <p:cBhvr>
+                                        <p:cTn id="7" dur="500"/>
+                                        <p:tgtEl>
+                                          <p:spTgt spid="3">
+                                            <p:txEl>
+                                              <p:pRg st="0" end="0"/>
+                                            </p:txEl>
+                                          </p:spTgt>
+                                        </p:tgtEl>
+                                      </p:cBhvr>
+                                    </p:animEffect>
+                                  </p:childTnLst>
+                                </p:cTn>
+                              </p:par>
+                            </p:childTnLst>
+                          </p:cTn>
+                        </p:par>
+                      </p:childTnLst>
+                    </p:cTn>
+                  </p:par>
+                  <p:par>
+                    <p:cTn id="8" fill="hold">
+                      <p:stCondLst>
+                        <p:cond delay="indefinite"/>
+                      </p:stCondLst>
+                      <p:childTnLst>
+                        <p:par>
+                          <p:cTn id="9" fill="hold">
+                            <p:stCondLst>
+                              <p:cond delay="0"/>
+                            </p:stCondLst>
+                            <p:childTnLst>
+                              <p:par>
+                                <p:cTn id="10" presetID="9" presetClass="entr" presetSubtype="0" fill="hold" nodeType="clickEffect">
+                                  <p:stCondLst>
+                                    <p:cond delay="0"/>
+                                  </p:stCondLst>
+                                  <p:childTnLst>
+                                    <p:set>
+                                      <p:cBhvr>
+                                        <p:cTn id="11" dur="1" fill="hold">
+                                          <p:stCondLst>
+                                            <p:cond delay="0"/>
+                                          </p:stCondLst>
+                                        </p:cTn>
+                                        <p:tgtEl>
+                                          <p:spTgt spid="3">
+                                            <p:txEl>
+                                              <p:pRg st="1" end="1"/>
+                                            </p:txEl>
+                                          </p:spTgt>
+                                        </p:tgtEl>
+                                        <p:attrNameLst>
+                                          <p:attrName>style.visibility</p:attrName>
+                                        </p:attrNameLst>
+                                      </p:cBhvr>
+                                      <p:to>
+                                        <p:strVal val="visible"/>
+                                      </p:to>
+                                    </p:set>
+                                    <p:animEffect transition="in" filter="dissolve">
+                                      <p:cBhvr>
+                                        <p:cTn id="12" dur="500"/>
+                                        <p:tgtEl>
+                                          <p:spTgt spid="3">
+                                            <p:txEl>
+                                              <p:pRg st="1" end="1"/>
+                                            </p:txEl>
+                                          </p:spTgt>
+                                        </p:tgtEl>
+                                      </p:cBhvr>
+                                    </p:animEffect>
+                                  </p:childTnLst>
+                                </p:cTn>
+                              </p:par>
+                            </p:childTnLst>
+                          </p:cTn>
+                        </p:par>
+                      </p:childTnLst>
+                    </p:cTn>
+                  </p:par>
+                  <p:par>
+                    <p:cTn id="13" fill="hold">
+                      <p:stCondLst>
+                        <p:cond delay="indefinite"/>
+                      </p:stCondLst>
+                      <p:childTnLst>
+                        <p:par>
+                          <p:cTn id="14" fill="hold">
+                            <p:stCondLst>
+                              <p:cond delay="0"/>
+                            </p:stCondLst>
+                            <p:childTnLst>
+                              <p:par>
+                                <p:cTn id="15" presetID="9" presetClass="entr" presetSubtype="0" fill="hold" nodeType="clickEffect">
+                                  <p:stCondLst>
+                                    <p:cond delay="0"/>
+                                  </p:stCondLst>
+                                  <p:childTnLst>
+                                    <p:set>
+                                      <p:cBhvr>
+                                        <p:cTn id="16" dur="1" fill="hold">
+                                          <p:stCondLst>
+                                            <p:cond delay="0"/>
+                                          </p:stCondLst>
+                                        </p:cTn>
+                                        <p:tgtEl>
+                                          <p:spTgt spid="3">
+                                            <p:txEl>
+                                              <p:pRg st="2" end="2"/>
+                                            </p:txEl>
+                                          </p:spTgt>
+                                        </p:tgtEl>
+                                        <p:attrNameLst>
+                                          <p:attrName>style.visibility</p:attrName>
+                                        </p:attrNameLst>
+                                      </p:cBhvr>
+                                      <p:to>
+                                        <p:strVal val="visible"/>
+                                      </p:to>
+                                    </p:set>
+                                    <p:animEffect transition="in" filter="dissolve">
+                                      <p:cBhvr>
+                                        <p:cTn id="17" dur="500"/>
+                                        <p:tgtEl>
+                                          <p:spTgt spid="3">
+                                            <p:txEl>
+                                              <p:pRg st="2" end="2"/>
+                                            </p:txEl>
+                                          </p:spTgt>
+                                        </p:tgtEl>
+                                      </p:cBhvr>
+                                    </p:animEffect>
+                                  </p:childTnLst>
+                                </p:cTn>
+                              </p:par>
+                            </p:childTnLst>
+                          </p:cTn>
+                        </p:par>
+                      </p:childTnLst>
+                    </p:cTn>
+                  </p:par>
+                  <p:par>
+                    <p:cTn id="18" fill="hold">
+                      <p:stCondLst>
+                        <p:cond delay="indefinite"/>
+                      </p:stCondLst>
+                      <p:childTnLst>
+                        <p:par>
+                          <p:cTn id="19" fill="hold">
+                            <p:stCondLst>
+                              <p:cond delay="0"/>
+                            </p:stCondLst>
+                            <p:childTnLst>
+                              <p:par>
+                                <p:cTn id="20" presetID="9" presetClass="entr" presetSubtype="0" fill="hold" nodeType="clickEffect">
+                                  <p:stCondLst>
+                                    <p:cond delay="0"/>
+                                  </p:stCondLst>
+                                  <p:childTnLst>
+                                    <p:set>
+                                      <p:cBhvr>
+                                        <p:cTn id="21" dur="1" fill="hold">
+                                          <p:stCondLst>
+                                            <p:cond delay="0"/>
+                                          </p:stCondLst>
+                                        </p:cTn>
+                                        <p:tgtEl>
+                                          <p:spTgt spid="3">
+                                            <p:txEl>
+                                              <p:pRg st="3" end="3"/>
+                                            </p:txEl>
+                                          </p:spTgt>
+                                        </p:tgtEl>
+                                        <p:attrNameLst>
+                                          <p:attrName>style.visibility</p:attrName>
+                                        </p:attrNameLst>
+                                      </p:cBhvr>
+                                      <p:to>
+                                        <p:strVal val="visible"/>
+                                      </p:to>
+                                    </p:set>
+                                    <p:animEffect transition="in" filter="dissolve">
+                                      <p:cBhvr>
+                                        <p:cTn id="22" dur="500"/>
+                                        <p:tgtEl>
+                                          <p:spTgt spid="3">
+                                            <p:txEl>
+                                              <p:pRg st="3" end="3"/>
+                                            </p:txEl>
+                                          </p:spTgt>
+                                        </p:tgtEl>
+                                      </p:cBhvr>
+                                    </p:animEffect>
+                                  </p:childTnLst>
+                                </p:cTn>
+                              </p:par>
+                            </p:childTnLst>
+                          </p:cTn>
+                        </p:par>
+                      </p:childTnLst>
+                    </p:cTn>
+                  </p:par>
+                  <p:par>
+                    <p:cTn id="23" fill="hold">
+                      <p:stCondLst>
+                        <p:cond delay="indefinite"/>
+                      </p:stCondLst>
+                      <p:childTnLst>
+                        <p:par>
+                          <p:cTn id="24" fill="hold">
+                            <p:stCondLst>
+                              <p:cond delay="0"/>
+                            </p:stCondLst>
+                            <p:childTnLst>
+                              <p:par>
+                                <p:cTn id="25" presetID="9" presetClass="entr" presetSubtype="0" fill="hold" nodeType="clickEffect">
+                                  <p:stCondLst>
+                                    <p:cond delay="0"/>
+                                  </p:stCondLst>
+                                  <p:childTnLst>
+                                    <p:set>
+                                      <p:cBhvr>
+                                        <p:cTn id="26" dur="1" fill="hold">
+                                          <p:stCondLst>
+                                            <p:cond delay="0"/>
+                                          </p:stCondLst>
+                                        </p:cTn>
+                                        <p:tgtEl>
+                                          <p:spTgt spid="3">
+                                            <p:txEl>
+                                              <p:pRg st="4" end="4"/>
+                                            </p:txEl>
+                                          </p:spTgt>
+                                        </p:tgtEl>
+                                        <p:attrNameLst>
+                                          <p:attrName>style.visibility</p:attrName>
+                                        </p:attrNameLst>
+                                      </p:cBhvr>
+                                      <p:to>
+                                        <p:strVal val="visible"/>
+                                      </p:to>
+                                    </p:set>
+                                    <p:animEffect transition="in" filter="dissolve">
+                                      <p:cBhvr>
+                                        <p:cTn id="27" dur="500"/>
+                                        <p:tgtEl>
+                                          <p:spTgt spid="3">
+                                            <p:txEl>
+                                              <p:pRg st="4" end="4"/>
+                                            </p:txEl>
+                                          </p:spTgt>
+                                        </p:tgtEl>
+                                      </p:cBhvr>
+                                    </p:animEffect>
+                                  </p:childTnLst>
+                                </p:cTn>
+                              </p:par>
+                            </p:childTnLst>
+                          </p:cTn>
+                        </p:par>
+                      </p:childTnLst>
+                    </p:cTn>
+                  </p:par>
+                  <p:par>
+                    <p:cTn id="28" fill="hold">
+                      <p:stCondLst>
+                        <p:cond delay="indefinite"/>
+                      </p:stCondLst>
+                      <p:childTnLst>
+                        <p:par>
+                          <p:cTn id="29" fill="hold">
+                            <p:stCondLst>
+                              <p:cond delay="0"/>
+                            </p:stCondLst>
+                            <p:childTnLst>
+                              <p:par>
+                                <p:cTn id="30" presetID="9" presetClass="entr" presetSubtype="0" fill="hold" nodeType="clickEffect">
+                                  <p:stCondLst>
+                                    <p:cond delay="0"/>
+                                  </p:stCondLst>
+                                  <p:childTnLst>
+                                    <p:set>
+                                      <p:cBhvr>
+                                        <p:cTn id="31" dur="1" fill="hold">
+                                          <p:stCondLst>
+                                            <p:cond delay="0"/>
+                                          </p:stCondLst>
+                                        </p:cTn>
+                                        <p:tgtEl>
+                                          <p:spTgt spid="3">
+                                            <p:txEl>
+                                              <p:pRg st="5" end="5"/>
+                                            </p:txEl>
+                                          </p:spTgt>
+                                        </p:tgtEl>
+                                        <p:attrNameLst>
+                                          <p:attrName>style.visibility</p:attrName>
+                                        </p:attrNameLst>
+                                      </p:cBhvr>
+                                      <p:to>
+                                        <p:strVal val="visible"/>
+                                      </p:to>
+                                    </p:set>
+                                    <p:animEffect transition="in" filter="dissolve">
+                                      <p:cBhvr>
+                                        <p:cTn id="32" dur="500"/>
+                                        <p:tgtEl>
+                                          <p:spTgt spid="3">
+                                            <p:txEl>
+                                              <p:pRg st="5" end="5"/>
+                                            </p:txEl>
+                                          </p:spTgt>
+                                        </p:tgtEl>
+                                      </p:cBhvr>
+                                    </p:animEffect>
+                                  </p:childTnLst>
+                                </p:cTn>
+                              </p:par>
+                            </p:childTnLst>
+                          </p:cTn>
+                        </p:par>
+                      </p:childTnLst>
+                    </p:cTn>
+                  </p:par>
+                  <p:par>
+                    <p:cTn id="33" fill="hold">
+                      <p:stCondLst>
+                        <p:cond delay="indefinite"/>
+                      </p:stCondLst>
+                      <p:childTnLst>
+                        <p:par>
+                          <p:cTn id="34" fill="hold">
+                            <p:stCondLst>
+                              <p:cond delay="0"/>
+                            </p:stCondLst>
+                            <p:childTnLst>
+                              <p:par>
+                                <p:cTn id="35" presetID="9" presetClass="entr" presetSubtype="0" fill="hold" nodeType="clickEffect">
+                                  <p:stCondLst>
+                                    <p:cond delay="0"/>
+                                  </p:stCondLst>
+                                  <p:childTnLst>
+                                    <p:set>
+                                      <p:cBhvr>
+                                        <p:cTn id="36" dur="1" fill="hold">
+                                          <p:stCondLst>
+                                            <p:cond delay="0"/>
+                                          </p:stCondLst>
+                                        </p:cTn>
+                                        <p:tgtEl>
+                                          <p:spTgt spid="3">
+                                            <p:txEl>
+                                              <p:pRg st="6" end="6"/>
+                                            </p:txEl>
+                                          </p:spTgt>
+                                        </p:tgtEl>
+                                        <p:attrNameLst>
+                                          <p:attrName>style.visibility</p:attrName>
+                                        </p:attrNameLst>
+                                      </p:cBhvr>
+                                      <p:to>
+                                        <p:strVal val="visible"/>
+                                      </p:to>
+                                    </p:set>
+                                    <p:animEffect transition="in" filter="dissolve">
+                                      <p:cBhvr>
+                                        <p:cTn id="37" dur="500"/>
+                                        <p:tgtEl>
+                                          <p:spTgt spid="3">
+                                            <p:txEl>
+                                              <p:pRg st="6" end="6"/>
+                                            </p:txEl>
+                                          </p:spTgt>
+                                        </p:tgtEl>
+                                      </p:cBhvr>
+                                    </p:animEffect>
+                                  </p:childTnLst>
+                                </p:cTn>
+                              </p:par>
+                            </p:childTnLst>
+                          </p:cTn>
+                        </p:par>
+                      </p:childTnLst>
+                    </p:cTn>
+                  </p:par>
+                  <p:par>
+                    <p:cTn id="38" fill="hold">
+                      <p:stCondLst>
+                        <p:cond delay="indefinite"/>
+                      </p:stCondLst>
+                      <p:childTnLst>
+                        <p:par>
+                          <p:cTn id="39" fill="hold">
+                            <p:stCondLst>
+                              <p:cond delay="0"/>
+                            </p:stCondLst>
+                            <p:childTnLst>
+                              <p:par>
+                                <p:cTn id="40" presetID="9" presetClass="entr" presetSubtype="0" fill="hold" nodeType="clickEffect">
+                                  <p:stCondLst>
+                                    <p:cond delay="0"/>
+                                  </p:stCondLst>
+                                  <p:childTnLst>
+                                    <p:set>
+                                      <p:cBhvr>
+                                        <p:cTn id="41" dur="1" fill="hold">
+                                          <p:stCondLst>
+                                            <p:cond delay="0"/>
+                                          </p:stCondLst>
+                                        </p:cTn>
+                                        <p:tgtEl>
+                                          <p:spTgt spid="3">
+                                            <p:txEl>
+                                              <p:pRg st="7" end="7"/>
+                                            </p:txEl>
+                                          </p:spTgt>
+                                        </p:tgtEl>
+                                        <p:attrNameLst>
+                                          <p:attrName>style.visibility</p:attrName>
+                                        </p:attrNameLst>
+                                      </p:cBhvr>
+                                      <p:to>
+                                        <p:strVal val="visible"/>
+                                      </p:to>
+                                    </p:set>
+                                    <p:animEffect transition="in" filter="dissolve">
+                                      <p:cBhvr>
+                                        <p:cTn id="42" dur="500"/>
+                                        <p:tgtEl>
+                                          <p:spTgt spid="3">
+                                            <p:txEl>
+                                              <p:pRg st="7" end="7"/>
+                                            </p:txEl>
+                                          </p:spTgt>
+                                        </p:tgtEl>
+                                      </p:cBhvr>
+                                    </p:animEffect>
+                                  </p:childTnLst>
+                                </p:cTn>
+                              </p:par>
+                            </p:childTnLst>
+                          </p:cTn>
+                        </p:par>
+                      </p:childTnLst>
+                    </p:cTn>
+                  </p:par>
+                </p:childTnLst>
+              </p:cTn>
+              <p:prevCondLst>
+                <p:cond evt="onPrev" delay="0">
+                  <p:tgtEl>
+                    <p:sldTgt/>
+                  </p:tgtEl>
+                </p:cond>
+              </p:prevCondLst>
+              <p:nextCondLst>
+                <p:cond evt="onNext" delay="0">
+                  <p:tgtEl>
+                    <p:sldTgt/>
+                  </p:tgtEl>
+                </p:cond>
+              </p:nextCondLst>
+            </p:seq>
+          </p:childTnLst>
+        </p:cTn>
+      </p:par>
+    </p:tnLst>
+  </p:timing>
+</p:sld>
+</file>
+
+<file path=ppt/slides/slide30.xml><?xml version="1.0" encoding="utf-8"?>
 <p:sld xmlns:a="http://schemas.openxmlformats.org/drawingml/2006/main" xmlns:r="http://schemas.openxmlformats.org/officeDocument/2006/relationships" xmlns:p="http://schemas.openxmlformats.org/presentationml/2006/main">
   <p:cSld>
     <p:spTree>
@@ -16053,13 +21013,13 @@
   <p:clrMapOvr>
     <a:masterClrMapping/>
   </p:clrMapOvr>
-  <mc:AlternateContent xmlns:mc="http://schemas.openxmlformats.org/markup-compatibility/2006">
-    <mc:Choice xmlns:p14="http://schemas.microsoft.com/office/powerpoint/2010/main" Requires="p14">
+  <mc:AlternateContent xmlns:mc="http://schemas.openxmlformats.org/markup-compatibility/2006" xmlns:p14="http://schemas.microsoft.com/office/powerpoint/2010/main">
+    <mc:Choice Requires="p14">
       <p:transition spd="med" p14:dur="700">
         <p:fade/>
       </p:transition>
     </mc:Choice>
-    <mc:Fallback>
+    <mc:Fallback xmlns="">
       <p:transition spd="med">
         <p:fade/>
       </p:transition>
@@ -16220,7 +21180,7 @@
 </p:sld>
 </file>
 
-<file path=ppt/slides/slide27.xml><?xml version="1.0" encoding="utf-8"?>
+<file path=ppt/slides/slide31.xml><?xml version="1.0" encoding="utf-8"?>
 <p:sld xmlns:a="http://schemas.openxmlformats.org/drawingml/2006/main" xmlns:r="http://schemas.openxmlformats.org/officeDocument/2006/relationships" xmlns:p="http://schemas.openxmlformats.org/presentationml/2006/main">
   <p:cSld>
     <p:spTree>
@@ -16481,13 +21441,13 @@
   <p:clrMapOvr>
     <a:masterClrMapping/>
   </p:clrMapOvr>
-  <mc:AlternateContent xmlns:mc="http://schemas.openxmlformats.org/markup-compatibility/2006">
-    <mc:Choice xmlns:p14="http://schemas.microsoft.com/office/powerpoint/2010/main" Requires="p14">
+  <mc:AlternateContent xmlns:mc="http://schemas.openxmlformats.org/markup-compatibility/2006" xmlns:p14="http://schemas.microsoft.com/office/powerpoint/2010/main">
+    <mc:Choice Requires="p14">
       <p:transition spd="med" p14:dur="700">
         <p:fade/>
       </p:transition>
     </mc:Choice>
-    <mc:Fallback>
+    <mc:Fallback xmlns="">
       <p:transition spd="med">
         <p:fade/>
       </p:transition>
@@ -16754,7 +21714,7 @@
 </p:sld>
 </file>
 
-<file path=ppt/slides/slide28.xml><?xml version="1.0" encoding="utf-8"?>
+<file path=ppt/slides/slide32.xml><?xml version="1.0" encoding="utf-8"?>
 <p:sld xmlns:a="http://schemas.openxmlformats.org/drawingml/2006/main" xmlns:r="http://schemas.openxmlformats.org/officeDocument/2006/relationships" xmlns:p="http://schemas.openxmlformats.org/presentationml/2006/main">
   <p:cSld>
     <p:spTree>
@@ -17003,13 +21963,13 @@
   <p:clrMapOvr>
     <a:masterClrMapping/>
   </p:clrMapOvr>
-  <mc:AlternateContent xmlns:mc="http://schemas.openxmlformats.org/markup-compatibility/2006">
-    <mc:Choice xmlns:p14="http://schemas.microsoft.com/office/powerpoint/2010/main" Requires="p14">
+  <mc:AlternateContent xmlns:mc="http://schemas.openxmlformats.org/markup-compatibility/2006" xmlns:p14="http://schemas.microsoft.com/office/powerpoint/2010/main">
+    <mc:Choice Requires="p14">
       <p:transition spd="med" p14:dur="700">
         <p:fade/>
       </p:transition>
     </mc:Choice>
-    <mc:Fallback>
+    <mc:Fallback xmlns="">
       <p:transition spd="med">
         <p:fade/>
       </p:transition>
@@ -17284,7 +22244,7 @@
 </p:sld>
 </file>
 
-<file path=ppt/slides/slide29.xml><?xml version="1.0" encoding="utf-8"?>
+<file path=ppt/slides/slide33.xml><?xml version="1.0" encoding="utf-8"?>
 <p:sld xmlns:a="http://schemas.openxmlformats.org/drawingml/2006/main" xmlns:r="http://schemas.openxmlformats.org/officeDocument/2006/relationships" xmlns:p="http://schemas.openxmlformats.org/presentationml/2006/main">
   <p:cSld>
     <p:spTree>
@@ -17479,13 +22439,13 @@
   <p:clrMapOvr>
     <a:masterClrMapping/>
   </p:clrMapOvr>
-  <mc:AlternateContent xmlns:mc="http://schemas.openxmlformats.org/markup-compatibility/2006">
-    <mc:Choice xmlns:p14="http://schemas.microsoft.com/office/powerpoint/2010/main" Requires="p14">
+  <mc:AlternateContent xmlns:mc="http://schemas.openxmlformats.org/markup-compatibility/2006" xmlns:p14="http://schemas.microsoft.com/office/powerpoint/2010/main">
+    <mc:Choice Requires="p14">
       <p:transition spd="med" p14:dur="700">
         <p:fade/>
       </p:transition>
     </mc:Choice>
-    <mc:Fallback>
+    <mc:Fallback xmlns="">
       <p:transition spd="med">
         <p:fade/>
       </p:transition>
@@ -17585,827 +22545,7 @@
 </p:sld>
 </file>
 
-<file path=ppt/slides/slide3.xml><?xml version="1.0" encoding="utf-8"?>
-<p:sld xmlns:a="http://schemas.openxmlformats.org/drawingml/2006/main" xmlns:r="http://schemas.openxmlformats.org/officeDocument/2006/relationships" xmlns:p="http://schemas.openxmlformats.org/presentationml/2006/main">
-  <p:cSld>
-    <p:spTree>
-      <p:nvGrpSpPr>
-        <p:cNvPr id="1" name=""/>
-        <p:cNvGrpSpPr/>
-        <p:nvPr/>
-      </p:nvGrpSpPr>
-      <p:grpSpPr>
-        <a:xfrm>
-          <a:off x="0" y="0"/>
-          <a:ext cx="0" cy="0"/>
-          <a:chOff x="0" y="0"/>
-          <a:chExt cx="0" cy="0"/>
-        </a:xfrm>
-      </p:grpSpPr>
-      <p:sp>
-        <p:nvSpPr>
-          <p:cNvPr id="2" name="Title 1">
-            <a:extLst>
-              <a:ext uri="{FF2B5EF4-FFF2-40B4-BE49-F238E27FC236}">
-                <a16:creationId xmlns:a16="http://schemas.microsoft.com/office/drawing/2014/main" id="{C4705447-FD1F-8A40-AD20-9F7DCBE5BBF1}"/>
-              </a:ext>
-            </a:extLst>
-          </p:cNvPr>
-          <p:cNvSpPr>
-            <a:spLocks noGrp="1"/>
-          </p:cNvSpPr>
-          <p:nvPr>
-            <p:ph type="title"/>
-          </p:nvPr>
-        </p:nvSpPr>
-        <p:spPr/>
-        <p:txBody>
-          <a:bodyPr/>
-          <a:lstStyle/>
-          <a:p>
-            <a:r>
-              <a:rPr lang="en-CN" dirty="0">
-                <a:latin typeface="Times" pitchFamily="2" charset="0"/>
-              </a:rPr>
-              <a:t>问题分析</a:t>
-            </a:r>
-          </a:p>
-        </p:txBody>
-      </p:sp>
-      <p:sp>
-        <p:nvSpPr>
-          <p:cNvPr id="3" name="Content Placeholder 2">
-            <a:extLst>
-              <a:ext uri="{FF2B5EF4-FFF2-40B4-BE49-F238E27FC236}">
-                <a16:creationId xmlns:a16="http://schemas.microsoft.com/office/drawing/2014/main" id="{0A8D39E8-45B0-414B-8220-915800CE516C}"/>
-              </a:ext>
-            </a:extLst>
-          </p:cNvPr>
-          <p:cNvSpPr>
-            <a:spLocks noGrp="1"/>
-          </p:cNvSpPr>
-          <p:nvPr>
-            <p:ph idx="1"/>
-          </p:nvPr>
-        </p:nvSpPr>
-        <p:spPr/>
-        <p:txBody>
-          <a:bodyPr/>
-          <a:lstStyle/>
-          <a:p>
-            <a:r>
-              <a:rPr lang="en-CN" dirty="0">
-                <a:latin typeface="Times New Roman" panose="02020603050405020304" pitchFamily="18" charset="0"/>
-                <a:ea typeface="Songti TC" panose="02010600040101010101" pitchFamily="2" charset="-120"/>
-                <a:cs typeface="Times New Roman" panose="02020603050405020304" pitchFamily="18" charset="0"/>
-              </a:rPr>
-              <a:t>问题A</a:t>
-            </a:r>
-            <a:r>
-              <a:rPr lang="zh-CN" altLang="en-US" dirty="0">
-                <a:latin typeface="Times New Roman" panose="02020603050405020304" pitchFamily="18" charset="0"/>
-                <a:ea typeface="Songti TC" panose="02010600040101010101" pitchFamily="2" charset="-120"/>
-                <a:cs typeface="Times New Roman" panose="02020603050405020304" pitchFamily="18" charset="0"/>
-              </a:rPr>
-              <a:t>：公共场所充电与能源问题</a:t>
-            </a:r>
-            <a:endParaRPr lang="en-US" altLang="zh-CN" dirty="0">
-              <a:latin typeface="Times New Roman" panose="02020603050405020304" pitchFamily="18" charset="0"/>
-              <a:ea typeface="Songti TC" panose="02010600040101010101" pitchFamily="2" charset="-120"/>
-              <a:cs typeface="Times New Roman" panose="02020603050405020304" pitchFamily="18" charset="0"/>
-            </a:endParaRPr>
-          </a:p>
-          <a:p>
-            <a:pPr lvl="1"/>
-            <a:r>
-              <a:rPr lang="zh-CN" altLang="en-US" dirty="0">
-                <a:latin typeface="Times New Roman" panose="02020603050405020304" pitchFamily="18" charset="0"/>
-                <a:ea typeface="Songti TC" panose="02010600040101010101" pitchFamily="2" charset="-120"/>
-                <a:cs typeface="Times New Roman" panose="02020603050405020304" pitchFamily="18" charset="0"/>
-              </a:rPr>
-              <a:t>分析公共场所的充电能源利用</a:t>
-            </a:r>
-            <a:endParaRPr lang="en-US" altLang="zh-CN" dirty="0">
-              <a:latin typeface="Times New Roman" panose="02020603050405020304" pitchFamily="18" charset="0"/>
-              <a:ea typeface="Songti TC" panose="02010600040101010101" pitchFamily="2" charset="-120"/>
-              <a:cs typeface="Times New Roman" panose="02020603050405020304" pitchFamily="18" charset="0"/>
-            </a:endParaRPr>
-          </a:p>
-          <a:p>
-            <a:pPr lvl="1"/>
-            <a:r>
-              <a:rPr lang="zh-CN" altLang="en-US" dirty="0">
-                <a:latin typeface="Times New Roman" panose="02020603050405020304" pitchFamily="18" charset="0"/>
-                <a:ea typeface="Songti TC" panose="02010600040101010101" pitchFamily="2" charset="-120"/>
-                <a:cs typeface="Times New Roman" panose="02020603050405020304" pitchFamily="18" charset="0"/>
-              </a:rPr>
-              <a:t>预测未来的能源利用</a:t>
-            </a:r>
-            <a:endParaRPr lang="en-US" altLang="zh-CN" dirty="0">
-              <a:latin typeface="Times New Roman" panose="02020603050405020304" pitchFamily="18" charset="0"/>
-              <a:ea typeface="Songti TC" panose="02010600040101010101" pitchFamily="2" charset="-120"/>
-              <a:cs typeface="Times New Roman" panose="02020603050405020304" pitchFamily="18" charset="0"/>
-            </a:endParaRPr>
-          </a:p>
-          <a:p>
-            <a:pPr lvl="1"/>
-            <a:r>
-              <a:rPr lang="zh-CN" altLang="en-US" dirty="0">
-                <a:latin typeface="Times New Roman" panose="02020603050405020304" pitchFamily="18" charset="0"/>
-                <a:ea typeface="Songti TC" panose="02010600040101010101" pitchFamily="2" charset="-120"/>
-                <a:cs typeface="Times New Roman" panose="02020603050405020304" pitchFamily="18" charset="0"/>
-              </a:rPr>
-              <a:t>建立能源利用模型并求出最小值</a:t>
-            </a:r>
-            <a:endParaRPr lang="en-US" altLang="zh-CN" dirty="0">
-              <a:latin typeface="Times New Roman" panose="02020603050405020304" pitchFamily="18" charset="0"/>
-              <a:ea typeface="Songti TC" panose="02010600040101010101" pitchFamily="2" charset="-120"/>
-              <a:cs typeface="Times New Roman" panose="02020603050405020304" pitchFamily="18" charset="0"/>
-            </a:endParaRPr>
-          </a:p>
-          <a:p>
-            <a:r>
-              <a:rPr lang="zh-CN" altLang="en-US" dirty="0">
-                <a:latin typeface="Times New Roman" panose="02020603050405020304" pitchFamily="18" charset="0"/>
-                <a:ea typeface="Songti TC" panose="02010600040101010101" pitchFamily="2" charset="-120"/>
-                <a:cs typeface="Times New Roman" panose="02020603050405020304" pitchFamily="18" charset="0"/>
-              </a:rPr>
-              <a:t>问题</a:t>
-            </a:r>
-            <a:r>
-              <a:rPr lang="en-US" altLang="zh-CN" dirty="0">
-                <a:latin typeface="Times New Roman" panose="02020603050405020304" pitchFamily="18" charset="0"/>
-                <a:ea typeface="Songti TC" panose="02010600040101010101" pitchFamily="2" charset="-120"/>
-                <a:cs typeface="Times New Roman" panose="02020603050405020304" pitchFamily="18" charset="0"/>
-              </a:rPr>
-              <a:t>B</a:t>
-            </a:r>
-            <a:r>
-              <a:rPr lang="zh-CN" altLang="en-US" dirty="0">
-                <a:latin typeface="Times New Roman" panose="02020603050405020304" pitchFamily="18" charset="0"/>
-                <a:ea typeface="Songti TC" panose="02010600040101010101" pitchFamily="2" charset="-120"/>
-                <a:cs typeface="Times New Roman" panose="02020603050405020304" pitchFamily="18" charset="0"/>
-              </a:rPr>
-              <a:t>：瓶子回收与生态环境保护</a:t>
-            </a:r>
-            <a:endParaRPr lang="en-CN" altLang="zh-CN" dirty="0">
-              <a:latin typeface="Times New Roman" panose="02020603050405020304" pitchFamily="18" charset="0"/>
-              <a:ea typeface="Songti TC" panose="02010600040101010101" pitchFamily="2" charset="-120"/>
-              <a:cs typeface="Times New Roman" panose="02020603050405020304" pitchFamily="18" charset="0"/>
-            </a:endParaRPr>
-          </a:p>
-          <a:p>
-            <a:pPr lvl="1"/>
-            <a:r>
-              <a:rPr lang="zh-CN" altLang="en-US" dirty="0">
-                <a:latin typeface="Times New Roman" panose="02020603050405020304" pitchFamily="18" charset="0"/>
-                <a:ea typeface="Songti TC" panose="02010600040101010101" pitchFamily="2" charset="-120"/>
-                <a:cs typeface="Times New Roman" panose="02020603050405020304" pitchFamily="18" charset="0"/>
-              </a:rPr>
-              <a:t>分析改变水瓶政策的影响</a:t>
-            </a:r>
-            <a:endParaRPr lang="en-US" altLang="zh-CN" dirty="0">
-              <a:latin typeface="Times New Roman" panose="02020603050405020304" pitchFamily="18" charset="0"/>
-              <a:ea typeface="Songti TC" panose="02010600040101010101" pitchFamily="2" charset="-120"/>
-              <a:cs typeface="Times New Roman" panose="02020603050405020304" pitchFamily="18" charset="0"/>
-            </a:endParaRPr>
-          </a:p>
-          <a:p>
-            <a:pPr lvl="1"/>
-            <a:r>
-              <a:rPr lang="zh-CN" altLang="en-US" dirty="0">
-                <a:latin typeface="Times New Roman" panose="02020603050405020304" pitchFamily="18" charset="0"/>
-                <a:ea typeface="Songti TC" panose="02010600040101010101" pitchFamily="2" charset="-120"/>
-                <a:cs typeface="Times New Roman" panose="02020603050405020304" pitchFamily="18" charset="0"/>
-              </a:rPr>
-              <a:t>建立影响模型并实际应用</a:t>
-            </a:r>
-            <a:endParaRPr lang="en-US" altLang="zh-CN" dirty="0">
-              <a:latin typeface="Times New Roman" panose="02020603050405020304" pitchFamily="18" charset="0"/>
-              <a:ea typeface="Songti TC" panose="02010600040101010101" pitchFamily="2" charset="-120"/>
-              <a:cs typeface="Times New Roman" panose="02020603050405020304" pitchFamily="18" charset="0"/>
-            </a:endParaRPr>
-          </a:p>
-          <a:p>
-            <a:pPr lvl="1"/>
-            <a:r>
-              <a:rPr lang="zh-CN" altLang="en-US" dirty="0">
-                <a:latin typeface="Times New Roman" panose="02020603050405020304" pitchFamily="18" charset="0"/>
-                <a:ea typeface="Songti TC" panose="02010600040101010101" pitchFamily="2" charset="-120"/>
-                <a:cs typeface="Times New Roman" panose="02020603050405020304" pitchFamily="18" charset="0"/>
-              </a:rPr>
-              <a:t>将模型拓展到不同的情况并且分析</a:t>
-            </a:r>
-            <a:endParaRPr lang="en-US" altLang="zh-CN" dirty="0">
-              <a:latin typeface="Times New Roman" panose="02020603050405020304" pitchFamily="18" charset="0"/>
-              <a:ea typeface="Songti TC" panose="02010600040101010101" pitchFamily="2" charset="-120"/>
-              <a:cs typeface="Times New Roman" panose="02020603050405020304" pitchFamily="18" charset="0"/>
-            </a:endParaRPr>
-          </a:p>
-        </p:txBody>
-      </p:sp>
-      <p:pic>
-        <p:nvPicPr>
-          <p:cNvPr id="4" name="Picture 3" descr="Qr code&#10;&#10;Description automatically generated">
-            <a:extLst>
-              <a:ext uri="{FF2B5EF4-FFF2-40B4-BE49-F238E27FC236}">
-                <a16:creationId xmlns:a16="http://schemas.microsoft.com/office/drawing/2014/main" id="{058F7992-2704-9D46-A4E5-8FB2837D2C0C}"/>
-              </a:ext>
-            </a:extLst>
-          </p:cNvPr>
-          <p:cNvPicPr>
-            <a:picLocks noChangeAspect="1"/>
-          </p:cNvPicPr>
-          <p:nvPr/>
-        </p:nvPicPr>
-        <p:blipFill rotWithShape="1">
-          <a:blip r:embed="rId2"/>
-          <a:srcRect l="9806" t="22114" r="9880" b="18699"/>
-          <a:stretch/>
-        </p:blipFill>
-        <p:spPr>
-          <a:xfrm>
-            <a:off x="8976732" y="155441"/>
-            <a:ext cx="1217865" cy="1227985"/>
-          </a:xfrm>
-          <a:prstGeom prst="rect">
-            <a:avLst/>
-          </a:prstGeom>
-        </p:spPr>
-      </p:pic>
-      <p:pic>
-        <p:nvPicPr>
-          <p:cNvPr id="5" name="Picture 4" descr="Logo&#10;&#10;Description automatically generated">
-            <a:extLst>
-              <a:ext uri="{FF2B5EF4-FFF2-40B4-BE49-F238E27FC236}">
-                <a16:creationId xmlns:a16="http://schemas.microsoft.com/office/drawing/2014/main" id="{93BC349E-7AD4-A64A-AEB3-BE9588D2BEC8}"/>
-              </a:ext>
-            </a:extLst>
-          </p:cNvPr>
-          <p:cNvPicPr>
-            <a:picLocks noChangeAspect="1"/>
-          </p:cNvPicPr>
-          <p:nvPr/>
-        </p:nvPicPr>
-        <p:blipFill rotWithShape="1">
-          <a:blip r:embed="rId3"/>
-          <a:srcRect l="10082" r="10082"/>
-          <a:stretch/>
-        </p:blipFill>
-        <p:spPr>
-          <a:xfrm>
-            <a:off x="10871914" y="155441"/>
-            <a:ext cx="1217865" cy="1217865"/>
-          </a:xfrm>
-          <a:prstGeom prst="rect">
-            <a:avLst/>
-          </a:prstGeom>
-        </p:spPr>
-      </p:pic>
-    </p:spTree>
-    <p:extLst>
-      <p:ext uri="{BB962C8B-B14F-4D97-AF65-F5344CB8AC3E}">
-        <p14:creationId xmlns:p14="http://schemas.microsoft.com/office/powerpoint/2010/main" val="1443643572"/>
-      </p:ext>
-    </p:extLst>
-  </p:cSld>
-  <p:clrMapOvr>
-    <a:masterClrMapping/>
-  </p:clrMapOvr>
-  <mc:AlternateContent xmlns:mc="http://schemas.openxmlformats.org/markup-compatibility/2006">
-    <mc:Choice xmlns:p14="http://schemas.microsoft.com/office/powerpoint/2010/main" Requires="p14">
-      <p:transition spd="med" p14:dur="700">
-        <p:fade/>
-      </p:transition>
-    </mc:Choice>
-    <mc:Fallback>
-      <p:transition spd="med">
-        <p:fade/>
-      </p:transition>
-    </mc:Fallback>
-  </mc:AlternateContent>
-  <p:timing>
-    <p:tnLst>
-      <p:par>
-        <p:cTn id="1" dur="indefinite" restart="never" nodeType="tmRoot">
-          <p:childTnLst>
-            <p:seq concurrent="1" nextAc="seek">
-              <p:cTn id="2" dur="indefinite" nodeType="mainSeq">
-                <p:childTnLst>
-                  <p:par>
-                    <p:cTn id="3" fill="hold">
-                      <p:stCondLst>
-                        <p:cond delay="indefinite"/>
-                      </p:stCondLst>
-                      <p:childTnLst>
-                        <p:par>
-                          <p:cTn id="4" fill="hold">
-                            <p:stCondLst>
-                              <p:cond delay="0"/>
-                            </p:stCondLst>
-                            <p:childTnLst>
-                              <p:par>
-                                <p:cTn id="5" presetID="9" presetClass="entr" presetSubtype="0" fill="hold" nodeType="clickEffect">
-                                  <p:stCondLst>
-                                    <p:cond delay="0"/>
-                                  </p:stCondLst>
-                                  <p:childTnLst>
-                                    <p:set>
-                                      <p:cBhvr>
-                                        <p:cTn id="6" dur="1" fill="hold">
-                                          <p:stCondLst>
-                                            <p:cond delay="0"/>
-                                          </p:stCondLst>
-                                        </p:cTn>
-                                        <p:tgtEl>
-                                          <p:spTgt spid="3">
-                                            <p:txEl>
-                                              <p:pRg st="0" end="0"/>
-                                            </p:txEl>
-                                          </p:spTgt>
-                                        </p:tgtEl>
-                                        <p:attrNameLst>
-                                          <p:attrName>style.visibility</p:attrName>
-                                        </p:attrNameLst>
-                                      </p:cBhvr>
-                                      <p:to>
-                                        <p:strVal val="visible"/>
-                                      </p:to>
-                                    </p:set>
-                                    <p:animEffect transition="in" filter="dissolve">
-                                      <p:cBhvr>
-                                        <p:cTn id="7" dur="500"/>
-                                        <p:tgtEl>
-                                          <p:spTgt spid="3">
-                                            <p:txEl>
-                                              <p:pRg st="0" end="0"/>
-                                            </p:txEl>
-                                          </p:spTgt>
-                                        </p:tgtEl>
-                                      </p:cBhvr>
-                                    </p:animEffect>
-                                  </p:childTnLst>
-                                </p:cTn>
-                              </p:par>
-                            </p:childTnLst>
-                          </p:cTn>
-                        </p:par>
-                      </p:childTnLst>
-                    </p:cTn>
-                  </p:par>
-                  <p:par>
-                    <p:cTn id="8" fill="hold">
-                      <p:stCondLst>
-                        <p:cond delay="indefinite"/>
-                      </p:stCondLst>
-                      <p:childTnLst>
-                        <p:par>
-                          <p:cTn id="9" fill="hold">
-                            <p:stCondLst>
-                              <p:cond delay="0"/>
-                            </p:stCondLst>
-                            <p:childTnLst>
-                              <p:par>
-                                <p:cTn id="10" presetID="9" presetClass="entr" presetSubtype="0" fill="hold" nodeType="clickEffect">
-                                  <p:stCondLst>
-                                    <p:cond delay="0"/>
-                                  </p:stCondLst>
-                                  <p:childTnLst>
-                                    <p:set>
-                                      <p:cBhvr>
-                                        <p:cTn id="11" dur="1" fill="hold">
-                                          <p:stCondLst>
-                                            <p:cond delay="0"/>
-                                          </p:stCondLst>
-                                        </p:cTn>
-                                        <p:tgtEl>
-                                          <p:spTgt spid="3">
-                                            <p:txEl>
-                                              <p:pRg st="1" end="1"/>
-                                            </p:txEl>
-                                          </p:spTgt>
-                                        </p:tgtEl>
-                                        <p:attrNameLst>
-                                          <p:attrName>style.visibility</p:attrName>
-                                        </p:attrNameLst>
-                                      </p:cBhvr>
-                                      <p:to>
-                                        <p:strVal val="visible"/>
-                                      </p:to>
-                                    </p:set>
-                                    <p:animEffect transition="in" filter="dissolve">
-                                      <p:cBhvr>
-                                        <p:cTn id="12" dur="500"/>
-                                        <p:tgtEl>
-                                          <p:spTgt spid="3">
-                                            <p:txEl>
-                                              <p:pRg st="1" end="1"/>
-                                            </p:txEl>
-                                          </p:spTgt>
-                                        </p:tgtEl>
-                                      </p:cBhvr>
-                                    </p:animEffect>
-                                  </p:childTnLst>
-                                </p:cTn>
-                              </p:par>
-                            </p:childTnLst>
-                          </p:cTn>
-                        </p:par>
-                      </p:childTnLst>
-                    </p:cTn>
-                  </p:par>
-                  <p:par>
-                    <p:cTn id="13" fill="hold">
-                      <p:stCondLst>
-                        <p:cond delay="indefinite"/>
-                      </p:stCondLst>
-                      <p:childTnLst>
-                        <p:par>
-                          <p:cTn id="14" fill="hold">
-                            <p:stCondLst>
-                              <p:cond delay="0"/>
-                            </p:stCondLst>
-                            <p:childTnLst>
-                              <p:par>
-                                <p:cTn id="15" presetID="9" presetClass="entr" presetSubtype="0" fill="hold" nodeType="clickEffect">
-                                  <p:stCondLst>
-                                    <p:cond delay="0"/>
-                                  </p:stCondLst>
-                                  <p:childTnLst>
-                                    <p:set>
-                                      <p:cBhvr>
-                                        <p:cTn id="16" dur="1" fill="hold">
-                                          <p:stCondLst>
-                                            <p:cond delay="0"/>
-                                          </p:stCondLst>
-                                        </p:cTn>
-                                        <p:tgtEl>
-                                          <p:spTgt spid="3">
-                                            <p:txEl>
-                                              <p:pRg st="2" end="2"/>
-                                            </p:txEl>
-                                          </p:spTgt>
-                                        </p:tgtEl>
-                                        <p:attrNameLst>
-                                          <p:attrName>style.visibility</p:attrName>
-                                        </p:attrNameLst>
-                                      </p:cBhvr>
-                                      <p:to>
-                                        <p:strVal val="visible"/>
-                                      </p:to>
-                                    </p:set>
-                                    <p:animEffect transition="in" filter="dissolve">
-                                      <p:cBhvr>
-                                        <p:cTn id="17" dur="500"/>
-                                        <p:tgtEl>
-                                          <p:spTgt spid="3">
-                                            <p:txEl>
-                                              <p:pRg st="2" end="2"/>
-                                            </p:txEl>
-                                          </p:spTgt>
-                                        </p:tgtEl>
-                                      </p:cBhvr>
-                                    </p:animEffect>
-                                  </p:childTnLst>
-                                </p:cTn>
-                              </p:par>
-                            </p:childTnLst>
-                          </p:cTn>
-                        </p:par>
-                      </p:childTnLst>
-                    </p:cTn>
-                  </p:par>
-                  <p:par>
-                    <p:cTn id="18" fill="hold">
-                      <p:stCondLst>
-                        <p:cond delay="indefinite"/>
-                      </p:stCondLst>
-                      <p:childTnLst>
-                        <p:par>
-                          <p:cTn id="19" fill="hold">
-                            <p:stCondLst>
-                              <p:cond delay="0"/>
-                            </p:stCondLst>
-                            <p:childTnLst>
-                              <p:par>
-                                <p:cTn id="20" presetID="9" presetClass="entr" presetSubtype="0" fill="hold" nodeType="clickEffect">
-                                  <p:stCondLst>
-                                    <p:cond delay="0"/>
-                                  </p:stCondLst>
-                                  <p:childTnLst>
-                                    <p:set>
-                                      <p:cBhvr>
-                                        <p:cTn id="21" dur="1" fill="hold">
-                                          <p:stCondLst>
-                                            <p:cond delay="0"/>
-                                          </p:stCondLst>
-                                        </p:cTn>
-                                        <p:tgtEl>
-                                          <p:spTgt spid="3">
-                                            <p:txEl>
-                                              <p:pRg st="3" end="3"/>
-                                            </p:txEl>
-                                          </p:spTgt>
-                                        </p:tgtEl>
-                                        <p:attrNameLst>
-                                          <p:attrName>style.visibility</p:attrName>
-                                        </p:attrNameLst>
-                                      </p:cBhvr>
-                                      <p:to>
-                                        <p:strVal val="visible"/>
-                                      </p:to>
-                                    </p:set>
-                                    <p:animEffect transition="in" filter="dissolve">
-                                      <p:cBhvr>
-                                        <p:cTn id="22" dur="500"/>
-                                        <p:tgtEl>
-                                          <p:spTgt spid="3">
-                                            <p:txEl>
-                                              <p:pRg st="3" end="3"/>
-                                            </p:txEl>
-                                          </p:spTgt>
-                                        </p:tgtEl>
-                                      </p:cBhvr>
-                                    </p:animEffect>
-                                  </p:childTnLst>
-                                </p:cTn>
-                              </p:par>
-                            </p:childTnLst>
-                          </p:cTn>
-                        </p:par>
-                      </p:childTnLst>
-                    </p:cTn>
-                  </p:par>
-                  <p:par>
-                    <p:cTn id="23" fill="hold">
-                      <p:stCondLst>
-                        <p:cond delay="indefinite"/>
-                      </p:stCondLst>
-                      <p:childTnLst>
-                        <p:par>
-                          <p:cTn id="24" fill="hold">
-                            <p:stCondLst>
-                              <p:cond delay="0"/>
-                            </p:stCondLst>
-                            <p:childTnLst>
-                              <p:par>
-                                <p:cTn id="25" presetID="9" presetClass="entr" presetSubtype="0" fill="hold" nodeType="clickEffect">
-                                  <p:stCondLst>
-                                    <p:cond delay="0"/>
-                                  </p:stCondLst>
-                                  <p:childTnLst>
-                                    <p:set>
-                                      <p:cBhvr>
-                                        <p:cTn id="26" dur="1" fill="hold">
-                                          <p:stCondLst>
-                                            <p:cond delay="0"/>
-                                          </p:stCondLst>
-                                        </p:cTn>
-                                        <p:tgtEl>
-                                          <p:spTgt spid="3">
-                                            <p:txEl>
-                                              <p:pRg st="4" end="4"/>
-                                            </p:txEl>
-                                          </p:spTgt>
-                                        </p:tgtEl>
-                                        <p:attrNameLst>
-                                          <p:attrName>style.visibility</p:attrName>
-                                        </p:attrNameLst>
-                                      </p:cBhvr>
-                                      <p:to>
-                                        <p:strVal val="visible"/>
-                                      </p:to>
-                                    </p:set>
-                                    <p:animEffect transition="in" filter="dissolve">
-                                      <p:cBhvr>
-                                        <p:cTn id="27" dur="500"/>
-                                        <p:tgtEl>
-                                          <p:spTgt spid="3">
-                                            <p:txEl>
-                                              <p:pRg st="4" end="4"/>
-                                            </p:txEl>
-                                          </p:spTgt>
-                                        </p:tgtEl>
-                                      </p:cBhvr>
-                                    </p:animEffect>
-                                  </p:childTnLst>
-                                </p:cTn>
-                              </p:par>
-                            </p:childTnLst>
-                          </p:cTn>
-                        </p:par>
-                      </p:childTnLst>
-                    </p:cTn>
-                  </p:par>
-                  <p:par>
-                    <p:cTn id="28" fill="hold">
-                      <p:stCondLst>
-                        <p:cond delay="indefinite"/>
-                      </p:stCondLst>
-                      <p:childTnLst>
-                        <p:par>
-                          <p:cTn id="29" fill="hold">
-                            <p:stCondLst>
-                              <p:cond delay="0"/>
-                            </p:stCondLst>
-                            <p:childTnLst>
-                              <p:par>
-                                <p:cTn id="30" presetID="9" presetClass="entr" presetSubtype="0" fill="hold" nodeType="clickEffect">
-                                  <p:stCondLst>
-                                    <p:cond delay="0"/>
-                                  </p:stCondLst>
-                                  <p:childTnLst>
-                                    <p:set>
-                                      <p:cBhvr>
-                                        <p:cTn id="31" dur="1" fill="hold">
-                                          <p:stCondLst>
-                                            <p:cond delay="0"/>
-                                          </p:stCondLst>
-                                        </p:cTn>
-                                        <p:tgtEl>
-                                          <p:spTgt spid="3">
-                                            <p:txEl>
-                                              <p:pRg st="5" end="5"/>
-                                            </p:txEl>
-                                          </p:spTgt>
-                                        </p:tgtEl>
-                                        <p:attrNameLst>
-                                          <p:attrName>style.visibility</p:attrName>
-                                        </p:attrNameLst>
-                                      </p:cBhvr>
-                                      <p:to>
-                                        <p:strVal val="visible"/>
-                                      </p:to>
-                                    </p:set>
-                                    <p:animEffect transition="in" filter="dissolve">
-                                      <p:cBhvr>
-                                        <p:cTn id="32" dur="500"/>
-                                        <p:tgtEl>
-                                          <p:spTgt spid="3">
-                                            <p:txEl>
-                                              <p:pRg st="5" end="5"/>
-                                            </p:txEl>
-                                          </p:spTgt>
-                                        </p:tgtEl>
-                                      </p:cBhvr>
-                                    </p:animEffect>
-                                  </p:childTnLst>
-                                </p:cTn>
-                              </p:par>
-                            </p:childTnLst>
-                          </p:cTn>
-                        </p:par>
-                      </p:childTnLst>
-                    </p:cTn>
-                  </p:par>
-                  <p:par>
-                    <p:cTn id="33" fill="hold">
-                      <p:stCondLst>
-                        <p:cond delay="indefinite"/>
-                      </p:stCondLst>
-                      <p:childTnLst>
-                        <p:par>
-                          <p:cTn id="34" fill="hold">
-                            <p:stCondLst>
-                              <p:cond delay="0"/>
-                            </p:stCondLst>
-                            <p:childTnLst>
-                              <p:par>
-                                <p:cTn id="35" presetID="9" presetClass="entr" presetSubtype="0" fill="hold" nodeType="clickEffect">
-                                  <p:stCondLst>
-                                    <p:cond delay="0"/>
-                                  </p:stCondLst>
-                                  <p:childTnLst>
-                                    <p:set>
-                                      <p:cBhvr>
-                                        <p:cTn id="36" dur="1" fill="hold">
-                                          <p:stCondLst>
-                                            <p:cond delay="0"/>
-                                          </p:stCondLst>
-                                        </p:cTn>
-                                        <p:tgtEl>
-                                          <p:spTgt spid="3">
-                                            <p:txEl>
-                                              <p:pRg st="6" end="6"/>
-                                            </p:txEl>
-                                          </p:spTgt>
-                                        </p:tgtEl>
-                                        <p:attrNameLst>
-                                          <p:attrName>style.visibility</p:attrName>
-                                        </p:attrNameLst>
-                                      </p:cBhvr>
-                                      <p:to>
-                                        <p:strVal val="visible"/>
-                                      </p:to>
-                                    </p:set>
-                                    <p:animEffect transition="in" filter="dissolve">
-                                      <p:cBhvr>
-                                        <p:cTn id="37" dur="500"/>
-                                        <p:tgtEl>
-                                          <p:spTgt spid="3">
-                                            <p:txEl>
-                                              <p:pRg st="6" end="6"/>
-                                            </p:txEl>
-                                          </p:spTgt>
-                                        </p:tgtEl>
-                                      </p:cBhvr>
-                                    </p:animEffect>
-                                  </p:childTnLst>
-                                </p:cTn>
-                              </p:par>
-                            </p:childTnLst>
-                          </p:cTn>
-                        </p:par>
-                      </p:childTnLst>
-                    </p:cTn>
-                  </p:par>
-                  <p:par>
-                    <p:cTn id="38" fill="hold">
-                      <p:stCondLst>
-                        <p:cond delay="indefinite"/>
-                      </p:stCondLst>
-                      <p:childTnLst>
-                        <p:par>
-                          <p:cTn id="39" fill="hold">
-                            <p:stCondLst>
-                              <p:cond delay="0"/>
-                            </p:stCondLst>
-                            <p:childTnLst>
-                              <p:par>
-                                <p:cTn id="40" presetID="9" presetClass="entr" presetSubtype="0" fill="hold" nodeType="clickEffect">
-                                  <p:stCondLst>
-                                    <p:cond delay="0"/>
-                                  </p:stCondLst>
-                                  <p:childTnLst>
-                                    <p:set>
-                                      <p:cBhvr>
-                                        <p:cTn id="41" dur="1" fill="hold">
-                                          <p:stCondLst>
-                                            <p:cond delay="0"/>
-                                          </p:stCondLst>
-                                        </p:cTn>
-                                        <p:tgtEl>
-                                          <p:spTgt spid="3">
-                                            <p:txEl>
-                                              <p:pRg st="7" end="7"/>
-                                            </p:txEl>
-                                          </p:spTgt>
-                                        </p:tgtEl>
-                                        <p:attrNameLst>
-                                          <p:attrName>style.visibility</p:attrName>
-                                        </p:attrNameLst>
-                                      </p:cBhvr>
-                                      <p:to>
-                                        <p:strVal val="visible"/>
-                                      </p:to>
-                                    </p:set>
-                                    <p:animEffect transition="in" filter="dissolve">
-                                      <p:cBhvr>
-                                        <p:cTn id="42" dur="500"/>
-                                        <p:tgtEl>
-                                          <p:spTgt spid="3">
-                                            <p:txEl>
-                                              <p:pRg st="7" end="7"/>
-                                            </p:txEl>
-                                          </p:spTgt>
-                                        </p:tgtEl>
-                                      </p:cBhvr>
-                                    </p:animEffect>
-                                  </p:childTnLst>
-                                </p:cTn>
-                              </p:par>
-                            </p:childTnLst>
-                          </p:cTn>
-                        </p:par>
-                      </p:childTnLst>
-                    </p:cTn>
-                  </p:par>
-                </p:childTnLst>
-              </p:cTn>
-              <p:prevCondLst>
-                <p:cond evt="onPrev" delay="0">
-                  <p:tgtEl>
-                    <p:sldTgt/>
-                  </p:tgtEl>
-                </p:cond>
-              </p:prevCondLst>
-              <p:nextCondLst>
-                <p:cond evt="onNext" delay="0">
-                  <p:tgtEl>
-                    <p:sldTgt/>
-                  </p:tgtEl>
-                </p:cond>
-              </p:nextCondLst>
-            </p:seq>
-          </p:childTnLst>
-        </p:cTn>
-      </p:par>
-    </p:tnLst>
-  </p:timing>
-</p:sld>
-</file>
-
-<file path=ppt/slides/slide30.xml><?xml version="1.0" encoding="utf-8"?>
+<file path=ppt/slides/slide34.xml><?xml version="1.0" encoding="utf-8"?>
 <p:sld xmlns:a="http://schemas.openxmlformats.org/drawingml/2006/main" xmlns:r="http://schemas.openxmlformats.org/officeDocument/2006/relationships" xmlns:p="http://schemas.openxmlformats.org/presentationml/2006/main">
   <p:cSld>
     <p:spTree>
@@ -18638,13 +22778,13 @@
   <p:clrMapOvr>
     <a:masterClrMapping/>
   </p:clrMapOvr>
-  <mc:AlternateContent xmlns:mc="http://schemas.openxmlformats.org/markup-compatibility/2006">
-    <mc:Choice xmlns:p14="http://schemas.microsoft.com/office/powerpoint/2010/main" Requires="p14">
+  <mc:AlternateContent xmlns:mc="http://schemas.openxmlformats.org/markup-compatibility/2006" xmlns:p14="http://schemas.microsoft.com/office/powerpoint/2010/main">
+    <mc:Choice Requires="p14">
       <p:transition spd="med" p14:dur="700">
         <p:fade/>
       </p:transition>
     </mc:Choice>
-    <mc:Fallback>
+    <mc:Fallback xmlns="">
       <p:transition spd="med">
         <p:fade/>
       </p:transition>
@@ -18797,7 +22937,7 @@
 </p:sld>
 </file>
 
-<file path=ppt/slides/slide31.xml><?xml version="1.0" encoding="utf-8"?>
+<file path=ppt/slides/slide35.xml><?xml version="1.0" encoding="utf-8"?>
 <p:sld xmlns:a="http://schemas.openxmlformats.org/drawingml/2006/main" xmlns:r="http://schemas.openxmlformats.org/officeDocument/2006/relationships" xmlns:p="http://schemas.openxmlformats.org/presentationml/2006/main">
   <p:cSld>
     <p:spTree>
@@ -19006,13 +23146,13 @@
   <p:clrMapOvr>
     <a:masterClrMapping/>
   </p:clrMapOvr>
-  <mc:AlternateContent xmlns:mc="http://schemas.openxmlformats.org/markup-compatibility/2006">
-    <mc:Choice xmlns:p14="http://schemas.microsoft.com/office/powerpoint/2010/main" Requires="p14">
+  <mc:AlternateContent xmlns:mc="http://schemas.openxmlformats.org/markup-compatibility/2006" xmlns:p14="http://schemas.microsoft.com/office/powerpoint/2010/main">
+    <mc:Choice Requires="p14">
       <p:transition spd="med" p14:dur="700">
         <p:fade/>
       </p:transition>
     </mc:Choice>
-    <mc:Fallback>
+    <mc:Fallback xmlns="">
       <p:transition spd="med">
         <p:fade/>
       </p:transition>
@@ -19165,7 +23305,7 @@
 </p:sld>
 </file>
 
-<file path=ppt/slides/slide32.xml><?xml version="1.0" encoding="utf-8"?>
+<file path=ppt/slides/slide36.xml><?xml version="1.0" encoding="utf-8"?>
 <p:sld xmlns:a="http://schemas.openxmlformats.org/drawingml/2006/main" xmlns:r="http://schemas.openxmlformats.org/officeDocument/2006/relationships" xmlns:p="http://schemas.openxmlformats.org/presentationml/2006/main">
   <p:cSld>
     <p:spTree>
@@ -19538,13 +23678,13 @@
   <p:clrMapOvr>
     <a:masterClrMapping/>
   </p:clrMapOvr>
-  <mc:AlternateContent xmlns:mc="http://schemas.openxmlformats.org/markup-compatibility/2006">
-    <mc:Choice xmlns:p14="http://schemas.microsoft.com/office/powerpoint/2010/main" Requires="p14">
+  <mc:AlternateContent xmlns:mc="http://schemas.openxmlformats.org/markup-compatibility/2006" xmlns:p14="http://schemas.microsoft.com/office/powerpoint/2010/main">
+    <mc:Choice Requires="p14">
       <p:transition spd="med" p14:dur="700">
         <p:fade/>
       </p:transition>
     </mc:Choice>
-    <mc:Fallback>
+    <mc:Fallback xmlns="">
       <p:transition spd="med">
         <p:fade/>
       </p:transition>
@@ -19950,7 +24090,7 @@
 </p:sld>
 </file>
 
-<file path=ppt/slides/slide33.xml><?xml version="1.0" encoding="utf-8"?>
+<file path=ppt/slides/slide37.xml><?xml version="1.0" encoding="utf-8"?>
 <p:sld xmlns:a="http://schemas.openxmlformats.org/drawingml/2006/main" xmlns:r="http://schemas.openxmlformats.org/officeDocument/2006/relationships" xmlns:p="http://schemas.openxmlformats.org/presentationml/2006/main">
   <p:cSld>
     <p:spTree>
@@ -20315,13 +24455,13 @@
   <p:clrMapOvr>
     <a:masterClrMapping/>
   </p:clrMapOvr>
-  <mc:AlternateContent xmlns:mc="http://schemas.openxmlformats.org/markup-compatibility/2006">
-    <mc:Choice xmlns:p14="http://schemas.microsoft.com/office/powerpoint/2010/main" Requires="p14">
+  <mc:AlternateContent xmlns:mc="http://schemas.openxmlformats.org/markup-compatibility/2006" xmlns:p14="http://schemas.microsoft.com/office/powerpoint/2010/main">
+    <mc:Choice Requires="p14">
       <p:transition spd="med" p14:dur="700">
         <p:fade/>
       </p:transition>
     </mc:Choice>
-    <mc:Fallback>
+    <mc:Fallback xmlns="">
       <p:transition spd="med">
         <p:fade/>
       </p:transition>
@@ -20604,7 +24744,7 @@
 </p:sld>
 </file>
 
-<file path=ppt/slides/slide34.xml><?xml version="1.0" encoding="utf-8"?>
+<file path=ppt/slides/slide38.xml><?xml version="1.0" encoding="utf-8"?>
 <p:sld xmlns:a="http://schemas.openxmlformats.org/drawingml/2006/main" xmlns:r="http://schemas.openxmlformats.org/officeDocument/2006/relationships" xmlns:p="http://schemas.openxmlformats.org/presentationml/2006/main">
   <p:cSld>
     <p:spTree>
@@ -20815,13 +24955,13 @@
   <p:clrMapOvr>
     <a:masterClrMapping/>
   </p:clrMapOvr>
-  <mc:AlternateContent xmlns:mc="http://schemas.openxmlformats.org/markup-compatibility/2006">
-    <mc:Choice xmlns:p14="http://schemas.microsoft.com/office/powerpoint/2010/main" Requires="p14">
+  <mc:AlternateContent xmlns:mc="http://schemas.openxmlformats.org/markup-compatibility/2006" xmlns:p14="http://schemas.microsoft.com/office/powerpoint/2010/main">
+    <mc:Choice Requires="p14">
       <p:transition spd="med" p14:dur="700">
         <p:fade/>
       </p:transition>
     </mc:Choice>
-    <mc:Fallback>
+    <mc:Fallback xmlns="">
       <p:transition spd="med">
         <p:fade/>
       </p:transition>
@@ -20974,7 +25114,7 @@
 </p:sld>
 </file>
 
-<file path=ppt/slides/slide35.xml><?xml version="1.0" encoding="utf-8"?>
+<file path=ppt/slides/slide39.xml><?xml version="1.0" encoding="utf-8"?>
 <p:sld xmlns:a="http://schemas.openxmlformats.org/drawingml/2006/main" xmlns:r="http://schemas.openxmlformats.org/officeDocument/2006/relationships" xmlns:p="http://schemas.openxmlformats.org/presentationml/2006/main">
   <p:cSld>
     <p:spTree>
@@ -21237,13 +25377,13 @@
   <p:clrMapOvr>
     <a:masterClrMapping/>
   </p:clrMapOvr>
-  <mc:AlternateContent xmlns:mc="http://schemas.openxmlformats.org/markup-compatibility/2006">
-    <mc:Choice xmlns:p14="http://schemas.microsoft.com/office/powerpoint/2010/main" Requires="p14">
+  <mc:AlternateContent xmlns:mc="http://schemas.openxmlformats.org/markup-compatibility/2006" xmlns:p14="http://schemas.microsoft.com/office/powerpoint/2010/main">
+    <mc:Choice Requires="p14">
       <p:transition spd="med" p14:dur="700">
         <p:fade/>
       </p:transition>
     </mc:Choice>
-    <mc:Fallback>
+    <mc:Fallback xmlns="">
       <p:transition spd="med">
         <p:fade/>
       </p:transition>
@@ -21510,7 +25650,727 @@
 </p:sld>
 </file>
 
-<file path=ppt/slides/slide36.xml><?xml version="1.0" encoding="utf-8"?>
+<file path=ppt/slides/slide4.xml><?xml version="1.0" encoding="utf-8"?>
+<p:sld xmlns:a="http://schemas.openxmlformats.org/drawingml/2006/main" xmlns:r="http://schemas.openxmlformats.org/officeDocument/2006/relationships" xmlns:p="http://schemas.openxmlformats.org/presentationml/2006/main">
+  <p:cSld>
+    <p:spTree>
+      <p:nvGrpSpPr>
+        <p:cNvPr id="1" name=""/>
+        <p:cNvGrpSpPr/>
+        <p:nvPr/>
+      </p:nvGrpSpPr>
+      <p:grpSpPr>
+        <a:xfrm>
+          <a:off x="0" y="0"/>
+          <a:ext cx="0" cy="0"/>
+          <a:chOff x="0" y="0"/>
+          <a:chExt cx="0" cy="0"/>
+        </a:xfrm>
+      </p:grpSpPr>
+      <p:sp>
+        <p:nvSpPr>
+          <p:cNvPr id="2" name="Title 1">
+            <a:extLst>
+              <a:ext uri="{FF2B5EF4-FFF2-40B4-BE49-F238E27FC236}">
+                <a16:creationId xmlns:a16="http://schemas.microsoft.com/office/drawing/2014/main" id="{EFCF6195-BA74-A24F-8554-E61F63B1EE27}"/>
+              </a:ext>
+            </a:extLst>
+          </p:cNvPr>
+          <p:cNvSpPr>
+            <a:spLocks noGrp="1"/>
+          </p:cNvSpPr>
+          <p:nvPr>
+            <p:ph type="title"/>
+          </p:nvPr>
+        </p:nvSpPr>
+        <p:spPr/>
+        <p:txBody>
+          <a:bodyPr/>
+          <a:lstStyle/>
+          <a:p>
+            <a:r>
+              <a:rPr lang="en-CN" dirty="0">
+                <a:latin typeface="Times New Roman" panose="02020603050405020304" pitchFamily="18" charset="0"/>
+                <a:cs typeface="Times New Roman" panose="02020603050405020304" pitchFamily="18" charset="0"/>
+              </a:rPr>
+              <a:t>获奖分析</a:t>
+            </a:r>
+          </a:p>
+        </p:txBody>
+      </p:sp>
+      <p:sp>
+        <p:nvSpPr>
+          <p:cNvPr id="4" name="Text Placeholder 3">
+            <a:extLst>
+              <a:ext uri="{FF2B5EF4-FFF2-40B4-BE49-F238E27FC236}">
+                <a16:creationId xmlns:a16="http://schemas.microsoft.com/office/drawing/2014/main" id="{A622AB43-1245-DE46-966C-ADE97B3C4CC4}"/>
+              </a:ext>
+            </a:extLst>
+          </p:cNvPr>
+          <p:cNvSpPr>
+            <a:spLocks noGrp="1"/>
+          </p:cNvSpPr>
+          <p:nvPr>
+            <p:ph idx="1"/>
+          </p:nvPr>
+        </p:nvSpPr>
+        <p:spPr/>
+        <p:txBody>
+          <a:bodyPr/>
+          <a:lstStyle/>
+          <a:p>
+            <a:r>
+              <a:rPr lang="en-CN" dirty="0">
+                <a:latin typeface="Times New Roman" panose="02020603050405020304" pitchFamily="18" charset="0"/>
+                <a:ea typeface="Songti TC" panose="02010600040101010101" pitchFamily="2" charset="-120"/>
+                <a:cs typeface="Times New Roman" panose="02020603050405020304" pitchFamily="18" charset="0"/>
+              </a:rPr>
+              <a:t>奖项分布相对均匀</a:t>
+            </a:r>
+          </a:p>
+          <a:p>
+            <a:r>
+              <a:rPr lang="en-CN" dirty="0">
+                <a:latin typeface="Times New Roman" panose="02020603050405020304" pitchFamily="18" charset="0"/>
+                <a:ea typeface="Songti TC" panose="02010600040101010101" pitchFamily="2" charset="-120"/>
+                <a:cs typeface="Times New Roman" panose="02020603050405020304" pitchFamily="18" charset="0"/>
+              </a:rPr>
+              <a:t>我校9810</a:t>
+            </a:r>
+            <a:r>
+              <a:rPr lang="en-US" dirty="0">
+                <a:latin typeface="Times New Roman" panose="02020603050405020304" pitchFamily="18" charset="0"/>
+                <a:ea typeface="Songti TC" panose="02010600040101010101" pitchFamily="2" charset="-120"/>
+                <a:cs typeface="Times New Roman" panose="02020603050405020304" pitchFamily="18" charset="0"/>
+              </a:rPr>
+              <a:t>, 10005, 10007, 10008</a:t>
+            </a:r>
+            <a:r>
+              <a:rPr lang="zh-CN" altLang="en-US" dirty="0">
+                <a:latin typeface="Times New Roman" panose="02020603050405020304" pitchFamily="18" charset="0"/>
+                <a:ea typeface="Songti TC" panose="02010600040101010101" pitchFamily="2" charset="-120"/>
+                <a:cs typeface="Times New Roman" panose="02020603050405020304" pitchFamily="18" charset="0"/>
+              </a:rPr>
+              <a:t>获得</a:t>
+            </a:r>
+            <a:r>
+              <a:rPr lang="en-US" altLang="zh-CN" dirty="0">
+                <a:latin typeface="Times New Roman" panose="02020603050405020304" pitchFamily="18" charset="0"/>
+                <a:ea typeface="Songti TC" panose="02010600040101010101" pitchFamily="2" charset="-120"/>
+                <a:cs typeface="Times New Roman" panose="02020603050405020304" pitchFamily="18" charset="0"/>
+              </a:rPr>
+              <a:t>Meritorious</a:t>
+            </a:r>
+            <a:r>
+              <a:rPr lang="zh-CN" altLang="en-US" dirty="0">
+                <a:latin typeface="Times New Roman" panose="02020603050405020304" pitchFamily="18" charset="0"/>
+                <a:ea typeface="Songti TC" panose="02010600040101010101" pitchFamily="2" charset="-120"/>
+                <a:cs typeface="Times New Roman" panose="02020603050405020304" pitchFamily="18" charset="0"/>
+              </a:rPr>
+              <a:t>奖项，</a:t>
+            </a:r>
+            <a:r>
+              <a:rPr lang="en-US" altLang="zh-CN" dirty="0">
+                <a:latin typeface="Times New Roman" panose="02020603050405020304" pitchFamily="18" charset="0"/>
+                <a:ea typeface="Songti TC" panose="02010600040101010101" pitchFamily="2" charset="-120"/>
+                <a:cs typeface="Times New Roman" panose="02020603050405020304" pitchFamily="18" charset="0"/>
+              </a:rPr>
+              <a:t>9811, 10006, 10009, 10010</a:t>
+            </a:r>
+            <a:r>
+              <a:rPr lang="zh-CN" altLang="en-US" dirty="0">
+                <a:latin typeface="Times New Roman" panose="02020603050405020304" pitchFamily="18" charset="0"/>
+                <a:ea typeface="Songti TC" panose="02010600040101010101" pitchFamily="2" charset="-120"/>
+                <a:cs typeface="Times New Roman" panose="02020603050405020304" pitchFamily="18" charset="0"/>
+              </a:rPr>
+              <a:t>获得</a:t>
+            </a:r>
+            <a:r>
+              <a:rPr lang="en-US" altLang="zh-CN" dirty="0">
+                <a:latin typeface="Times New Roman" panose="02020603050405020304" pitchFamily="18" charset="0"/>
+                <a:ea typeface="Songti TC" panose="02010600040101010101" pitchFamily="2" charset="-120"/>
+                <a:cs typeface="Times New Roman" panose="02020603050405020304" pitchFamily="18" charset="0"/>
+              </a:rPr>
+              <a:t>Honorable Mention</a:t>
+            </a:r>
+            <a:r>
+              <a:rPr lang="zh-CN" altLang="en-US" dirty="0">
+                <a:latin typeface="Times New Roman" panose="02020603050405020304" pitchFamily="18" charset="0"/>
+                <a:ea typeface="Songti TC" panose="02010600040101010101" pitchFamily="2" charset="-120"/>
+                <a:cs typeface="Times New Roman" panose="02020603050405020304" pitchFamily="18" charset="0"/>
+              </a:rPr>
+              <a:t>奖项，</a:t>
+            </a:r>
+            <a:r>
+              <a:rPr lang="en-US" altLang="zh-CN" dirty="0">
+                <a:latin typeface="Times New Roman" panose="02020603050405020304" pitchFamily="18" charset="0"/>
+                <a:ea typeface="Songti TC" panose="02010600040101010101" pitchFamily="2" charset="-120"/>
+                <a:cs typeface="Times New Roman" panose="02020603050405020304" pitchFamily="18" charset="0"/>
+              </a:rPr>
+              <a:t>9812, 10004</a:t>
+            </a:r>
+            <a:r>
+              <a:rPr lang="zh-CN" altLang="en-US" dirty="0">
+                <a:latin typeface="Times New Roman" panose="02020603050405020304" pitchFamily="18" charset="0"/>
+                <a:ea typeface="Songti TC" panose="02010600040101010101" pitchFamily="2" charset="-120"/>
+                <a:cs typeface="Times New Roman" panose="02020603050405020304" pitchFamily="18" charset="0"/>
+              </a:rPr>
+              <a:t>获得</a:t>
+            </a:r>
+            <a:r>
+              <a:rPr lang="en-US" altLang="zh-CN" dirty="0">
+                <a:latin typeface="Times New Roman" panose="02020603050405020304" pitchFamily="18" charset="0"/>
+                <a:ea typeface="Songti TC" panose="02010600040101010101" pitchFamily="2" charset="-120"/>
+                <a:cs typeface="Times New Roman" panose="02020603050405020304" pitchFamily="18" charset="0"/>
+              </a:rPr>
+              <a:t>Successful Participant</a:t>
+            </a:r>
+            <a:r>
+              <a:rPr lang="zh-CN" altLang="en-US" dirty="0">
+                <a:latin typeface="Times New Roman" panose="02020603050405020304" pitchFamily="18" charset="0"/>
+                <a:ea typeface="Songti TC" panose="02010600040101010101" pitchFamily="2" charset="-120"/>
+                <a:cs typeface="Times New Roman" panose="02020603050405020304" pitchFamily="18" charset="0"/>
+              </a:rPr>
+              <a:t>奖项，符合我校奖项分布规律</a:t>
+            </a:r>
+            <a:endParaRPr lang="en-US" altLang="zh-CN" dirty="0">
+              <a:latin typeface="Times New Roman" panose="02020603050405020304" pitchFamily="18" charset="0"/>
+              <a:ea typeface="Songti TC" panose="02010600040101010101" pitchFamily="2" charset="-120"/>
+              <a:cs typeface="Times New Roman" panose="02020603050405020304" pitchFamily="18" charset="0"/>
+            </a:endParaRPr>
+          </a:p>
+          <a:p>
+            <a:r>
+              <a:rPr lang="en-CN" dirty="0">
+                <a:latin typeface="Times New Roman" panose="02020603050405020304" pitchFamily="18" charset="0"/>
+                <a:ea typeface="Songti TC" panose="02010600040101010101" pitchFamily="2" charset="-120"/>
+                <a:cs typeface="Times New Roman" panose="02020603050405020304" pitchFamily="18" charset="0"/>
+              </a:rPr>
+              <a:t>Outstanding奖项的</a:t>
+            </a:r>
+            <a:r>
+              <a:rPr lang="en-US" altLang="zh-CN" dirty="0">
+                <a:latin typeface="Times New Roman" panose="02020603050405020304" pitchFamily="18" charset="0"/>
+                <a:ea typeface="Songti TC" panose="02010600040101010101" pitchFamily="2" charset="-120"/>
+                <a:cs typeface="Times New Roman" panose="02020603050405020304" pitchFamily="18" charset="0"/>
+              </a:rPr>
+              <a:t>9</a:t>
+            </a:r>
+            <a:r>
+              <a:rPr lang="zh-CN" altLang="en-US" dirty="0">
+                <a:latin typeface="Times New Roman" panose="02020603050405020304" pitchFamily="18" charset="0"/>
+                <a:ea typeface="Songti TC" panose="02010600040101010101" pitchFamily="2" charset="-120"/>
+                <a:cs typeface="Times New Roman" panose="02020603050405020304" pitchFamily="18" charset="0"/>
+              </a:rPr>
+              <a:t>支队伍中有</a:t>
+            </a:r>
+            <a:r>
+              <a:rPr lang="en-US" altLang="zh-CN" dirty="0">
+                <a:latin typeface="Times New Roman" panose="02020603050405020304" pitchFamily="18" charset="0"/>
+                <a:ea typeface="Songti TC" panose="02010600040101010101" pitchFamily="2" charset="-120"/>
+                <a:cs typeface="Times New Roman" panose="02020603050405020304" pitchFamily="18" charset="0"/>
+              </a:rPr>
+              <a:t>5</a:t>
+            </a:r>
+            <a:r>
+              <a:rPr lang="zh-CN" altLang="en-US" dirty="0">
+                <a:latin typeface="Times New Roman" panose="02020603050405020304" pitchFamily="18" charset="0"/>
+                <a:ea typeface="Songti TC" panose="02010600040101010101" pitchFamily="2" charset="-120"/>
+                <a:cs typeface="Times New Roman" panose="02020603050405020304" pitchFamily="18" charset="0"/>
+              </a:rPr>
+              <a:t>支来自中国（</a:t>
+            </a:r>
+            <a:r>
+              <a:rPr lang="en-US" altLang="zh-CN" dirty="0">
+                <a:latin typeface="Times New Roman" panose="02020603050405020304" pitchFamily="18" charset="0"/>
+                <a:ea typeface="Songti TC" panose="02010600040101010101" pitchFamily="2" charset="-120"/>
+                <a:cs typeface="Times New Roman" panose="02020603050405020304" pitchFamily="18" charset="0"/>
+              </a:rPr>
+              <a:t>9548</a:t>
+            </a:r>
+            <a:r>
+              <a:rPr lang="zh-CN" altLang="en-US" dirty="0">
+                <a:latin typeface="Times New Roman" panose="02020603050405020304" pitchFamily="18" charset="0"/>
+                <a:ea typeface="Songti TC" panose="02010600040101010101" pitchFamily="2" charset="-120"/>
+                <a:cs typeface="Times New Roman" panose="02020603050405020304" pitchFamily="18" charset="0"/>
+              </a:rPr>
+              <a:t> 华二，</a:t>
+            </a:r>
+            <a:r>
+              <a:rPr lang="en-US" altLang="zh-CN" dirty="0">
+                <a:latin typeface="Times New Roman" panose="02020603050405020304" pitchFamily="18" charset="0"/>
+                <a:ea typeface="Songti TC" panose="02010600040101010101" pitchFamily="2" charset="-120"/>
+                <a:cs typeface="Times New Roman" panose="02020603050405020304" pitchFamily="18" charset="0"/>
+              </a:rPr>
+              <a:t>9824</a:t>
+            </a:r>
+            <a:r>
+              <a:rPr lang="zh-CN" altLang="en-US" dirty="0">
+                <a:latin typeface="Times New Roman" panose="02020603050405020304" pitchFamily="18" charset="0"/>
+                <a:ea typeface="Songti TC" panose="02010600040101010101" pitchFamily="2" charset="-120"/>
+                <a:cs typeface="Times New Roman" panose="02020603050405020304" pitchFamily="18" charset="0"/>
+              </a:rPr>
+              <a:t>浙江杭州外国语，</a:t>
+            </a:r>
+            <a:r>
+              <a:rPr lang="en-US" altLang="zh-CN" dirty="0">
+                <a:latin typeface="Times New Roman" panose="02020603050405020304" pitchFamily="18" charset="0"/>
+                <a:ea typeface="Songti TC" panose="02010600040101010101" pitchFamily="2" charset="-120"/>
+                <a:cs typeface="Times New Roman" panose="02020603050405020304" pitchFamily="18" charset="0"/>
+              </a:rPr>
+              <a:t>9844</a:t>
+            </a:r>
+            <a:r>
+              <a:rPr lang="zh-CN" altLang="en-US" dirty="0">
+                <a:latin typeface="Times New Roman" panose="02020603050405020304" pitchFamily="18" charset="0"/>
+                <a:ea typeface="Songti TC" panose="02010600040101010101" pitchFamily="2" charset="-120"/>
+                <a:cs typeface="Times New Roman" panose="02020603050405020304" pitchFamily="18" charset="0"/>
+              </a:rPr>
+              <a:t>，</a:t>
+            </a:r>
+            <a:r>
+              <a:rPr lang="en-US" altLang="zh-CN" dirty="0">
+                <a:latin typeface="Times New Roman" panose="02020603050405020304" pitchFamily="18" charset="0"/>
+                <a:ea typeface="Songti TC" panose="02010600040101010101" pitchFamily="2" charset="-120"/>
+                <a:cs typeface="Times New Roman" panose="02020603050405020304" pitchFamily="18" charset="0"/>
+              </a:rPr>
+              <a:t>9869</a:t>
+            </a:r>
+            <a:r>
+              <a:rPr lang="zh-CN" altLang="en-US" dirty="0">
+                <a:latin typeface="Times New Roman" panose="02020603050405020304" pitchFamily="18" charset="0"/>
+                <a:ea typeface="Songti TC" panose="02010600040101010101" pitchFamily="2" charset="-120"/>
+                <a:cs typeface="Times New Roman" panose="02020603050405020304" pitchFamily="18" charset="0"/>
+              </a:rPr>
+              <a:t>七宝，</a:t>
+            </a:r>
+            <a:r>
+              <a:rPr lang="en-US" altLang="zh-CN" dirty="0">
+                <a:latin typeface="Times New Roman" panose="02020603050405020304" pitchFamily="18" charset="0"/>
+                <a:ea typeface="Songti TC" panose="02010600040101010101" pitchFamily="2" charset="-120"/>
+                <a:cs typeface="Times New Roman" panose="02020603050405020304" pitchFamily="18" charset="0"/>
+              </a:rPr>
+              <a:t>10057</a:t>
+            </a:r>
+            <a:r>
+              <a:rPr lang="zh-CN" altLang="en-US" dirty="0">
+                <a:latin typeface="Times New Roman" panose="02020603050405020304" pitchFamily="18" charset="0"/>
+                <a:ea typeface="Songti TC" panose="02010600040101010101" pitchFamily="2" charset="-120"/>
+                <a:cs typeface="Times New Roman" panose="02020603050405020304" pitchFamily="18" charset="0"/>
+              </a:rPr>
+              <a:t>上中国际），与</a:t>
+            </a:r>
+            <a:r>
+              <a:rPr lang="en-US" altLang="zh-CN" dirty="0" err="1">
+                <a:latin typeface="Times New Roman" panose="02020603050405020304" pitchFamily="18" charset="0"/>
+                <a:ea typeface="Songti TC" panose="02010600040101010101" pitchFamily="2" charset="-120"/>
+                <a:cs typeface="Times New Roman" panose="02020603050405020304" pitchFamily="18" charset="0"/>
+              </a:rPr>
+              <a:t>HiMCM</a:t>
+            </a:r>
+            <a:r>
+              <a:rPr lang="zh-CN" altLang="en-US" dirty="0">
+                <a:latin typeface="Times New Roman" panose="02020603050405020304" pitchFamily="18" charset="0"/>
+                <a:ea typeface="Songti TC" panose="02010600040101010101" pitchFamily="2" charset="-120"/>
+                <a:cs typeface="Times New Roman" panose="02020603050405020304" pitchFamily="18" charset="0"/>
+              </a:rPr>
+              <a:t>奖项分布比较符合</a:t>
+            </a:r>
+            <a:endParaRPr lang="en-CN" dirty="0">
+              <a:latin typeface="Times New Roman" panose="02020603050405020304" pitchFamily="18" charset="0"/>
+              <a:ea typeface="Songti TC" panose="02010600040101010101" pitchFamily="2" charset="-120"/>
+              <a:cs typeface="Times New Roman" panose="02020603050405020304" pitchFamily="18" charset="0"/>
+            </a:endParaRPr>
+          </a:p>
+          <a:p>
+            <a:endParaRPr lang="en-CN" dirty="0">
+              <a:latin typeface="Times New Roman" panose="02020603050405020304" pitchFamily="18" charset="0"/>
+              <a:ea typeface="Songti TC" panose="02010600040101010101" pitchFamily="2" charset="-120"/>
+              <a:cs typeface="Times New Roman" panose="02020603050405020304" pitchFamily="18" charset="0"/>
+            </a:endParaRPr>
+          </a:p>
+        </p:txBody>
+      </p:sp>
+      <p:pic>
+        <p:nvPicPr>
+          <p:cNvPr id="8" name="Picture 7" descr="Table&#10;&#10;Description automatically generated">
+            <a:extLst>
+              <a:ext uri="{FF2B5EF4-FFF2-40B4-BE49-F238E27FC236}">
+                <a16:creationId xmlns:a16="http://schemas.microsoft.com/office/drawing/2014/main" id="{2E8525A2-40A1-FE4E-AE96-091A0F47FD20}"/>
+              </a:ext>
+            </a:extLst>
+          </p:cNvPr>
+          <p:cNvPicPr>
+            <a:picLocks noChangeAspect="1"/>
+          </p:cNvPicPr>
+          <p:nvPr/>
+        </p:nvPicPr>
+        <p:blipFill>
+          <a:blip r:embed="rId2"/>
+          <a:stretch>
+            <a:fillRect/>
+          </a:stretch>
+        </p:blipFill>
+        <p:spPr>
+          <a:xfrm>
+            <a:off x="0" y="4983495"/>
+            <a:ext cx="12192000" cy="1509380"/>
+          </a:xfrm>
+          <a:prstGeom prst="rect">
+            <a:avLst/>
+          </a:prstGeom>
+        </p:spPr>
+      </p:pic>
+      <p:pic>
+        <p:nvPicPr>
+          <p:cNvPr id="9" name="Picture 8" descr="Qr code&#10;&#10;Description automatically generated">
+            <a:extLst>
+              <a:ext uri="{FF2B5EF4-FFF2-40B4-BE49-F238E27FC236}">
+                <a16:creationId xmlns:a16="http://schemas.microsoft.com/office/drawing/2014/main" id="{14707B19-1DA4-C247-B9E1-DCAA800FAB0F}"/>
+              </a:ext>
+            </a:extLst>
+          </p:cNvPr>
+          <p:cNvPicPr>
+            <a:picLocks noChangeAspect="1"/>
+          </p:cNvPicPr>
+          <p:nvPr/>
+        </p:nvPicPr>
+        <p:blipFill rotWithShape="1">
+          <a:blip r:embed="rId3"/>
+          <a:srcRect l="9806" t="22114" r="9880" b="18699"/>
+          <a:stretch/>
+        </p:blipFill>
+        <p:spPr>
+          <a:xfrm>
+            <a:off x="8976732" y="155441"/>
+            <a:ext cx="1217865" cy="1227985"/>
+          </a:xfrm>
+          <a:prstGeom prst="rect">
+            <a:avLst/>
+          </a:prstGeom>
+        </p:spPr>
+      </p:pic>
+      <p:pic>
+        <p:nvPicPr>
+          <p:cNvPr id="10" name="Picture 9" descr="Logo&#10;&#10;Description automatically generated">
+            <a:extLst>
+              <a:ext uri="{FF2B5EF4-FFF2-40B4-BE49-F238E27FC236}">
+                <a16:creationId xmlns:a16="http://schemas.microsoft.com/office/drawing/2014/main" id="{14D3948B-688F-CB4C-A227-8164835F8853}"/>
+              </a:ext>
+            </a:extLst>
+          </p:cNvPr>
+          <p:cNvPicPr>
+            <a:picLocks noChangeAspect="1"/>
+          </p:cNvPicPr>
+          <p:nvPr/>
+        </p:nvPicPr>
+        <p:blipFill rotWithShape="1">
+          <a:blip r:embed="rId4"/>
+          <a:srcRect l="10082" r="10082"/>
+          <a:stretch/>
+        </p:blipFill>
+        <p:spPr>
+          <a:xfrm>
+            <a:off x="10871914" y="155441"/>
+            <a:ext cx="1217865" cy="1217865"/>
+          </a:xfrm>
+          <a:prstGeom prst="rect">
+            <a:avLst/>
+          </a:prstGeom>
+        </p:spPr>
+      </p:pic>
+    </p:spTree>
+    <p:extLst>
+      <p:ext uri="{BB962C8B-B14F-4D97-AF65-F5344CB8AC3E}">
+        <p14:creationId xmlns:p14="http://schemas.microsoft.com/office/powerpoint/2010/main" val="3225765493"/>
+      </p:ext>
+    </p:extLst>
+  </p:cSld>
+  <p:clrMapOvr>
+    <a:masterClrMapping/>
+  </p:clrMapOvr>
+  <mc:AlternateContent xmlns:mc="http://schemas.openxmlformats.org/markup-compatibility/2006" xmlns:p14="http://schemas.microsoft.com/office/powerpoint/2010/main">
+    <mc:Choice Requires="p14">
+      <p:transition spd="med" p14:dur="700">
+        <p:fade/>
+      </p:transition>
+    </mc:Choice>
+    <mc:Fallback xmlns="">
+      <p:transition spd="med">
+        <p:fade/>
+      </p:transition>
+    </mc:Fallback>
+  </mc:AlternateContent>
+  <p:timing>
+    <p:tnLst>
+      <p:par>
+        <p:cTn id="1" dur="indefinite" restart="never" nodeType="tmRoot">
+          <p:childTnLst>
+            <p:seq concurrent="1" nextAc="seek">
+              <p:cTn id="2" dur="indefinite" nodeType="mainSeq">
+                <p:childTnLst>
+                  <p:par>
+                    <p:cTn id="3" fill="hold">
+                      <p:stCondLst>
+                        <p:cond delay="indefinite"/>
+                      </p:stCondLst>
+                      <p:childTnLst>
+                        <p:par>
+                          <p:cTn id="4" fill="hold">
+                            <p:stCondLst>
+                              <p:cond delay="0"/>
+                            </p:stCondLst>
+                            <p:childTnLst>
+                              <p:par>
+                                <p:cTn id="5" presetID="9" presetClass="entr" presetSubtype="0" fill="hold" nodeType="clickEffect">
+                                  <p:stCondLst>
+                                    <p:cond delay="0"/>
+                                  </p:stCondLst>
+                                  <p:childTnLst>
+                                    <p:set>
+                                      <p:cBhvr>
+                                        <p:cTn id="6" dur="1" fill="hold">
+                                          <p:stCondLst>
+                                            <p:cond delay="0"/>
+                                          </p:stCondLst>
+                                        </p:cTn>
+                                        <p:tgtEl>
+                                          <p:spTgt spid="8"/>
+                                        </p:tgtEl>
+                                        <p:attrNameLst>
+                                          <p:attrName>style.visibility</p:attrName>
+                                        </p:attrNameLst>
+                                      </p:cBhvr>
+                                      <p:to>
+                                        <p:strVal val="visible"/>
+                                      </p:to>
+                                    </p:set>
+                                    <p:animEffect transition="in" filter="dissolve">
+                                      <p:cBhvr>
+                                        <p:cTn id="7" dur="500"/>
+                                        <p:tgtEl>
+                                          <p:spTgt spid="8"/>
+                                        </p:tgtEl>
+                                      </p:cBhvr>
+                                    </p:animEffect>
+                                  </p:childTnLst>
+                                </p:cTn>
+                              </p:par>
+                            </p:childTnLst>
+                          </p:cTn>
+                        </p:par>
+                      </p:childTnLst>
+                    </p:cTn>
+                  </p:par>
+                  <p:par>
+                    <p:cTn id="8" fill="hold">
+                      <p:stCondLst>
+                        <p:cond delay="indefinite"/>
+                      </p:stCondLst>
+                      <p:childTnLst>
+                        <p:par>
+                          <p:cTn id="9" fill="hold">
+                            <p:stCondLst>
+                              <p:cond delay="0"/>
+                            </p:stCondLst>
+                            <p:childTnLst>
+                              <p:par>
+                                <p:cTn id="10" presetID="9" presetClass="entr" presetSubtype="0" fill="hold" nodeType="clickEffect">
+                                  <p:stCondLst>
+                                    <p:cond delay="0"/>
+                                  </p:stCondLst>
+                                  <p:childTnLst>
+                                    <p:set>
+                                      <p:cBhvr>
+                                        <p:cTn id="11" dur="1" fill="hold">
+                                          <p:stCondLst>
+                                            <p:cond delay="0"/>
+                                          </p:stCondLst>
+                                        </p:cTn>
+                                        <p:tgtEl>
+                                          <p:spTgt spid="4">
+                                            <p:txEl>
+                                              <p:pRg st="0" end="0"/>
+                                            </p:txEl>
+                                          </p:spTgt>
+                                        </p:tgtEl>
+                                        <p:attrNameLst>
+                                          <p:attrName>style.visibility</p:attrName>
+                                        </p:attrNameLst>
+                                      </p:cBhvr>
+                                      <p:to>
+                                        <p:strVal val="visible"/>
+                                      </p:to>
+                                    </p:set>
+                                    <p:animEffect transition="in" filter="dissolve">
+                                      <p:cBhvr>
+                                        <p:cTn id="12" dur="500"/>
+                                        <p:tgtEl>
+                                          <p:spTgt spid="4">
+                                            <p:txEl>
+                                              <p:pRg st="0" end="0"/>
+                                            </p:txEl>
+                                          </p:spTgt>
+                                        </p:tgtEl>
+                                      </p:cBhvr>
+                                    </p:animEffect>
+                                  </p:childTnLst>
+                                </p:cTn>
+                              </p:par>
+                            </p:childTnLst>
+                          </p:cTn>
+                        </p:par>
+                      </p:childTnLst>
+                    </p:cTn>
+                  </p:par>
+                  <p:par>
+                    <p:cTn id="13" fill="hold">
+                      <p:stCondLst>
+                        <p:cond delay="indefinite"/>
+                      </p:stCondLst>
+                      <p:childTnLst>
+                        <p:par>
+                          <p:cTn id="14" fill="hold">
+                            <p:stCondLst>
+                              <p:cond delay="0"/>
+                            </p:stCondLst>
+                            <p:childTnLst>
+                              <p:par>
+                                <p:cTn id="15" presetID="9" presetClass="entr" presetSubtype="0" fill="hold" nodeType="clickEffect">
+                                  <p:stCondLst>
+                                    <p:cond delay="0"/>
+                                  </p:stCondLst>
+                                  <p:childTnLst>
+                                    <p:set>
+                                      <p:cBhvr>
+                                        <p:cTn id="16" dur="1" fill="hold">
+                                          <p:stCondLst>
+                                            <p:cond delay="0"/>
+                                          </p:stCondLst>
+                                        </p:cTn>
+                                        <p:tgtEl>
+                                          <p:spTgt spid="4">
+                                            <p:txEl>
+                                              <p:pRg st="1" end="1"/>
+                                            </p:txEl>
+                                          </p:spTgt>
+                                        </p:tgtEl>
+                                        <p:attrNameLst>
+                                          <p:attrName>style.visibility</p:attrName>
+                                        </p:attrNameLst>
+                                      </p:cBhvr>
+                                      <p:to>
+                                        <p:strVal val="visible"/>
+                                      </p:to>
+                                    </p:set>
+                                    <p:animEffect transition="in" filter="dissolve">
+                                      <p:cBhvr>
+                                        <p:cTn id="17" dur="500"/>
+                                        <p:tgtEl>
+                                          <p:spTgt spid="4">
+                                            <p:txEl>
+                                              <p:pRg st="1" end="1"/>
+                                            </p:txEl>
+                                          </p:spTgt>
+                                        </p:tgtEl>
+                                      </p:cBhvr>
+                                    </p:animEffect>
+                                  </p:childTnLst>
+                                </p:cTn>
+                              </p:par>
+                            </p:childTnLst>
+                          </p:cTn>
+                        </p:par>
+                      </p:childTnLst>
+                    </p:cTn>
+                  </p:par>
+                  <p:par>
+                    <p:cTn id="18" fill="hold">
+                      <p:stCondLst>
+                        <p:cond delay="indefinite"/>
+                      </p:stCondLst>
+                      <p:childTnLst>
+                        <p:par>
+                          <p:cTn id="19" fill="hold">
+                            <p:stCondLst>
+                              <p:cond delay="0"/>
+                            </p:stCondLst>
+                            <p:childTnLst>
+                              <p:par>
+                                <p:cTn id="20" presetID="9" presetClass="entr" presetSubtype="0" fill="hold" nodeType="clickEffect">
+                                  <p:stCondLst>
+                                    <p:cond delay="0"/>
+                                  </p:stCondLst>
+                                  <p:childTnLst>
+                                    <p:set>
+                                      <p:cBhvr>
+                                        <p:cTn id="21" dur="1" fill="hold">
+                                          <p:stCondLst>
+                                            <p:cond delay="0"/>
+                                          </p:stCondLst>
+                                        </p:cTn>
+                                        <p:tgtEl>
+                                          <p:spTgt spid="4">
+                                            <p:txEl>
+                                              <p:pRg st="2" end="2"/>
+                                            </p:txEl>
+                                          </p:spTgt>
+                                        </p:tgtEl>
+                                        <p:attrNameLst>
+                                          <p:attrName>style.visibility</p:attrName>
+                                        </p:attrNameLst>
+                                      </p:cBhvr>
+                                      <p:to>
+                                        <p:strVal val="visible"/>
+                                      </p:to>
+                                    </p:set>
+                                    <p:animEffect transition="in" filter="dissolve">
+                                      <p:cBhvr>
+                                        <p:cTn id="22" dur="500"/>
+                                        <p:tgtEl>
+                                          <p:spTgt spid="4">
+                                            <p:txEl>
+                                              <p:pRg st="2" end="2"/>
+                                            </p:txEl>
+                                          </p:spTgt>
+                                        </p:tgtEl>
+                                      </p:cBhvr>
+                                    </p:animEffect>
+                                  </p:childTnLst>
+                                </p:cTn>
+                              </p:par>
+                            </p:childTnLst>
+                          </p:cTn>
+                        </p:par>
+                      </p:childTnLst>
+                    </p:cTn>
+                  </p:par>
+                </p:childTnLst>
+              </p:cTn>
+              <p:prevCondLst>
+                <p:cond evt="onPrev" delay="0">
+                  <p:tgtEl>
+                    <p:sldTgt/>
+                  </p:tgtEl>
+                </p:cond>
+              </p:prevCondLst>
+              <p:nextCondLst>
+                <p:cond evt="onNext" delay="0">
+                  <p:tgtEl>
+                    <p:sldTgt/>
+                  </p:tgtEl>
+                </p:cond>
+              </p:nextCondLst>
+            </p:seq>
+          </p:childTnLst>
+        </p:cTn>
+      </p:par>
+    </p:tnLst>
+  </p:timing>
+</p:sld>
+</file>
+
+<file path=ppt/slides/slide40.xml><?xml version="1.0" encoding="utf-8"?>
 <p:sld xmlns:a="http://schemas.openxmlformats.org/drawingml/2006/main" xmlns:r="http://schemas.openxmlformats.org/officeDocument/2006/relationships" xmlns:p="http://schemas.openxmlformats.org/presentationml/2006/main">
   <p:cSld>
     <p:spTree>
@@ -21698,13 +26558,13 @@
   <p:clrMapOvr>
     <a:masterClrMapping/>
   </p:clrMapOvr>
-  <mc:AlternateContent xmlns:mc="http://schemas.openxmlformats.org/markup-compatibility/2006">
-    <mc:Choice xmlns:p14="http://schemas.microsoft.com/office/powerpoint/2010/main" Requires="p14">
+  <mc:AlternateContent xmlns:mc="http://schemas.openxmlformats.org/markup-compatibility/2006" xmlns:p14="http://schemas.microsoft.com/office/powerpoint/2010/main">
+    <mc:Choice Requires="p14">
       <p:transition spd="med" p14:dur="700">
         <p:fade/>
       </p:transition>
     </mc:Choice>
-    <mc:Fallback>
+    <mc:Fallback xmlns="">
       <p:transition spd="med">
         <p:fade/>
       </p:transition>
@@ -21865,7 +26725,7 @@
 </p:sld>
 </file>
 
-<file path=ppt/slides/slide37.xml><?xml version="1.0" encoding="utf-8"?>
+<file path=ppt/slides/slide41.xml><?xml version="1.0" encoding="utf-8"?>
 <p:sld xmlns:a="http://schemas.openxmlformats.org/drawingml/2006/main" xmlns:r="http://schemas.openxmlformats.org/officeDocument/2006/relationships" xmlns:p="http://schemas.openxmlformats.org/presentationml/2006/main">
   <p:cSld>
     <p:spTree>
@@ -22146,13 +27006,13 @@
   <p:clrMapOvr>
     <a:masterClrMapping/>
   </p:clrMapOvr>
-  <mc:AlternateContent xmlns:mc="http://schemas.openxmlformats.org/markup-compatibility/2006">
-    <mc:Choice xmlns:p14="http://schemas.microsoft.com/office/powerpoint/2010/main" Requires="p14">
+  <mc:AlternateContent xmlns:mc="http://schemas.openxmlformats.org/markup-compatibility/2006" xmlns:p14="http://schemas.microsoft.com/office/powerpoint/2010/main">
+    <mc:Choice Requires="p14">
       <p:transition spd="med" p14:dur="700">
         <p:fade/>
       </p:transition>
     </mc:Choice>
-    <mc:Fallback>
+    <mc:Fallback xmlns="">
       <p:transition spd="med">
         <p:fade/>
       </p:transition>
@@ -22340,7 +27200,7 @@
 </p:sld>
 </file>
 
-<file path=ppt/slides/slide38.xml><?xml version="1.0" encoding="utf-8"?>
+<file path=ppt/slides/slide42.xml><?xml version="1.0" encoding="utf-8"?>
 <p:sld xmlns:a="http://schemas.openxmlformats.org/drawingml/2006/main" xmlns:r="http://schemas.openxmlformats.org/officeDocument/2006/relationships" xmlns:p="http://schemas.openxmlformats.org/presentationml/2006/main">
   <p:cSld>
     <p:spTree>
@@ -22716,13 +27576,13 @@
   <p:clrMapOvr>
     <a:masterClrMapping/>
   </p:clrMapOvr>
-  <mc:AlternateContent xmlns:mc="http://schemas.openxmlformats.org/markup-compatibility/2006">
-    <mc:Choice xmlns:p14="http://schemas.microsoft.com/office/powerpoint/2010/main" Requires="p14">
+  <mc:AlternateContent xmlns:mc="http://schemas.openxmlformats.org/markup-compatibility/2006" xmlns:p14="http://schemas.microsoft.com/office/powerpoint/2010/main">
+    <mc:Choice Requires="p14">
       <p:transition spd="med" p14:dur="700">
         <p:fade/>
       </p:transition>
     </mc:Choice>
-    <mc:Fallback>
+    <mc:Fallback xmlns="">
       <p:transition spd="med">
         <p:fade/>
       </p:transition>
@@ -23375,7 +28235,7 @@
 </p:sld>
 </file>
 
-<file path=ppt/slides/slide39.xml><?xml version="1.0" encoding="utf-8"?>
+<file path=ppt/slides/slide43.xml><?xml version="1.0" encoding="utf-8"?>
 <p:sld xmlns:a="http://schemas.openxmlformats.org/drawingml/2006/main" xmlns:r="http://schemas.openxmlformats.org/officeDocument/2006/relationships" xmlns:p="http://schemas.openxmlformats.org/presentationml/2006/main">
   <p:cSld>
     <p:spTree>
@@ -23617,13 +28477,13 @@
   <p:clrMapOvr>
     <a:masterClrMapping/>
   </p:clrMapOvr>
-  <mc:AlternateContent xmlns:mc="http://schemas.openxmlformats.org/markup-compatibility/2006">
-    <mc:Choice xmlns:p14="http://schemas.microsoft.com/office/powerpoint/2010/main" Requires="p14">
+  <mc:AlternateContent xmlns:mc="http://schemas.openxmlformats.org/markup-compatibility/2006" xmlns:p14="http://schemas.microsoft.com/office/powerpoint/2010/main">
+    <mc:Choice Requires="p14">
       <p:transition spd="med" p14:dur="700">
         <p:fade/>
       </p:transition>
     </mc:Choice>
-    <mc:Fallback>
+    <mc:Fallback xmlns="">
       <p:transition spd="med">
         <p:fade/>
       </p:transition>
@@ -23845,727 +28705,7 @@
 </p:sld>
 </file>
 
-<file path=ppt/slides/slide4.xml><?xml version="1.0" encoding="utf-8"?>
-<p:sld xmlns:a="http://schemas.openxmlformats.org/drawingml/2006/main" xmlns:r="http://schemas.openxmlformats.org/officeDocument/2006/relationships" xmlns:p="http://schemas.openxmlformats.org/presentationml/2006/main">
-  <p:cSld>
-    <p:spTree>
-      <p:nvGrpSpPr>
-        <p:cNvPr id="1" name=""/>
-        <p:cNvGrpSpPr/>
-        <p:nvPr/>
-      </p:nvGrpSpPr>
-      <p:grpSpPr>
-        <a:xfrm>
-          <a:off x="0" y="0"/>
-          <a:ext cx="0" cy="0"/>
-          <a:chOff x="0" y="0"/>
-          <a:chExt cx="0" cy="0"/>
-        </a:xfrm>
-      </p:grpSpPr>
-      <p:sp>
-        <p:nvSpPr>
-          <p:cNvPr id="2" name="Title 1">
-            <a:extLst>
-              <a:ext uri="{FF2B5EF4-FFF2-40B4-BE49-F238E27FC236}">
-                <a16:creationId xmlns:a16="http://schemas.microsoft.com/office/drawing/2014/main" id="{EFCF6195-BA74-A24F-8554-E61F63B1EE27}"/>
-              </a:ext>
-            </a:extLst>
-          </p:cNvPr>
-          <p:cNvSpPr>
-            <a:spLocks noGrp="1"/>
-          </p:cNvSpPr>
-          <p:nvPr>
-            <p:ph type="title"/>
-          </p:nvPr>
-        </p:nvSpPr>
-        <p:spPr/>
-        <p:txBody>
-          <a:bodyPr/>
-          <a:lstStyle/>
-          <a:p>
-            <a:r>
-              <a:rPr lang="en-CN" dirty="0">
-                <a:latin typeface="Times New Roman" panose="02020603050405020304" pitchFamily="18" charset="0"/>
-                <a:cs typeface="Times New Roman" panose="02020603050405020304" pitchFamily="18" charset="0"/>
-              </a:rPr>
-              <a:t>获奖分析</a:t>
-            </a:r>
-          </a:p>
-        </p:txBody>
-      </p:sp>
-      <p:sp>
-        <p:nvSpPr>
-          <p:cNvPr id="4" name="Text Placeholder 3">
-            <a:extLst>
-              <a:ext uri="{FF2B5EF4-FFF2-40B4-BE49-F238E27FC236}">
-                <a16:creationId xmlns:a16="http://schemas.microsoft.com/office/drawing/2014/main" id="{A622AB43-1245-DE46-966C-ADE97B3C4CC4}"/>
-              </a:ext>
-            </a:extLst>
-          </p:cNvPr>
-          <p:cNvSpPr>
-            <a:spLocks noGrp="1"/>
-          </p:cNvSpPr>
-          <p:nvPr>
-            <p:ph idx="1"/>
-          </p:nvPr>
-        </p:nvSpPr>
-        <p:spPr/>
-        <p:txBody>
-          <a:bodyPr/>
-          <a:lstStyle/>
-          <a:p>
-            <a:r>
-              <a:rPr lang="en-CN" dirty="0">
-                <a:latin typeface="Times New Roman" panose="02020603050405020304" pitchFamily="18" charset="0"/>
-                <a:ea typeface="Songti TC" panose="02010600040101010101" pitchFamily="2" charset="-120"/>
-                <a:cs typeface="Times New Roman" panose="02020603050405020304" pitchFamily="18" charset="0"/>
-              </a:rPr>
-              <a:t>奖项分布相对均匀</a:t>
-            </a:r>
-          </a:p>
-          <a:p>
-            <a:r>
-              <a:rPr lang="en-CN" dirty="0">
-                <a:latin typeface="Times New Roman" panose="02020603050405020304" pitchFamily="18" charset="0"/>
-                <a:ea typeface="Songti TC" panose="02010600040101010101" pitchFamily="2" charset="-120"/>
-                <a:cs typeface="Times New Roman" panose="02020603050405020304" pitchFamily="18" charset="0"/>
-              </a:rPr>
-              <a:t>我校9810</a:t>
-            </a:r>
-            <a:r>
-              <a:rPr lang="en-US" dirty="0">
-                <a:latin typeface="Times New Roman" panose="02020603050405020304" pitchFamily="18" charset="0"/>
-                <a:ea typeface="Songti TC" panose="02010600040101010101" pitchFamily="2" charset="-120"/>
-                <a:cs typeface="Times New Roman" panose="02020603050405020304" pitchFamily="18" charset="0"/>
-              </a:rPr>
-              <a:t>, 10005, 10007, 10008</a:t>
-            </a:r>
-            <a:r>
-              <a:rPr lang="zh-CN" altLang="en-US" dirty="0">
-                <a:latin typeface="Times New Roman" panose="02020603050405020304" pitchFamily="18" charset="0"/>
-                <a:ea typeface="Songti TC" panose="02010600040101010101" pitchFamily="2" charset="-120"/>
-                <a:cs typeface="Times New Roman" panose="02020603050405020304" pitchFamily="18" charset="0"/>
-              </a:rPr>
-              <a:t>获得</a:t>
-            </a:r>
-            <a:r>
-              <a:rPr lang="en-US" altLang="zh-CN" dirty="0">
-                <a:latin typeface="Times New Roman" panose="02020603050405020304" pitchFamily="18" charset="0"/>
-                <a:ea typeface="Songti TC" panose="02010600040101010101" pitchFamily="2" charset="-120"/>
-                <a:cs typeface="Times New Roman" panose="02020603050405020304" pitchFamily="18" charset="0"/>
-              </a:rPr>
-              <a:t>Meritorious</a:t>
-            </a:r>
-            <a:r>
-              <a:rPr lang="zh-CN" altLang="en-US" dirty="0">
-                <a:latin typeface="Times New Roman" panose="02020603050405020304" pitchFamily="18" charset="0"/>
-                <a:ea typeface="Songti TC" panose="02010600040101010101" pitchFamily="2" charset="-120"/>
-                <a:cs typeface="Times New Roman" panose="02020603050405020304" pitchFamily="18" charset="0"/>
-              </a:rPr>
-              <a:t>奖项，</a:t>
-            </a:r>
-            <a:r>
-              <a:rPr lang="en-US" altLang="zh-CN" dirty="0">
-                <a:latin typeface="Times New Roman" panose="02020603050405020304" pitchFamily="18" charset="0"/>
-                <a:ea typeface="Songti TC" panose="02010600040101010101" pitchFamily="2" charset="-120"/>
-                <a:cs typeface="Times New Roman" panose="02020603050405020304" pitchFamily="18" charset="0"/>
-              </a:rPr>
-              <a:t>9811, 10006, 10009, 10010</a:t>
-            </a:r>
-            <a:r>
-              <a:rPr lang="zh-CN" altLang="en-US" dirty="0">
-                <a:latin typeface="Times New Roman" panose="02020603050405020304" pitchFamily="18" charset="0"/>
-                <a:ea typeface="Songti TC" panose="02010600040101010101" pitchFamily="2" charset="-120"/>
-                <a:cs typeface="Times New Roman" panose="02020603050405020304" pitchFamily="18" charset="0"/>
-              </a:rPr>
-              <a:t>获得</a:t>
-            </a:r>
-            <a:r>
-              <a:rPr lang="en-US" altLang="zh-CN" dirty="0">
-                <a:latin typeface="Times New Roman" panose="02020603050405020304" pitchFamily="18" charset="0"/>
-                <a:ea typeface="Songti TC" panose="02010600040101010101" pitchFamily="2" charset="-120"/>
-                <a:cs typeface="Times New Roman" panose="02020603050405020304" pitchFamily="18" charset="0"/>
-              </a:rPr>
-              <a:t>Honorable Mention</a:t>
-            </a:r>
-            <a:r>
-              <a:rPr lang="zh-CN" altLang="en-US" dirty="0">
-                <a:latin typeface="Times New Roman" panose="02020603050405020304" pitchFamily="18" charset="0"/>
-                <a:ea typeface="Songti TC" panose="02010600040101010101" pitchFamily="2" charset="-120"/>
-                <a:cs typeface="Times New Roman" panose="02020603050405020304" pitchFamily="18" charset="0"/>
-              </a:rPr>
-              <a:t>奖项，</a:t>
-            </a:r>
-            <a:r>
-              <a:rPr lang="en-US" altLang="zh-CN" dirty="0">
-                <a:latin typeface="Times New Roman" panose="02020603050405020304" pitchFamily="18" charset="0"/>
-                <a:ea typeface="Songti TC" panose="02010600040101010101" pitchFamily="2" charset="-120"/>
-                <a:cs typeface="Times New Roman" panose="02020603050405020304" pitchFamily="18" charset="0"/>
-              </a:rPr>
-              <a:t>9812, 10004</a:t>
-            </a:r>
-            <a:r>
-              <a:rPr lang="zh-CN" altLang="en-US" dirty="0">
-                <a:latin typeface="Times New Roman" panose="02020603050405020304" pitchFamily="18" charset="0"/>
-                <a:ea typeface="Songti TC" panose="02010600040101010101" pitchFamily="2" charset="-120"/>
-                <a:cs typeface="Times New Roman" panose="02020603050405020304" pitchFamily="18" charset="0"/>
-              </a:rPr>
-              <a:t>获得</a:t>
-            </a:r>
-            <a:r>
-              <a:rPr lang="en-US" altLang="zh-CN" dirty="0">
-                <a:latin typeface="Times New Roman" panose="02020603050405020304" pitchFamily="18" charset="0"/>
-                <a:ea typeface="Songti TC" panose="02010600040101010101" pitchFamily="2" charset="-120"/>
-                <a:cs typeface="Times New Roman" panose="02020603050405020304" pitchFamily="18" charset="0"/>
-              </a:rPr>
-              <a:t>Successful Participant</a:t>
-            </a:r>
-            <a:r>
-              <a:rPr lang="zh-CN" altLang="en-US" dirty="0">
-                <a:latin typeface="Times New Roman" panose="02020603050405020304" pitchFamily="18" charset="0"/>
-                <a:ea typeface="Songti TC" panose="02010600040101010101" pitchFamily="2" charset="-120"/>
-                <a:cs typeface="Times New Roman" panose="02020603050405020304" pitchFamily="18" charset="0"/>
-              </a:rPr>
-              <a:t>奖项，符合我校奖项分布规律</a:t>
-            </a:r>
-            <a:endParaRPr lang="en-US" altLang="zh-CN" dirty="0">
-              <a:latin typeface="Times New Roman" panose="02020603050405020304" pitchFamily="18" charset="0"/>
-              <a:ea typeface="Songti TC" panose="02010600040101010101" pitchFamily="2" charset="-120"/>
-              <a:cs typeface="Times New Roman" panose="02020603050405020304" pitchFamily="18" charset="0"/>
-            </a:endParaRPr>
-          </a:p>
-          <a:p>
-            <a:r>
-              <a:rPr lang="en-CN" dirty="0">
-                <a:latin typeface="Times New Roman" panose="02020603050405020304" pitchFamily="18" charset="0"/>
-                <a:ea typeface="Songti TC" panose="02010600040101010101" pitchFamily="2" charset="-120"/>
-                <a:cs typeface="Times New Roman" panose="02020603050405020304" pitchFamily="18" charset="0"/>
-              </a:rPr>
-              <a:t>Outstanding奖项的</a:t>
-            </a:r>
-            <a:r>
-              <a:rPr lang="en-US" altLang="zh-CN" dirty="0">
-                <a:latin typeface="Times New Roman" panose="02020603050405020304" pitchFamily="18" charset="0"/>
-                <a:ea typeface="Songti TC" panose="02010600040101010101" pitchFamily="2" charset="-120"/>
-                <a:cs typeface="Times New Roman" panose="02020603050405020304" pitchFamily="18" charset="0"/>
-              </a:rPr>
-              <a:t>9</a:t>
-            </a:r>
-            <a:r>
-              <a:rPr lang="zh-CN" altLang="en-US" dirty="0">
-                <a:latin typeface="Times New Roman" panose="02020603050405020304" pitchFamily="18" charset="0"/>
-                <a:ea typeface="Songti TC" panose="02010600040101010101" pitchFamily="2" charset="-120"/>
-                <a:cs typeface="Times New Roman" panose="02020603050405020304" pitchFamily="18" charset="0"/>
-              </a:rPr>
-              <a:t>支队伍中有</a:t>
-            </a:r>
-            <a:r>
-              <a:rPr lang="en-US" altLang="zh-CN" dirty="0">
-                <a:latin typeface="Times New Roman" panose="02020603050405020304" pitchFamily="18" charset="0"/>
-                <a:ea typeface="Songti TC" panose="02010600040101010101" pitchFamily="2" charset="-120"/>
-                <a:cs typeface="Times New Roman" panose="02020603050405020304" pitchFamily="18" charset="0"/>
-              </a:rPr>
-              <a:t>5</a:t>
-            </a:r>
-            <a:r>
-              <a:rPr lang="zh-CN" altLang="en-US" dirty="0">
-                <a:latin typeface="Times New Roman" panose="02020603050405020304" pitchFamily="18" charset="0"/>
-                <a:ea typeface="Songti TC" panose="02010600040101010101" pitchFamily="2" charset="-120"/>
-                <a:cs typeface="Times New Roman" panose="02020603050405020304" pitchFamily="18" charset="0"/>
-              </a:rPr>
-              <a:t>支来自中国（</a:t>
-            </a:r>
-            <a:r>
-              <a:rPr lang="en-US" altLang="zh-CN" dirty="0">
-                <a:latin typeface="Times New Roman" panose="02020603050405020304" pitchFamily="18" charset="0"/>
-                <a:ea typeface="Songti TC" panose="02010600040101010101" pitchFamily="2" charset="-120"/>
-                <a:cs typeface="Times New Roman" panose="02020603050405020304" pitchFamily="18" charset="0"/>
-              </a:rPr>
-              <a:t>9548</a:t>
-            </a:r>
-            <a:r>
-              <a:rPr lang="zh-CN" altLang="en-US" dirty="0">
-                <a:latin typeface="Times New Roman" panose="02020603050405020304" pitchFamily="18" charset="0"/>
-                <a:ea typeface="Songti TC" panose="02010600040101010101" pitchFamily="2" charset="-120"/>
-                <a:cs typeface="Times New Roman" panose="02020603050405020304" pitchFamily="18" charset="0"/>
-              </a:rPr>
-              <a:t> 华二，</a:t>
-            </a:r>
-            <a:r>
-              <a:rPr lang="en-US" altLang="zh-CN" dirty="0">
-                <a:latin typeface="Times New Roman" panose="02020603050405020304" pitchFamily="18" charset="0"/>
-                <a:ea typeface="Songti TC" panose="02010600040101010101" pitchFamily="2" charset="-120"/>
-                <a:cs typeface="Times New Roman" panose="02020603050405020304" pitchFamily="18" charset="0"/>
-              </a:rPr>
-              <a:t>9824</a:t>
-            </a:r>
-            <a:r>
-              <a:rPr lang="zh-CN" altLang="en-US" dirty="0">
-                <a:latin typeface="Times New Roman" panose="02020603050405020304" pitchFamily="18" charset="0"/>
-                <a:ea typeface="Songti TC" panose="02010600040101010101" pitchFamily="2" charset="-120"/>
-                <a:cs typeface="Times New Roman" panose="02020603050405020304" pitchFamily="18" charset="0"/>
-              </a:rPr>
-              <a:t>浙江杭州外国语，</a:t>
-            </a:r>
-            <a:r>
-              <a:rPr lang="en-US" altLang="zh-CN" dirty="0">
-                <a:latin typeface="Times New Roman" panose="02020603050405020304" pitchFamily="18" charset="0"/>
-                <a:ea typeface="Songti TC" panose="02010600040101010101" pitchFamily="2" charset="-120"/>
-                <a:cs typeface="Times New Roman" panose="02020603050405020304" pitchFamily="18" charset="0"/>
-              </a:rPr>
-              <a:t>9844</a:t>
-            </a:r>
-            <a:r>
-              <a:rPr lang="zh-CN" altLang="en-US" dirty="0">
-                <a:latin typeface="Times New Roman" panose="02020603050405020304" pitchFamily="18" charset="0"/>
-                <a:ea typeface="Songti TC" panose="02010600040101010101" pitchFamily="2" charset="-120"/>
-                <a:cs typeface="Times New Roman" panose="02020603050405020304" pitchFamily="18" charset="0"/>
-              </a:rPr>
-              <a:t>，</a:t>
-            </a:r>
-            <a:r>
-              <a:rPr lang="en-US" altLang="zh-CN" dirty="0">
-                <a:latin typeface="Times New Roman" panose="02020603050405020304" pitchFamily="18" charset="0"/>
-                <a:ea typeface="Songti TC" panose="02010600040101010101" pitchFamily="2" charset="-120"/>
-                <a:cs typeface="Times New Roman" panose="02020603050405020304" pitchFamily="18" charset="0"/>
-              </a:rPr>
-              <a:t>9869</a:t>
-            </a:r>
-            <a:r>
-              <a:rPr lang="zh-CN" altLang="en-US" dirty="0">
-                <a:latin typeface="Times New Roman" panose="02020603050405020304" pitchFamily="18" charset="0"/>
-                <a:ea typeface="Songti TC" panose="02010600040101010101" pitchFamily="2" charset="-120"/>
-                <a:cs typeface="Times New Roman" panose="02020603050405020304" pitchFamily="18" charset="0"/>
-              </a:rPr>
-              <a:t>七宝，</a:t>
-            </a:r>
-            <a:r>
-              <a:rPr lang="en-US" altLang="zh-CN" dirty="0">
-                <a:latin typeface="Times New Roman" panose="02020603050405020304" pitchFamily="18" charset="0"/>
-                <a:ea typeface="Songti TC" panose="02010600040101010101" pitchFamily="2" charset="-120"/>
-                <a:cs typeface="Times New Roman" panose="02020603050405020304" pitchFamily="18" charset="0"/>
-              </a:rPr>
-              <a:t>10057</a:t>
-            </a:r>
-            <a:r>
-              <a:rPr lang="zh-CN" altLang="en-US" dirty="0">
-                <a:latin typeface="Times New Roman" panose="02020603050405020304" pitchFamily="18" charset="0"/>
-                <a:ea typeface="Songti TC" panose="02010600040101010101" pitchFamily="2" charset="-120"/>
-                <a:cs typeface="Times New Roman" panose="02020603050405020304" pitchFamily="18" charset="0"/>
-              </a:rPr>
-              <a:t>上中国际），与</a:t>
-            </a:r>
-            <a:r>
-              <a:rPr lang="en-US" altLang="zh-CN" dirty="0" err="1">
-                <a:latin typeface="Times New Roman" panose="02020603050405020304" pitchFamily="18" charset="0"/>
-                <a:ea typeface="Songti TC" panose="02010600040101010101" pitchFamily="2" charset="-120"/>
-                <a:cs typeface="Times New Roman" panose="02020603050405020304" pitchFamily="18" charset="0"/>
-              </a:rPr>
-              <a:t>HiMCM</a:t>
-            </a:r>
-            <a:r>
-              <a:rPr lang="zh-CN" altLang="en-US" dirty="0">
-                <a:latin typeface="Times New Roman" panose="02020603050405020304" pitchFamily="18" charset="0"/>
-                <a:ea typeface="Songti TC" panose="02010600040101010101" pitchFamily="2" charset="-120"/>
-                <a:cs typeface="Times New Roman" panose="02020603050405020304" pitchFamily="18" charset="0"/>
-              </a:rPr>
-              <a:t>奖项分布比较符合</a:t>
-            </a:r>
-            <a:endParaRPr lang="en-CN" dirty="0">
-              <a:latin typeface="Times New Roman" panose="02020603050405020304" pitchFamily="18" charset="0"/>
-              <a:ea typeface="Songti TC" panose="02010600040101010101" pitchFamily="2" charset="-120"/>
-              <a:cs typeface="Times New Roman" panose="02020603050405020304" pitchFamily="18" charset="0"/>
-            </a:endParaRPr>
-          </a:p>
-          <a:p>
-            <a:endParaRPr lang="en-CN" dirty="0">
-              <a:latin typeface="Times New Roman" panose="02020603050405020304" pitchFamily="18" charset="0"/>
-              <a:ea typeface="Songti TC" panose="02010600040101010101" pitchFamily="2" charset="-120"/>
-              <a:cs typeface="Times New Roman" panose="02020603050405020304" pitchFamily="18" charset="0"/>
-            </a:endParaRPr>
-          </a:p>
-        </p:txBody>
-      </p:sp>
-      <p:pic>
-        <p:nvPicPr>
-          <p:cNvPr id="8" name="Picture 7" descr="Table&#10;&#10;Description automatically generated">
-            <a:extLst>
-              <a:ext uri="{FF2B5EF4-FFF2-40B4-BE49-F238E27FC236}">
-                <a16:creationId xmlns:a16="http://schemas.microsoft.com/office/drawing/2014/main" id="{2E8525A2-40A1-FE4E-AE96-091A0F47FD20}"/>
-              </a:ext>
-            </a:extLst>
-          </p:cNvPr>
-          <p:cNvPicPr>
-            <a:picLocks noChangeAspect="1"/>
-          </p:cNvPicPr>
-          <p:nvPr/>
-        </p:nvPicPr>
-        <p:blipFill>
-          <a:blip r:embed="rId2"/>
-          <a:stretch>
-            <a:fillRect/>
-          </a:stretch>
-        </p:blipFill>
-        <p:spPr>
-          <a:xfrm>
-            <a:off x="0" y="4983495"/>
-            <a:ext cx="12192000" cy="1509380"/>
-          </a:xfrm>
-          <a:prstGeom prst="rect">
-            <a:avLst/>
-          </a:prstGeom>
-        </p:spPr>
-      </p:pic>
-      <p:pic>
-        <p:nvPicPr>
-          <p:cNvPr id="9" name="Picture 8" descr="Qr code&#10;&#10;Description automatically generated">
-            <a:extLst>
-              <a:ext uri="{FF2B5EF4-FFF2-40B4-BE49-F238E27FC236}">
-                <a16:creationId xmlns:a16="http://schemas.microsoft.com/office/drawing/2014/main" id="{14707B19-1DA4-C247-B9E1-DCAA800FAB0F}"/>
-              </a:ext>
-            </a:extLst>
-          </p:cNvPr>
-          <p:cNvPicPr>
-            <a:picLocks noChangeAspect="1"/>
-          </p:cNvPicPr>
-          <p:nvPr/>
-        </p:nvPicPr>
-        <p:blipFill rotWithShape="1">
-          <a:blip r:embed="rId3"/>
-          <a:srcRect l="9806" t="22114" r="9880" b="18699"/>
-          <a:stretch/>
-        </p:blipFill>
-        <p:spPr>
-          <a:xfrm>
-            <a:off x="8976732" y="155441"/>
-            <a:ext cx="1217865" cy="1227985"/>
-          </a:xfrm>
-          <a:prstGeom prst="rect">
-            <a:avLst/>
-          </a:prstGeom>
-        </p:spPr>
-      </p:pic>
-      <p:pic>
-        <p:nvPicPr>
-          <p:cNvPr id="10" name="Picture 9" descr="Logo&#10;&#10;Description automatically generated">
-            <a:extLst>
-              <a:ext uri="{FF2B5EF4-FFF2-40B4-BE49-F238E27FC236}">
-                <a16:creationId xmlns:a16="http://schemas.microsoft.com/office/drawing/2014/main" id="{14D3948B-688F-CB4C-A227-8164835F8853}"/>
-              </a:ext>
-            </a:extLst>
-          </p:cNvPr>
-          <p:cNvPicPr>
-            <a:picLocks noChangeAspect="1"/>
-          </p:cNvPicPr>
-          <p:nvPr/>
-        </p:nvPicPr>
-        <p:blipFill rotWithShape="1">
-          <a:blip r:embed="rId4"/>
-          <a:srcRect l="10082" r="10082"/>
-          <a:stretch/>
-        </p:blipFill>
-        <p:spPr>
-          <a:xfrm>
-            <a:off x="10871914" y="155441"/>
-            <a:ext cx="1217865" cy="1217865"/>
-          </a:xfrm>
-          <a:prstGeom prst="rect">
-            <a:avLst/>
-          </a:prstGeom>
-        </p:spPr>
-      </p:pic>
-    </p:spTree>
-    <p:extLst>
-      <p:ext uri="{BB962C8B-B14F-4D97-AF65-F5344CB8AC3E}">
-        <p14:creationId xmlns:p14="http://schemas.microsoft.com/office/powerpoint/2010/main" val="3225765493"/>
-      </p:ext>
-    </p:extLst>
-  </p:cSld>
-  <p:clrMapOvr>
-    <a:masterClrMapping/>
-  </p:clrMapOvr>
-  <mc:AlternateContent xmlns:mc="http://schemas.openxmlformats.org/markup-compatibility/2006">
-    <mc:Choice xmlns:p14="http://schemas.microsoft.com/office/powerpoint/2010/main" Requires="p14">
-      <p:transition spd="med" p14:dur="700">
-        <p:fade/>
-      </p:transition>
-    </mc:Choice>
-    <mc:Fallback>
-      <p:transition spd="med">
-        <p:fade/>
-      </p:transition>
-    </mc:Fallback>
-  </mc:AlternateContent>
-  <p:timing>
-    <p:tnLst>
-      <p:par>
-        <p:cTn id="1" dur="indefinite" restart="never" nodeType="tmRoot">
-          <p:childTnLst>
-            <p:seq concurrent="1" nextAc="seek">
-              <p:cTn id="2" dur="indefinite" nodeType="mainSeq">
-                <p:childTnLst>
-                  <p:par>
-                    <p:cTn id="3" fill="hold">
-                      <p:stCondLst>
-                        <p:cond delay="indefinite"/>
-                      </p:stCondLst>
-                      <p:childTnLst>
-                        <p:par>
-                          <p:cTn id="4" fill="hold">
-                            <p:stCondLst>
-                              <p:cond delay="0"/>
-                            </p:stCondLst>
-                            <p:childTnLst>
-                              <p:par>
-                                <p:cTn id="5" presetID="9" presetClass="entr" presetSubtype="0" fill="hold" nodeType="clickEffect">
-                                  <p:stCondLst>
-                                    <p:cond delay="0"/>
-                                  </p:stCondLst>
-                                  <p:childTnLst>
-                                    <p:set>
-                                      <p:cBhvr>
-                                        <p:cTn id="6" dur="1" fill="hold">
-                                          <p:stCondLst>
-                                            <p:cond delay="0"/>
-                                          </p:stCondLst>
-                                        </p:cTn>
-                                        <p:tgtEl>
-                                          <p:spTgt spid="8"/>
-                                        </p:tgtEl>
-                                        <p:attrNameLst>
-                                          <p:attrName>style.visibility</p:attrName>
-                                        </p:attrNameLst>
-                                      </p:cBhvr>
-                                      <p:to>
-                                        <p:strVal val="visible"/>
-                                      </p:to>
-                                    </p:set>
-                                    <p:animEffect transition="in" filter="dissolve">
-                                      <p:cBhvr>
-                                        <p:cTn id="7" dur="500"/>
-                                        <p:tgtEl>
-                                          <p:spTgt spid="8"/>
-                                        </p:tgtEl>
-                                      </p:cBhvr>
-                                    </p:animEffect>
-                                  </p:childTnLst>
-                                </p:cTn>
-                              </p:par>
-                            </p:childTnLst>
-                          </p:cTn>
-                        </p:par>
-                      </p:childTnLst>
-                    </p:cTn>
-                  </p:par>
-                  <p:par>
-                    <p:cTn id="8" fill="hold">
-                      <p:stCondLst>
-                        <p:cond delay="indefinite"/>
-                      </p:stCondLst>
-                      <p:childTnLst>
-                        <p:par>
-                          <p:cTn id="9" fill="hold">
-                            <p:stCondLst>
-                              <p:cond delay="0"/>
-                            </p:stCondLst>
-                            <p:childTnLst>
-                              <p:par>
-                                <p:cTn id="10" presetID="9" presetClass="entr" presetSubtype="0" fill="hold" nodeType="clickEffect">
-                                  <p:stCondLst>
-                                    <p:cond delay="0"/>
-                                  </p:stCondLst>
-                                  <p:childTnLst>
-                                    <p:set>
-                                      <p:cBhvr>
-                                        <p:cTn id="11" dur="1" fill="hold">
-                                          <p:stCondLst>
-                                            <p:cond delay="0"/>
-                                          </p:stCondLst>
-                                        </p:cTn>
-                                        <p:tgtEl>
-                                          <p:spTgt spid="4">
-                                            <p:txEl>
-                                              <p:pRg st="0" end="0"/>
-                                            </p:txEl>
-                                          </p:spTgt>
-                                        </p:tgtEl>
-                                        <p:attrNameLst>
-                                          <p:attrName>style.visibility</p:attrName>
-                                        </p:attrNameLst>
-                                      </p:cBhvr>
-                                      <p:to>
-                                        <p:strVal val="visible"/>
-                                      </p:to>
-                                    </p:set>
-                                    <p:animEffect transition="in" filter="dissolve">
-                                      <p:cBhvr>
-                                        <p:cTn id="12" dur="500"/>
-                                        <p:tgtEl>
-                                          <p:spTgt spid="4">
-                                            <p:txEl>
-                                              <p:pRg st="0" end="0"/>
-                                            </p:txEl>
-                                          </p:spTgt>
-                                        </p:tgtEl>
-                                      </p:cBhvr>
-                                    </p:animEffect>
-                                  </p:childTnLst>
-                                </p:cTn>
-                              </p:par>
-                            </p:childTnLst>
-                          </p:cTn>
-                        </p:par>
-                      </p:childTnLst>
-                    </p:cTn>
-                  </p:par>
-                  <p:par>
-                    <p:cTn id="13" fill="hold">
-                      <p:stCondLst>
-                        <p:cond delay="indefinite"/>
-                      </p:stCondLst>
-                      <p:childTnLst>
-                        <p:par>
-                          <p:cTn id="14" fill="hold">
-                            <p:stCondLst>
-                              <p:cond delay="0"/>
-                            </p:stCondLst>
-                            <p:childTnLst>
-                              <p:par>
-                                <p:cTn id="15" presetID="9" presetClass="entr" presetSubtype="0" fill="hold" nodeType="clickEffect">
-                                  <p:stCondLst>
-                                    <p:cond delay="0"/>
-                                  </p:stCondLst>
-                                  <p:childTnLst>
-                                    <p:set>
-                                      <p:cBhvr>
-                                        <p:cTn id="16" dur="1" fill="hold">
-                                          <p:stCondLst>
-                                            <p:cond delay="0"/>
-                                          </p:stCondLst>
-                                        </p:cTn>
-                                        <p:tgtEl>
-                                          <p:spTgt spid="4">
-                                            <p:txEl>
-                                              <p:pRg st="1" end="1"/>
-                                            </p:txEl>
-                                          </p:spTgt>
-                                        </p:tgtEl>
-                                        <p:attrNameLst>
-                                          <p:attrName>style.visibility</p:attrName>
-                                        </p:attrNameLst>
-                                      </p:cBhvr>
-                                      <p:to>
-                                        <p:strVal val="visible"/>
-                                      </p:to>
-                                    </p:set>
-                                    <p:animEffect transition="in" filter="dissolve">
-                                      <p:cBhvr>
-                                        <p:cTn id="17" dur="500"/>
-                                        <p:tgtEl>
-                                          <p:spTgt spid="4">
-                                            <p:txEl>
-                                              <p:pRg st="1" end="1"/>
-                                            </p:txEl>
-                                          </p:spTgt>
-                                        </p:tgtEl>
-                                      </p:cBhvr>
-                                    </p:animEffect>
-                                  </p:childTnLst>
-                                </p:cTn>
-                              </p:par>
-                            </p:childTnLst>
-                          </p:cTn>
-                        </p:par>
-                      </p:childTnLst>
-                    </p:cTn>
-                  </p:par>
-                  <p:par>
-                    <p:cTn id="18" fill="hold">
-                      <p:stCondLst>
-                        <p:cond delay="indefinite"/>
-                      </p:stCondLst>
-                      <p:childTnLst>
-                        <p:par>
-                          <p:cTn id="19" fill="hold">
-                            <p:stCondLst>
-                              <p:cond delay="0"/>
-                            </p:stCondLst>
-                            <p:childTnLst>
-                              <p:par>
-                                <p:cTn id="20" presetID="9" presetClass="entr" presetSubtype="0" fill="hold" nodeType="clickEffect">
-                                  <p:stCondLst>
-                                    <p:cond delay="0"/>
-                                  </p:stCondLst>
-                                  <p:childTnLst>
-                                    <p:set>
-                                      <p:cBhvr>
-                                        <p:cTn id="21" dur="1" fill="hold">
-                                          <p:stCondLst>
-                                            <p:cond delay="0"/>
-                                          </p:stCondLst>
-                                        </p:cTn>
-                                        <p:tgtEl>
-                                          <p:spTgt spid="4">
-                                            <p:txEl>
-                                              <p:pRg st="2" end="2"/>
-                                            </p:txEl>
-                                          </p:spTgt>
-                                        </p:tgtEl>
-                                        <p:attrNameLst>
-                                          <p:attrName>style.visibility</p:attrName>
-                                        </p:attrNameLst>
-                                      </p:cBhvr>
-                                      <p:to>
-                                        <p:strVal val="visible"/>
-                                      </p:to>
-                                    </p:set>
-                                    <p:animEffect transition="in" filter="dissolve">
-                                      <p:cBhvr>
-                                        <p:cTn id="22" dur="500"/>
-                                        <p:tgtEl>
-                                          <p:spTgt spid="4">
-                                            <p:txEl>
-                                              <p:pRg st="2" end="2"/>
-                                            </p:txEl>
-                                          </p:spTgt>
-                                        </p:tgtEl>
-                                      </p:cBhvr>
-                                    </p:animEffect>
-                                  </p:childTnLst>
-                                </p:cTn>
-                              </p:par>
-                            </p:childTnLst>
-                          </p:cTn>
-                        </p:par>
-                      </p:childTnLst>
-                    </p:cTn>
-                  </p:par>
-                </p:childTnLst>
-              </p:cTn>
-              <p:prevCondLst>
-                <p:cond evt="onPrev" delay="0">
-                  <p:tgtEl>
-                    <p:sldTgt/>
-                  </p:tgtEl>
-                </p:cond>
-              </p:prevCondLst>
-              <p:nextCondLst>
-                <p:cond evt="onNext" delay="0">
-                  <p:tgtEl>
-                    <p:sldTgt/>
-                  </p:tgtEl>
-                </p:cond>
-              </p:nextCondLst>
-            </p:seq>
-          </p:childTnLst>
-        </p:cTn>
-      </p:par>
-    </p:tnLst>
-  </p:timing>
-</p:sld>
-</file>
-
-<file path=ppt/slides/slide40.xml><?xml version="1.0" encoding="utf-8"?>
+<file path=ppt/slides/slide44.xml><?xml version="1.0" encoding="utf-8"?>
 <p:sld xmlns:a="http://schemas.openxmlformats.org/drawingml/2006/main" xmlns:r="http://schemas.openxmlformats.org/officeDocument/2006/relationships" xmlns:p="http://schemas.openxmlformats.org/presentationml/2006/main">
   <p:cSld>
     <p:spTree>
@@ -24755,13 +28895,13 @@
   <p:clrMapOvr>
     <a:masterClrMapping/>
   </p:clrMapOvr>
-  <mc:AlternateContent xmlns:mc="http://schemas.openxmlformats.org/markup-compatibility/2006">
-    <mc:Choice xmlns:p14="http://schemas.microsoft.com/office/powerpoint/2010/main" Requires="p14">
+  <mc:AlternateContent xmlns:mc="http://schemas.openxmlformats.org/markup-compatibility/2006" xmlns:p14="http://schemas.microsoft.com/office/powerpoint/2010/main">
+    <mc:Choice Requires="p14">
       <p:transition spd="med" p14:dur="700">
         <p:fade/>
       </p:transition>
     </mc:Choice>
-    <mc:Fallback>
+    <mc:Fallback xmlns="">
       <p:transition spd="med">
         <p:fade/>
       </p:transition>
@@ -25061,13 +29201,13 @@
   <p:clrMapOvr>
     <a:masterClrMapping/>
   </p:clrMapOvr>
-  <mc:AlternateContent xmlns:mc="http://schemas.openxmlformats.org/markup-compatibility/2006">
-    <mc:Choice xmlns:p14="http://schemas.microsoft.com/office/powerpoint/2010/main" Requires="p14">
+  <mc:AlternateContent xmlns:mc="http://schemas.openxmlformats.org/markup-compatibility/2006" xmlns:p14="http://schemas.microsoft.com/office/powerpoint/2010/main">
+    <mc:Choice Requires="p14">
       <p:transition spd="med" p14:dur="700">
         <p:fade/>
       </p:transition>
     </mc:Choice>
-    <mc:Fallback>
+    <mc:Fallback xmlns="">
       <p:transition spd="med">
         <p:fade/>
       </p:transition>
@@ -25660,13 +29800,13 @@
   <p:clrMapOvr>
     <a:masterClrMapping/>
   </p:clrMapOvr>
-  <mc:AlternateContent xmlns:mc="http://schemas.openxmlformats.org/markup-compatibility/2006">
-    <mc:Choice xmlns:p14="http://schemas.microsoft.com/office/powerpoint/2010/main" Requires="p14">
+  <mc:AlternateContent xmlns:mc="http://schemas.openxmlformats.org/markup-compatibility/2006" xmlns:p14="http://schemas.microsoft.com/office/powerpoint/2010/main">
+    <mc:Choice Requires="p14">
       <p:transition spd="med" p14:dur="700">
         <p:fade/>
       </p:transition>
     </mc:Choice>
-    <mc:Fallback>
+    <mc:Fallback xmlns="">
       <p:transition spd="med">
         <p:fade/>
       </p:transition>
@@ -26760,13 +30900,13 @@
   <p:clrMapOvr>
     <a:masterClrMapping/>
   </p:clrMapOvr>
-  <mc:AlternateContent xmlns:mc="http://schemas.openxmlformats.org/markup-compatibility/2006">
-    <mc:Choice xmlns:p14="http://schemas.microsoft.com/office/powerpoint/2010/main" Requires="p14">
+  <mc:AlternateContent xmlns:mc="http://schemas.openxmlformats.org/markup-compatibility/2006" xmlns:p14="http://schemas.microsoft.com/office/powerpoint/2010/main">
+    <mc:Choice Requires="p14">
       <p:transition spd="med" p14:dur="700">
         <p:fade/>
       </p:transition>
     </mc:Choice>
-    <mc:Fallback>
+    <mc:Fallback xmlns="">
       <p:transition spd="med">
         <p:fade/>
       </p:transition>
@@ -27392,13 +31532,13 @@
   <p:clrMapOvr>
     <a:masterClrMapping/>
   </p:clrMapOvr>
-  <mc:AlternateContent xmlns:mc="http://schemas.openxmlformats.org/markup-compatibility/2006">
-    <mc:Choice xmlns:p14="http://schemas.microsoft.com/office/powerpoint/2010/main" Requires="p14">
+  <mc:AlternateContent xmlns:mc="http://schemas.openxmlformats.org/markup-compatibility/2006" xmlns:p14="http://schemas.microsoft.com/office/powerpoint/2010/main">
+    <mc:Choice Requires="p14">
       <p:transition spd="med" p14:dur="700">
         <p:fade/>
       </p:transition>
     </mc:Choice>
-    <mc:Fallback>
+    <mc:Fallback xmlns="">
       <p:transition spd="med">
         <p:fade/>
       </p:transition>
@@ -27888,13 +32028,13 @@
   <p:clrMapOvr>
     <a:masterClrMapping/>
   </p:clrMapOvr>
-  <mc:AlternateContent xmlns:mc="http://schemas.openxmlformats.org/markup-compatibility/2006">
-    <mc:Choice xmlns:p14="http://schemas.microsoft.com/office/powerpoint/2010/main" Requires="p14">
+  <mc:AlternateContent xmlns:mc="http://schemas.openxmlformats.org/markup-compatibility/2006" xmlns:p14="http://schemas.microsoft.com/office/powerpoint/2010/main">
+    <mc:Choice Requires="p14">
       <p:transition spd="med" p14:dur="700">
         <p:fade/>
       </p:transition>
     </mc:Choice>
-    <mc:Fallback>
+    <mc:Fallback xmlns="">
       <p:transition spd="med">
         <p:fade/>
       </p:transition>

--- a/10005.pptx
+++ b/10005.pptx
@@ -35370,6 +35370,18 @@
   <p:clrMapOvr>
     <a:masterClrMapping/>
   </p:clrMapOvr>
+  <mc:AlternateContent xmlns:mc="http://schemas.openxmlformats.org/markup-compatibility/2006">
+    <mc:Choice xmlns:p14="http://schemas.microsoft.com/office/powerpoint/2010/main" Requires="p14">
+      <p:transition spd="med" p14:dur="700">
+        <p:fade/>
+      </p:transition>
+    </mc:Choice>
+    <mc:Fallback>
+      <p:transition spd="med">
+        <p:fade/>
+      </p:transition>
+    </mc:Fallback>
+  </mc:AlternateContent>
 </p:sld>
 </file>
 

--- a/10005.pptx
+++ b/10005.pptx
@@ -7444,6 +7444,18 @@
   <p:clrMapOvr>
     <a:masterClrMapping/>
   </p:clrMapOvr>
+  <mc:AlternateContent xmlns:mc="http://schemas.openxmlformats.org/markup-compatibility/2006">
+    <mc:Choice xmlns:p14="http://schemas.microsoft.com/office/powerpoint/2010/main" Requires="p14">
+      <p:transition spd="med" p14:dur="700">
+        <p:fade/>
+      </p:transition>
+    </mc:Choice>
+    <mc:Fallback>
+      <p:transition spd="med">
+        <p:fade/>
+      </p:transition>
+    </mc:Fallback>
+  </mc:AlternateContent>
 </p:sld>
 </file>
 
@@ -7668,13 +7680,13 @@
   <p:clrMapOvr>
     <a:masterClrMapping/>
   </p:clrMapOvr>
-  <mc:AlternateContent xmlns:mc="http://schemas.openxmlformats.org/markup-compatibility/2006" xmlns:p14="http://schemas.microsoft.com/office/powerpoint/2010/main">
-    <mc:Choice Requires="p14">
+  <mc:AlternateContent xmlns:mc="http://schemas.openxmlformats.org/markup-compatibility/2006">
+    <mc:Choice xmlns:p14="http://schemas.microsoft.com/office/powerpoint/2010/main" Requires="p14">
       <p:transition spd="med" p14:dur="700">
         <p:fade/>
       </p:transition>
     </mc:Choice>
-    <mc:Fallback xmlns="">
+    <mc:Fallback>
       <p:transition spd="med">
         <p:fade/>
       </p:transition>
@@ -8127,13 +8139,13 @@
   <p:clrMapOvr>
     <a:masterClrMapping/>
   </p:clrMapOvr>
-  <mc:AlternateContent xmlns:mc="http://schemas.openxmlformats.org/markup-compatibility/2006" xmlns:p14="http://schemas.microsoft.com/office/powerpoint/2010/main">
-    <mc:Choice Requires="p14">
+  <mc:AlternateContent xmlns:mc="http://schemas.openxmlformats.org/markup-compatibility/2006">
+    <mc:Choice xmlns:p14="http://schemas.microsoft.com/office/powerpoint/2010/main" Requires="p14">
       <p:transition spd="med" p14:dur="700">
         <p:fade/>
       </p:transition>
     </mc:Choice>
-    <mc:Fallback xmlns="">
+    <mc:Fallback>
       <p:transition spd="med">
         <p:fade/>
       </p:transition>
@@ -9222,13 +9234,13 @@
   <p:clrMapOvr>
     <a:masterClrMapping/>
   </p:clrMapOvr>
-  <mc:AlternateContent xmlns:mc="http://schemas.openxmlformats.org/markup-compatibility/2006" xmlns:p14="http://schemas.microsoft.com/office/powerpoint/2010/main">
-    <mc:Choice Requires="p14">
+  <mc:AlternateContent xmlns:mc="http://schemas.openxmlformats.org/markup-compatibility/2006">
+    <mc:Choice xmlns:p14="http://schemas.microsoft.com/office/powerpoint/2010/main" Requires="p14">
       <p:transition spd="med" p14:dur="700">
         <p:fade/>
       </p:transition>
     </mc:Choice>
-    <mc:Fallback xmlns="">
+    <mc:Fallback>
       <p:transition spd="med">
         <p:fade/>
       </p:transition>
@@ -9885,13 +9897,13 @@
   <p:clrMapOvr>
     <a:masterClrMapping/>
   </p:clrMapOvr>
-  <mc:AlternateContent xmlns:mc="http://schemas.openxmlformats.org/markup-compatibility/2006" xmlns:p14="http://schemas.microsoft.com/office/powerpoint/2010/main">
-    <mc:Choice Requires="p14">
+  <mc:AlternateContent xmlns:mc="http://schemas.openxmlformats.org/markup-compatibility/2006">
+    <mc:Choice xmlns:p14="http://schemas.microsoft.com/office/powerpoint/2010/main" Requires="p14">
       <p:transition spd="med" p14:dur="700">
         <p:fade/>
       </p:transition>
     </mc:Choice>
-    <mc:Fallback xmlns="">
+    <mc:Fallback>
       <p:transition spd="med">
         <p:fade/>
       </p:transition>
@@ -10505,13 +10517,13 @@
   <p:clrMapOvr>
     <a:masterClrMapping/>
   </p:clrMapOvr>
-  <mc:AlternateContent xmlns:mc="http://schemas.openxmlformats.org/markup-compatibility/2006" xmlns:p14="http://schemas.microsoft.com/office/powerpoint/2010/main">
-    <mc:Choice Requires="p14">
+  <mc:AlternateContent xmlns:mc="http://schemas.openxmlformats.org/markup-compatibility/2006">
+    <mc:Choice xmlns:p14="http://schemas.microsoft.com/office/powerpoint/2010/main" Requires="p14">
       <p:transition spd="med" p14:dur="700">
         <p:fade/>
       </p:transition>
     </mc:Choice>
-    <mc:Fallback xmlns="">
+    <mc:Fallback>
       <p:transition spd="med">
         <p:fade/>
       </p:transition>
@@ -11114,13 +11126,13 @@
   <p:clrMapOvr>
     <a:masterClrMapping/>
   </p:clrMapOvr>
-  <mc:AlternateContent xmlns:mc="http://schemas.openxmlformats.org/markup-compatibility/2006" xmlns:p14="http://schemas.microsoft.com/office/powerpoint/2010/main">
-    <mc:Choice Requires="p14">
+  <mc:AlternateContent xmlns:mc="http://schemas.openxmlformats.org/markup-compatibility/2006">
+    <mc:Choice xmlns:p14="http://schemas.microsoft.com/office/powerpoint/2010/main" Requires="p14">
       <p:transition spd="med" p14:dur="700">
         <p:fade/>
       </p:transition>
     </mc:Choice>
-    <mc:Fallback xmlns="">
+    <mc:Fallback>
       <p:transition spd="med">
         <p:fade/>
       </p:transition>
@@ -12714,13 +12726,13 @@
   <p:clrMapOvr>
     <a:masterClrMapping/>
   </p:clrMapOvr>
-  <mc:AlternateContent xmlns:mc="http://schemas.openxmlformats.org/markup-compatibility/2006" xmlns:p14="http://schemas.microsoft.com/office/powerpoint/2010/main">
-    <mc:Choice Requires="p14">
+  <mc:AlternateContent xmlns:mc="http://schemas.openxmlformats.org/markup-compatibility/2006">
+    <mc:Choice xmlns:p14="http://schemas.microsoft.com/office/powerpoint/2010/main" Requires="p14">
       <p:transition spd="med" p14:dur="700">
         <p:fade/>
       </p:transition>
     </mc:Choice>
-    <mc:Fallback xmlns="">
+    <mc:Fallback>
       <p:transition spd="med">
         <p:fade/>
       </p:transition>
@@ -13824,13 +13836,13 @@
   <p:clrMapOvr>
     <a:masterClrMapping/>
   </p:clrMapOvr>
-  <mc:AlternateContent xmlns:mc="http://schemas.openxmlformats.org/markup-compatibility/2006" xmlns:p14="http://schemas.microsoft.com/office/powerpoint/2010/main">
-    <mc:Choice Requires="p14">
+  <mc:AlternateContent xmlns:mc="http://schemas.openxmlformats.org/markup-compatibility/2006">
+    <mc:Choice xmlns:p14="http://schemas.microsoft.com/office/powerpoint/2010/main" Requires="p14">
       <p:transition spd="med" p14:dur="700">
         <p:fade/>
       </p:transition>
     </mc:Choice>
-    <mc:Fallback xmlns="">
+    <mc:Fallback>
       <p:transition spd="med">
         <p:fade/>
       </p:transition>
@@ -15683,13 +15695,13 @@
   <p:clrMapOvr>
     <a:masterClrMapping/>
   </p:clrMapOvr>
-  <mc:AlternateContent xmlns:mc="http://schemas.openxmlformats.org/markup-compatibility/2006" xmlns:p14="http://schemas.microsoft.com/office/powerpoint/2010/main">
-    <mc:Choice Requires="p14">
+  <mc:AlternateContent xmlns:mc="http://schemas.openxmlformats.org/markup-compatibility/2006">
+    <mc:Choice xmlns:p14="http://schemas.microsoft.com/office/powerpoint/2010/main" Requires="p14">
       <p:transition spd="med" p14:dur="700">
         <p:fade/>
       </p:transition>
     </mc:Choice>
-    <mc:Fallback xmlns="">
+    <mc:Fallback>
       <p:transition spd="med">
         <p:fade/>
       </p:transition>
@@ -16731,13 +16743,13 @@
   <p:clrMapOvr>
     <a:masterClrMapping/>
   </p:clrMapOvr>
-  <mc:AlternateContent xmlns:mc="http://schemas.openxmlformats.org/markup-compatibility/2006" xmlns:p14="http://schemas.microsoft.com/office/powerpoint/2010/main">
-    <mc:Choice Requires="p14">
+  <mc:AlternateContent xmlns:mc="http://schemas.openxmlformats.org/markup-compatibility/2006">
+    <mc:Choice xmlns:p14="http://schemas.microsoft.com/office/powerpoint/2010/main" Requires="p14">
       <p:transition spd="med" p14:dur="700">
         <p:fade/>
       </p:transition>
     </mc:Choice>
-    <mc:Fallback xmlns="">
+    <mc:Fallback>
       <p:transition spd="med">
         <p:fade/>
       </p:transition>
@@ -17081,13 +17093,13 @@
   <p:clrMapOvr>
     <a:masterClrMapping/>
   </p:clrMapOvr>
-  <mc:AlternateContent xmlns:mc="http://schemas.openxmlformats.org/markup-compatibility/2006" xmlns:p14="http://schemas.microsoft.com/office/powerpoint/2010/main">
-    <mc:Choice Requires="p14">
+  <mc:AlternateContent xmlns:mc="http://schemas.openxmlformats.org/markup-compatibility/2006">
+    <mc:Choice xmlns:p14="http://schemas.microsoft.com/office/powerpoint/2010/main" Requires="p14">
       <p:transition spd="med" p14:dur="700">
         <p:fade/>
       </p:transition>
     </mc:Choice>
-    <mc:Fallback xmlns="">
+    <mc:Fallback>
       <p:transition spd="med">
         <p:fade/>
       </p:transition>
@@ -17645,13 +17657,13 @@
   <p:clrMapOvr>
     <a:masterClrMapping/>
   </p:clrMapOvr>
-  <mc:AlternateContent xmlns:mc="http://schemas.openxmlformats.org/markup-compatibility/2006" xmlns:p14="http://schemas.microsoft.com/office/powerpoint/2010/main">
-    <mc:Choice Requires="p14">
+  <mc:AlternateContent xmlns:mc="http://schemas.openxmlformats.org/markup-compatibility/2006">
+    <mc:Choice xmlns:p14="http://schemas.microsoft.com/office/powerpoint/2010/main" Requires="p14">
       <p:transition spd="med" p14:dur="700">
         <p:fade/>
       </p:transition>
     </mc:Choice>
-    <mc:Fallback xmlns="">
+    <mc:Fallback>
       <p:transition spd="med">
         <p:fade/>
       </p:transition>
@@ -18382,13 +18394,13 @@
   <p:clrMapOvr>
     <a:masterClrMapping/>
   </p:clrMapOvr>
-  <mc:AlternateContent xmlns:mc="http://schemas.openxmlformats.org/markup-compatibility/2006" xmlns:p14="http://schemas.microsoft.com/office/powerpoint/2010/main">
-    <mc:Choice Requires="p14">
+  <mc:AlternateContent xmlns:mc="http://schemas.openxmlformats.org/markup-compatibility/2006">
+    <mc:Choice xmlns:p14="http://schemas.microsoft.com/office/powerpoint/2010/main" Requires="p14">
       <p:transition spd="med" p14:dur="700">
         <p:fade/>
       </p:transition>
     </mc:Choice>
-    <mc:Fallback xmlns="">
+    <mc:Fallback>
       <p:transition spd="med">
         <p:fade/>
       </p:transition>
@@ -19117,13 +19129,13 @@
   <p:clrMapOvr>
     <a:masterClrMapping/>
   </p:clrMapOvr>
-  <mc:AlternateContent xmlns:mc="http://schemas.openxmlformats.org/markup-compatibility/2006" xmlns:p14="http://schemas.microsoft.com/office/powerpoint/2010/main">
-    <mc:Choice Requires="p14">
+  <mc:AlternateContent xmlns:mc="http://schemas.openxmlformats.org/markup-compatibility/2006">
+    <mc:Choice xmlns:p14="http://schemas.microsoft.com/office/powerpoint/2010/main" Requires="p14">
       <p:transition spd="med" p14:dur="700">
         <p:fade/>
       </p:transition>
     </mc:Choice>
-    <mc:Fallback xmlns="">
+    <mc:Fallback>
       <p:transition spd="med">
         <p:fade/>
       </p:transition>
@@ -19939,13 +19951,13 @@
   <p:clrMapOvr>
     <a:masterClrMapping/>
   </p:clrMapOvr>
-  <mc:AlternateContent xmlns:mc="http://schemas.openxmlformats.org/markup-compatibility/2006" xmlns:p14="http://schemas.microsoft.com/office/powerpoint/2010/main">
-    <mc:Choice Requires="p14">
+  <mc:AlternateContent xmlns:mc="http://schemas.openxmlformats.org/markup-compatibility/2006">
+    <mc:Choice xmlns:p14="http://schemas.microsoft.com/office/powerpoint/2010/main" Requires="p14">
       <p:transition spd="med" p14:dur="700">
         <p:fade/>
       </p:transition>
     </mc:Choice>
-    <mc:Fallback xmlns="">
+    <mc:Fallback>
       <p:transition spd="med">
         <p:fade/>
       </p:transition>
@@ -20551,13 +20563,13 @@
   <p:clrMapOvr>
     <a:masterClrMapping/>
   </p:clrMapOvr>
-  <mc:AlternateContent xmlns:mc="http://schemas.openxmlformats.org/markup-compatibility/2006" xmlns:p14="http://schemas.microsoft.com/office/powerpoint/2010/main">
-    <mc:Choice Requires="p14">
+  <mc:AlternateContent xmlns:mc="http://schemas.openxmlformats.org/markup-compatibility/2006">
+    <mc:Choice xmlns:p14="http://schemas.microsoft.com/office/powerpoint/2010/main" Requires="p14">
       <p:transition spd="med" p14:dur="700">
         <p:fade/>
       </p:transition>
     </mc:Choice>
-    <mc:Fallback xmlns="">
+    <mc:Fallback>
       <p:transition spd="med">
         <p:fade/>
       </p:transition>
@@ -21072,13 +21084,13 @@
   <p:clrMapOvr>
     <a:masterClrMapping/>
   </p:clrMapOvr>
-  <mc:AlternateContent xmlns:mc="http://schemas.openxmlformats.org/markup-compatibility/2006" xmlns:p14="http://schemas.microsoft.com/office/powerpoint/2010/main">
-    <mc:Choice Requires="p14">
+  <mc:AlternateContent xmlns:mc="http://schemas.openxmlformats.org/markup-compatibility/2006">
+    <mc:Choice xmlns:p14="http://schemas.microsoft.com/office/powerpoint/2010/main" Requires="p14">
       <p:transition spd="med" p14:dur="700">
         <p:fade/>
       </p:transition>
     </mc:Choice>
-    <mc:Fallback xmlns="">
+    <mc:Fallback>
       <p:transition spd="med">
         <p:fade/>
       </p:transition>
@@ -21806,13 +21818,13 @@
   <p:clrMapOvr>
     <a:masterClrMapping/>
   </p:clrMapOvr>
-  <mc:AlternateContent xmlns:mc="http://schemas.openxmlformats.org/markup-compatibility/2006" xmlns:p14="http://schemas.microsoft.com/office/powerpoint/2010/main">
-    <mc:Choice Requires="p14">
+  <mc:AlternateContent xmlns:mc="http://schemas.openxmlformats.org/markup-compatibility/2006">
+    <mc:Choice xmlns:p14="http://schemas.microsoft.com/office/powerpoint/2010/main" Requires="p14">
       <p:transition spd="med" p14:dur="700">
         <p:fade/>
       </p:transition>
     </mc:Choice>
-    <mc:Fallback xmlns="">
+    <mc:Fallback>
       <p:transition spd="med">
         <p:fade/>
       </p:transition>
@@ -22717,13 +22729,13 @@
   <p:clrMapOvr>
     <a:masterClrMapping/>
   </p:clrMapOvr>
-  <mc:AlternateContent xmlns:mc="http://schemas.openxmlformats.org/markup-compatibility/2006" xmlns:p14="http://schemas.microsoft.com/office/powerpoint/2010/main">
-    <mc:Choice Requires="p14">
+  <mc:AlternateContent xmlns:mc="http://schemas.openxmlformats.org/markup-compatibility/2006">
+    <mc:Choice xmlns:p14="http://schemas.microsoft.com/office/powerpoint/2010/main" Requires="p14">
       <p:transition spd="med" p14:dur="700">
         <p:fade/>
       </p:transition>
     </mc:Choice>
-    <mc:Fallback xmlns="">
+    <mc:Fallback>
       <p:transition spd="med">
         <p:fade/>
       </p:transition>
@@ -23441,13 +23453,13 @@
   <p:clrMapOvr>
     <a:masterClrMapping/>
   </p:clrMapOvr>
-  <mc:AlternateContent xmlns:mc="http://schemas.openxmlformats.org/markup-compatibility/2006" xmlns:p14="http://schemas.microsoft.com/office/powerpoint/2010/main">
-    <mc:Choice Requires="p14">
+  <mc:AlternateContent xmlns:mc="http://schemas.openxmlformats.org/markup-compatibility/2006">
+    <mc:Choice xmlns:p14="http://schemas.microsoft.com/office/powerpoint/2010/main" Requires="p14">
       <p:transition spd="med" p14:dur="700">
         <p:fade/>
       </p:transition>
     </mc:Choice>
-    <mc:Fallback xmlns="">
+    <mc:Fallback>
       <p:transition spd="med">
         <p:fade/>
       </p:transition>
@@ -24870,13 +24882,13 @@
   <p:clrMapOvr>
     <a:masterClrMapping/>
   </p:clrMapOvr>
-  <mc:AlternateContent xmlns:mc="http://schemas.openxmlformats.org/markup-compatibility/2006" xmlns:p14="http://schemas.microsoft.com/office/powerpoint/2010/main">
-    <mc:Choice Requires="p14">
+  <mc:AlternateContent xmlns:mc="http://schemas.openxmlformats.org/markup-compatibility/2006">
+    <mc:Choice xmlns:p14="http://schemas.microsoft.com/office/powerpoint/2010/main" Requires="p14">
       <p:transition spd="med" p14:dur="700">
         <p:fade/>
       </p:transition>
     </mc:Choice>
-    <mc:Fallback xmlns="">
+    <mc:Fallback>
       <p:transition spd="med">
         <p:fade/>
       </p:transition>
@@ -25751,13 +25763,13 @@
   <p:clrMapOvr>
     <a:masterClrMapping/>
   </p:clrMapOvr>
-  <mc:AlternateContent xmlns:mc="http://schemas.openxmlformats.org/markup-compatibility/2006" xmlns:p14="http://schemas.microsoft.com/office/powerpoint/2010/main">
-    <mc:Choice Requires="p14">
+  <mc:AlternateContent xmlns:mc="http://schemas.openxmlformats.org/markup-compatibility/2006">
+    <mc:Choice xmlns:p14="http://schemas.microsoft.com/office/powerpoint/2010/main" Requires="p14">
       <p:transition spd="med" p14:dur="700">
         <p:fade/>
       </p:transition>
     </mc:Choice>
-    <mc:Fallback xmlns="">
+    <mc:Fallback>
       <p:transition spd="med">
         <p:fade/>
       </p:transition>
@@ -26486,13 +26498,13 @@
   <p:clrMapOvr>
     <a:masterClrMapping/>
   </p:clrMapOvr>
-  <mc:AlternateContent xmlns:mc="http://schemas.openxmlformats.org/markup-compatibility/2006" xmlns:p14="http://schemas.microsoft.com/office/powerpoint/2010/main">
-    <mc:Choice Requires="p14">
+  <mc:AlternateContent xmlns:mc="http://schemas.openxmlformats.org/markup-compatibility/2006">
+    <mc:Choice xmlns:p14="http://schemas.microsoft.com/office/powerpoint/2010/main" Requires="p14">
       <p:transition spd="med" p14:dur="700">
         <p:fade/>
       </p:transition>
     </mc:Choice>
-    <mc:Fallback xmlns="">
+    <mc:Fallback>
       <p:transition spd="med">
         <p:fade/>
       </p:transition>
@@ -26856,13 +26868,13 @@
   <p:clrMapOvr>
     <a:masterClrMapping/>
   </p:clrMapOvr>
-  <mc:AlternateContent xmlns:mc="http://schemas.openxmlformats.org/markup-compatibility/2006" xmlns:p14="http://schemas.microsoft.com/office/powerpoint/2010/main">
-    <mc:Choice Requires="p14">
+  <mc:AlternateContent xmlns:mc="http://schemas.openxmlformats.org/markup-compatibility/2006">
+    <mc:Choice xmlns:p14="http://schemas.microsoft.com/office/powerpoint/2010/main" Requires="p14">
       <p:transition spd="med" p14:dur="700">
         <p:fade/>
       </p:transition>
     </mc:Choice>
-    <mc:Fallback xmlns="">
+    <mc:Fallback>
       <p:transition spd="med">
         <p:fade/>
       </p:transition>
@@ -27235,13 +27247,13 @@
   <p:clrMapOvr>
     <a:masterClrMapping/>
   </p:clrMapOvr>
-  <mc:AlternateContent xmlns:mc="http://schemas.openxmlformats.org/markup-compatibility/2006" xmlns:p14="http://schemas.microsoft.com/office/powerpoint/2010/main">
-    <mc:Choice Requires="p14">
+  <mc:AlternateContent xmlns:mc="http://schemas.openxmlformats.org/markup-compatibility/2006">
+    <mc:Choice xmlns:p14="http://schemas.microsoft.com/office/powerpoint/2010/main" Requires="p14">
       <p:transition spd="med" p14:dur="700">
         <p:fade/>
       </p:transition>
     </mc:Choice>
-    <mc:Fallback xmlns="">
+    <mc:Fallback>
       <p:transition spd="med">
         <p:fade/>
       </p:transition>
@@ -27839,13 +27851,13 @@
   <p:clrMapOvr>
     <a:masterClrMapping/>
   </p:clrMapOvr>
-  <mc:AlternateContent xmlns:mc="http://schemas.openxmlformats.org/markup-compatibility/2006" xmlns:p14="http://schemas.microsoft.com/office/powerpoint/2010/main">
-    <mc:Choice Requires="p14">
+  <mc:AlternateContent xmlns:mc="http://schemas.openxmlformats.org/markup-compatibility/2006">
+    <mc:Choice xmlns:p14="http://schemas.microsoft.com/office/powerpoint/2010/main" Requires="p14">
       <p:transition spd="med" p14:dur="700">
         <p:fade/>
       </p:transition>
     </mc:Choice>
-    <mc:Fallback xmlns="">
+    <mc:Fallback>
       <p:transition spd="med">
         <p:fade/>
       </p:transition>
@@ -28323,13 +28335,13 @@
   <p:clrMapOvr>
     <a:masterClrMapping/>
   </p:clrMapOvr>
-  <mc:AlternateContent xmlns:mc="http://schemas.openxmlformats.org/markup-compatibility/2006" xmlns:p14="http://schemas.microsoft.com/office/powerpoint/2010/main">
-    <mc:Choice Requires="p14">
+  <mc:AlternateContent xmlns:mc="http://schemas.openxmlformats.org/markup-compatibility/2006">
+    <mc:Choice xmlns:p14="http://schemas.microsoft.com/office/powerpoint/2010/main" Requires="p14">
       <p:transition spd="med" p14:dur="700">
         <p:fade/>
       </p:transition>
     </mc:Choice>
-    <mc:Fallback xmlns="">
+    <mc:Fallback>
       <p:transition spd="med">
         <p:fade/>
       </p:transition>
@@ -28749,13 +28761,13 @@
   <p:clrMapOvr>
     <a:masterClrMapping/>
   </p:clrMapOvr>
-  <mc:AlternateContent xmlns:mc="http://schemas.openxmlformats.org/markup-compatibility/2006" xmlns:p14="http://schemas.microsoft.com/office/powerpoint/2010/main">
-    <mc:Choice Requires="p14">
+  <mc:AlternateContent xmlns:mc="http://schemas.openxmlformats.org/markup-compatibility/2006">
+    <mc:Choice xmlns:p14="http://schemas.microsoft.com/office/powerpoint/2010/main" Requires="p14">
       <p:transition spd="med" p14:dur="700">
         <p:fade/>
       </p:transition>
     </mc:Choice>
-    <mc:Fallback xmlns="">
+    <mc:Fallback>
       <p:transition spd="med">
         <p:fade/>
       </p:transition>
@@ -29160,13 +29172,13 @@
   <p:clrMapOvr>
     <a:masterClrMapping/>
   </p:clrMapOvr>
-  <mc:AlternateContent xmlns:mc="http://schemas.openxmlformats.org/markup-compatibility/2006" xmlns:p14="http://schemas.microsoft.com/office/powerpoint/2010/main">
-    <mc:Choice Requires="p14">
+  <mc:AlternateContent xmlns:mc="http://schemas.openxmlformats.org/markup-compatibility/2006">
+    <mc:Choice xmlns:p14="http://schemas.microsoft.com/office/powerpoint/2010/main" Requires="p14">
       <p:transition spd="med" p14:dur="700">
         <p:fade/>
       </p:transition>
     </mc:Choice>
-    <mc:Fallback xmlns="">
+    <mc:Fallback>
       <p:transition spd="med">
         <p:fade/>
       </p:transition>
@@ -30058,13 +30070,13 @@
   <p:clrMapOvr>
     <a:masterClrMapping/>
   </p:clrMapOvr>
-  <mc:AlternateContent xmlns:mc="http://schemas.openxmlformats.org/markup-compatibility/2006" xmlns:p14="http://schemas.microsoft.com/office/powerpoint/2010/main">
-    <mc:Choice Requires="p14">
+  <mc:AlternateContent xmlns:mc="http://schemas.openxmlformats.org/markup-compatibility/2006">
+    <mc:Choice xmlns:p14="http://schemas.microsoft.com/office/powerpoint/2010/main" Requires="p14">
       <p:transition spd="med" p14:dur="700">
         <p:fade/>
       </p:transition>
     </mc:Choice>
-    <mc:Fallback xmlns="">
+    <mc:Fallback>
       <p:transition spd="med">
         <p:fade/>
       </p:transition>
@@ -30835,13 +30847,13 @@
   <p:clrMapOvr>
     <a:masterClrMapping/>
   </p:clrMapOvr>
-  <mc:AlternateContent xmlns:mc="http://schemas.openxmlformats.org/markup-compatibility/2006" xmlns:p14="http://schemas.microsoft.com/office/powerpoint/2010/main">
-    <mc:Choice Requires="p14">
+  <mc:AlternateContent xmlns:mc="http://schemas.openxmlformats.org/markup-compatibility/2006">
+    <mc:Choice xmlns:p14="http://schemas.microsoft.com/office/powerpoint/2010/main" Requires="p14">
       <p:transition spd="med" p14:dur="700">
         <p:fade/>
       </p:transition>
     </mc:Choice>
-    <mc:Fallback xmlns="">
+    <mc:Fallback>
       <p:transition spd="med">
         <p:fade/>
       </p:transition>
@@ -31363,13 +31375,13 @@
   <p:clrMapOvr>
     <a:masterClrMapping/>
   </p:clrMapOvr>
-  <mc:AlternateContent xmlns:mc="http://schemas.openxmlformats.org/markup-compatibility/2006" xmlns:p14="http://schemas.microsoft.com/office/powerpoint/2010/main">
-    <mc:Choice Requires="p14">
+  <mc:AlternateContent xmlns:mc="http://schemas.openxmlformats.org/markup-compatibility/2006">
+    <mc:Choice xmlns:p14="http://schemas.microsoft.com/office/powerpoint/2010/main" Requires="p14">
       <p:transition spd="med" p14:dur="700">
         <p:fade/>
       </p:transition>
     </mc:Choice>
-    <mc:Fallback xmlns="">
+    <mc:Fallback>
       <p:transition spd="med">
         <p:fade/>
       </p:transition>
@@ -32030,13 +32042,13 @@
   <p:clrMapOvr>
     <a:masterClrMapping/>
   </p:clrMapOvr>
-  <mc:AlternateContent xmlns:mc="http://schemas.openxmlformats.org/markup-compatibility/2006" xmlns:p14="http://schemas.microsoft.com/office/powerpoint/2010/main">
-    <mc:Choice Requires="p14">
+  <mc:AlternateContent xmlns:mc="http://schemas.openxmlformats.org/markup-compatibility/2006">
+    <mc:Choice xmlns:p14="http://schemas.microsoft.com/office/powerpoint/2010/main" Requires="p14">
       <p:transition spd="med" p14:dur="700">
         <p:fade/>
       </p:transition>
     </mc:Choice>
-    <mc:Fallback xmlns="">
+    <mc:Fallback>
       <p:transition spd="med">
         <p:fade/>
       </p:transition>
@@ -32574,13 +32586,13 @@
   <p:clrMapOvr>
     <a:masterClrMapping/>
   </p:clrMapOvr>
-  <mc:AlternateContent xmlns:mc="http://schemas.openxmlformats.org/markup-compatibility/2006" xmlns:p14="http://schemas.microsoft.com/office/powerpoint/2010/main">
-    <mc:Choice Requires="p14">
+  <mc:AlternateContent xmlns:mc="http://schemas.openxmlformats.org/markup-compatibility/2006">
+    <mc:Choice xmlns:p14="http://schemas.microsoft.com/office/powerpoint/2010/main" Requires="p14">
       <p:transition spd="med" p14:dur="700">
         <p:fade/>
       </p:transition>
     </mc:Choice>
-    <mc:Fallback xmlns="">
+    <mc:Fallback>
       <p:transition spd="med">
         <p:fade/>
       </p:transition>
@@ -33035,13 +33047,13 @@
   <p:clrMapOvr>
     <a:masterClrMapping/>
   </p:clrMapOvr>
-  <mc:AlternateContent xmlns:mc="http://schemas.openxmlformats.org/markup-compatibility/2006" xmlns:p14="http://schemas.microsoft.com/office/powerpoint/2010/main">
-    <mc:Choice Requires="p14">
+  <mc:AlternateContent xmlns:mc="http://schemas.openxmlformats.org/markup-compatibility/2006">
+    <mc:Choice xmlns:p14="http://schemas.microsoft.com/office/powerpoint/2010/main" Requires="p14">
       <p:transition spd="med" p14:dur="700">
         <p:fade/>
       </p:transition>
     </mc:Choice>
-    <mc:Fallback xmlns="">
+    <mc:Fallback>
       <p:transition spd="med">
         <p:fade/>
       </p:transition>
@@ -33483,13 +33495,13 @@
   <p:clrMapOvr>
     <a:masterClrMapping/>
   </p:clrMapOvr>
-  <mc:AlternateContent xmlns:mc="http://schemas.openxmlformats.org/markup-compatibility/2006" xmlns:p14="http://schemas.microsoft.com/office/powerpoint/2010/main">
-    <mc:Choice Requires="p14">
+  <mc:AlternateContent xmlns:mc="http://schemas.openxmlformats.org/markup-compatibility/2006">
+    <mc:Choice xmlns:p14="http://schemas.microsoft.com/office/powerpoint/2010/main" Requires="p14">
       <p:transition spd="med" p14:dur="700">
         <p:fade/>
       </p:transition>
     </mc:Choice>
-    <mc:Fallback xmlns="">
+    <mc:Fallback>
       <p:transition spd="med">
         <p:fade/>
       </p:transition>
@@ -34053,13 +34065,13 @@
   <p:clrMapOvr>
     <a:masterClrMapping/>
   </p:clrMapOvr>
-  <mc:AlternateContent xmlns:mc="http://schemas.openxmlformats.org/markup-compatibility/2006" xmlns:p14="http://schemas.microsoft.com/office/powerpoint/2010/main">
-    <mc:Choice Requires="p14">
+  <mc:AlternateContent xmlns:mc="http://schemas.openxmlformats.org/markup-compatibility/2006">
+    <mc:Choice xmlns:p14="http://schemas.microsoft.com/office/powerpoint/2010/main" Requires="p14">
       <p:transition spd="med" p14:dur="700">
         <p:fade/>
       </p:transition>
     </mc:Choice>
-    <mc:Fallback xmlns="">
+    <mc:Fallback>
       <p:transition spd="med">
         <p:fade/>
       </p:transition>
@@ -34863,6 +34875,94 @@
           </a:p>
           <a:p>
             <a:r>
+              <a:rPr lang="en-US" altLang="zh-CN" dirty="0" err="1">
+                <a:latin typeface="Times New Roman" panose="02020603050405020304" pitchFamily="18" charset="0"/>
+                <a:ea typeface="Songti TC" panose="02010600040101010101" pitchFamily="2" charset="-120"/>
+                <a:cs typeface="Times New Roman" panose="02020603050405020304" pitchFamily="18" charset="0"/>
+              </a:rPr>
+              <a:t>stOOrz</a:t>
+            </a:r>
+            <a:r>
+              <a:rPr lang="zh-CN" altLang="en-US" dirty="0">
+                <a:latin typeface="Times New Roman" panose="02020603050405020304" pitchFamily="18" charset="0"/>
+                <a:ea typeface="Songti TC" panose="02010600040101010101" pitchFamily="2" charset="-120"/>
+                <a:cs typeface="Times New Roman" panose="02020603050405020304" pitchFamily="18" charset="0"/>
+              </a:rPr>
+              <a:t>讨论组</a:t>
+            </a:r>
+            <a:r>
+              <a:rPr lang="en-US" altLang="zh-CN" dirty="0">
+                <a:latin typeface="Times New Roman" panose="02020603050405020304" pitchFamily="18" charset="0"/>
+                <a:ea typeface="Songti TC" panose="02010600040101010101" pitchFamily="2" charset="-120"/>
+                <a:cs typeface="Times New Roman" panose="02020603050405020304" pitchFamily="18" charset="0"/>
+              </a:rPr>
+              <a:t>Discord</a:t>
+            </a:r>
+            <a:r>
+              <a:rPr lang="zh-CN" altLang="en-US" dirty="0">
+                <a:latin typeface="Times New Roman" panose="02020603050405020304" pitchFamily="18" charset="0"/>
+                <a:ea typeface="Songti TC" panose="02010600040101010101" pitchFamily="2" charset="-120"/>
+                <a:cs typeface="Times New Roman" panose="02020603050405020304" pitchFamily="18" charset="0"/>
+              </a:rPr>
+              <a:t>连接</a:t>
+            </a:r>
+            <a:r>
+              <a:rPr lang="en-GB" altLang="zh-CN" dirty="0">
+                <a:latin typeface="Times New Roman" panose="02020603050405020304" pitchFamily="18" charset="0"/>
+                <a:ea typeface="Songti TC" panose="02010600040101010101" pitchFamily="2" charset="-120"/>
+                <a:cs typeface="Times New Roman" panose="02020603050405020304" pitchFamily="18" charset="0"/>
+                <a:hlinkClick r:id="rId4"/>
+              </a:rPr>
+              <a:t>https://discord.gg/GjKDKh3G</a:t>
+            </a:r>
+            <a:r>
+              <a:rPr lang="zh-CN" altLang="en-US" dirty="0">
+                <a:latin typeface="Times New Roman" panose="02020603050405020304" pitchFamily="18" charset="0"/>
+                <a:ea typeface="Songti TC" panose="02010600040101010101" pitchFamily="2" charset="-120"/>
+                <a:cs typeface="Times New Roman" panose="02020603050405020304" pitchFamily="18" charset="0"/>
+              </a:rPr>
+              <a:t>，欢迎加入（</a:t>
+            </a:r>
+            <a:r>
+              <a:rPr lang="en-US" altLang="zh-CN" dirty="0">
+                <a:latin typeface="Times New Roman" panose="02020603050405020304" pitchFamily="18" charset="0"/>
+                <a:ea typeface="Songti TC" panose="02010600040101010101" pitchFamily="2" charset="-120"/>
+                <a:cs typeface="Times New Roman" panose="02020603050405020304" pitchFamily="18" charset="0"/>
+              </a:rPr>
+              <a:t>Students</a:t>
+            </a:r>
+            <a:r>
+              <a:rPr lang="zh-CN" altLang="en-US" dirty="0">
+                <a:latin typeface="Times New Roman" panose="02020603050405020304" pitchFamily="18" charset="0"/>
+                <a:ea typeface="Songti TC" panose="02010600040101010101" pitchFamily="2" charset="-120"/>
+                <a:cs typeface="Times New Roman" panose="02020603050405020304" pitchFamily="18" charset="0"/>
+              </a:rPr>
+              <a:t> </a:t>
+            </a:r>
+            <a:r>
+              <a:rPr lang="en-US" altLang="zh-CN" dirty="0">
+                <a:latin typeface="Times New Roman" panose="02020603050405020304" pitchFamily="18" charset="0"/>
+                <a:ea typeface="Songti TC" panose="02010600040101010101" pitchFamily="2" charset="-120"/>
+                <a:cs typeface="Times New Roman" panose="02020603050405020304" pitchFamily="18" charset="0"/>
+              </a:rPr>
+              <a:t>Only)</a:t>
+            </a:r>
+            <a:r>
+              <a:rPr lang="zh-CN" altLang="en-US" dirty="0">
+                <a:latin typeface="Times New Roman" panose="02020603050405020304" pitchFamily="18" charset="0"/>
+                <a:ea typeface="Songti TC" panose="02010600040101010101" pitchFamily="2" charset="-120"/>
+                <a:cs typeface="Times New Roman" panose="02020603050405020304" pitchFamily="18" charset="0"/>
+              </a:rPr>
+              <a:t>。</a:t>
+            </a:r>
+            <a:endParaRPr lang="en-US" altLang="zh-CN" dirty="0">
+              <a:latin typeface="Times New Roman" panose="02020603050405020304" pitchFamily="18" charset="0"/>
+              <a:ea typeface="Songti TC" panose="02010600040101010101" pitchFamily="2" charset="-120"/>
+              <a:cs typeface="Times New Roman" panose="02020603050405020304" pitchFamily="18" charset="0"/>
+            </a:endParaRPr>
+          </a:p>
+          <a:p>
+            <a:r>
               <a:rPr lang="en-US" dirty="0" err="1">
                 <a:latin typeface="Times New Roman" panose="02020603050405020304" pitchFamily="18" charset="0"/>
                 <a:ea typeface="Songti TC" panose="02010600040101010101" pitchFamily="2" charset="-120"/>
@@ -34876,7 +34976,23 @@
                 <a:ea typeface="Songti TC" panose="02010600040101010101" pitchFamily="2" charset="-120"/>
                 <a:cs typeface="Times New Roman" panose="02020603050405020304" pitchFamily="18" charset="0"/>
               </a:rPr>
-              <a:t>！</a:t>
+              <a:t>（</a:t>
+            </a:r>
+            <a:r>
+              <a:rPr lang="en-US" altLang="zh-CN" dirty="0">
+                <a:latin typeface="Times New Roman" panose="02020603050405020304" pitchFamily="18" charset="0"/>
+                <a:ea typeface="Songti TC" panose="02010600040101010101" pitchFamily="2" charset="-120"/>
+                <a:cs typeface="Times New Roman" panose="02020603050405020304" pitchFamily="18" charset="0"/>
+              </a:rPr>
+              <a:t>Students Only</a:t>
+            </a:r>
+            <a:r>
+              <a:rPr lang="zh-CN" altLang="en-US" dirty="0">
+                <a:latin typeface="Times New Roman" panose="02020603050405020304" pitchFamily="18" charset="0"/>
+                <a:ea typeface="Songti TC" panose="02010600040101010101" pitchFamily="2" charset="-120"/>
+                <a:cs typeface="Times New Roman" panose="02020603050405020304" pitchFamily="18" charset="0"/>
+              </a:rPr>
+              <a:t>）！</a:t>
             </a:r>
             <a:endParaRPr lang="en-CN" dirty="0">
               <a:latin typeface="Times New Roman" panose="02020603050405020304" pitchFamily="18" charset="0"/>
@@ -34901,13 +35017,13 @@
           <p:nvPr/>
         </p:nvPicPr>
         <p:blipFill rotWithShape="1">
-          <a:blip r:embed="rId4"/>
+          <a:blip r:embed="rId5"/>
           <a:srcRect l="9806" t="22114" r="9880" b="18699"/>
           <a:stretch/>
         </p:blipFill>
         <p:spPr>
           <a:xfrm>
-            <a:off x="9062694" y="4102985"/>
+            <a:off x="9574322" y="4333655"/>
             <a:ext cx="2310592" cy="2329792"/>
           </a:xfrm>
           <a:prstGeom prst="rect">
@@ -34930,7 +35046,7 @@
           <p:nvPr/>
         </p:nvPicPr>
         <p:blipFill rotWithShape="1">
-          <a:blip r:embed="rId5"/>
+          <a:blip r:embed="rId6"/>
           <a:srcRect l="10082" r="10082"/>
           <a:stretch/>
         </p:blipFill>
@@ -34954,13 +35070,13 @@
   <p:clrMapOvr>
     <a:masterClrMapping/>
   </p:clrMapOvr>
-  <mc:AlternateContent xmlns:mc="http://schemas.openxmlformats.org/markup-compatibility/2006" xmlns:p14="http://schemas.microsoft.com/office/powerpoint/2010/main">
-    <mc:Choice Requires="p14">
+  <mc:AlternateContent xmlns:mc="http://schemas.openxmlformats.org/markup-compatibility/2006">
+    <mc:Choice xmlns:p14="http://schemas.microsoft.com/office/powerpoint/2010/main" Requires="p14">
       <p:transition spd="med" p14:dur="700">
         <p:fade/>
       </p:transition>
     </mc:Choice>
-    <mc:Fallback xmlns="">
+    <mc:Fallback>
       <p:transition spd="med">
         <p:fade/>
       </p:transition>
@@ -35143,6 +35259,67 @@
                                           <p:spTgt spid="3">
                                             <p:txEl>
                                               <p:pRg st="2" end="2"/>
+                                            </p:txEl>
+                                          </p:spTgt>
+                                        </p:tgtEl>
+                                      </p:cBhvr>
+                                    </p:animEffect>
+                                  </p:childTnLst>
+                                </p:cTn>
+                              </p:par>
+                            </p:childTnLst>
+                          </p:cTn>
+                        </p:par>
+                      </p:childTnLst>
+                    </p:cTn>
+                  </p:par>
+                  <p:par>
+                    <p:cTn id="18" fill="hold">
+                      <p:stCondLst>
+                        <p:cond delay="indefinite"/>
+                      </p:stCondLst>
+                      <p:childTnLst>
+                        <p:par>
+                          <p:cTn id="19" fill="hold">
+                            <p:stCondLst>
+                              <p:cond delay="0"/>
+                            </p:stCondLst>
+                            <p:childTnLst>
+                              <p:par>
+                                <p:cTn id="20" presetID="9" presetClass="entr" presetSubtype="0" fill="hold" nodeType="clickEffect">
+                                  <p:stCondLst>
+                                    <p:cond delay="0"/>
+                                  </p:stCondLst>
+                                  <p:childTnLst>
+                                    <p:set>
+                                      <p:cBhvr>
+                                        <p:cTn id="21" dur="1" fill="hold">
+                                          <p:stCondLst>
+                                            <p:cond delay="0"/>
+                                          </p:stCondLst>
+                                        </p:cTn>
+                                        <p:tgtEl>
+                                          <p:spTgt spid="3">
+                                            <p:txEl>
+                                              <p:pRg st="3" end="3"/>
+                                            </p:txEl>
+                                          </p:spTgt>
+                                        </p:tgtEl>
+                                        <p:attrNameLst>
+                                          <p:attrName>style.visibility</p:attrName>
+                                        </p:attrNameLst>
+                                      </p:cBhvr>
+                                      <p:to>
+                                        <p:strVal val="visible"/>
+                                      </p:to>
+                                    </p:set>
+                                    <p:animEffect transition="in" filter="dissolve">
+                                      <p:cBhvr>
+                                        <p:cTn id="22" dur="500"/>
+                                        <p:tgtEl>
+                                          <p:spTgt spid="3">
+                                            <p:txEl>
+                                              <p:pRg st="3" end="3"/>
                                             </p:txEl>
                                           </p:spTgt>
                                         </p:tgtEl>
@@ -35689,13 +35866,13 @@
   <p:clrMapOvr>
     <a:masterClrMapping/>
   </p:clrMapOvr>
-  <mc:AlternateContent xmlns:mc="http://schemas.openxmlformats.org/markup-compatibility/2006" xmlns:p14="http://schemas.microsoft.com/office/powerpoint/2010/main">
-    <mc:Choice Requires="p14">
+  <mc:AlternateContent xmlns:mc="http://schemas.openxmlformats.org/markup-compatibility/2006">
+    <mc:Choice xmlns:p14="http://schemas.microsoft.com/office/powerpoint/2010/main" Requires="p14">
       <p:transition spd="med" p14:dur="700">
         <p:fade/>
       </p:transition>
     </mc:Choice>
-    <mc:Fallback xmlns="">
+    <mc:Fallback>
       <p:transition spd="med">
         <p:fade/>
       </p:transition>
@@ -36288,13 +36465,13 @@
   <p:clrMapOvr>
     <a:masterClrMapping/>
   </p:clrMapOvr>
-  <mc:AlternateContent xmlns:mc="http://schemas.openxmlformats.org/markup-compatibility/2006" xmlns:p14="http://schemas.microsoft.com/office/powerpoint/2010/main">
-    <mc:Choice Requires="p14">
+  <mc:AlternateContent xmlns:mc="http://schemas.openxmlformats.org/markup-compatibility/2006">
+    <mc:Choice xmlns:p14="http://schemas.microsoft.com/office/powerpoint/2010/main" Requires="p14">
       <p:transition spd="med" p14:dur="700">
         <p:fade/>
       </p:transition>
     </mc:Choice>
-    <mc:Fallback xmlns="">
+    <mc:Fallback>
       <p:transition spd="med">
         <p:fade/>
       </p:transition>
@@ -37388,13 +37565,13 @@
   <p:clrMapOvr>
     <a:masterClrMapping/>
   </p:clrMapOvr>
-  <mc:AlternateContent xmlns:mc="http://schemas.openxmlformats.org/markup-compatibility/2006" xmlns:p14="http://schemas.microsoft.com/office/powerpoint/2010/main">
-    <mc:Choice Requires="p14">
+  <mc:AlternateContent xmlns:mc="http://schemas.openxmlformats.org/markup-compatibility/2006">
+    <mc:Choice xmlns:p14="http://schemas.microsoft.com/office/powerpoint/2010/main" Requires="p14">
       <p:transition spd="med" p14:dur="700">
         <p:fade/>
       </p:transition>
     </mc:Choice>
-    <mc:Fallback xmlns="">
+    <mc:Fallback>
       <p:transition spd="med">
         <p:fade/>
       </p:transition>
@@ -38020,13 +38197,13 @@
   <p:clrMapOvr>
     <a:masterClrMapping/>
   </p:clrMapOvr>
-  <mc:AlternateContent xmlns:mc="http://schemas.openxmlformats.org/markup-compatibility/2006" xmlns:p14="http://schemas.microsoft.com/office/powerpoint/2010/main">
-    <mc:Choice Requires="p14">
+  <mc:AlternateContent xmlns:mc="http://schemas.openxmlformats.org/markup-compatibility/2006">
+    <mc:Choice xmlns:p14="http://schemas.microsoft.com/office/powerpoint/2010/main" Requires="p14">
       <p:transition spd="med" p14:dur="700">
         <p:fade/>
       </p:transition>
     </mc:Choice>
-    <mc:Fallback xmlns="">
+    <mc:Fallback>
       <p:transition spd="med">
         <p:fade/>
       </p:transition>
@@ -38516,13 +38693,13 @@
   <p:clrMapOvr>
     <a:masterClrMapping/>
   </p:clrMapOvr>
-  <mc:AlternateContent xmlns:mc="http://schemas.openxmlformats.org/markup-compatibility/2006" xmlns:p14="http://schemas.microsoft.com/office/powerpoint/2010/main">
-    <mc:Choice Requires="p14">
+  <mc:AlternateContent xmlns:mc="http://schemas.openxmlformats.org/markup-compatibility/2006">
+    <mc:Choice xmlns:p14="http://schemas.microsoft.com/office/powerpoint/2010/main" Requires="p14">
       <p:transition spd="med" p14:dur="700">
         <p:fade/>
       </p:transition>
     </mc:Choice>
-    <mc:Fallback xmlns="">
+    <mc:Fallback>
       <p:transition spd="med">
         <p:fade/>
       </p:transition>
